--- a/Slides/AZ-104T00A-ENU-PowerPoint_01 - done.pptx
+++ b/Slides/AZ-104T00A-ENU-PowerPoint_01 - done.pptx
@@ -5,10 +5,10 @@
     <p:sldMasterId id="2147484551" r:id="rId1"/>
   </p:sldMasterIdLst>
   <p:notesMasterIdLst>
-    <p:notesMasterId r:id="rId38"/>
+    <p:notesMasterId r:id="rId41"/>
   </p:notesMasterIdLst>
   <p:handoutMasterIdLst>
-    <p:handoutMasterId r:id="rId39"/>
+    <p:handoutMasterId r:id="rId42"/>
   </p:handoutMasterIdLst>
   <p:sldIdLst>
     <p:sldId id="1719" r:id="rId2"/>
@@ -25,28 +25,31 @@
     <p:sldId id="2533" r:id="rId13"/>
     <p:sldId id="2587" r:id="rId14"/>
     <p:sldId id="2584" r:id="rId15"/>
-    <p:sldId id="2567" r:id="rId16"/>
-    <p:sldId id="2147469676" r:id="rId17"/>
-    <p:sldId id="1850" r:id="rId18"/>
-    <p:sldId id="2147469678" r:id="rId19"/>
-    <p:sldId id="2241" r:id="rId20"/>
-    <p:sldId id="2566" r:id="rId21"/>
-    <p:sldId id="2578" r:id="rId22"/>
-    <p:sldId id="1953" r:id="rId23"/>
-    <p:sldId id="2147469679" r:id="rId24"/>
-    <p:sldId id="1954" r:id="rId25"/>
-    <p:sldId id="2581" r:id="rId26"/>
-    <p:sldId id="1660" r:id="rId27"/>
-    <p:sldId id="2147469680" r:id="rId28"/>
-    <p:sldId id="2585" r:id="rId29"/>
-    <p:sldId id="2583" r:id="rId30"/>
-    <p:sldId id="2018" r:id="rId31"/>
-    <p:sldId id="2147469681" r:id="rId32"/>
-    <p:sldId id="2582" r:id="rId33"/>
-    <p:sldId id="2007" r:id="rId34"/>
-    <p:sldId id="1907" r:id="rId35"/>
-    <p:sldId id="2580" r:id="rId36"/>
-    <p:sldId id="2579" r:id="rId37"/>
+    <p:sldId id="2147469682" r:id="rId16"/>
+    <p:sldId id="2147469683" r:id="rId17"/>
+    <p:sldId id="2147469684" r:id="rId18"/>
+    <p:sldId id="2567" r:id="rId19"/>
+    <p:sldId id="2147469676" r:id="rId20"/>
+    <p:sldId id="1850" r:id="rId21"/>
+    <p:sldId id="2147469678" r:id="rId22"/>
+    <p:sldId id="2241" r:id="rId23"/>
+    <p:sldId id="2566" r:id="rId24"/>
+    <p:sldId id="2578" r:id="rId25"/>
+    <p:sldId id="1953" r:id="rId26"/>
+    <p:sldId id="2147469679" r:id="rId27"/>
+    <p:sldId id="1954" r:id="rId28"/>
+    <p:sldId id="2581" r:id="rId29"/>
+    <p:sldId id="1660" r:id="rId30"/>
+    <p:sldId id="2147469680" r:id="rId31"/>
+    <p:sldId id="2585" r:id="rId32"/>
+    <p:sldId id="2583" r:id="rId33"/>
+    <p:sldId id="2018" r:id="rId34"/>
+    <p:sldId id="2147469681" r:id="rId35"/>
+    <p:sldId id="2582" r:id="rId36"/>
+    <p:sldId id="2007" r:id="rId37"/>
+    <p:sldId id="1907" r:id="rId38"/>
+    <p:sldId id="2580" r:id="rId39"/>
+    <p:sldId id="2579" r:id="rId40"/>
   </p:sldIdLst>
   <p:sldSz cx="12436475" cy="6994525"/>
   <p:notesSz cx="6858000" cy="9144000"/>
@@ -168,6 +171,9 @@
             <p14:sldId id="2533"/>
             <p14:sldId id="2587"/>
             <p14:sldId id="2584"/>
+            <p14:sldId id="2147469682"/>
+            <p14:sldId id="2147469683"/>
+            <p14:sldId id="2147469684"/>
             <p14:sldId id="2567"/>
             <p14:sldId id="2147469676"/>
             <p14:sldId id="1850"/>
@@ -329,7 +335,7 @@
               <a:rPr lang="en-US" smtClean="0">
                 <a:latin typeface="Segoe UI" pitchFamily="34" charset="0"/>
               </a:rPr>
-              <a:t>11/29/2022 5:30 PM</a:t>
+              <a:t>12/11/2022 4:40 PM</a:t>
             </a:fld>
             <a:endParaRPr lang="en-US" dirty="0">
               <a:latin typeface="Segoe UI" pitchFamily="34" charset="0"/>
@@ -607,7 +613,7 @@
           <a:p>
             <a:fld id="{DCE60099-03E7-4FA1-8A7F-E6E6CFB0F855}" type="datetime8">
               <a:rPr lang="en-US" smtClean="0"/>
-              <a:t>11/29/2022 5:21 PM</a:t>
+              <a:t>12/11/2022 4:39 PM</a:t>
             </a:fld>
             <a:endParaRPr lang="en-US" dirty="0"/>
           </a:p>
@@ -1073,7 +1079,7 @@
                 <a:tabLst/>
                 <a:defRPr/>
               </a:pPr>
-              <a:t>11/29/2022 5:21 PM</a:t>
+              <a:t>12/11/2022 4:39 PM</a:t>
             </a:fld>
             <a:endParaRPr kumimoji="0" lang="en-US" sz="1200" b="0" i="0" u="none" strike="noStrike" kern="1200" cap="none" spc="0" normalizeH="0" baseline="0" noProof="0" dirty="0">
               <a:ln>
@@ -1276,7 +1282,7 @@
           <a:p>
             <a:fld id="{8507DC7E-BC41-4478-BA30-CBCC3A644F0A}" type="slidenum">
               <a:rPr lang="en-US" smtClean="0"/>
-              <a:t>15</a:t>
+              <a:t>18</a:t>
             </a:fld>
             <a:endParaRPr lang="en-US" dirty="0"/>
           </a:p>
@@ -1421,7 +1427,7 @@
             <a:fld id="{B4008EB6-D09E-4580-8CD6-DDB14511944F}" type="slidenum">
               <a:rPr lang="en-US" smtClean="0"/>
               <a:pPr/>
-              <a:t>17</a:t>
+              <a:t>20</a:t>
             </a:fld>
             <a:endParaRPr lang="en-US"/>
           </a:p>
@@ -1600,7 +1606,7 @@
             <a:fld id="{B4008EB6-D09E-4580-8CD6-DDB14511944F}" type="slidenum">
               <a:rPr lang="en-US" smtClean="0"/>
               <a:pPr/>
-              <a:t>18</a:t>
+              <a:t>21</a:t>
             </a:fld>
             <a:endParaRPr lang="en-US" dirty="0"/>
           </a:p>
@@ -2062,7 +2068,7 @@
           <a:p>
             <a:fld id="{8507DC7E-BC41-4478-BA30-CBCC3A644F0A}" type="slidenum">
               <a:rPr lang="en-US" smtClean="0"/>
-              <a:t>19</a:t>
+              <a:t>22</a:t>
             </a:fld>
             <a:endParaRPr lang="en-US" dirty="0"/>
           </a:p>
@@ -2276,7 +2282,7 @@
           <a:p>
             <a:fld id="{8507DC7E-BC41-4478-BA30-CBCC3A644F0A}" type="slidenum">
               <a:rPr lang="en-US" smtClean="0"/>
-              <a:t>21</a:t>
+              <a:t>24</a:t>
             </a:fld>
             <a:endParaRPr lang="en-US" dirty="0"/>
           </a:p>
@@ -2430,7 +2436,7 @@
           <a:p>
             <a:fld id="{9427A7F7-BB1E-479D-AFAA-B52F4D0C99F2}" type="datetime8">
               <a:rPr lang="en-US" smtClean="0"/>
-              <a:t>11/29/2022 5:21 PM</a:t>
+              <a:t>12/11/2022 4:39 PM</a:t>
             </a:fld>
             <a:endParaRPr lang="en-US" dirty="0"/>
           </a:p>
@@ -2454,7 +2460,7 @@
             <a:fld id="{B4008EB6-D09E-4580-8CD6-DDB14511944F}" type="slidenum">
               <a:rPr lang="en-US" smtClean="0"/>
               <a:pPr/>
-              <a:t>22</a:t>
+              <a:t>25</a:t>
             </a:fld>
             <a:endParaRPr lang="en-US" dirty="0"/>
           </a:p>
@@ -2710,7 +2716,7 @@
             <a:fld id="{B4008EB6-D09E-4580-8CD6-DDB14511944F}" type="slidenum">
               <a:rPr lang="en-US" smtClean="0"/>
               <a:pPr/>
-              <a:t>23</a:t>
+              <a:t>26</a:t>
             </a:fld>
             <a:endParaRPr lang="en-US" dirty="0"/>
           </a:p>
@@ -2881,7 +2887,7 @@
           <a:p>
             <a:fld id="{72E0C910-0166-48E0-B8EF-5071277A02A8}" type="datetime8">
               <a:rPr lang="en-US" smtClean="0"/>
-              <a:t>11/29/2022 5:21 PM</a:t>
+              <a:t>12/11/2022 4:39 PM</a:t>
             </a:fld>
             <a:endParaRPr lang="en-US" dirty="0"/>
           </a:p>
@@ -2905,7 +2911,7 @@
             <a:fld id="{B4008EB6-D09E-4580-8CD6-DDB14511944F}" type="slidenum">
               <a:rPr lang="en-US" smtClean="0"/>
               <a:pPr/>
-              <a:t>24</a:t>
+              <a:t>27</a:t>
             </a:fld>
             <a:endParaRPr lang="en-US" dirty="0"/>
           </a:p>
@@ -3232,7 +3238,7 @@
           <a:p>
             <a:fld id="{9427A7F7-BB1E-479D-AFAA-B52F4D0C99F2}" type="datetime8">
               <a:rPr lang="en-US" smtClean="0"/>
-              <a:t>11/29/2022 5:21 PM</a:t>
+              <a:t>12/11/2022 4:39 PM</a:t>
             </a:fld>
             <a:endParaRPr lang="en-US" dirty="0"/>
           </a:p>
@@ -3256,7 +3262,7 @@
             <a:fld id="{B4008EB6-D09E-4580-8CD6-DDB14511944F}" type="slidenum">
               <a:rPr lang="en-US" smtClean="0"/>
               <a:pPr/>
-              <a:t>25</a:t>
+              <a:t>28</a:t>
             </a:fld>
             <a:endParaRPr lang="en-US" dirty="0"/>
           </a:p>
@@ -3466,7 +3472,7 @@
           <a:p>
             <a:fld id="{72E0C910-0166-48E0-B8EF-5071277A02A8}" type="datetime8">
               <a:rPr lang="en-US" smtClean="0"/>
-              <a:t>11/29/2022 5:21 PM</a:t>
+              <a:t>12/11/2022 4:39 PM</a:t>
             </a:fld>
             <a:endParaRPr lang="en-US" dirty="0"/>
           </a:p>
@@ -3490,7 +3496,7 @@
             <a:fld id="{B4008EB6-D09E-4580-8CD6-DDB14511944F}" type="slidenum">
               <a:rPr lang="en-US" smtClean="0"/>
               <a:pPr/>
-              <a:t>26</a:t>
+              <a:t>29</a:t>
             </a:fld>
             <a:endParaRPr lang="en-US" dirty="0"/>
           </a:p>
@@ -3734,7 +3740,7 @@
             <a:fld id="{B4008EB6-D09E-4580-8CD6-DDB14511944F}" type="slidenum">
               <a:rPr lang="en-US" smtClean="0"/>
               <a:pPr/>
-              <a:t>28</a:t>
+              <a:t>31</a:t>
             </a:fld>
             <a:endParaRPr lang="en-US" dirty="0"/>
           </a:p>
@@ -3924,7 +3930,7 @@
             <a:fld id="{B4008EB6-D09E-4580-8CD6-DDB14511944F}" type="slidenum">
               <a:rPr lang="en-US" smtClean="0"/>
               <a:pPr/>
-              <a:t>29</a:t>
+              <a:t>32</a:t>
             </a:fld>
             <a:endParaRPr lang="en-US" dirty="0"/>
           </a:p>
@@ -4038,7 +4044,7 @@
           <a:p>
             <a:fld id="{8507DC7E-BC41-4478-BA30-CBCC3A644F0A}" type="slidenum">
               <a:rPr lang="en-US" smtClean="0"/>
-              <a:t>30</a:t>
+              <a:t>33</a:t>
             </a:fld>
             <a:endParaRPr lang="en-US" dirty="0"/>
           </a:p>
@@ -4214,7 +4220,7 @@
             <a:fld id="{B4008EB6-D09E-4580-8CD6-DDB14511944F}" type="slidenum">
               <a:rPr lang="en-US" smtClean="0"/>
               <a:pPr/>
-              <a:t>31</a:t>
+              <a:t>34</a:t>
             </a:fld>
             <a:endParaRPr lang="en-US" dirty="0"/>
           </a:p>
@@ -4391,7 +4397,7 @@
           <a:p>
             <a:fld id="{8507DC7E-BC41-4478-BA30-CBCC3A644F0A}" type="slidenum">
               <a:rPr lang="en-US" smtClean="0"/>
-              <a:t>32</a:t>
+              <a:t>35</a:t>
             </a:fld>
             <a:endParaRPr lang="en-US" dirty="0"/>
           </a:p>
@@ -4598,7 +4604,7 @@
           <a:p>
             <a:fld id="{386CE63F-9E7F-4C04-9D0D-FCA25A8E9E86}" type="datetime8">
               <a:rPr lang="en-US" smtClean="0"/>
-              <a:t>11/29/2022 5:21 PM</a:t>
+              <a:t>12/11/2022 4:39 PM</a:t>
             </a:fld>
             <a:endParaRPr lang="en-US" dirty="0"/>
           </a:p>
@@ -4622,7 +4628,7 @@
             <a:fld id="{B4008EB6-D09E-4580-8CD6-DDB14511944F}" type="slidenum">
               <a:rPr lang="en-US" smtClean="0"/>
               <a:pPr/>
-              <a:t>34</a:t>
+              <a:t>37</a:t>
             </a:fld>
             <a:endParaRPr lang="en-US" dirty="0"/>
           </a:p>
@@ -4764,7 +4770,7 @@
             <a:fld id="{B4008EB6-D09E-4580-8CD6-DDB14511944F}" type="slidenum">
               <a:rPr lang="en-US" smtClean="0"/>
               <a:pPr/>
-              <a:t>35</a:t>
+              <a:t>38</a:t>
             </a:fld>
             <a:endParaRPr lang="en-US" dirty="0"/>
           </a:p>
@@ -5177,7 +5183,7 @@
           <a:p>
             <a:fld id="{9427A7F7-BB1E-479D-AFAA-B52F4D0C99F2}" type="datetime8">
               <a:rPr lang="en-US" smtClean="0"/>
-              <a:t>11/29/2022 5:21 PM</a:t>
+              <a:t>12/11/2022 4:39 PM</a:t>
             </a:fld>
             <a:endParaRPr lang="en-US" dirty="0"/>
           </a:p>
@@ -5810,7 +5816,7 @@
           <a:p>
             <a:fld id="{9427A7F7-BB1E-479D-AFAA-B52F4D0C99F2}" type="datetime8">
               <a:rPr lang="en-US" smtClean="0"/>
-              <a:t>11/29/2022 5:21 PM</a:t>
+              <a:t>12/11/2022 4:39 PM</a:t>
             </a:fld>
             <a:endParaRPr lang="en-US" dirty="0"/>
           </a:p>
@@ -6060,7 +6066,7 @@
           <a:p>
             <a:fld id="{9427A7F7-BB1E-479D-AFAA-B52F4D0C99F2}" type="datetime8">
               <a:rPr lang="en-US" smtClean="0"/>
-              <a:t>11/29/2022 5:21 PM</a:t>
+              <a:t>12/11/2022 4:39 PM</a:t>
             </a:fld>
             <a:endParaRPr lang="en-US" dirty="0"/>
           </a:p>
@@ -6183,6 +6189,23 @@
             <a:endParaRPr lang="en-US" sz="800" dirty="0"/>
           </a:p>
           <a:p>
+            <a:r>
+              <a:rPr lang="en-US" sz="800" dirty="0"/>
+              <a:t>Device </a:t>
+            </a:r>
+            <a:r>
+              <a:rPr lang="en-US" sz="800" dirty="0" err="1"/>
+              <a:t>identies</a:t>
+            </a:r>
+            <a:r>
+              <a:rPr lang="en-US" sz="800" dirty="0"/>
+              <a:t> are used to help administrators making access and policy decisions – which dictated what services they can access. </a:t>
+            </a:r>
+          </a:p>
+          <a:p>
+            <a:endParaRPr lang="en-US" sz="800" dirty="0"/>
+          </a:p>
+          <a:p>
             <a:endParaRPr lang="en-US" dirty="0"/>
           </a:p>
         </p:txBody>
@@ -6261,7 +6284,7 @@
           <a:p>
             <a:fld id="{386CE63F-9E7F-4C04-9D0D-FCA25A8E9E86}" type="datetime8">
               <a:rPr lang="en-US" smtClean="0"/>
-              <a:t>11/29/2022 5:21 PM</a:t>
+              <a:t>12/11/2022 4:39 PM</a:t>
             </a:fld>
             <a:endParaRPr lang="en-US" dirty="0"/>
           </a:p>
@@ -17416,6 +17439,1164 @@
           <p:cNvPr id="2" name="Title 1">
             <a:extLst>
               <a:ext uri="{FF2B5EF4-FFF2-40B4-BE49-F238E27FC236}">
+                <a16:creationId xmlns:a16="http://schemas.microsoft.com/office/drawing/2014/main" id="{B873FAE3-9EB6-01B9-0122-1A0608F43160}"/>
+              </a:ext>
+            </a:extLst>
+          </p:cNvPr>
+          <p:cNvSpPr>
+            <a:spLocks noGrp="1"/>
+          </p:cNvSpPr>
+          <p:nvPr>
+            <p:ph type="title"/>
+          </p:nvPr>
+        </p:nvSpPr>
+        <p:spPr/>
+        <p:txBody>
+          <a:bodyPr/>
+          <a:lstStyle/>
+          <a:p>
+            <a:r>
+              <a:rPr lang="en-GB" dirty="0"/>
+              <a:t>AAD Registered Devices</a:t>
+            </a:r>
+          </a:p>
+        </p:txBody>
+      </p:sp>
+      <p:pic>
+        <p:nvPicPr>
+          <p:cNvPr id="1026" name="Picture 2" descr="Azure AD registered devices">
+            <a:extLst>
+              <a:ext uri="{FF2B5EF4-FFF2-40B4-BE49-F238E27FC236}">
+                <a16:creationId xmlns:a16="http://schemas.microsoft.com/office/drawing/2014/main" id="{9E24075D-EA0E-EFB5-5E34-1369C25F2A2B}"/>
+              </a:ext>
+            </a:extLst>
+          </p:cNvPr>
+          <p:cNvPicPr>
+            <a:picLocks noChangeAspect="1" noChangeArrowheads="1"/>
+          </p:cNvPicPr>
+          <p:nvPr/>
+        </p:nvPicPr>
+        <p:blipFill>
+          <a:blip r:embed="rId2">
+            <a:extLst>
+              <a:ext uri="{28A0092B-C50C-407E-A947-70E740481C1C}">
+                <a14:useLocalDpi xmlns:a14="http://schemas.microsoft.com/office/drawing/2010/main" val="0"/>
+              </a:ext>
+            </a:extLst>
+          </a:blip>
+          <a:srcRect/>
+          <a:stretch>
+            <a:fillRect/>
+          </a:stretch>
+        </p:blipFill>
+        <p:spPr bwMode="auto">
+          <a:xfrm>
+            <a:off x="8683625" y="1043941"/>
+            <a:ext cx="3314700" cy="4476750"/>
+          </a:xfrm>
+          <a:prstGeom prst="rect">
+            <a:avLst/>
+          </a:prstGeom>
+          <a:noFill/>
+          <a:extLst>
+            <a:ext uri="{909E8E84-426E-40DD-AFC4-6F175D3DCCD1}">
+              <a14:hiddenFill xmlns:a14="http://schemas.microsoft.com/office/drawing/2010/main">
+                <a:solidFill>
+                  <a:srgbClr val="FFFFFF"/>
+                </a:solidFill>
+              </a14:hiddenFill>
+            </a:ext>
+          </a:extLst>
+        </p:spPr>
+      </p:pic>
+      <p:sp>
+        <p:nvSpPr>
+          <p:cNvPr id="3" name="TextBox 2">
+            <a:extLst>
+              <a:ext uri="{FF2B5EF4-FFF2-40B4-BE49-F238E27FC236}">
+                <a16:creationId xmlns:a16="http://schemas.microsoft.com/office/drawing/2014/main" id="{7C7CE709-5279-6D52-4B03-1C9F84B49595}"/>
+              </a:ext>
+            </a:extLst>
+          </p:cNvPr>
+          <p:cNvSpPr txBox="1"/>
+          <p:nvPr/>
+        </p:nvSpPr>
+        <p:spPr>
+          <a:xfrm>
+            <a:off x="465138" y="1324947"/>
+            <a:ext cx="7979066" cy="5386090"/>
+          </a:xfrm>
+          <a:prstGeom prst="rect">
+            <a:avLst/>
+          </a:prstGeom>
+          <a:noFill/>
+        </p:spPr>
+        <p:txBody>
+          <a:bodyPr wrap="square" lIns="182880" tIns="146304" rIns="182880" bIns="146304" rtlCol="0">
+            <a:spAutoFit/>
+          </a:bodyPr>
+          <a:lstStyle/>
+          <a:p>
+            <a:pPr>
+              <a:lnSpc>
+                <a:spcPct val="90000"/>
+              </a:lnSpc>
+              <a:spcAft>
+                <a:spcPts val="600"/>
+              </a:spcAft>
+            </a:pPr>
+            <a:r>
+              <a:rPr lang="en-GB" sz="2400" dirty="0">
+                <a:gradFill>
+                  <a:gsLst>
+                    <a:gs pos="2917">
+                      <a:schemeClr val="tx1"/>
+                    </a:gs>
+                    <a:gs pos="30000">
+                      <a:schemeClr val="tx1"/>
+                    </a:gs>
+                  </a:gsLst>
+                  <a:lin ang="5400000" scaled="0"/>
+                </a:gradFill>
+              </a:rPr>
+              <a:t>Device is typically owned by an individual. </a:t>
+            </a:r>
+          </a:p>
+          <a:p>
+            <a:pPr>
+              <a:lnSpc>
+                <a:spcPct val="90000"/>
+              </a:lnSpc>
+              <a:spcAft>
+                <a:spcPts val="600"/>
+              </a:spcAft>
+            </a:pPr>
+            <a:endParaRPr lang="en-GB" sz="2400" dirty="0">
+              <a:gradFill>
+                <a:gsLst>
+                  <a:gs pos="2917">
+                    <a:schemeClr val="tx1"/>
+                  </a:gs>
+                  <a:gs pos="30000">
+                    <a:schemeClr val="tx1"/>
+                  </a:gs>
+                </a:gsLst>
+                <a:lin ang="5400000" scaled="0"/>
+              </a:gradFill>
+            </a:endParaRPr>
+          </a:p>
+          <a:p>
+            <a:pPr>
+              <a:lnSpc>
+                <a:spcPct val="90000"/>
+              </a:lnSpc>
+              <a:spcAft>
+                <a:spcPts val="600"/>
+              </a:spcAft>
+            </a:pPr>
+            <a:r>
+              <a:rPr lang="en-GB" sz="2400" dirty="0">
+                <a:gradFill>
+                  <a:gsLst>
+                    <a:gs pos="2917">
+                      <a:schemeClr val="tx1"/>
+                    </a:gs>
+                    <a:gs pos="30000">
+                      <a:schemeClr val="tx1"/>
+                    </a:gs>
+                  </a:gsLst>
+                  <a:lin ang="5400000" scaled="0"/>
+                </a:gradFill>
+              </a:rPr>
+              <a:t>Must be Windows 10 or newer. </a:t>
+            </a:r>
+          </a:p>
+          <a:p>
+            <a:pPr>
+              <a:lnSpc>
+                <a:spcPct val="90000"/>
+              </a:lnSpc>
+              <a:spcAft>
+                <a:spcPts val="600"/>
+              </a:spcAft>
+            </a:pPr>
+            <a:endParaRPr lang="en-GB" sz="2400" dirty="0">
+              <a:gradFill>
+                <a:gsLst>
+                  <a:gs pos="2917">
+                    <a:schemeClr val="tx1"/>
+                  </a:gs>
+                  <a:gs pos="30000">
+                    <a:schemeClr val="tx1"/>
+                  </a:gs>
+                </a:gsLst>
+                <a:lin ang="5400000" scaled="0"/>
+              </a:gradFill>
+            </a:endParaRPr>
+          </a:p>
+          <a:p>
+            <a:pPr>
+              <a:lnSpc>
+                <a:spcPct val="90000"/>
+              </a:lnSpc>
+              <a:spcAft>
+                <a:spcPts val="600"/>
+              </a:spcAft>
+            </a:pPr>
+            <a:r>
+              <a:rPr lang="en-GB" sz="2400" dirty="0">
+                <a:gradFill>
+                  <a:gsLst>
+                    <a:gs pos="2917">
+                      <a:schemeClr val="tx1"/>
+                    </a:gs>
+                    <a:gs pos="30000">
+                      <a:schemeClr val="tx1"/>
+                    </a:gs>
+                  </a:gsLst>
+                  <a:lin ang="5400000" scaled="0"/>
+                </a:gradFill>
+              </a:rPr>
+              <a:t>Supports BYOD scenarios for corporate system access.</a:t>
+            </a:r>
+          </a:p>
+          <a:p>
+            <a:pPr>
+              <a:lnSpc>
+                <a:spcPct val="90000"/>
+              </a:lnSpc>
+              <a:spcAft>
+                <a:spcPts val="600"/>
+              </a:spcAft>
+            </a:pPr>
+            <a:endParaRPr lang="en-GB" sz="2400" dirty="0">
+              <a:gradFill>
+                <a:gsLst>
+                  <a:gs pos="2917">
+                    <a:schemeClr val="tx1"/>
+                  </a:gs>
+                  <a:gs pos="30000">
+                    <a:schemeClr val="tx1"/>
+                  </a:gs>
+                </a:gsLst>
+                <a:lin ang="5400000" scaled="0"/>
+              </a:gradFill>
+            </a:endParaRPr>
+          </a:p>
+          <a:p>
+            <a:pPr>
+              <a:lnSpc>
+                <a:spcPct val="90000"/>
+              </a:lnSpc>
+              <a:spcAft>
+                <a:spcPts val="600"/>
+              </a:spcAft>
+            </a:pPr>
+            <a:r>
+              <a:rPr lang="en-GB" sz="2400" dirty="0">
+                <a:gradFill>
+                  <a:gsLst>
+                    <a:gs pos="2917">
+                      <a:schemeClr val="tx1"/>
+                    </a:gs>
+                    <a:gs pos="30000">
+                      <a:schemeClr val="tx1"/>
+                    </a:gs>
+                  </a:gsLst>
+                  <a:lin ang="5400000" scaled="0"/>
+                </a:gradFill>
+              </a:rPr>
+              <a:t>Light-touch corporate policy can be applied to maintain security baseline.</a:t>
+            </a:r>
+          </a:p>
+          <a:p>
+            <a:pPr>
+              <a:lnSpc>
+                <a:spcPct val="90000"/>
+              </a:lnSpc>
+              <a:spcAft>
+                <a:spcPts val="600"/>
+              </a:spcAft>
+            </a:pPr>
+            <a:endParaRPr lang="en-GB" sz="2400" dirty="0">
+              <a:gradFill>
+                <a:gsLst>
+                  <a:gs pos="2917">
+                    <a:schemeClr val="tx1"/>
+                  </a:gs>
+                  <a:gs pos="30000">
+                    <a:schemeClr val="tx1"/>
+                  </a:gs>
+                </a:gsLst>
+                <a:lin ang="5400000" scaled="0"/>
+              </a:gradFill>
+            </a:endParaRPr>
+          </a:p>
+          <a:p>
+            <a:pPr>
+              <a:lnSpc>
+                <a:spcPct val="90000"/>
+              </a:lnSpc>
+              <a:spcAft>
+                <a:spcPts val="600"/>
+              </a:spcAft>
+            </a:pPr>
+            <a:r>
+              <a:rPr lang="en-GB" sz="2400" dirty="0">
+                <a:gradFill>
+                  <a:gsLst>
+                    <a:gs pos="2917">
+                      <a:schemeClr val="tx1"/>
+                    </a:gs>
+                    <a:gs pos="30000">
+                      <a:schemeClr val="tx1"/>
+                    </a:gs>
+                  </a:gsLst>
+                  <a:lin ang="5400000" scaled="0"/>
+                </a:gradFill>
+              </a:rPr>
+              <a:t>Conditional Access policies can be applied.</a:t>
+            </a:r>
+          </a:p>
+          <a:p>
+            <a:pPr>
+              <a:lnSpc>
+                <a:spcPct val="90000"/>
+              </a:lnSpc>
+              <a:spcAft>
+                <a:spcPts val="600"/>
+              </a:spcAft>
+            </a:pPr>
+            <a:endParaRPr lang="en-GB" sz="2400" dirty="0">
+              <a:gradFill>
+                <a:gsLst>
+                  <a:gs pos="2917">
+                    <a:schemeClr val="tx1"/>
+                  </a:gs>
+                  <a:gs pos="30000">
+                    <a:schemeClr val="tx1"/>
+                  </a:gs>
+                </a:gsLst>
+                <a:lin ang="5400000" scaled="0"/>
+              </a:gradFill>
+            </a:endParaRPr>
+          </a:p>
+          <a:p>
+            <a:pPr>
+              <a:lnSpc>
+                <a:spcPct val="90000"/>
+              </a:lnSpc>
+              <a:spcAft>
+                <a:spcPts val="600"/>
+              </a:spcAft>
+            </a:pPr>
+            <a:r>
+              <a:rPr lang="en-GB" sz="2400" dirty="0">
+                <a:gradFill>
+                  <a:gsLst>
+                    <a:gs pos="2917">
+                      <a:schemeClr val="tx1"/>
+                    </a:gs>
+                    <a:gs pos="30000">
+                      <a:schemeClr val="tx1"/>
+                    </a:gs>
+                  </a:gsLst>
+                  <a:lin ang="5400000" scaled="0"/>
+                </a:gradFill>
+              </a:rPr>
+              <a:t>Intune compliance policy can prevent things such as rooted Android and/or jailbroken iPhones to connect. </a:t>
+            </a:r>
+          </a:p>
+        </p:txBody>
+      </p:sp>
+    </p:spTree>
+    <p:extLst>
+      <p:ext uri="{BB962C8B-B14F-4D97-AF65-F5344CB8AC3E}">
+        <p14:creationId xmlns:p14="http://schemas.microsoft.com/office/powerpoint/2010/main" val="1596766767"/>
+      </p:ext>
+    </p:extLst>
+  </p:cSld>
+  <p:clrMapOvr>
+    <a:masterClrMapping/>
+  </p:clrMapOvr>
+  <p:transition>
+    <p:fade/>
+  </p:transition>
+</p:sld>
+</file>
+
+<file path=ppt/slides/slide16.xml><?xml version="1.0" encoding="utf-8"?>
+<p:sld xmlns:a="http://schemas.openxmlformats.org/drawingml/2006/main" xmlns:r="http://schemas.openxmlformats.org/officeDocument/2006/relationships" xmlns:p="http://schemas.openxmlformats.org/presentationml/2006/main">
+  <p:cSld>
+    <p:spTree>
+      <p:nvGrpSpPr>
+        <p:cNvPr id="1" name=""/>
+        <p:cNvGrpSpPr/>
+        <p:nvPr/>
+      </p:nvGrpSpPr>
+      <p:grpSpPr>
+        <a:xfrm>
+          <a:off x="0" y="0"/>
+          <a:ext cx="0" cy="0"/>
+          <a:chOff x="0" y="0"/>
+          <a:chExt cx="0" cy="0"/>
+        </a:xfrm>
+      </p:grpSpPr>
+      <p:sp>
+        <p:nvSpPr>
+          <p:cNvPr id="2" name="Title 1">
+            <a:extLst>
+              <a:ext uri="{FF2B5EF4-FFF2-40B4-BE49-F238E27FC236}">
+                <a16:creationId xmlns:a16="http://schemas.microsoft.com/office/drawing/2014/main" id="{402282E3-F515-3ABF-79E3-DEA4EA4580DF}"/>
+              </a:ext>
+            </a:extLst>
+          </p:cNvPr>
+          <p:cNvSpPr>
+            <a:spLocks noGrp="1"/>
+          </p:cNvSpPr>
+          <p:nvPr>
+            <p:ph type="title"/>
+          </p:nvPr>
+        </p:nvSpPr>
+        <p:spPr/>
+        <p:txBody>
+          <a:bodyPr/>
+          <a:lstStyle/>
+          <a:p>
+            <a:r>
+              <a:rPr lang="en-GB" dirty="0"/>
+              <a:t>AAD Joined Devices</a:t>
+            </a:r>
+          </a:p>
+        </p:txBody>
+      </p:sp>
+      <p:pic>
+        <p:nvPicPr>
+          <p:cNvPr id="2050" name="Picture 2" descr="Azure AD joined devices">
+            <a:extLst>
+              <a:ext uri="{FF2B5EF4-FFF2-40B4-BE49-F238E27FC236}">
+                <a16:creationId xmlns:a16="http://schemas.microsoft.com/office/drawing/2014/main" id="{92CC6CE7-36A0-43EC-0D1A-1F427FB83018}"/>
+              </a:ext>
+            </a:extLst>
+          </p:cNvPr>
+          <p:cNvPicPr>
+            <a:picLocks noChangeAspect="1" noChangeArrowheads="1"/>
+          </p:cNvPicPr>
+          <p:nvPr/>
+        </p:nvPicPr>
+        <p:blipFill>
+          <a:blip r:embed="rId2">
+            <a:extLst>
+              <a:ext uri="{28A0092B-C50C-407E-A947-70E740481C1C}">
+                <a14:useLocalDpi xmlns:a14="http://schemas.microsoft.com/office/drawing/2010/main" val="0"/>
+              </a:ext>
+            </a:extLst>
+          </a:blip>
+          <a:srcRect/>
+          <a:stretch>
+            <a:fillRect/>
+          </a:stretch>
+        </p:blipFill>
+        <p:spPr bwMode="auto">
+          <a:xfrm>
+            <a:off x="7622301" y="1305198"/>
+            <a:ext cx="4556349" cy="3901283"/>
+          </a:xfrm>
+          <a:prstGeom prst="rect">
+            <a:avLst/>
+          </a:prstGeom>
+          <a:noFill/>
+          <a:extLst>
+            <a:ext uri="{909E8E84-426E-40DD-AFC4-6F175D3DCCD1}">
+              <a14:hiddenFill xmlns:a14="http://schemas.microsoft.com/office/drawing/2010/main">
+                <a:solidFill>
+                  <a:srgbClr val="FFFFFF"/>
+                </a:solidFill>
+              </a14:hiddenFill>
+            </a:ext>
+          </a:extLst>
+        </p:spPr>
+      </p:pic>
+      <p:sp>
+        <p:nvSpPr>
+          <p:cNvPr id="3" name="TextBox 2">
+            <a:extLst>
+              <a:ext uri="{FF2B5EF4-FFF2-40B4-BE49-F238E27FC236}">
+                <a16:creationId xmlns:a16="http://schemas.microsoft.com/office/drawing/2014/main" id="{1671CA9E-6334-E280-E16E-EF23730F331B}"/>
+              </a:ext>
+            </a:extLst>
+          </p:cNvPr>
+          <p:cNvSpPr txBox="1"/>
+          <p:nvPr/>
+        </p:nvSpPr>
+        <p:spPr>
+          <a:xfrm>
+            <a:off x="465138" y="1390261"/>
+            <a:ext cx="6924707" cy="5176802"/>
+          </a:xfrm>
+          <a:prstGeom prst="rect">
+            <a:avLst/>
+          </a:prstGeom>
+          <a:noFill/>
+        </p:spPr>
+        <p:txBody>
+          <a:bodyPr wrap="square" lIns="182880" tIns="146304" rIns="182880" bIns="146304" rtlCol="0">
+            <a:spAutoFit/>
+          </a:bodyPr>
+          <a:lstStyle/>
+          <a:p>
+            <a:pPr>
+              <a:lnSpc>
+                <a:spcPct val="90000"/>
+              </a:lnSpc>
+              <a:spcAft>
+                <a:spcPts val="600"/>
+              </a:spcAft>
+            </a:pPr>
+            <a:r>
+              <a:rPr lang="en-GB" sz="2200" dirty="0">
+                <a:gradFill>
+                  <a:gsLst>
+                    <a:gs pos="2917">
+                      <a:schemeClr val="tx1"/>
+                    </a:gs>
+                    <a:gs pos="30000">
+                      <a:schemeClr val="tx1"/>
+                    </a:gs>
+                  </a:gsLst>
+                  <a:lin ang="5400000" scaled="0"/>
+                </a:gradFill>
+              </a:rPr>
+              <a:t>For company owned assets with full control over configuration. </a:t>
+            </a:r>
+          </a:p>
+          <a:p>
+            <a:pPr>
+              <a:lnSpc>
+                <a:spcPct val="90000"/>
+              </a:lnSpc>
+              <a:spcAft>
+                <a:spcPts val="600"/>
+              </a:spcAft>
+            </a:pPr>
+            <a:endParaRPr lang="en-GB" sz="2200" dirty="0">
+              <a:gradFill>
+                <a:gsLst>
+                  <a:gs pos="2917">
+                    <a:schemeClr val="tx1"/>
+                  </a:gs>
+                  <a:gs pos="30000">
+                    <a:schemeClr val="tx1"/>
+                  </a:gs>
+                </a:gsLst>
+                <a:lin ang="5400000" scaled="0"/>
+              </a:gradFill>
+            </a:endParaRPr>
+          </a:p>
+          <a:p>
+            <a:pPr>
+              <a:lnSpc>
+                <a:spcPct val="90000"/>
+              </a:lnSpc>
+              <a:spcAft>
+                <a:spcPts val="600"/>
+              </a:spcAft>
+            </a:pPr>
+            <a:r>
+              <a:rPr lang="en-GB" sz="2200" dirty="0">
+                <a:gradFill>
+                  <a:gsLst>
+                    <a:gs pos="2917">
+                      <a:schemeClr val="tx1"/>
+                    </a:gs>
+                    <a:gs pos="30000">
+                      <a:schemeClr val="tx1"/>
+                    </a:gs>
+                  </a:gsLst>
+                  <a:lin ang="5400000" scaled="0"/>
+                </a:gradFill>
+              </a:rPr>
+              <a:t>MDM tools such as </a:t>
+            </a:r>
+            <a:r>
+              <a:rPr lang="en-GB" sz="2200" dirty="0" err="1">
+                <a:gradFill>
+                  <a:gsLst>
+                    <a:gs pos="2917">
+                      <a:schemeClr val="tx1"/>
+                    </a:gs>
+                    <a:gs pos="30000">
+                      <a:schemeClr val="tx1"/>
+                    </a:gs>
+                  </a:gsLst>
+                  <a:lin ang="5400000" scaled="0"/>
+                </a:gradFill>
+              </a:rPr>
+              <a:t>ConfigMgr</a:t>
+            </a:r>
+            <a:r>
+              <a:rPr lang="en-GB" sz="2200" dirty="0">
+                <a:gradFill>
+                  <a:gsLst>
+                    <a:gs pos="2917">
+                      <a:schemeClr val="tx1"/>
+                    </a:gs>
+                    <a:gs pos="30000">
+                      <a:schemeClr val="tx1"/>
+                    </a:gs>
+                  </a:gsLst>
+                  <a:lin ang="5400000" scaled="0"/>
+                </a:gradFill>
+              </a:rPr>
+              <a:t> and Intune can be used to dictated configuration and policy settings. </a:t>
+            </a:r>
+          </a:p>
+          <a:p>
+            <a:pPr>
+              <a:lnSpc>
+                <a:spcPct val="90000"/>
+              </a:lnSpc>
+              <a:spcAft>
+                <a:spcPts val="600"/>
+              </a:spcAft>
+            </a:pPr>
+            <a:endParaRPr lang="en-GB" sz="2200" dirty="0">
+              <a:gradFill>
+                <a:gsLst>
+                  <a:gs pos="2917">
+                    <a:schemeClr val="tx1"/>
+                  </a:gs>
+                  <a:gs pos="30000">
+                    <a:schemeClr val="tx1"/>
+                  </a:gs>
+                </a:gsLst>
+                <a:lin ang="5400000" scaled="0"/>
+              </a:gradFill>
+            </a:endParaRPr>
+          </a:p>
+          <a:p>
+            <a:pPr>
+              <a:lnSpc>
+                <a:spcPct val="90000"/>
+              </a:lnSpc>
+              <a:spcAft>
+                <a:spcPts val="600"/>
+              </a:spcAft>
+            </a:pPr>
+            <a:r>
+              <a:rPr lang="en-GB" sz="2200" dirty="0">
+                <a:gradFill>
+                  <a:gsLst>
+                    <a:gs pos="2917">
+                      <a:schemeClr val="tx1"/>
+                    </a:gs>
+                    <a:gs pos="30000">
+                      <a:schemeClr val="tx1"/>
+                    </a:gs>
+                  </a:gsLst>
+                  <a:lin ang="5400000" scaled="0"/>
+                </a:gradFill>
+              </a:rPr>
+              <a:t>Devices can be enrolled by self-service, bulk import or with Windows Autopilot.</a:t>
+            </a:r>
+          </a:p>
+          <a:p>
+            <a:pPr>
+              <a:lnSpc>
+                <a:spcPct val="90000"/>
+              </a:lnSpc>
+              <a:spcAft>
+                <a:spcPts val="600"/>
+              </a:spcAft>
+            </a:pPr>
+            <a:endParaRPr lang="en-GB" sz="2200" dirty="0">
+              <a:gradFill>
+                <a:gsLst>
+                  <a:gs pos="2917">
+                    <a:schemeClr val="tx1"/>
+                  </a:gs>
+                  <a:gs pos="30000">
+                    <a:schemeClr val="tx1"/>
+                  </a:gs>
+                </a:gsLst>
+                <a:lin ang="5400000" scaled="0"/>
+              </a:gradFill>
+            </a:endParaRPr>
+          </a:p>
+          <a:p>
+            <a:pPr>
+              <a:lnSpc>
+                <a:spcPct val="90000"/>
+              </a:lnSpc>
+              <a:spcAft>
+                <a:spcPts val="600"/>
+              </a:spcAft>
+            </a:pPr>
+            <a:r>
+              <a:rPr lang="en-GB" sz="2200" dirty="0">
+                <a:gradFill>
+                  <a:gsLst>
+                    <a:gs pos="2917">
+                      <a:schemeClr val="tx1"/>
+                    </a:gs>
+                    <a:gs pos="30000">
+                      <a:schemeClr val="tx1"/>
+                    </a:gs>
+                  </a:gsLst>
+                  <a:lin ang="5400000" scaled="0"/>
+                </a:gradFill>
+              </a:rPr>
+              <a:t>Users can sign in with AAD cloud accounts or even synced AD DS credentials. </a:t>
+            </a:r>
+          </a:p>
+          <a:p>
+            <a:pPr>
+              <a:lnSpc>
+                <a:spcPct val="90000"/>
+              </a:lnSpc>
+              <a:spcAft>
+                <a:spcPts val="600"/>
+              </a:spcAft>
+            </a:pPr>
+            <a:endParaRPr lang="en-GB" sz="2200" dirty="0">
+              <a:gradFill>
+                <a:gsLst>
+                  <a:gs pos="2917">
+                    <a:schemeClr val="tx1"/>
+                  </a:gs>
+                  <a:gs pos="30000">
+                    <a:schemeClr val="tx1"/>
+                  </a:gs>
+                </a:gsLst>
+                <a:lin ang="5400000" scaled="0"/>
+              </a:gradFill>
+            </a:endParaRPr>
+          </a:p>
+          <a:p>
+            <a:pPr>
+              <a:lnSpc>
+                <a:spcPct val="90000"/>
+              </a:lnSpc>
+              <a:spcAft>
+                <a:spcPts val="600"/>
+              </a:spcAft>
+            </a:pPr>
+            <a:r>
+              <a:rPr lang="en-GB" sz="2200" dirty="0">
+                <a:gradFill>
+                  <a:gsLst>
+                    <a:gs pos="2917">
+                      <a:schemeClr val="tx1"/>
+                    </a:gs>
+                    <a:gs pos="30000">
+                      <a:schemeClr val="tx1"/>
+                    </a:gs>
+                  </a:gsLst>
+                  <a:lin ang="5400000" scaled="0"/>
+                </a:gradFill>
+              </a:rPr>
+              <a:t>Goal is to provide cloud-based management. No traditional GPO’s are possible. </a:t>
+            </a:r>
+          </a:p>
+        </p:txBody>
+      </p:sp>
+    </p:spTree>
+    <p:extLst>
+      <p:ext uri="{BB962C8B-B14F-4D97-AF65-F5344CB8AC3E}">
+        <p14:creationId xmlns:p14="http://schemas.microsoft.com/office/powerpoint/2010/main" val="3903811869"/>
+      </p:ext>
+    </p:extLst>
+  </p:cSld>
+  <p:clrMapOvr>
+    <a:masterClrMapping/>
+  </p:clrMapOvr>
+  <p:transition>
+    <p:fade/>
+  </p:transition>
+</p:sld>
+</file>
+
+<file path=ppt/slides/slide17.xml><?xml version="1.0" encoding="utf-8"?>
+<p:sld xmlns:a="http://schemas.openxmlformats.org/drawingml/2006/main" xmlns:r="http://schemas.openxmlformats.org/officeDocument/2006/relationships" xmlns:p="http://schemas.openxmlformats.org/presentationml/2006/main">
+  <p:cSld>
+    <p:spTree>
+      <p:nvGrpSpPr>
+        <p:cNvPr id="1" name=""/>
+        <p:cNvGrpSpPr/>
+        <p:nvPr/>
+      </p:nvGrpSpPr>
+      <p:grpSpPr>
+        <a:xfrm>
+          <a:off x="0" y="0"/>
+          <a:ext cx="0" cy="0"/>
+          <a:chOff x="0" y="0"/>
+          <a:chExt cx="0" cy="0"/>
+        </a:xfrm>
+      </p:grpSpPr>
+      <p:sp>
+        <p:nvSpPr>
+          <p:cNvPr id="2" name="Title 1">
+            <a:extLst>
+              <a:ext uri="{FF2B5EF4-FFF2-40B4-BE49-F238E27FC236}">
+                <a16:creationId xmlns:a16="http://schemas.microsoft.com/office/drawing/2014/main" id="{767EA953-AA30-6A82-C2CB-3EEC568B4AC0}"/>
+              </a:ext>
+            </a:extLst>
+          </p:cNvPr>
+          <p:cNvSpPr>
+            <a:spLocks noGrp="1"/>
+          </p:cNvSpPr>
+          <p:nvPr>
+            <p:ph type="title"/>
+          </p:nvPr>
+        </p:nvSpPr>
+        <p:spPr/>
+        <p:txBody>
+          <a:bodyPr/>
+          <a:lstStyle/>
+          <a:p>
+            <a:r>
+              <a:rPr lang="en-GB" dirty="0"/>
+              <a:t>Hybrid Azure AD Joined</a:t>
+            </a:r>
+          </a:p>
+        </p:txBody>
+      </p:sp>
+      <p:pic>
+        <p:nvPicPr>
+          <p:cNvPr id="3074" name="Picture 2" descr="Hybrid Azure AD joined devices">
+            <a:extLst>
+              <a:ext uri="{FF2B5EF4-FFF2-40B4-BE49-F238E27FC236}">
+                <a16:creationId xmlns:a16="http://schemas.microsoft.com/office/drawing/2014/main" id="{F59A8990-57B3-946E-FAF8-FFBC7FF4249D}"/>
+              </a:ext>
+            </a:extLst>
+          </p:cNvPr>
+          <p:cNvPicPr>
+            <a:picLocks noChangeAspect="1" noChangeArrowheads="1"/>
+          </p:cNvPicPr>
+          <p:nvPr/>
+        </p:nvPicPr>
+        <p:blipFill>
+          <a:blip r:embed="rId2">
+            <a:extLst>
+              <a:ext uri="{28A0092B-C50C-407E-A947-70E740481C1C}">
+                <a14:useLocalDpi xmlns:a14="http://schemas.microsoft.com/office/drawing/2010/main" val="0"/>
+              </a:ext>
+            </a:extLst>
+          </a:blip>
+          <a:srcRect/>
+          <a:stretch>
+            <a:fillRect/>
+          </a:stretch>
+        </p:blipFill>
+        <p:spPr bwMode="auto">
+          <a:xfrm>
+            <a:off x="7433258" y="1315616"/>
+            <a:ext cx="4799173" cy="3995332"/>
+          </a:xfrm>
+          <a:prstGeom prst="rect">
+            <a:avLst/>
+          </a:prstGeom>
+          <a:noFill/>
+          <a:extLst>
+            <a:ext uri="{909E8E84-426E-40DD-AFC4-6F175D3DCCD1}">
+              <a14:hiddenFill xmlns:a14="http://schemas.microsoft.com/office/drawing/2010/main">
+                <a:solidFill>
+                  <a:srgbClr val="FFFFFF"/>
+                </a:solidFill>
+              </a14:hiddenFill>
+            </a:ext>
+          </a:extLst>
+        </p:spPr>
+      </p:pic>
+      <p:sp>
+        <p:nvSpPr>
+          <p:cNvPr id="3" name="TextBox 2">
+            <a:extLst>
+              <a:ext uri="{FF2B5EF4-FFF2-40B4-BE49-F238E27FC236}">
+                <a16:creationId xmlns:a16="http://schemas.microsoft.com/office/drawing/2014/main" id="{EC1C37F0-1CE9-481E-536A-708372426F9C}"/>
+              </a:ext>
+            </a:extLst>
+          </p:cNvPr>
+          <p:cNvSpPr txBox="1"/>
+          <p:nvPr/>
+        </p:nvSpPr>
+        <p:spPr>
+          <a:xfrm>
+            <a:off x="465138" y="1315616"/>
+            <a:ext cx="6672780" cy="5481501"/>
+          </a:xfrm>
+          <a:prstGeom prst="rect">
+            <a:avLst/>
+          </a:prstGeom>
+          <a:noFill/>
+        </p:spPr>
+        <p:txBody>
+          <a:bodyPr wrap="square" lIns="182880" tIns="146304" rIns="182880" bIns="146304" rtlCol="0">
+            <a:spAutoFit/>
+          </a:bodyPr>
+          <a:lstStyle/>
+          <a:p>
+            <a:pPr>
+              <a:lnSpc>
+                <a:spcPct val="90000"/>
+              </a:lnSpc>
+              <a:spcAft>
+                <a:spcPts val="600"/>
+              </a:spcAft>
+            </a:pPr>
+            <a:r>
+              <a:rPr lang="en-GB" sz="2200" dirty="0">
+                <a:gradFill>
+                  <a:gsLst>
+                    <a:gs pos="2917">
+                      <a:schemeClr val="tx1"/>
+                    </a:gs>
+                    <a:gs pos="30000">
+                      <a:schemeClr val="tx1"/>
+                    </a:gs>
+                  </a:gsLst>
+                  <a:lin ang="5400000" scaled="0"/>
+                </a:gradFill>
+              </a:rPr>
+              <a:t>Used when organisations want to enjoy cloud-based management for devices which are still joined to AD DS. </a:t>
+            </a:r>
+          </a:p>
+          <a:p>
+            <a:pPr>
+              <a:lnSpc>
+                <a:spcPct val="90000"/>
+              </a:lnSpc>
+              <a:spcAft>
+                <a:spcPts val="600"/>
+              </a:spcAft>
+            </a:pPr>
+            <a:endParaRPr lang="en-GB" sz="2200" dirty="0">
+              <a:gradFill>
+                <a:gsLst>
+                  <a:gs pos="2917">
+                    <a:schemeClr val="tx1"/>
+                  </a:gs>
+                  <a:gs pos="30000">
+                    <a:schemeClr val="tx1"/>
+                  </a:gs>
+                </a:gsLst>
+                <a:lin ang="5400000" scaled="0"/>
+              </a:gradFill>
+            </a:endParaRPr>
+          </a:p>
+          <a:p>
+            <a:pPr>
+              <a:lnSpc>
+                <a:spcPct val="90000"/>
+              </a:lnSpc>
+              <a:spcAft>
+                <a:spcPts val="600"/>
+              </a:spcAft>
+            </a:pPr>
+            <a:r>
+              <a:rPr lang="en-GB" sz="2200" dirty="0">
+                <a:gradFill>
+                  <a:gsLst>
+                    <a:gs pos="2917">
+                      <a:schemeClr val="tx1"/>
+                    </a:gs>
+                    <a:gs pos="30000">
+                      <a:schemeClr val="tx1"/>
+                    </a:gs>
+                  </a:gsLst>
+                  <a:lin ang="5400000" scaled="0"/>
+                </a:gradFill>
+              </a:rPr>
+              <a:t>Hybrid Azure AD must have connectivity to a traditional Domain Controller. </a:t>
+            </a:r>
+          </a:p>
+          <a:p>
+            <a:pPr>
+              <a:lnSpc>
+                <a:spcPct val="90000"/>
+              </a:lnSpc>
+              <a:spcAft>
+                <a:spcPts val="600"/>
+              </a:spcAft>
+            </a:pPr>
+            <a:endParaRPr lang="en-GB" sz="2200" dirty="0">
+              <a:gradFill>
+                <a:gsLst>
+                  <a:gs pos="2917">
+                    <a:schemeClr val="tx1"/>
+                  </a:gs>
+                  <a:gs pos="30000">
+                    <a:schemeClr val="tx1"/>
+                  </a:gs>
+                </a:gsLst>
+                <a:lin ang="5400000" scaled="0"/>
+              </a:gradFill>
+            </a:endParaRPr>
+          </a:p>
+          <a:p>
+            <a:pPr>
+              <a:lnSpc>
+                <a:spcPct val="90000"/>
+              </a:lnSpc>
+              <a:spcAft>
+                <a:spcPts val="600"/>
+              </a:spcAft>
+            </a:pPr>
+            <a:r>
+              <a:rPr lang="en-GB" sz="2200" dirty="0">
+                <a:gradFill>
+                  <a:gsLst>
+                    <a:gs pos="2917">
+                      <a:schemeClr val="tx1"/>
+                    </a:gs>
+                    <a:gs pos="30000">
+                      <a:schemeClr val="tx1"/>
+                    </a:gs>
+                  </a:gsLst>
+                  <a:lin ang="5400000" scaled="0"/>
+                </a:gradFill>
+              </a:rPr>
+              <a:t>Supports down level Operating Systems dating back to Windows 8.1</a:t>
+            </a:r>
+          </a:p>
+          <a:p>
+            <a:pPr>
+              <a:lnSpc>
+                <a:spcPct val="90000"/>
+              </a:lnSpc>
+              <a:spcAft>
+                <a:spcPts val="600"/>
+              </a:spcAft>
+            </a:pPr>
+            <a:endParaRPr lang="en-GB" sz="2200" dirty="0">
+              <a:gradFill>
+                <a:gsLst>
+                  <a:gs pos="2917">
+                    <a:schemeClr val="tx1"/>
+                  </a:gs>
+                  <a:gs pos="30000">
+                    <a:schemeClr val="tx1"/>
+                  </a:gs>
+                </a:gsLst>
+                <a:lin ang="5400000" scaled="0"/>
+              </a:gradFill>
+            </a:endParaRPr>
+          </a:p>
+          <a:p>
+            <a:pPr>
+              <a:lnSpc>
+                <a:spcPct val="90000"/>
+              </a:lnSpc>
+              <a:spcAft>
+                <a:spcPts val="600"/>
+              </a:spcAft>
+            </a:pPr>
+            <a:r>
+              <a:rPr lang="en-GB" sz="2200" dirty="0">
+                <a:gradFill>
+                  <a:gsLst>
+                    <a:gs pos="2917">
+                      <a:schemeClr val="tx1"/>
+                    </a:gs>
+                    <a:gs pos="30000">
+                      <a:schemeClr val="tx1"/>
+                    </a:gs>
+                  </a:gsLst>
+                  <a:lin ang="5400000" scaled="0"/>
+                </a:gradFill>
+              </a:rPr>
+              <a:t>Allows traditional GPOs to be leveraged whilst being manageable objects in AAD.</a:t>
+            </a:r>
+          </a:p>
+          <a:p>
+            <a:pPr>
+              <a:lnSpc>
+                <a:spcPct val="90000"/>
+              </a:lnSpc>
+              <a:spcAft>
+                <a:spcPts val="600"/>
+              </a:spcAft>
+            </a:pPr>
+            <a:endParaRPr lang="en-GB" sz="2200" dirty="0">
+              <a:gradFill>
+                <a:gsLst>
+                  <a:gs pos="2917">
+                    <a:schemeClr val="tx1"/>
+                  </a:gs>
+                  <a:gs pos="30000">
+                    <a:schemeClr val="tx1"/>
+                  </a:gs>
+                </a:gsLst>
+                <a:lin ang="5400000" scaled="0"/>
+              </a:gradFill>
+            </a:endParaRPr>
+          </a:p>
+          <a:p>
+            <a:pPr>
+              <a:lnSpc>
+                <a:spcPct val="90000"/>
+              </a:lnSpc>
+              <a:spcAft>
+                <a:spcPts val="600"/>
+              </a:spcAft>
+            </a:pPr>
+            <a:r>
+              <a:rPr lang="en-GB" sz="2200" dirty="0">
+                <a:gradFill>
+                  <a:gsLst>
+                    <a:gs pos="2917">
+                      <a:schemeClr val="tx1"/>
+                    </a:gs>
+                    <a:gs pos="30000">
+                      <a:schemeClr val="tx1"/>
+                    </a:gs>
+                  </a:gsLst>
+                  <a:lin ang="5400000" scaled="0"/>
+                </a:gradFill>
+              </a:rPr>
+              <a:t>Ensures machine-based authentication is still possible. </a:t>
+            </a:r>
+          </a:p>
+        </p:txBody>
+      </p:sp>
+    </p:spTree>
+    <p:extLst>
+      <p:ext uri="{BB962C8B-B14F-4D97-AF65-F5344CB8AC3E}">
+        <p14:creationId xmlns:p14="http://schemas.microsoft.com/office/powerpoint/2010/main" val="1706476532"/>
+      </p:ext>
+    </p:extLst>
+  </p:cSld>
+  <p:clrMapOvr>
+    <a:masterClrMapping/>
+  </p:clrMapOvr>
+  <p:transition>
+    <p:fade/>
+  </p:transition>
+</p:sld>
+</file>
+
+<file path=ppt/slides/slide18.xml><?xml version="1.0" encoding="utf-8"?>
+<p:sld xmlns:a="http://schemas.openxmlformats.org/drawingml/2006/main" xmlns:r="http://schemas.openxmlformats.org/officeDocument/2006/relationships" xmlns:p="http://schemas.openxmlformats.org/presentationml/2006/main">
+  <p:cSld>
+    <p:spTree>
+      <p:nvGrpSpPr>
+        <p:cNvPr id="1" name=""/>
+        <p:cNvGrpSpPr/>
+        <p:nvPr/>
+      </p:nvGrpSpPr>
+      <p:grpSpPr>
+        <a:xfrm>
+          <a:off x="0" y="0"/>
+          <a:ext cx="0" cy="0"/>
+          <a:chOff x="0" y="0"/>
+          <a:chExt cx="0" cy="0"/>
+        </a:xfrm>
+      </p:grpSpPr>
+      <p:sp>
+        <p:nvSpPr>
+          <p:cNvPr id="2" name="Title 1">
+            <a:extLst>
+              <a:ext uri="{FF2B5EF4-FFF2-40B4-BE49-F238E27FC236}">
                 <a16:creationId xmlns:a16="http://schemas.microsoft.com/office/drawing/2014/main" id="{11219861-43D6-4007-8BC8-319996D2B231}"/>
               </a:ext>
             </a:extLst>
@@ -17990,7 +19171,7 @@
 </p:sld>
 </file>
 
-<file path=ppt/slides/slide16.xml><?xml version="1.0" encoding="utf-8"?>
+<file path=ppt/slides/slide19.xml><?xml version="1.0" encoding="utf-8"?>
 <p:sld xmlns:a="http://schemas.openxmlformats.org/drawingml/2006/main" xmlns:r="http://schemas.openxmlformats.org/officeDocument/2006/relationships" xmlns:p="http://schemas.openxmlformats.org/presentationml/2006/main">
   <p:cSld>
     <p:spTree>
@@ -18086,1197 +19267,6 @@
     <p:extLst>
       <p:ext uri="{BB962C8B-B14F-4D97-AF65-F5344CB8AC3E}">
         <p14:creationId xmlns:p14="http://schemas.microsoft.com/office/powerpoint/2010/main" val="209061593"/>
-      </p:ext>
-    </p:extLst>
-  </p:cSld>
-  <p:clrMapOvr>
-    <a:masterClrMapping/>
-  </p:clrMapOvr>
-  <p:transition>
-    <p:fade/>
-  </p:transition>
-</p:sld>
-</file>
-
-<file path=ppt/slides/slide17.xml><?xml version="1.0" encoding="utf-8"?>
-<p:sld xmlns:a="http://schemas.openxmlformats.org/drawingml/2006/main" xmlns:r="http://schemas.openxmlformats.org/officeDocument/2006/relationships" xmlns:p="http://schemas.openxmlformats.org/presentationml/2006/main">
-  <p:cSld>
-    <p:spTree>
-      <p:nvGrpSpPr>
-        <p:cNvPr id="1" name=""/>
-        <p:cNvGrpSpPr/>
-        <p:nvPr/>
-      </p:nvGrpSpPr>
-      <p:grpSpPr>
-        <a:xfrm>
-          <a:off x="0" y="0"/>
-          <a:ext cx="0" cy="0"/>
-          <a:chOff x="0" y="0"/>
-          <a:chExt cx="0" cy="0"/>
-        </a:xfrm>
-      </p:grpSpPr>
-      <p:sp>
-        <p:nvSpPr>
-          <p:cNvPr id="2" name="Title 1">
-            <a:extLst>
-              <a:ext uri="{FF2B5EF4-FFF2-40B4-BE49-F238E27FC236}">
-                <a16:creationId xmlns:a16="http://schemas.microsoft.com/office/drawing/2014/main" id="{EE7DDD1D-2561-5025-062B-C30D4E223DDF}"/>
-              </a:ext>
-            </a:extLst>
-          </p:cNvPr>
-          <p:cNvSpPr>
-            <a:spLocks noGrp="1"/>
-          </p:cNvSpPr>
-          <p:nvPr>
-            <p:ph type="title"/>
-          </p:nvPr>
-        </p:nvSpPr>
-        <p:spPr/>
-        <p:txBody>
-          <a:bodyPr/>
-          <a:lstStyle/>
-          <a:p>
-            <a:r>
-              <a:rPr lang="en-US"/>
-              <a:t>Federated identity concepts</a:t>
-            </a:r>
-          </a:p>
-        </p:txBody>
-      </p:sp>
-      <p:sp>
-        <p:nvSpPr>
-          <p:cNvPr id="3" name="Text Placeholder 2">
-            <a:extLst>
-              <a:ext uri="{FF2B5EF4-FFF2-40B4-BE49-F238E27FC236}">
-                <a16:creationId xmlns:a16="http://schemas.microsoft.com/office/drawing/2014/main" id="{473029C6-A39A-0DF9-C693-7D42A8E0EE0F}"/>
-              </a:ext>
-            </a:extLst>
-          </p:cNvPr>
-          <p:cNvSpPr>
-            <a:spLocks noGrp="1"/>
-          </p:cNvSpPr>
-          <p:nvPr>
-            <p:ph type="body" sz="quarter" idx="12"/>
-          </p:nvPr>
-        </p:nvSpPr>
-        <p:spPr>
-          <a:xfrm>
-            <a:off x="427859" y="2350777"/>
-            <a:ext cx="5689994" cy="2653662"/>
-          </a:xfrm>
-        </p:spPr>
-        <p:txBody>
-          <a:bodyPr/>
-          <a:lstStyle/>
-          <a:p>
-            <a:r>
-              <a:rPr lang="en-US" dirty="0"/>
-              <a:t>SAML – Security Assertion Markup Language</a:t>
-            </a:r>
-          </a:p>
-          <a:p>
-            <a:r>
-              <a:rPr lang="en-US" sz="1836" dirty="0">
-                <a:latin typeface="Calibri" panose="020F0502020204030204" pitchFamily="34" charset="0"/>
-                <a:ea typeface="Calibri" panose="020F0502020204030204" pitchFamily="34" charset="0"/>
-                <a:cs typeface="Times New Roman" panose="02020603050405020304" pitchFamily="18" charset="0"/>
-              </a:rPr>
-              <a:t>Open standard for exchanging authentication and authorization data between an identity provider and a service provider.</a:t>
-            </a:r>
-          </a:p>
-          <a:p>
-            <a:pPr marL="349724" indent="-349724">
-              <a:buFont typeface="Arial" panose="020B0604020202020204" pitchFamily="34" charset="0"/>
-              <a:buChar char="•"/>
-            </a:pPr>
-            <a:r>
-              <a:rPr lang="en-US" dirty="0"/>
-              <a:t>The principal, generally a user</a:t>
-            </a:r>
-          </a:p>
-          <a:p>
-            <a:pPr marL="349724" indent="-349724">
-              <a:buFont typeface="Arial" panose="020B0604020202020204" pitchFamily="34" charset="0"/>
-              <a:buChar char="•"/>
-            </a:pPr>
-            <a:r>
-              <a:rPr lang="en-US" dirty="0"/>
-              <a:t>The identity provider (IdP)</a:t>
-            </a:r>
-          </a:p>
-          <a:p>
-            <a:pPr marL="349724" indent="-349724">
-              <a:buFont typeface="Arial" panose="020B0604020202020204" pitchFamily="34" charset="0"/>
-              <a:buChar char="•"/>
-            </a:pPr>
-            <a:r>
-              <a:rPr lang="en-US" dirty="0"/>
-              <a:t>The service provider (SP)</a:t>
-            </a:r>
-          </a:p>
-          <a:p>
-            <a:endParaRPr lang="en-US" dirty="0"/>
-          </a:p>
-        </p:txBody>
-      </p:sp>
-      <p:sp>
-        <p:nvSpPr>
-          <p:cNvPr id="4" name="Text Placeholder 3">
-            <a:extLst>
-              <a:ext uri="{FF2B5EF4-FFF2-40B4-BE49-F238E27FC236}">
-                <a16:creationId xmlns:a16="http://schemas.microsoft.com/office/drawing/2014/main" id="{CB206FCC-3DA7-6491-2D5A-2B725D49ECE9}"/>
-              </a:ext>
-            </a:extLst>
-          </p:cNvPr>
-          <p:cNvSpPr>
-            <a:spLocks noGrp="1"/>
-          </p:cNvSpPr>
-          <p:nvPr>
-            <p:ph type="body" sz="quarter" idx="13"/>
-          </p:nvPr>
-        </p:nvSpPr>
-        <p:spPr>
-          <a:xfrm>
-            <a:off x="6354242" y="2350778"/>
-            <a:ext cx="5653908" cy="1693118"/>
-          </a:xfrm>
-        </p:spPr>
-        <p:txBody>
-          <a:bodyPr/>
-          <a:lstStyle/>
-          <a:p>
-            <a:r>
-              <a:rPr lang="en-US" dirty="0"/>
-              <a:t>WS-Fed – Web Services Federation</a:t>
-            </a:r>
-          </a:p>
-          <a:p>
-            <a:r>
-              <a:rPr lang="en-US" sz="1836" dirty="0">
-                <a:latin typeface="Calibri" panose="020F0502020204030204" pitchFamily="34" charset="0"/>
-                <a:ea typeface="Calibri" panose="020F0502020204030204" pitchFamily="34" charset="0"/>
-                <a:cs typeface="Times New Roman" panose="02020603050405020304" pitchFamily="18" charset="0"/>
-              </a:rPr>
-              <a:t>An identity specification from Web Services Security framework to provide single-sign-on via external identity exchange and authentication.</a:t>
-            </a:r>
-          </a:p>
-          <a:p>
-            <a:endParaRPr lang="en-US" dirty="0"/>
-          </a:p>
-        </p:txBody>
-      </p:sp>
-      <p:sp>
-        <p:nvSpPr>
-          <p:cNvPr id="5" name="TextBox 4">
-            <a:extLst>
-              <a:ext uri="{FF2B5EF4-FFF2-40B4-BE49-F238E27FC236}">
-                <a16:creationId xmlns:a16="http://schemas.microsoft.com/office/drawing/2014/main" id="{61BD1FB2-6B2C-9B59-1B6A-DA993E06211B}"/>
-              </a:ext>
-            </a:extLst>
-          </p:cNvPr>
-          <p:cNvSpPr txBox="1"/>
-          <p:nvPr/>
-        </p:nvSpPr>
-        <p:spPr>
-          <a:xfrm>
-            <a:off x="441572" y="1073276"/>
-            <a:ext cx="11566578" cy="1338799"/>
-          </a:xfrm>
-          <a:prstGeom prst="rect">
-            <a:avLst/>
-          </a:prstGeom>
-          <a:noFill/>
-        </p:spPr>
-        <p:txBody>
-          <a:bodyPr wrap="square" lIns="186521" tIns="149217" rIns="186521" bIns="149217" rtlCol="0">
-            <a:spAutoFit/>
-          </a:bodyPr>
-          <a:lstStyle/>
-          <a:p>
-            <a:pPr>
-              <a:lnSpc>
-                <a:spcPct val="90000"/>
-              </a:lnSpc>
-              <a:spcAft>
-                <a:spcPts val="612"/>
-              </a:spcAft>
-            </a:pPr>
-            <a:r>
-              <a:rPr lang="en-US" sz="2448" dirty="0">
-                <a:gradFill>
-                  <a:gsLst>
-                    <a:gs pos="2917">
-                      <a:schemeClr val="tx1"/>
-                    </a:gs>
-                    <a:gs pos="30000">
-                      <a:schemeClr val="tx1"/>
-                    </a:gs>
-                  </a:gsLst>
-                  <a:lin ang="5400000" scaled="0"/>
-                </a:gradFill>
-              </a:rPr>
-              <a:t>Federation is a collection of domains that have established trust. The level of trust may vary, but typically includes authentication and almost always includes authorization.</a:t>
-            </a:r>
-          </a:p>
-        </p:txBody>
-      </p:sp>
-      <p:sp>
-        <p:nvSpPr>
-          <p:cNvPr id="6" name="Text Placeholder 3">
-            <a:extLst>
-              <a:ext uri="{FF2B5EF4-FFF2-40B4-BE49-F238E27FC236}">
-                <a16:creationId xmlns:a16="http://schemas.microsoft.com/office/drawing/2014/main" id="{754BFA95-56CF-5960-DC5D-1068DDD4AFC6}"/>
-              </a:ext>
-            </a:extLst>
-          </p:cNvPr>
-          <p:cNvSpPr txBox="1">
-            <a:spLocks/>
-          </p:cNvSpPr>
-          <p:nvPr/>
-        </p:nvSpPr>
-        <p:spPr>
-          <a:xfrm>
-            <a:off x="6340994" y="4242441"/>
-            <a:ext cx="5653908" cy="1451412"/>
-          </a:xfrm>
-          <a:prstGeom prst="rect">
-            <a:avLst/>
-          </a:prstGeom>
-          <a:solidFill>
-            <a:schemeClr val="bg1">
-              <a:lumMod val="95000"/>
-            </a:schemeClr>
-          </a:solidFill>
-        </p:spPr>
-        <p:txBody>
-          <a:bodyPr vert="horz" wrap="square" lIns="139891" tIns="93260" rIns="139891" bIns="93260" rtlCol="0">
-            <a:spAutoFit/>
-          </a:bodyPr>
-          <a:lstStyle>
-            <a:lvl1pPr marL="0" marR="0" indent="0" algn="l" defTabSz="914367" rtl="0" eaLnBrk="1" fontAlgn="auto" latinLnBrk="0" hangingPunct="1">
-              <a:lnSpc>
-                <a:spcPct val="100000"/>
-              </a:lnSpc>
-              <a:spcBef>
-                <a:spcPts val="200"/>
-              </a:spcBef>
-              <a:spcAft>
-                <a:spcPts val="400"/>
-              </a:spcAft>
-              <a:buClrTx/>
-              <a:buSzPct val="90000"/>
-              <a:buFont typeface="Wingdings" panose="05000000000000000000" pitchFamily="2" charset="2"/>
-              <a:buNone/>
-              <a:tabLst/>
-              <a:defRPr sz="2000" kern="1200" spc="-49" baseline="0">
-                <a:solidFill>
-                  <a:srgbClr val="000000"/>
-                </a:solidFill>
-                <a:latin typeface="+mj-lt"/>
-                <a:ea typeface="+mn-ea"/>
-                <a:cs typeface="+mn-cs"/>
-              </a:defRPr>
-            </a:lvl1pPr>
-            <a:lvl2pPr marL="0" marR="0" indent="0" algn="l" defTabSz="914367" rtl="0" eaLnBrk="1" fontAlgn="auto" latinLnBrk="0" hangingPunct="1">
-              <a:lnSpc>
-                <a:spcPct val="100000"/>
-              </a:lnSpc>
-              <a:spcBef>
-                <a:spcPts val="200"/>
-              </a:spcBef>
-              <a:spcAft>
-                <a:spcPts val="400"/>
-              </a:spcAft>
-              <a:buClrTx/>
-              <a:buSzPct val="90000"/>
-              <a:buFontTx/>
-              <a:buNone/>
-              <a:tabLst/>
-              <a:defRPr sz="1800" kern="1200" spc="0" baseline="0">
-                <a:solidFill>
-                  <a:schemeClr val="tx1"/>
-                </a:solidFill>
-                <a:latin typeface="+mn-lt"/>
-                <a:ea typeface="+mn-ea"/>
-                <a:cs typeface="+mn-cs"/>
-              </a:defRPr>
-            </a:lvl2pPr>
-            <a:lvl3pPr marL="342900" marR="0" indent="-228600" algn="l" defTabSz="914367" rtl="0" eaLnBrk="1" fontAlgn="auto" latinLnBrk="0" hangingPunct="1">
-              <a:lnSpc>
-                <a:spcPct val="100000"/>
-              </a:lnSpc>
-              <a:spcBef>
-                <a:spcPts val="200"/>
-              </a:spcBef>
-              <a:spcAft>
-                <a:spcPts val="400"/>
-              </a:spcAft>
-              <a:buClrTx/>
-              <a:buSzPct val="100000"/>
-              <a:buFont typeface="Arial" panose="020B0604020202020204" pitchFamily="34" charset="0"/>
-              <a:buChar char="•"/>
-              <a:tabLst/>
-              <a:defRPr sz="1400" kern="1200" spc="0" baseline="0">
-                <a:solidFill>
-                  <a:schemeClr val="tx1"/>
-                </a:solidFill>
-                <a:latin typeface="+mn-lt"/>
-                <a:ea typeface="+mn-ea"/>
-                <a:cs typeface="+mn-cs"/>
-              </a:defRPr>
-            </a:lvl3pPr>
-            <a:lvl4pPr marL="685800" marR="0" indent="-228600" algn="l" defTabSz="914367" rtl="0" eaLnBrk="1" fontAlgn="auto" latinLnBrk="0" hangingPunct="1">
-              <a:lnSpc>
-                <a:spcPct val="100000"/>
-              </a:lnSpc>
-              <a:spcBef>
-                <a:spcPts val="200"/>
-              </a:spcBef>
-              <a:spcAft>
-                <a:spcPts val="400"/>
-              </a:spcAft>
-              <a:buClrTx/>
-              <a:buSzPct val="100000"/>
-              <a:buFont typeface="Arial" panose="020B0604020202020204" pitchFamily="34" charset="0"/>
-              <a:buChar char="‒"/>
-              <a:tabLst/>
-              <a:defRPr sz="1400" kern="1200" spc="0" baseline="0">
-                <a:solidFill>
-                  <a:schemeClr val="tx1"/>
-                </a:solidFill>
-                <a:latin typeface="+mn-lt"/>
-                <a:ea typeface="+mn-ea"/>
-                <a:cs typeface="+mn-cs"/>
-              </a:defRPr>
-            </a:lvl4pPr>
-            <a:lvl5pPr marL="685800" marR="0" indent="0" algn="l" defTabSz="914367" rtl="0" eaLnBrk="1" fontAlgn="auto" latinLnBrk="0" hangingPunct="1">
-              <a:lnSpc>
-                <a:spcPct val="100000"/>
-              </a:lnSpc>
-              <a:spcBef>
-                <a:spcPts val="200"/>
-              </a:spcBef>
-              <a:spcAft>
-                <a:spcPts val="400"/>
-              </a:spcAft>
-              <a:buClrTx/>
-              <a:buSzPct val="100000"/>
-              <a:buFont typeface="Arial" panose="020B0604020202020204" pitchFamily="34" charset="0"/>
-              <a:buNone/>
-              <a:tabLst/>
-              <a:defRPr sz="1100" b="1" kern="1200" spc="0" baseline="0">
-                <a:solidFill>
-                  <a:schemeClr val="tx1"/>
-                </a:solidFill>
-                <a:latin typeface="+mn-lt"/>
-                <a:ea typeface="+mn-ea"/>
-                <a:cs typeface="+mn-cs"/>
-              </a:defRPr>
-            </a:lvl5pPr>
-            <a:lvl6pPr marL="2285916" indent="0" algn="l" defTabSz="914367" rtl="0" eaLnBrk="1" latinLnBrk="0" hangingPunct="1">
-              <a:spcBef>
-                <a:spcPct val="20000"/>
-              </a:spcBef>
-              <a:buFont typeface="Arial" pitchFamily="34" charset="0"/>
-              <a:buNone/>
-              <a:defRPr sz="1961" kern="1200">
-                <a:solidFill>
-                  <a:schemeClr val="tx1"/>
-                </a:solidFill>
-                <a:latin typeface="+mn-lt"/>
-                <a:ea typeface="+mn-ea"/>
-                <a:cs typeface="+mn-cs"/>
-              </a:defRPr>
-            </a:lvl6pPr>
-            <a:lvl7pPr marL="0" indent="0" algn="l" defTabSz="914367" rtl="0" eaLnBrk="1" latinLnBrk="0" hangingPunct="1">
-              <a:lnSpc>
-                <a:spcPct val="100000"/>
-              </a:lnSpc>
-              <a:spcBef>
-                <a:spcPts val="392"/>
-              </a:spcBef>
-              <a:spcAft>
-                <a:spcPts val="588"/>
-              </a:spcAft>
-              <a:buFont typeface="Arial" pitchFamily="34" charset="0"/>
-              <a:buNone/>
-              <a:defRPr sz="1200" kern="1200">
-                <a:solidFill>
-                  <a:schemeClr val="tx1"/>
-                </a:solidFill>
-                <a:latin typeface="+mn-lt"/>
-                <a:ea typeface="+mn-ea"/>
-                <a:cs typeface="+mn-cs"/>
-              </a:defRPr>
-            </a:lvl7pPr>
-            <a:lvl8pPr marL="3428877" indent="-228592" algn="l" defTabSz="914367" rtl="0" eaLnBrk="1" latinLnBrk="0" hangingPunct="1">
-              <a:spcBef>
-                <a:spcPct val="20000"/>
-              </a:spcBef>
-              <a:buFont typeface="Arial" pitchFamily="34" charset="0"/>
-              <a:buChar char="•"/>
-              <a:defRPr sz="1961" kern="1200">
-                <a:solidFill>
-                  <a:schemeClr val="tx1"/>
-                </a:solidFill>
-                <a:latin typeface="+mn-lt"/>
-                <a:ea typeface="+mn-ea"/>
-                <a:cs typeface="+mn-cs"/>
-              </a:defRPr>
-            </a:lvl8pPr>
-            <a:lvl9pPr marL="3886061" indent="-228592" algn="l" defTabSz="914367" rtl="0" eaLnBrk="1" latinLnBrk="0" hangingPunct="1">
-              <a:spcBef>
-                <a:spcPct val="20000"/>
-              </a:spcBef>
-              <a:buFont typeface="Arial" pitchFamily="34" charset="0"/>
-              <a:buChar char="•"/>
-              <a:defRPr sz="1961" kern="1200">
-                <a:solidFill>
-                  <a:schemeClr val="tx1"/>
-                </a:solidFill>
-                <a:latin typeface="+mn-lt"/>
-                <a:ea typeface="+mn-ea"/>
-                <a:cs typeface="+mn-cs"/>
-              </a:defRPr>
-            </a:lvl9pPr>
-          </a:lstStyle>
-          <a:p>
-            <a:r>
-              <a:rPr lang="en-US" sz="2040" dirty="0"/>
-              <a:t>OpenID Connect (OIDC)</a:t>
-            </a:r>
-          </a:p>
-          <a:p>
-            <a:r>
-              <a:rPr lang="en-US" sz="1836" dirty="0">
-                <a:latin typeface="Calibri" panose="020F0502020204030204" pitchFamily="34" charset="0"/>
-                <a:cs typeface="Times New Roman" panose="02020603050405020304" pitchFamily="18" charset="0"/>
-              </a:rPr>
-              <a:t>OIDC extends the OAuth 2.0 authorization protocol for use as an authentication protocol, so that you can do single sign-on using OAuth.</a:t>
-            </a:r>
-            <a:endParaRPr lang="en-US" sz="2040" dirty="0"/>
-          </a:p>
-        </p:txBody>
-      </p:sp>
-    </p:spTree>
-    <p:extLst>
-      <p:ext uri="{BB962C8B-B14F-4D97-AF65-F5344CB8AC3E}">
-        <p14:creationId xmlns:p14="http://schemas.microsoft.com/office/powerpoint/2010/main" val="2210486111"/>
-      </p:ext>
-    </p:extLst>
-  </p:cSld>
-  <p:clrMapOvr>
-    <a:masterClrMapping/>
-  </p:clrMapOvr>
-  <p:transition>
-    <p:fade/>
-  </p:transition>
-</p:sld>
-</file>
-
-<file path=ppt/slides/slide18.xml><?xml version="1.0" encoding="utf-8"?>
-<p:sld xmlns:a="http://schemas.openxmlformats.org/drawingml/2006/main" xmlns:r="http://schemas.openxmlformats.org/officeDocument/2006/relationships" xmlns:p="http://schemas.openxmlformats.org/presentationml/2006/main">
-  <p:cSld>
-    <p:spTree>
-      <p:nvGrpSpPr>
-        <p:cNvPr id="1" name=""/>
-        <p:cNvGrpSpPr/>
-        <p:nvPr/>
-      </p:nvGrpSpPr>
-      <p:grpSpPr>
-        <a:xfrm>
-          <a:off x="0" y="0"/>
-          <a:ext cx="0" cy="0"/>
-          <a:chOff x="0" y="0"/>
-          <a:chExt cx="0" cy="0"/>
-        </a:xfrm>
-      </p:grpSpPr>
-      <p:sp>
-        <p:nvSpPr>
-          <p:cNvPr id="2" name="Title 1">
-            <a:extLst>
-              <a:ext uri="{FF2B5EF4-FFF2-40B4-BE49-F238E27FC236}">
-                <a16:creationId xmlns:a16="http://schemas.microsoft.com/office/drawing/2014/main" id="{BBBA00CF-FC28-45CD-0947-F81BE2B48BF7}"/>
-              </a:ext>
-            </a:extLst>
-          </p:cNvPr>
-          <p:cNvSpPr>
-            <a:spLocks noGrp="1"/>
-          </p:cNvSpPr>
-          <p:nvPr>
-            <p:ph type="title"/>
-          </p:nvPr>
-        </p:nvSpPr>
-        <p:spPr/>
-        <p:txBody>
-          <a:bodyPr/>
-          <a:lstStyle/>
-          <a:p>
-            <a:r>
-              <a:rPr lang="en-GB" dirty="0"/>
-              <a:t>Knowledge Check</a:t>
-            </a:r>
-          </a:p>
-        </p:txBody>
-      </p:sp>
-      <p:pic>
-        <p:nvPicPr>
-          <p:cNvPr id="6" name="Picture 5">
-            <a:extLst>
-              <a:ext uri="{FF2B5EF4-FFF2-40B4-BE49-F238E27FC236}">
-                <a16:creationId xmlns:a16="http://schemas.microsoft.com/office/drawing/2014/main" id="{ABB05842-A450-B96F-CFE8-244DB209054C}"/>
-              </a:ext>
-            </a:extLst>
-          </p:cNvPr>
-          <p:cNvPicPr>
-            <a:picLocks noChangeAspect="1"/>
-          </p:cNvPicPr>
-          <p:nvPr/>
-        </p:nvPicPr>
-        <p:blipFill>
-          <a:blip r:embed="rId3"/>
-          <a:stretch>
-            <a:fillRect/>
-          </a:stretch>
-        </p:blipFill>
-        <p:spPr>
-          <a:xfrm>
-            <a:off x="427038" y="1312140"/>
-            <a:ext cx="7407282" cy="4724809"/>
-          </a:xfrm>
-          <a:prstGeom prst="rect">
-            <a:avLst/>
-          </a:prstGeom>
-        </p:spPr>
-      </p:pic>
-    </p:spTree>
-    <p:extLst>
-      <p:ext uri="{BB962C8B-B14F-4D97-AF65-F5344CB8AC3E}">
-        <p14:creationId xmlns:p14="http://schemas.microsoft.com/office/powerpoint/2010/main" val="494987860"/>
-      </p:ext>
-    </p:extLst>
-  </p:cSld>
-  <p:clrMapOvr>
-    <a:masterClrMapping/>
-  </p:clrMapOvr>
-  <p:transition>
-    <p:fade/>
-  </p:transition>
-</p:sld>
-</file>
-
-<file path=ppt/slides/slide19.xml><?xml version="1.0" encoding="utf-8"?>
-<p:sld xmlns:a="http://schemas.openxmlformats.org/drawingml/2006/main" xmlns:r="http://schemas.openxmlformats.org/officeDocument/2006/relationships" xmlns:p="http://schemas.openxmlformats.org/presentationml/2006/main">
-  <p:cSld>
-    <p:spTree>
-      <p:nvGrpSpPr>
-        <p:cNvPr id="1" name=""/>
-        <p:cNvGrpSpPr/>
-        <p:nvPr/>
-      </p:nvGrpSpPr>
-      <p:grpSpPr>
-        <a:xfrm>
-          <a:off x="0" y="0"/>
-          <a:ext cx="0" cy="0"/>
-          <a:chOff x="0" y="0"/>
-          <a:chExt cx="0" cy="0"/>
-        </a:xfrm>
-      </p:grpSpPr>
-      <p:sp>
-        <p:nvSpPr>
-          <p:cNvPr id="2" name="Title 1">
-            <a:extLst>
-              <a:ext uri="{FF2B5EF4-FFF2-40B4-BE49-F238E27FC236}">
-                <a16:creationId xmlns:a16="http://schemas.microsoft.com/office/drawing/2014/main" id="{5B9AEBD2-4AD6-4182-BF38-A3DE71D14CCF}"/>
-              </a:ext>
-            </a:extLst>
-          </p:cNvPr>
-          <p:cNvSpPr>
-            <a:spLocks noGrp="1"/>
-          </p:cNvSpPr>
-          <p:nvPr>
-            <p:ph type="title"/>
-          </p:nvPr>
-        </p:nvSpPr>
-        <p:spPr/>
-        <p:txBody>
-          <a:bodyPr/>
-          <a:lstStyle/>
-          <a:p>
-            <a:r>
-              <a:rPr lang="en-US" dirty="0">
-                <a:solidFill>
-                  <a:schemeClr val="bg2">
-                    <a:lumMod val="10000"/>
-                  </a:schemeClr>
-                </a:solidFill>
-              </a:rPr>
-              <a:t>Summary and Resources – Configure Azure Active Directory</a:t>
-            </a:r>
-          </a:p>
-        </p:txBody>
-      </p:sp>
-      <p:sp>
-        <p:nvSpPr>
-          <p:cNvPr id="12" name="Rectangle 11">
-            <a:extLst>
-              <a:ext uri="{FF2B5EF4-FFF2-40B4-BE49-F238E27FC236}">
-                <a16:creationId xmlns:a16="http://schemas.microsoft.com/office/drawing/2014/main" id="{616B814B-5D4E-416F-AE83-E9B3AC11932E}"/>
-              </a:ext>
-            </a:extLst>
-          </p:cNvPr>
-          <p:cNvSpPr/>
-          <p:nvPr/>
-        </p:nvSpPr>
-        <p:spPr bwMode="auto">
-          <a:xfrm>
-            <a:off x="427039" y="1385888"/>
-            <a:ext cx="4297362" cy="640080"/>
-          </a:xfrm>
-          <a:prstGeom prst="rect">
-            <a:avLst/>
-          </a:prstGeom>
-          <a:solidFill>
-            <a:srgbClr val="243A5E"/>
-          </a:solidFill>
-          <a:ln w="6350">
-            <a:noFill/>
-          </a:ln>
-        </p:spPr>
-        <p:style>
-          <a:lnRef idx="0">
-            <a:scrgbClr r="0" g="0" b="0"/>
-          </a:lnRef>
-          <a:fillRef idx="0">
-            <a:scrgbClr r="0" g="0" b="0"/>
-          </a:fillRef>
-          <a:effectRef idx="0">
-            <a:scrgbClr r="0" g="0" b="0"/>
-          </a:effectRef>
-          <a:fontRef idx="minor">
-            <a:schemeClr val="lt1"/>
-          </a:fontRef>
-        </p:style>
-        <p:txBody>
-          <a:bodyPr spcFirstLastPara="0" vert="horz" wrap="square" lIns="182880" tIns="137160" rIns="182880" bIns="137160" numCol="1" spcCol="1270" anchor="ctr" anchorCtr="0">
-            <a:noAutofit/>
-          </a:bodyPr>
-          <a:lstStyle/>
-          <a:p>
-            <a:pPr algn="ctr"/>
-            <a:r>
-              <a:rPr lang="en-US" sz="2000" dirty="0">
-                <a:latin typeface="+mj-lt"/>
-              </a:rPr>
-              <a:t>Knowledge Check</a:t>
-            </a:r>
-          </a:p>
-        </p:txBody>
-      </p:sp>
-      <p:sp>
-        <p:nvSpPr>
-          <p:cNvPr id="13" name="Rectangle 12">
-            <a:extLst>
-              <a:ext uri="{FF2B5EF4-FFF2-40B4-BE49-F238E27FC236}">
-                <a16:creationId xmlns:a16="http://schemas.microsoft.com/office/drawing/2014/main" id="{C85B5353-A05B-4F9F-93B3-4523D0B7E89B}"/>
-              </a:ext>
-            </a:extLst>
-          </p:cNvPr>
-          <p:cNvSpPr/>
-          <p:nvPr/>
-        </p:nvSpPr>
-        <p:spPr bwMode="auto">
-          <a:xfrm>
-            <a:off x="4876800" y="1385888"/>
-            <a:ext cx="7148540" cy="640080"/>
-          </a:xfrm>
-          <a:prstGeom prst="rect">
-            <a:avLst/>
-          </a:prstGeom>
-          <a:solidFill>
-            <a:srgbClr val="243A5E"/>
-          </a:solidFill>
-          <a:ln w="6350">
-            <a:noFill/>
-          </a:ln>
-        </p:spPr>
-        <p:style>
-          <a:lnRef idx="0">
-            <a:scrgbClr r="0" g="0" b="0"/>
-          </a:lnRef>
-          <a:fillRef idx="0">
-            <a:scrgbClr r="0" g="0" b="0"/>
-          </a:fillRef>
-          <a:effectRef idx="0">
-            <a:scrgbClr r="0" g="0" b="0"/>
-          </a:effectRef>
-          <a:fontRef idx="minor">
-            <a:schemeClr val="lt1"/>
-          </a:fontRef>
-        </p:style>
-        <p:txBody>
-          <a:bodyPr spcFirstLastPara="0" vert="horz" wrap="square" lIns="182880" tIns="137160" rIns="182880" bIns="137160" numCol="1" spcCol="1270" anchor="ctr" anchorCtr="0">
-            <a:noAutofit/>
-          </a:bodyPr>
-          <a:lstStyle/>
-          <a:p>
-            <a:r>
-              <a:rPr lang="en-US" sz="2000" dirty="0">
-                <a:latin typeface="+mj-lt"/>
-              </a:rPr>
-              <a:t>Microsoft Learn Modules (docs.microsoft.com/Learn)</a:t>
-            </a:r>
-          </a:p>
-        </p:txBody>
-      </p:sp>
-      <p:cxnSp>
-        <p:nvCxnSpPr>
-          <p:cNvPr id="28" name="Straight Connector 27">
-            <a:extLst>
-              <a:ext uri="{FF2B5EF4-FFF2-40B4-BE49-F238E27FC236}">
-                <a16:creationId xmlns:a16="http://schemas.microsoft.com/office/drawing/2014/main" id="{3AFA1F8C-A0BC-4C3E-8230-2FFAA5369191}"/>
-              </a:ext>
-              <a:ext uri="{C183D7F6-B498-43B3-948B-1728B52AA6E4}">
-                <adec:decorative xmlns:adec="http://schemas.microsoft.com/office/drawing/2017/decorative" val="1"/>
-              </a:ext>
-            </a:extLst>
-          </p:cNvPr>
-          <p:cNvCxnSpPr>
-            <a:cxnSpLocks/>
-          </p:cNvCxnSpPr>
-          <p:nvPr/>
-        </p:nvCxnSpPr>
-        <p:spPr>
-          <a:xfrm>
-            <a:off x="4876800" y="2764118"/>
-            <a:ext cx="7132144" cy="0"/>
-          </a:xfrm>
-          <a:prstGeom prst="line">
-            <a:avLst/>
-          </a:prstGeom>
-          <a:ln w="19050">
-            <a:solidFill>
-              <a:schemeClr val="bg1">
-                <a:lumMod val="65000"/>
-              </a:schemeClr>
-            </a:solidFill>
-            <a:prstDash val="dash"/>
-            <a:headEnd type="none"/>
-            <a:tailEnd type="none"/>
-          </a:ln>
-        </p:spPr>
-        <p:style>
-          <a:lnRef idx="1">
-            <a:schemeClr val="accent1"/>
-          </a:lnRef>
-          <a:fillRef idx="0">
-            <a:schemeClr val="accent1"/>
-          </a:fillRef>
-          <a:effectRef idx="0">
-            <a:schemeClr val="accent1"/>
-          </a:effectRef>
-          <a:fontRef idx="minor">
-            <a:schemeClr val="tx1"/>
-          </a:fontRef>
-        </p:style>
-      </p:cxnSp>
-      <p:cxnSp>
-        <p:nvCxnSpPr>
-          <p:cNvPr id="31" name="Straight Connector 30">
-            <a:extLst>
-              <a:ext uri="{FF2B5EF4-FFF2-40B4-BE49-F238E27FC236}">
-                <a16:creationId xmlns:a16="http://schemas.microsoft.com/office/drawing/2014/main" id="{02804F6D-1590-44EB-B839-709E184FBF58}"/>
-              </a:ext>
-              <a:ext uri="{C183D7F6-B498-43B3-948B-1728B52AA6E4}">
-                <adec:decorative xmlns:adec="http://schemas.microsoft.com/office/drawing/2017/decorative" val="1"/>
-              </a:ext>
-            </a:extLst>
-          </p:cNvPr>
-          <p:cNvCxnSpPr>
-            <a:cxnSpLocks/>
-          </p:cNvCxnSpPr>
-          <p:nvPr/>
-        </p:nvCxnSpPr>
-        <p:spPr>
-          <a:xfrm>
-            <a:off x="4876800" y="3437616"/>
-            <a:ext cx="7132144" cy="0"/>
-          </a:xfrm>
-          <a:prstGeom prst="line">
-            <a:avLst/>
-          </a:prstGeom>
-          <a:ln w="19050">
-            <a:solidFill>
-              <a:schemeClr val="bg1">
-                <a:lumMod val="65000"/>
-              </a:schemeClr>
-            </a:solidFill>
-            <a:prstDash val="dash"/>
-            <a:headEnd type="none"/>
-            <a:tailEnd type="none"/>
-          </a:ln>
-        </p:spPr>
-        <p:style>
-          <a:lnRef idx="1">
-            <a:schemeClr val="accent1"/>
-          </a:lnRef>
-          <a:fillRef idx="0">
-            <a:schemeClr val="accent1"/>
-          </a:fillRef>
-          <a:effectRef idx="0">
-            <a:schemeClr val="accent1"/>
-          </a:effectRef>
-          <a:fontRef idx="minor">
-            <a:schemeClr val="tx1"/>
-          </a:fontRef>
-        </p:style>
-      </p:cxnSp>
-      <p:sp>
-        <p:nvSpPr>
-          <p:cNvPr id="24" name="Rectangle 23">
-            <a:extLst>
-              <a:ext uri="{FF2B5EF4-FFF2-40B4-BE49-F238E27FC236}">
-                <a16:creationId xmlns:a16="http://schemas.microsoft.com/office/drawing/2014/main" id="{07D8E708-0375-4BE4-AA33-254D0233BCB2}"/>
-              </a:ext>
-            </a:extLst>
-          </p:cNvPr>
-          <p:cNvSpPr/>
-          <p:nvPr/>
-        </p:nvSpPr>
-        <p:spPr>
-          <a:xfrm>
-            <a:off x="4801526" y="2021087"/>
-            <a:ext cx="7132144" cy="822960"/>
-          </a:xfrm>
-          <a:prstGeom prst="rect">
-            <a:avLst/>
-          </a:prstGeom>
-          <a:noFill/>
-          <a:ln>
-            <a:noFill/>
-          </a:ln>
-        </p:spPr>
-        <p:style>
-          <a:lnRef idx="2">
-            <a:schemeClr val="lt1">
-              <a:hueOff val="0"/>
-              <a:satOff val="0"/>
-              <a:lumOff val="0"/>
-              <a:alphaOff val="0"/>
-            </a:schemeClr>
-          </a:lnRef>
-          <a:fillRef idx="1">
-            <a:schemeClr val="accent1">
-              <a:hueOff val="0"/>
-              <a:satOff val="0"/>
-              <a:lumOff val="0"/>
-              <a:alphaOff val="0"/>
-            </a:schemeClr>
-          </a:fillRef>
-          <a:effectRef idx="0">
-            <a:schemeClr val="accent1">
-              <a:hueOff val="0"/>
-              <a:satOff val="0"/>
-              <a:lumOff val="0"/>
-              <a:alphaOff val="0"/>
-            </a:schemeClr>
-          </a:effectRef>
-          <a:fontRef idx="minor">
-            <a:schemeClr val="lt1"/>
-          </a:fontRef>
-        </p:style>
-        <p:txBody>
-          <a:bodyPr spcFirstLastPara="0" vert="horz" wrap="square" lIns="106040" tIns="106040" rIns="106040" bIns="106040" numCol="1" spcCol="1270" anchor="ctr" anchorCtr="0">
-            <a:noAutofit/>
-          </a:bodyPr>
-          <a:lstStyle/>
-          <a:p>
-            <a:pPr marL="0" lvl="0" indent="0" algn="l" defTabSz="800100">
-              <a:lnSpc>
-                <a:spcPct val="90000"/>
-              </a:lnSpc>
-              <a:spcBef>
-                <a:spcPct val="0"/>
-              </a:spcBef>
-              <a:spcAft>
-                <a:spcPct val="35000"/>
-              </a:spcAft>
-              <a:buNone/>
-            </a:pPr>
-            <a:r>
-              <a:rPr lang="en-US" dirty="0">
-                <a:hlinkClick r:id="rId3"/>
-              </a:rPr>
-              <a:t>Allow users to reset their password with Azure Active Directory self-service password reset (Sandbox)</a:t>
-            </a:r>
-            <a:endParaRPr lang="en-IN" sz="1800" kern="1200" dirty="0">
-              <a:solidFill>
-                <a:schemeClr val="tx1"/>
-              </a:solidFill>
-            </a:endParaRPr>
-          </a:p>
-        </p:txBody>
-      </p:sp>
-      <p:pic>
-        <p:nvPicPr>
-          <p:cNvPr id="3" name="Picture 2">
-            <a:extLst>
-              <a:ext uri="{FF2B5EF4-FFF2-40B4-BE49-F238E27FC236}">
-                <a16:creationId xmlns:a16="http://schemas.microsoft.com/office/drawing/2014/main" id="{C6A6500B-AD98-4754-B815-30E4444B4EBD}"/>
-              </a:ext>
-              <a:ext uri="{C183D7F6-B498-43B3-948B-1728B52AA6E4}">
-                <adec:decorative xmlns:adec="http://schemas.microsoft.com/office/drawing/2017/decorative" val="1"/>
-              </a:ext>
-            </a:extLst>
-          </p:cNvPr>
-          <p:cNvPicPr>
-            <a:picLocks noChangeAspect="1"/>
-          </p:cNvPicPr>
-          <p:nvPr/>
-        </p:nvPicPr>
-        <p:blipFill>
-          <a:blip r:embed="rId4" cstate="print">
-            <a:extLst>
-              <a:ext uri="{28A0092B-C50C-407E-A947-70E740481C1C}">
-                <a14:useLocalDpi xmlns:a14="http://schemas.microsoft.com/office/drawing/2010/main" val="0"/>
-              </a:ext>
-            </a:extLst>
-          </a:blip>
-          <a:stretch>
-            <a:fillRect/>
-          </a:stretch>
-        </p:blipFill>
-        <p:spPr>
-          <a:xfrm>
-            <a:off x="1741597" y="2794850"/>
-            <a:ext cx="1494645" cy="2173707"/>
-          </a:xfrm>
-          <a:prstGeom prst="rect">
-            <a:avLst/>
-          </a:prstGeom>
-        </p:spPr>
-      </p:pic>
-      <p:sp>
-        <p:nvSpPr>
-          <p:cNvPr id="14" name="TextBox 13">
-            <a:extLst>
-              <a:ext uri="{FF2B5EF4-FFF2-40B4-BE49-F238E27FC236}">
-                <a16:creationId xmlns:a16="http://schemas.microsoft.com/office/drawing/2014/main" id="{2E7D642F-A854-4E49-941C-2BB00DF51409}"/>
-              </a:ext>
-            </a:extLst>
-          </p:cNvPr>
-          <p:cNvSpPr txBox="1"/>
-          <p:nvPr/>
-        </p:nvSpPr>
-        <p:spPr>
-          <a:xfrm>
-            <a:off x="4801525" y="2791285"/>
-            <a:ext cx="6642329" cy="646331"/>
-          </a:xfrm>
-          <a:prstGeom prst="rect">
-            <a:avLst/>
-          </a:prstGeom>
-          <a:noFill/>
-        </p:spPr>
-        <p:txBody>
-          <a:bodyPr wrap="square">
-            <a:spAutoFit/>
-          </a:bodyPr>
-          <a:lstStyle/>
-          <a:p>
-            <a:r>
-              <a:rPr lang="en-US" dirty="0">
-                <a:hlinkClick r:id="rId5"/>
-              </a:rPr>
-              <a:t>Manage device identity with Azure AD join and Enterprise State Roaming</a:t>
-            </a:r>
-            <a:endParaRPr lang="en-US" dirty="0"/>
-          </a:p>
-        </p:txBody>
-      </p:sp>
-      <p:sp>
-        <p:nvSpPr>
-          <p:cNvPr id="11" name="TextBox 10">
-            <a:extLst>
-              <a:ext uri="{FF2B5EF4-FFF2-40B4-BE49-F238E27FC236}">
-                <a16:creationId xmlns:a16="http://schemas.microsoft.com/office/drawing/2014/main" id="{82BE4601-6FA7-4F8D-B88C-7AEC6A093191}"/>
-              </a:ext>
-            </a:extLst>
-          </p:cNvPr>
-          <p:cNvSpPr txBox="1"/>
-          <p:nvPr/>
-        </p:nvSpPr>
-        <p:spPr>
-          <a:xfrm>
-            <a:off x="4801525" y="3582197"/>
-            <a:ext cx="6217920" cy="369332"/>
-          </a:xfrm>
-          <a:prstGeom prst="rect">
-            <a:avLst/>
-          </a:prstGeom>
-          <a:noFill/>
-        </p:spPr>
-        <p:txBody>
-          <a:bodyPr wrap="square">
-            <a:spAutoFit/>
-          </a:bodyPr>
-          <a:lstStyle/>
-          <a:p>
-            <a:pPr algn="l"/>
-            <a:r>
-              <a:rPr lang="en-US" dirty="0">
-                <a:hlinkClick r:id="rId6"/>
-              </a:rPr>
-              <a:t>Implement and manage hybrid identity</a:t>
-            </a:r>
-            <a:endParaRPr lang="en-US" dirty="0"/>
-          </a:p>
-        </p:txBody>
-      </p:sp>
-      <p:cxnSp>
-        <p:nvCxnSpPr>
-          <p:cNvPr id="5" name="Straight Connector 4">
-            <a:extLst>
-              <a:ext uri="{FF2B5EF4-FFF2-40B4-BE49-F238E27FC236}">
-                <a16:creationId xmlns:a16="http://schemas.microsoft.com/office/drawing/2014/main" id="{F41EC09E-9E6D-423C-A350-6CBC666F5A02}"/>
-              </a:ext>
-              <a:ext uri="{C183D7F6-B498-43B3-948B-1728B52AA6E4}">
-                <adec:decorative xmlns:adec="http://schemas.microsoft.com/office/drawing/2017/decorative" val="1"/>
-              </a:ext>
-            </a:extLst>
-          </p:cNvPr>
-          <p:cNvCxnSpPr>
-            <a:cxnSpLocks/>
-          </p:cNvCxnSpPr>
-          <p:nvPr/>
-        </p:nvCxnSpPr>
-        <p:spPr>
-          <a:xfrm>
-            <a:off x="4893196" y="4077696"/>
-            <a:ext cx="7132144" cy="0"/>
-          </a:xfrm>
-          <a:prstGeom prst="line">
-            <a:avLst/>
-          </a:prstGeom>
-          <a:ln w="19050">
-            <a:solidFill>
-              <a:schemeClr val="bg1">
-                <a:lumMod val="65000"/>
-              </a:schemeClr>
-            </a:solidFill>
-            <a:prstDash val="dash"/>
-            <a:headEnd type="none"/>
-            <a:tailEnd type="none"/>
-          </a:ln>
-        </p:spPr>
-        <p:style>
-          <a:lnRef idx="1">
-            <a:schemeClr val="accent1"/>
-          </a:lnRef>
-          <a:fillRef idx="0">
-            <a:schemeClr val="accent1"/>
-          </a:fillRef>
-          <a:effectRef idx="0">
-            <a:schemeClr val="accent1"/>
-          </a:effectRef>
-          <a:fontRef idx="minor">
-            <a:schemeClr val="tx1"/>
-          </a:fontRef>
-        </p:style>
-      </p:cxnSp>
-      <p:sp>
-        <p:nvSpPr>
-          <p:cNvPr id="4" name="TextBox 3">
-            <a:extLst>
-              <a:ext uri="{FF2B5EF4-FFF2-40B4-BE49-F238E27FC236}">
-                <a16:creationId xmlns:a16="http://schemas.microsoft.com/office/drawing/2014/main" id="{98A1577E-FA45-4AC3-92EB-608AE1A5F622}"/>
-              </a:ext>
-            </a:extLst>
-          </p:cNvPr>
-          <p:cNvSpPr txBox="1"/>
-          <p:nvPr/>
-        </p:nvSpPr>
-        <p:spPr>
-          <a:xfrm>
-            <a:off x="7793037" y="5985163"/>
-            <a:ext cx="4487575" cy="544765"/>
-          </a:xfrm>
-          <a:prstGeom prst="rect">
-            <a:avLst/>
-          </a:prstGeom>
-          <a:solidFill>
-            <a:srgbClr val="FFFFCC"/>
-          </a:solidFill>
-        </p:spPr>
-        <p:txBody>
-          <a:bodyPr wrap="none" lIns="182880" tIns="146304" rIns="182880" bIns="146304" rtlCol="0">
-            <a:spAutoFit/>
-          </a:bodyPr>
-          <a:lstStyle/>
-          <a:p>
-            <a:pPr>
-              <a:lnSpc>
-                <a:spcPct val="90000"/>
-              </a:lnSpc>
-              <a:spcAft>
-                <a:spcPts val="600"/>
-              </a:spcAft>
-            </a:pPr>
-            <a:r>
-              <a:rPr lang="en-US" dirty="0">
-                <a:gradFill>
-                  <a:gsLst>
-                    <a:gs pos="2917">
-                      <a:schemeClr val="tx1"/>
-                    </a:gs>
-                    <a:gs pos="30000">
-                      <a:schemeClr val="tx1"/>
-                    </a:gs>
-                  </a:gsLst>
-                  <a:lin ang="5400000" scaled="0"/>
-                </a:gradFill>
-              </a:rPr>
-              <a:t>A </a:t>
-            </a:r>
-            <a:r>
-              <a:rPr lang="en-US" i="1" dirty="0">
-                <a:gradFill>
-                  <a:gsLst>
-                    <a:gs pos="2917">
-                      <a:schemeClr val="tx1"/>
-                    </a:gs>
-                    <a:gs pos="30000">
-                      <a:schemeClr val="tx1"/>
-                    </a:gs>
-                  </a:gsLst>
-                  <a:lin ang="5400000" scaled="0"/>
-                </a:gradFill>
-              </a:rPr>
-              <a:t>sandbox</a:t>
-            </a:r>
-            <a:r>
-              <a:rPr lang="en-US" dirty="0">
-                <a:gradFill>
-                  <a:gsLst>
-                    <a:gs pos="2917">
-                      <a:schemeClr val="tx1"/>
-                    </a:gs>
-                    <a:gs pos="30000">
-                      <a:schemeClr val="tx1"/>
-                    </a:gs>
-                  </a:gsLst>
-                  <a:lin ang="5400000" scaled="0"/>
-                </a:gradFill>
-              </a:rPr>
-              <a:t> indicates a hands-on exercise.</a:t>
-            </a:r>
-          </a:p>
-        </p:txBody>
-      </p:sp>
-    </p:spTree>
-    <p:extLst>
-      <p:ext uri="{BB962C8B-B14F-4D97-AF65-F5344CB8AC3E}">
-        <p14:creationId xmlns:p14="http://schemas.microsoft.com/office/powerpoint/2010/main" val="2453630756"/>
       </p:ext>
     </p:extLst>
   </p:cSld>
@@ -19787,6 +19777,1197 @@
       </p:grpSpPr>
       <p:sp>
         <p:nvSpPr>
+          <p:cNvPr id="2" name="Title 1">
+            <a:extLst>
+              <a:ext uri="{FF2B5EF4-FFF2-40B4-BE49-F238E27FC236}">
+                <a16:creationId xmlns:a16="http://schemas.microsoft.com/office/drawing/2014/main" id="{EE7DDD1D-2561-5025-062B-C30D4E223DDF}"/>
+              </a:ext>
+            </a:extLst>
+          </p:cNvPr>
+          <p:cNvSpPr>
+            <a:spLocks noGrp="1"/>
+          </p:cNvSpPr>
+          <p:nvPr>
+            <p:ph type="title"/>
+          </p:nvPr>
+        </p:nvSpPr>
+        <p:spPr/>
+        <p:txBody>
+          <a:bodyPr/>
+          <a:lstStyle/>
+          <a:p>
+            <a:r>
+              <a:rPr lang="en-US"/>
+              <a:t>Federated identity concepts</a:t>
+            </a:r>
+          </a:p>
+        </p:txBody>
+      </p:sp>
+      <p:sp>
+        <p:nvSpPr>
+          <p:cNvPr id="3" name="Text Placeholder 2">
+            <a:extLst>
+              <a:ext uri="{FF2B5EF4-FFF2-40B4-BE49-F238E27FC236}">
+                <a16:creationId xmlns:a16="http://schemas.microsoft.com/office/drawing/2014/main" id="{473029C6-A39A-0DF9-C693-7D42A8E0EE0F}"/>
+              </a:ext>
+            </a:extLst>
+          </p:cNvPr>
+          <p:cNvSpPr>
+            <a:spLocks noGrp="1"/>
+          </p:cNvSpPr>
+          <p:nvPr>
+            <p:ph type="body" sz="quarter" idx="12"/>
+          </p:nvPr>
+        </p:nvSpPr>
+        <p:spPr>
+          <a:xfrm>
+            <a:off x="427859" y="2350777"/>
+            <a:ext cx="5689994" cy="2653662"/>
+          </a:xfrm>
+        </p:spPr>
+        <p:txBody>
+          <a:bodyPr/>
+          <a:lstStyle/>
+          <a:p>
+            <a:r>
+              <a:rPr lang="en-US" dirty="0"/>
+              <a:t>SAML – Security Assertion Markup Language</a:t>
+            </a:r>
+          </a:p>
+          <a:p>
+            <a:r>
+              <a:rPr lang="en-US" sz="1836" dirty="0">
+                <a:latin typeface="Calibri" panose="020F0502020204030204" pitchFamily="34" charset="0"/>
+                <a:ea typeface="Calibri" panose="020F0502020204030204" pitchFamily="34" charset="0"/>
+                <a:cs typeface="Times New Roman" panose="02020603050405020304" pitchFamily="18" charset="0"/>
+              </a:rPr>
+              <a:t>Open standard for exchanging authentication and authorization data between an identity provider and a service provider.</a:t>
+            </a:r>
+          </a:p>
+          <a:p>
+            <a:pPr marL="349724" indent="-349724">
+              <a:buFont typeface="Arial" panose="020B0604020202020204" pitchFamily="34" charset="0"/>
+              <a:buChar char="•"/>
+            </a:pPr>
+            <a:r>
+              <a:rPr lang="en-US" dirty="0"/>
+              <a:t>The principal, generally a user</a:t>
+            </a:r>
+          </a:p>
+          <a:p>
+            <a:pPr marL="349724" indent="-349724">
+              <a:buFont typeface="Arial" panose="020B0604020202020204" pitchFamily="34" charset="0"/>
+              <a:buChar char="•"/>
+            </a:pPr>
+            <a:r>
+              <a:rPr lang="en-US" dirty="0"/>
+              <a:t>The identity provider (IdP)</a:t>
+            </a:r>
+          </a:p>
+          <a:p>
+            <a:pPr marL="349724" indent="-349724">
+              <a:buFont typeface="Arial" panose="020B0604020202020204" pitchFamily="34" charset="0"/>
+              <a:buChar char="•"/>
+            </a:pPr>
+            <a:r>
+              <a:rPr lang="en-US" dirty="0"/>
+              <a:t>The service provider (SP)</a:t>
+            </a:r>
+          </a:p>
+          <a:p>
+            <a:endParaRPr lang="en-US" dirty="0"/>
+          </a:p>
+        </p:txBody>
+      </p:sp>
+      <p:sp>
+        <p:nvSpPr>
+          <p:cNvPr id="4" name="Text Placeholder 3">
+            <a:extLst>
+              <a:ext uri="{FF2B5EF4-FFF2-40B4-BE49-F238E27FC236}">
+                <a16:creationId xmlns:a16="http://schemas.microsoft.com/office/drawing/2014/main" id="{CB206FCC-3DA7-6491-2D5A-2B725D49ECE9}"/>
+              </a:ext>
+            </a:extLst>
+          </p:cNvPr>
+          <p:cNvSpPr>
+            <a:spLocks noGrp="1"/>
+          </p:cNvSpPr>
+          <p:nvPr>
+            <p:ph type="body" sz="quarter" idx="13"/>
+          </p:nvPr>
+        </p:nvSpPr>
+        <p:spPr>
+          <a:xfrm>
+            <a:off x="6354242" y="2350778"/>
+            <a:ext cx="5653908" cy="1693118"/>
+          </a:xfrm>
+        </p:spPr>
+        <p:txBody>
+          <a:bodyPr/>
+          <a:lstStyle/>
+          <a:p>
+            <a:r>
+              <a:rPr lang="en-US" dirty="0"/>
+              <a:t>WS-Fed – Web Services Federation</a:t>
+            </a:r>
+          </a:p>
+          <a:p>
+            <a:r>
+              <a:rPr lang="en-US" sz="1836" dirty="0">
+                <a:latin typeface="Calibri" panose="020F0502020204030204" pitchFamily="34" charset="0"/>
+                <a:ea typeface="Calibri" panose="020F0502020204030204" pitchFamily="34" charset="0"/>
+                <a:cs typeface="Times New Roman" panose="02020603050405020304" pitchFamily="18" charset="0"/>
+              </a:rPr>
+              <a:t>An identity specification from Web Services Security framework to provide single-sign-on via external identity exchange and authentication.</a:t>
+            </a:r>
+          </a:p>
+          <a:p>
+            <a:endParaRPr lang="en-US" dirty="0"/>
+          </a:p>
+        </p:txBody>
+      </p:sp>
+      <p:sp>
+        <p:nvSpPr>
+          <p:cNvPr id="5" name="TextBox 4">
+            <a:extLst>
+              <a:ext uri="{FF2B5EF4-FFF2-40B4-BE49-F238E27FC236}">
+                <a16:creationId xmlns:a16="http://schemas.microsoft.com/office/drawing/2014/main" id="{61BD1FB2-6B2C-9B59-1B6A-DA993E06211B}"/>
+              </a:ext>
+            </a:extLst>
+          </p:cNvPr>
+          <p:cNvSpPr txBox="1"/>
+          <p:nvPr/>
+        </p:nvSpPr>
+        <p:spPr>
+          <a:xfrm>
+            <a:off x="441572" y="1073276"/>
+            <a:ext cx="11566578" cy="1338799"/>
+          </a:xfrm>
+          <a:prstGeom prst="rect">
+            <a:avLst/>
+          </a:prstGeom>
+          <a:noFill/>
+        </p:spPr>
+        <p:txBody>
+          <a:bodyPr wrap="square" lIns="186521" tIns="149217" rIns="186521" bIns="149217" rtlCol="0">
+            <a:spAutoFit/>
+          </a:bodyPr>
+          <a:lstStyle/>
+          <a:p>
+            <a:pPr>
+              <a:lnSpc>
+                <a:spcPct val="90000"/>
+              </a:lnSpc>
+              <a:spcAft>
+                <a:spcPts val="612"/>
+              </a:spcAft>
+            </a:pPr>
+            <a:r>
+              <a:rPr lang="en-US" sz="2448" dirty="0">
+                <a:gradFill>
+                  <a:gsLst>
+                    <a:gs pos="2917">
+                      <a:schemeClr val="tx1"/>
+                    </a:gs>
+                    <a:gs pos="30000">
+                      <a:schemeClr val="tx1"/>
+                    </a:gs>
+                  </a:gsLst>
+                  <a:lin ang="5400000" scaled="0"/>
+                </a:gradFill>
+              </a:rPr>
+              <a:t>Federation is a collection of domains that have established trust. The level of trust may vary, but typically includes authentication and almost always includes authorization.</a:t>
+            </a:r>
+          </a:p>
+        </p:txBody>
+      </p:sp>
+      <p:sp>
+        <p:nvSpPr>
+          <p:cNvPr id="6" name="Text Placeholder 3">
+            <a:extLst>
+              <a:ext uri="{FF2B5EF4-FFF2-40B4-BE49-F238E27FC236}">
+                <a16:creationId xmlns:a16="http://schemas.microsoft.com/office/drawing/2014/main" id="{754BFA95-56CF-5960-DC5D-1068DDD4AFC6}"/>
+              </a:ext>
+            </a:extLst>
+          </p:cNvPr>
+          <p:cNvSpPr txBox="1">
+            <a:spLocks/>
+          </p:cNvSpPr>
+          <p:nvPr/>
+        </p:nvSpPr>
+        <p:spPr>
+          <a:xfrm>
+            <a:off x="6340994" y="4242441"/>
+            <a:ext cx="5653908" cy="1451412"/>
+          </a:xfrm>
+          <a:prstGeom prst="rect">
+            <a:avLst/>
+          </a:prstGeom>
+          <a:solidFill>
+            <a:schemeClr val="bg1">
+              <a:lumMod val="95000"/>
+            </a:schemeClr>
+          </a:solidFill>
+        </p:spPr>
+        <p:txBody>
+          <a:bodyPr vert="horz" wrap="square" lIns="139891" tIns="93260" rIns="139891" bIns="93260" rtlCol="0">
+            <a:spAutoFit/>
+          </a:bodyPr>
+          <a:lstStyle>
+            <a:lvl1pPr marL="0" marR="0" indent="0" algn="l" defTabSz="914367" rtl="0" eaLnBrk="1" fontAlgn="auto" latinLnBrk="0" hangingPunct="1">
+              <a:lnSpc>
+                <a:spcPct val="100000"/>
+              </a:lnSpc>
+              <a:spcBef>
+                <a:spcPts val="200"/>
+              </a:spcBef>
+              <a:spcAft>
+                <a:spcPts val="400"/>
+              </a:spcAft>
+              <a:buClrTx/>
+              <a:buSzPct val="90000"/>
+              <a:buFont typeface="Wingdings" panose="05000000000000000000" pitchFamily="2" charset="2"/>
+              <a:buNone/>
+              <a:tabLst/>
+              <a:defRPr sz="2000" kern="1200" spc="-49" baseline="0">
+                <a:solidFill>
+                  <a:srgbClr val="000000"/>
+                </a:solidFill>
+                <a:latin typeface="+mj-lt"/>
+                <a:ea typeface="+mn-ea"/>
+                <a:cs typeface="+mn-cs"/>
+              </a:defRPr>
+            </a:lvl1pPr>
+            <a:lvl2pPr marL="0" marR="0" indent="0" algn="l" defTabSz="914367" rtl="0" eaLnBrk="1" fontAlgn="auto" latinLnBrk="0" hangingPunct="1">
+              <a:lnSpc>
+                <a:spcPct val="100000"/>
+              </a:lnSpc>
+              <a:spcBef>
+                <a:spcPts val="200"/>
+              </a:spcBef>
+              <a:spcAft>
+                <a:spcPts val="400"/>
+              </a:spcAft>
+              <a:buClrTx/>
+              <a:buSzPct val="90000"/>
+              <a:buFontTx/>
+              <a:buNone/>
+              <a:tabLst/>
+              <a:defRPr sz="1800" kern="1200" spc="0" baseline="0">
+                <a:solidFill>
+                  <a:schemeClr val="tx1"/>
+                </a:solidFill>
+                <a:latin typeface="+mn-lt"/>
+                <a:ea typeface="+mn-ea"/>
+                <a:cs typeface="+mn-cs"/>
+              </a:defRPr>
+            </a:lvl2pPr>
+            <a:lvl3pPr marL="342900" marR="0" indent="-228600" algn="l" defTabSz="914367" rtl="0" eaLnBrk="1" fontAlgn="auto" latinLnBrk="0" hangingPunct="1">
+              <a:lnSpc>
+                <a:spcPct val="100000"/>
+              </a:lnSpc>
+              <a:spcBef>
+                <a:spcPts val="200"/>
+              </a:spcBef>
+              <a:spcAft>
+                <a:spcPts val="400"/>
+              </a:spcAft>
+              <a:buClrTx/>
+              <a:buSzPct val="100000"/>
+              <a:buFont typeface="Arial" panose="020B0604020202020204" pitchFamily="34" charset="0"/>
+              <a:buChar char="•"/>
+              <a:tabLst/>
+              <a:defRPr sz="1400" kern="1200" spc="0" baseline="0">
+                <a:solidFill>
+                  <a:schemeClr val="tx1"/>
+                </a:solidFill>
+                <a:latin typeface="+mn-lt"/>
+                <a:ea typeface="+mn-ea"/>
+                <a:cs typeface="+mn-cs"/>
+              </a:defRPr>
+            </a:lvl3pPr>
+            <a:lvl4pPr marL="685800" marR="0" indent="-228600" algn="l" defTabSz="914367" rtl="0" eaLnBrk="1" fontAlgn="auto" latinLnBrk="0" hangingPunct="1">
+              <a:lnSpc>
+                <a:spcPct val="100000"/>
+              </a:lnSpc>
+              <a:spcBef>
+                <a:spcPts val="200"/>
+              </a:spcBef>
+              <a:spcAft>
+                <a:spcPts val="400"/>
+              </a:spcAft>
+              <a:buClrTx/>
+              <a:buSzPct val="100000"/>
+              <a:buFont typeface="Arial" panose="020B0604020202020204" pitchFamily="34" charset="0"/>
+              <a:buChar char="‒"/>
+              <a:tabLst/>
+              <a:defRPr sz="1400" kern="1200" spc="0" baseline="0">
+                <a:solidFill>
+                  <a:schemeClr val="tx1"/>
+                </a:solidFill>
+                <a:latin typeface="+mn-lt"/>
+                <a:ea typeface="+mn-ea"/>
+                <a:cs typeface="+mn-cs"/>
+              </a:defRPr>
+            </a:lvl4pPr>
+            <a:lvl5pPr marL="685800" marR="0" indent="0" algn="l" defTabSz="914367" rtl="0" eaLnBrk="1" fontAlgn="auto" latinLnBrk="0" hangingPunct="1">
+              <a:lnSpc>
+                <a:spcPct val="100000"/>
+              </a:lnSpc>
+              <a:spcBef>
+                <a:spcPts val="200"/>
+              </a:spcBef>
+              <a:spcAft>
+                <a:spcPts val="400"/>
+              </a:spcAft>
+              <a:buClrTx/>
+              <a:buSzPct val="100000"/>
+              <a:buFont typeface="Arial" panose="020B0604020202020204" pitchFamily="34" charset="0"/>
+              <a:buNone/>
+              <a:tabLst/>
+              <a:defRPr sz="1100" b="1" kern="1200" spc="0" baseline="0">
+                <a:solidFill>
+                  <a:schemeClr val="tx1"/>
+                </a:solidFill>
+                <a:latin typeface="+mn-lt"/>
+                <a:ea typeface="+mn-ea"/>
+                <a:cs typeface="+mn-cs"/>
+              </a:defRPr>
+            </a:lvl5pPr>
+            <a:lvl6pPr marL="2285916" indent="0" algn="l" defTabSz="914367" rtl="0" eaLnBrk="1" latinLnBrk="0" hangingPunct="1">
+              <a:spcBef>
+                <a:spcPct val="20000"/>
+              </a:spcBef>
+              <a:buFont typeface="Arial" pitchFamily="34" charset="0"/>
+              <a:buNone/>
+              <a:defRPr sz="1961" kern="1200">
+                <a:solidFill>
+                  <a:schemeClr val="tx1"/>
+                </a:solidFill>
+                <a:latin typeface="+mn-lt"/>
+                <a:ea typeface="+mn-ea"/>
+                <a:cs typeface="+mn-cs"/>
+              </a:defRPr>
+            </a:lvl6pPr>
+            <a:lvl7pPr marL="0" indent="0" algn="l" defTabSz="914367" rtl="0" eaLnBrk="1" latinLnBrk="0" hangingPunct="1">
+              <a:lnSpc>
+                <a:spcPct val="100000"/>
+              </a:lnSpc>
+              <a:spcBef>
+                <a:spcPts val="392"/>
+              </a:spcBef>
+              <a:spcAft>
+                <a:spcPts val="588"/>
+              </a:spcAft>
+              <a:buFont typeface="Arial" pitchFamily="34" charset="0"/>
+              <a:buNone/>
+              <a:defRPr sz="1200" kern="1200">
+                <a:solidFill>
+                  <a:schemeClr val="tx1"/>
+                </a:solidFill>
+                <a:latin typeface="+mn-lt"/>
+                <a:ea typeface="+mn-ea"/>
+                <a:cs typeface="+mn-cs"/>
+              </a:defRPr>
+            </a:lvl7pPr>
+            <a:lvl8pPr marL="3428877" indent="-228592" algn="l" defTabSz="914367" rtl="0" eaLnBrk="1" latinLnBrk="0" hangingPunct="1">
+              <a:spcBef>
+                <a:spcPct val="20000"/>
+              </a:spcBef>
+              <a:buFont typeface="Arial" pitchFamily="34" charset="0"/>
+              <a:buChar char="•"/>
+              <a:defRPr sz="1961" kern="1200">
+                <a:solidFill>
+                  <a:schemeClr val="tx1"/>
+                </a:solidFill>
+                <a:latin typeface="+mn-lt"/>
+                <a:ea typeface="+mn-ea"/>
+                <a:cs typeface="+mn-cs"/>
+              </a:defRPr>
+            </a:lvl8pPr>
+            <a:lvl9pPr marL="3886061" indent="-228592" algn="l" defTabSz="914367" rtl="0" eaLnBrk="1" latinLnBrk="0" hangingPunct="1">
+              <a:spcBef>
+                <a:spcPct val="20000"/>
+              </a:spcBef>
+              <a:buFont typeface="Arial" pitchFamily="34" charset="0"/>
+              <a:buChar char="•"/>
+              <a:defRPr sz="1961" kern="1200">
+                <a:solidFill>
+                  <a:schemeClr val="tx1"/>
+                </a:solidFill>
+                <a:latin typeface="+mn-lt"/>
+                <a:ea typeface="+mn-ea"/>
+                <a:cs typeface="+mn-cs"/>
+              </a:defRPr>
+            </a:lvl9pPr>
+          </a:lstStyle>
+          <a:p>
+            <a:r>
+              <a:rPr lang="en-US" sz="2040" dirty="0"/>
+              <a:t>OpenID Connect (OIDC)</a:t>
+            </a:r>
+          </a:p>
+          <a:p>
+            <a:r>
+              <a:rPr lang="en-US" sz="1836" dirty="0">
+                <a:latin typeface="Calibri" panose="020F0502020204030204" pitchFamily="34" charset="0"/>
+                <a:cs typeface="Times New Roman" panose="02020603050405020304" pitchFamily="18" charset="0"/>
+              </a:rPr>
+              <a:t>OIDC extends the OAuth 2.0 authorization protocol for use as an authentication protocol, so that you can do single sign-on using OAuth.</a:t>
+            </a:r>
+            <a:endParaRPr lang="en-US" sz="2040" dirty="0"/>
+          </a:p>
+        </p:txBody>
+      </p:sp>
+    </p:spTree>
+    <p:extLst>
+      <p:ext uri="{BB962C8B-B14F-4D97-AF65-F5344CB8AC3E}">
+        <p14:creationId xmlns:p14="http://schemas.microsoft.com/office/powerpoint/2010/main" val="2210486111"/>
+      </p:ext>
+    </p:extLst>
+  </p:cSld>
+  <p:clrMapOvr>
+    <a:masterClrMapping/>
+  </p:clrMapOvr>
+  <p:transition>
+    <p:fade/>
+  </p:transition>
+</p:sld>
+</file>
+
+<file path=ppt/slides/slide21.xml><?xml version="1.0" encoding="utf-8"?>
+<p:sld xmlns:a="http://schemas.openxmlformats.org/drawingml/2006/main" xmlns:r="http://schemas.openxmlformats.org/officeDocument/2006/relationships" xmlns:p="http://schemas.openxmlformats.org/presentationml/2006/main">
+  <p:cSld>
+    <p:spTree>
+      <p:nvGrpSpPr>
+        <p:cNvPr id="1" name=""/>
+        <p:cNvGrpSpPr/>
+        <p:nvPr/>
+      </p:nvGrpSpPr>
+      <p:grpSpPr>
+        <a:xfrm>
+          <a:off x="0" y="0"/>
+          <a:ext cx="0" cy="0"/>
+          <a:chOff x="0" y="0"/>
+          <a:chExt cx="0" cy="0"/>
+        </a:xfrm>
+      </p:grpSpPr>
+      <p:sp>
+        <p:nvSpPr>
+          <p:cNvPr id="2" name="Title 1">
+            <a:extLst>
+              <a:ext uri="{FF2B5EF4-FFF2-40B4-BE49-F238E27FC236}">
+                <a16:creationId xmlns:a16="http://schemas.microsoft.com/office/drawing/2014/main" id="{BBBA00CF-FC28-45CD-0947-F81BE2B48BF7}"/>
+              </a:ext>
+            </a:extLst>
+          </p:cNvPr>
+          <p:cNvSpPr>
+            <a:spLocks noGrp="1"/>
+          </p:cNvSpPr>
+          <p:nvPr>
+            <p:ph type="title"/>
+          </p:nvPr>
+        </p:nvSpPr>
+        <p:spPr/>
+        <p:txBody>
+          <a:bodyPr/>
+          <a:lstStyle/>
+          <a:p>
+            <a:r>
+              <a:rPr lang="en-GB" dirty="0"/>
+              <a:t>Knowledge Check</a:t>
+            </a:r>
+          </a:p>
+        </p:txBody>
+      </p:sp>
+      <p:pic>
+        <p:nvPicPr>
+          <p:cNvPr id="6" name="Picture 5">
+            <a:extLst>
+              <a:ext uri="{FF2B5EF4-FFF2-40B4-BE49-F238E27FC236}">
+                <a16:creationId xmlns:a16="http://schemas.microsoft.com/office/drawing/2014/main" id="{ABB05842-A450-B96F-CFE8-244DB209054C}"/>
+              </a:ext>
+            </a:extLst>
+          </p:cNvPr>
+          <p:cNvPicPr>
+            <a:picLocks noChangeAspect="1"/>
+          </p:cNvPicPr>
+          <p:nvPr/>
+        </p:nvPicPr>
+        <p:blipFill>
+          <a:blip r:embed="rId3"/>
+          <a:stretch>
+            <a:fillRect/>
+          </a:stretch>
+        </p:blipFill>
+        <p:spPr>
+          <a:xfrm>
+            <a:off x="427038" y="1312140"/>
+            <a:ext cx="7407282" cy="4724809"/>
+          </a:xfrm>
+          <a:prstGeom prst="rect">
+            <a:avLst/>
+          </a:prstGeom>
+        </p:spPr>
+      </p:pic>
+    </p:spTree>
+    <p:extLst>
+      <p:ext uri="{BB962C8B-B14F-4D97-AF65-F5344CB8AC3E}">
+        <p14:creationId xmlns:p14="http://schemas.microsoft.com/office/powerpoint/2010/main" val="494987860"/>
+      </p:ext>
+    </p:extLst>
+  </p:cSld>
+  <p:clrMapOvr>
+    <a:masterClrMapping/>
+  </p:clrMapOvr>
+  <p:transition>
+    <p:fade/>
+  </p:transition>
+</p:sld>
+</file>
+
+<file path=ppt/slides/slide22.xml><?xml version="1.0" encoding="utf-8"?>
+<p:sld xmlns:a="http://schemas.openxmlformats.org/drawingml/2006/main" xmlns:r="http://schemas.openxmlformats.org/officeDocument/2006/relationships" xmlns:p="http://schemas.openxmlformats.org/presentationml/2006/main">
+  <p:cSld>
+    <p:spTree>
+      <p:nvGrpSpPr>
+        <p:cNvPr id="1" name=""/>
+        <p:cNvGrpSpPr/>
+        <p:nvPr/>
+      </p:nvGrpSpPr>
+      <p:grpSpPr>
+        <a:xfrm>
+          <a:off x="0" y="0"/>
+          <a:ext cx="0" cy="0"/>
+          <a:chOff x="0" y="0"/>
+          <a:chExt cx="0" cy="0"/>
+        </a:xfrm>
+      </p:grpSpPr>
+      <p:sp>
+        <p:nvSpPr>
+          <p:cNvPr id="2" name="Title 1">
+            <a:extLst>
+              <a:ext uri="{FF2B5EF4-FFF2-40B4-BE49-F238E27FC236}">
+                <a16:creationId xmlns:a16="http://schemas.microsoft.com/office/drawing/2014/main" id="{5B9AEBD2-4AD6-4182-BF38-A3DE71D14CCF}"/>
+              </a:ext>
+            </a:extLst>
+          </p:cNvPr>
+          <p:cNvSpPr>
+            <a:spLocks noGrp="1"/>
+          </p:cNvSpPr>
+          <p:nvPr>
+            <p:ph type="title"/>
+          </p:nvPr>
+        </p:nvSpPr>
+        <p:spPr/>
+        <p:txBody>
+          <a:bodyPr/>
+          <a:lstStyle/>
+          <a:p>
+            <a:r>
+              <a:rPr lang="en-US" dirty="0">
+                <a:solidFill>
+                  <a:schemeClr val="bg2">
+                    <a:lumMod val="10000"/>
+                  </a:schemeClr>
+                </a:solidFill>
+              </a:rPr>
+              <a:t>Summary and Resources – Configure Azure Active Directory</a:t>
+            </a:r>
+          </a:p>
+        </p:txBody>
+      </p:sp>
+      <p:sp>
+        <p:nvSpPr>
+          <p:cNvPr id="12" name="Rectangle 11">
+            <a:extLst>
+              <a:ext uri="{FF2B5EF4-FFF2-40B4-BE49-F238E27FC236}">
+                <a16:creationId xmlns:a16="http://schemas.microsoft.com/office/drawing/2014/main" id="{616B814B-5D4E-416F-AE83-E9B3AC11932E}"/>
+              </a:ext>
+            </a:extLst>
+          </p:cNvPr>
+          <p:cNvSpPr/>
+          <p:nvPr/>
+        </p:nvSpPr>
+        <p:spPr bwMode="auto">
+          <a:xfrm>
+            <a:off x="427039" y="1385888"/>
+            <a:ext cx="4297362" cy="640080"/>
+          </a:xfrm>
+          <a:prstGeom prst="rect">
+            <a:avLst/>
+          </a:prstGeom>
+          <a:solidFill>
+            <a:srgbClr val="243A5E"/>
+          </a:solidFill>
+          <a:ln w="6350">
+            <a:noFill/>
+          </a:ln>
+        </p:spPr>
+        <p:style>
+          <a:lnRef idx="0">
+            <a:scrgbClr r="0" g="0" b="0"/>
+          </a:lnRef>
+          <a:fillRef idx="0">
+            <a:scrgbClr r="0" g="0" b="0"/>
+          </a:fillRef>
+          <a:effectRef idx="0">
+            <a:scrgbClr r="0" g="0" b="0"/>
+          </a:effectRef>
+          <a:fontRef idx="minor">
+            <a:schemeClr val="lt1"/>
+          </a:fontRef>
+        </p:style>
+        <p:txBody>
+          <a:bodyPr spcFirstLastPara="0" vert="horz" wrap="square" lIns="182880" tIns="137160" rIns="182880" bIns="137160" numCol="1" spcCol="1270" anchor="ctr" anchorCtr="0">
+            <a:noAutofit/>
+          </a:bodyPr>
+          <a:lstStyle/>
+          <a:p>
+            <a:pPr algn="ctr"/>
+            <a:r>
+              <a:rPr lang="en-US" sz="2000" dirty="0">
+                <a:latin typeface="+mj-lt"/>
+              </a:rPr>
+              <a:t>Knowledge Check</a:t>
+            </a:r>
+          </a:p>
+        </p:txBody>
+      </p:sp>
+      <p:sp>
+        <p:nvSpPr>
+          <p:cNvPr id="13" name="Rectangle 12">
+            <a:extLst>
+              <a:ext uri="{FF2B5EF4-FFF2-40B4-BE49-F238E27FC236}">
+                <a16:creationId xmlns:a16="http://schemas.microsoft.com/office/drawing/2014/main" id="{C85B5353-A05B-4F9F-93B3-4523D0B7E89B}"/>
+              </a:ext>
+            </a:extLst>
+          </p:cNvPr>
+          <p:cNvSpPr/>
+          <p:nvPr/>
+        </p:nvSpPr>
+        <p:spPr bwMode="auto">
+          <a:xfrm>
+            <a:off x="4876800" y="1385888"/>
+            <a:ext cx="7148540" cy="640080"/>
+          </a:xfrm>
+          <a:prstGeom prst="rect">
+            <a:avLst/>
+          </a:prstGeom>
+          <a:solidFill>
+            <a:srgbClr val="243A5E"/>
+          </a:solidFill>
+          <a:ln w="6350">
+            <a:noFill/>
+          </a:ln>
+        </p:spPr>
+        <p:style>
+          <a:lnRef idx="0">
+            <a:scrgbClr r="0" g="0" b="0"/>
+          </a:lnRef>
+          <a:fillRef idx="0">
+            <a:scrgbClr r="0" g="0" b="0"/>
+          </a:fillRef>
+          <a:effectRef idx="0">
+            <a:scrgbClr r="0" g="0" b="0"/>
+          </a:effectRef>
+          <a:fontRef idx="minor">
+            <a:schemeClr val="lt1"/>
+          </a:fontRef>
+        </p:style>
+        <p:txBody>
+          <a:bodyPr spcFirstLastPara="0" vert="horz" wrap="square" lIns="182880" tIns="137160" rIns="182880" bIns="137160" numCol="1" spcCol="1270" anchor="ctr" anchorCtr="0">
+            <a:noAutofit/>
+          </a:bodyPr>
+          <a:lstStyle/>
+          <a:p>
+            <a:r>
+              <a:rPr lang="en-US" sz="2000" dirty="0">
+                <a:latin typeface="+mj-lt"/>
+              </a:rPr>
+              <a:t>Microsoft Learn Modules (docs.microsoft.com/Learn)</a:t>
+            </a:r>
+          </a:p>
+        </p:txBody>
+      </p:sp>
+      <p:cxnSp>
+        <p:nvCxnSpPr>
+          <p:cNvPr id="28" name="Straight Connector 27">
+            <a:extLst>
+              <a:ext uri="{FF2B5EF4-FFF2-40B4-BE49-F238E27FC236}">
+                <a16:creationId xmlns:a16="http://schemas.microsoft.com/office/drawing/2014/main" id="{3AFA1F8C-A0BC-4C3E-8230-2FFAA5369191}"/>
+              </a:ext>
+              <a:ext uri="{C183D7F6-B498-43B3-948B-1728B52AA6E4}">
+                <adec:decorative xmlns:adec="http://schemas.microsoft.com/office/drawing/2017/decorative" val="1"/>
+              </a:ext>
+            </a:extLst>
+          </p:cNvPr>
+          <p:cNvCxnSpPr>
+            <a:cxnSpLocks/>
+          </p:cNvCxnSpPr>
+          <p:nvPr/>
+        </p:nvCxnSpPr>
+        <p:spPr>
+          <a:xfrm>
+            <a:off x="4876800" y="2764118"/>
+            <a:ext cx="7132144" cy="0"/>
+          </a:xfrm>
+          <a:prstGeom prst="line">
+            <a:avLst/>
+          </a:prstGeom>
+          <a:ln w="19050">
+            <a:solidFill>
+              <a:schemeClr val="bg1">
+                <a:lumMod val="65000"/>
+              </a:schemeClr>
+            </a:solidFill>
+            <a:prstDash val="dash"/>
+            <a:headEnd type="none"/>
+            <a:tailEnd type="none"/>
+          </a:ln>
+        </p:spPr>
+        <p:style>
+          <a:lnRef idx="1">
+            <a:schemeClr val="accent1"/>
+          </a:lnRef>
+          <a:fillRef idx="0">
+            <a:schemeClr val="accent1"/>
+          </a:fillRef>
+          <a:effectRef idx="0">
+            <a:schemeClr val="accent1"/>
+          </a:effectRef>
+          <a:fontRef idx="minor">
+            <a:schemeClr val="tx1"/>
+          </a:fontRef>
+        </p:style>
+      </p:cxnSp>
+      <p:cxnSp>
+        <p:nvCxnSpPr>
+          <p:cNvPr id="31" name="Straight Connector 30">
+            <a:extLst>
+              <a:ext uri="{FF2B5EF4-FFF2-40B4-BE49-F238E27FC236}">
+                <a16:creationId xmlns:a16="http://schemas.microsoft.com/office/drawing/2014/main" id="{02804F6D-1590-44EB-B839-709E184FBF58}"/>
+              </a:ext>
+              <a:ext uri="{C183D7F6-B498-43B3-948B-1728B52AA6E4}">
+                <adec:decorative xmlns:adec="http://schemas.microsoft.com/office/drawing/2017/decorative" val="1"/>
+              </a:ext>
+            </a:extLst>
+          </p:cNvPr>
+          <p:cNvCxnSpPr>
+            <a:cxnSpLocks/>
+          </p:cNvCxnSpPr>
+          <p:nvPr/>
+        </p:nvCxnSpPr>
+        <p:spPr>
+          <a:xfrm>
+            <a:off x="4876800" y="3437616"/>
+            <a:ext cx="7132144" cy="0"/>
+          </a:xfrm>
+          <a:prstGeom prst="line">
+            <a:avLst/>
+          </a:prstGeom>
+          <a:ln w="19050">
+            <a:solidFill>
+              <a:schemeClr val="bg1">
+                <a:lumMod val="65000"/>
+              </a:schemeClr>
+            </a:solidFill>
+            <a:prstDash val="dash"/>
+            <a:headEnd type="none"/>
+            <a:tailEnd type="none"/>
+          </a:ln>
+        </p:spPr>
+        <p:style>
+          <a:lnRef idx="1">
+            <a:schemeClr val="accent1"/>
+          </a:lnRef>
+          <a:fillRef idx="0">
+            <a:schemeClr val="accent1"/>
+          </a:fillRef>
+          <a:effectRef idx="0">
+            <a:schemeClr val="accent1"/>
+          </a:effectRef>
+          <a:fontRef idx="minor">
+            <a:schemeClr val="tx1"/>
+          </a:fontRef>
+        </p:style>
+      </p:cxnSp>
+      <p:sp>
+        <p:nvSpPr>
+          <p:cNvPr id="24" name="Rectangle 23">
+            <a:extLst>
+              <a:ext uri="{FF2B5EF4-FFF2-40B4-BE49-F238E27FC236}">
+                <a16:creationId xmlns:a16="http://schemas.microsoft.com/office/drawing/2014/main" id="{07D8E708-0375-4BE4-AA33-254D0233BCB2}"/>
+              </a:ext>
+            </a:extLst>
+          </p:cNvPr>
+          <p:cNvSpPr/>
+          <p:nvPr/>
+        </p:nvSpPr>
+        <p:spPr>
+          <a:xfrm>
+            <a:off x="4801526" y="2021087"/>
+            <a:ext cx="7132144" cy="822960"/>
+          </a:xfrm>
+          <a:prstGeom prst="rect">
+            <a:avLst/>
+          </a:prstGeom>
+          <a:noFill/>
+          <a:ln>
+            <a:noFill/>
+          </a:ln>
+        </p:spPr>
+        <p:style>
+          <a:lnRef idx="2">
+            <a:schemeClr val="lt1">
+              <a:hueOff val="0"/>
+              <a:satOff val="0"/>
+              <a:lumOff val="0"/>
+              <a:alphaOff val="0"/>
+            </a:schemeClr>
+          </a:lnRef>
+          <a:fillRef idx="1">
+            <a:schemeClr val="accent1">
+              <a:hueOff val="0"/>
+              <a:satOff val="0"/>
+              <a:lumOff val="0"/>
+              <a:alphaOff val="0"/>
+            </a:schemeClr>
+          </a:fillRef>
+          <a:effectRef idx="0">
+            <a:schemeClr val="accent1">
+              <a:hueOff val="0"/>
+              <a:satOff val="0"/>
+              <a:lumOff val="0"/>
+              <a:alphaOff val="0"/>
+            </a:schemeClr>
+          </a:effectRef>
+          <a:fontRef idx="minor">
+            <a:schemeClr val="lt1"/>
+          </a:fontRef>
+        </p:style>
+        <p:txBody>
+          <a:bodyPr spcFirstLastPara="0" vert="horz" wrap="square" lIns="106040" tIns="106040" rIns="106040" bIns="106040" numCol="1" spcCol="1270" anchor="ctr" anchorCtr="0">
+            <a:noAutofit/>
+          </a:bodyPr>
+          <a:lstStyle/>
+          <a:p>
+            <a:pPr marL="0" lvl="0" indent="0" algn="l" defTabSz="800100">
+              <a:lnSpc>
+                <a:spcPct val="90000"/>
+              </a:lnSpc>
+              <a:spcBef>
+                <a:spcPct val="0"/>
+              </a:spcBef>
+              <a:spcAft>
+                <a:spcPct val="35000"/>
+              </a:spcAft>
+              <a:buNone/>
+            </a:pPr>
+            <a:r>
+              <a:rPr lang="en-US" dirty="0">
+                <a:hlinkClick r:id="rId3"/>
+              </a:rPr>
+              <a:t>Allow users to reset their password with Azure Active Directory self-service password reset (Sandbox)</a:t>
+            </a:r>
+            <a:endParaRPr lang="en-IN" sz="1800" kern="1200" dirty="0">
+              <a:solidFill>
+                <a:schemeClr val="tx1"/>
+              </a:solidFill>
+            </a:endParaRPr>
+          </a:p>
+        </p:txBody>
+      </p:sp>
+      <p:pic>
+        <p:nvPicPr>
+          <p:cNvPr id="3" name="Picture 2">
+            <a:extLst>
+              <a:ext uri="{FF2B5EF4-FFF2-40B4-BE49-F238E27FC236}">
+                <a16:creationId xmlns:a16="http://schemas.microsoft.com/office/drawing/2014/main" id="{C6A6500B-AD98-4754-B815-30E4444B4EBD}"/>
+              </a:ext>
+              <a:ext uri="{C183D7F6-B498-43B3-948B-1728B52AA6E4}">
+                <adec:decorative xmlns:adec="http://schemas.microsoft.com/office/drawing/2017/decorative" val="1"/>
+              </a:ext>
+            </a:extLst>
+          </p:cNvPr>
+          <p:cNvPicPr>
+            <a:picLocks noChangeAspect="1"/>
+          </p:cNvPicPr>
+          <p:nvPr/>
+        </p:nvPicPr>
+        <p:blipFill>
+          <a:blip r:embed="rId4" cstate="print">
+            <a:extLst>
+              <a:ext uri="{28A0092B-C50C-407E-A947-70E740481C1C}">
+                <a14:useLocalDpi xmlns:a14="http://schemas.microsoft.com/office/drawing/2010/main" val="0"/>
+              </a:ext>
+            </a:extLst>
+          </a:blip>
+          <a:stretch>
+            <a:fillRect/>
+          </a:stretch>
+        </p:blipFill>
+        <p:spPr>
+          <a:xfrm>
+            <a:off x="1741597" y="2794850"/>
+            <a:ext cx="1494645" cy="2173707"/>
+          </a:xfrm>
+          <a:prstGeom prst="rect">
+            <a:avLst/>
+          </a:prstGeom>
+        </p:spPr>
+      </p:pic>
+      <p:sp>
+        <p:nvSpPr>
+          <p:cNvPr id="14" name="TextBox 13">
+            <a:extLst>
+              <a:ext uri="{FF2B5EF4-FFF2-40B4-BE49-F238E27FC236}">
+                <a16:creationId xmlns:a16="http://schemas.microsoft.com/office/drawing/2014/main" id="{2E7D642F-A854-4E49-941C-2BB00DF51409}"/>
+              </a:ext>
+            </a:extLst>
+          </p:cNvPr>
+          <p:cNvSpPr txBox="1"/>
+          <p:nvPr/>
+        </p:nvSpPr>
+        <p:spPr>
+          <a:xfrm>
+            <a:off x="4801525" y="2791285"/>
+            <a:ext cx="6642329" cy="646331"/>
+          </a:xfrm>
+          <a:prstGeom prst="rect">
+            <a:avLst/>
+          </a:prstGeom>
+          <a:noFill/>
+        </p:spPr>
+        <p:txBody>
+          <a:bodyPr wrap="square">
+            <a:spAutoFit/>
+          </a:bodyPr>
+          <a:lstStyle/>
+          <a:p>
+            <a:r>
+              <a:rPr lang="en-US" dirty="0">
+                <a:hlinkClick r:id="rId5"/>
+              </a:rPr>
+              <a:t>Manage device identity with Azure AD join and Enterprise State Roaming</a:t>
+            </a:r>
+            <a:endParaRPr lang="en-US" dirty="0"/>
+          </a:p>
+        </p:txBody>
+      </p:sp>
+      <p:sp>
+        <p:nvSpPr>
+          <p:cNvPr id="11" name="TextBox 10">
+            <a:extLst>
+              <a:ext uri="{FF2B5EF4-FFF2-40B4-BE49-F238E27FC236}">
+                <a16:creationId xmlns:a16="http://schemas.microsoft.com/office/drawing/2014/main" id="{82BE4601-6FA7-4F8D-B88C-7AEC6A093191}"/>
+              </a:ext>
+            </a:extLst>
+          </p:cNvPr>
+          <p:cNvSpPr txBox="1"/>
+          <p:nvPr/>
+        </p:nvSpPr>
+        <p:spPr>
+          <a:xfrm>
+            <a:off x="4801525" y="3582197"/>
+            <a:ext cx="6217920" cy="369332"/>
+          </a:xfrm>
+          <a:prstGeom prst="rect">
+            <a:avLst/>
+          </a:prstGeom>
+          <a:noFill/>
+        </p:spPr>
+        <p:txBody>
+          <a:bodyPr wrap="square">
+            <a:spAutoFit/>
+          </a:bodyPr>
+          <a:lstStyle/>
+          <a:p>
+            <a:pPr algn="l"/>
+            <a:r>
+              <a:rPr lang="en-US" dirty="0">
+                <a:hlinkClick r:id="rId6"/>
+              </a:rPr>
+              <a:t>Implement and manage hybrid identity</a:t>
+            </a:r>
+            <a:endParaRPr lang="en-US" dirty="0"/>
+          </a:p>
+        </p:txBody>
+      </p:sp>
+      <p:cxnSp>
+        <p:nvCxnSpPr>
+          <p:cNvPr id="5" name="Straight Connector 4">
+            <a:extLst>
+              <a:ext uri="{FF2B5EF4-FFF2-40B4-BE49-F238E27FC236}">
+                <a16:creationId xmlns:a16="http://schemas.microsoft.com/office/drawing/2014/main" id="{F41EC09E-9E6D-423C-A350-6CBC666F5A02}"/>
+              </a:ext>
+              <a:ext uri="{C183D7F6-B498-43B3-948B-1728B52AA6E4}">
+                <adec:decorative xmlns:adec="http://schemas.microsoft.com/office/drawing/2017/decorative" val="1"/>
+              </a:ext>
+            </a:extLst>
+          </p:cNvPr>
+          <p:cNvCxnSpPr>
+            <a:cxnSpLocks/>
+          </p:cNvCxnSpPr>
+          <p:nvPr/>
+        </p:nvCxnSpPr>
+        <p:spPr>
+          <a:xfrm>
+            <a:off x="4893196" y="4077696"/>
+            <a:ext cx="7132144" cy="0"/>
+          </a:xfrm>
+          <a:prstGeom prst="line">
+            <a:avLst/>
+          </a:prstGeom>
+          <a:ln w="19050">
+            <a:solidFill>
+              <a:schemeClr val="bg1">
+                <a:lumMod val="65000"/>
+              </a:schemeClr>
+            </a:solidFill>
+            <a:prstDash val="dash"/>
+            <a:headEnd type="none"/>
+            <a:tailEnd type="none"/>
+          </a:ln>
+        </p:spPr>
+        <p:style>
+          <a:lnRef idx="1">
+            <a:schemeClr val="accent1"/>
+          </a:lnRef>
+          <a:fillRef idx="0">
+            <a:schemeClr val="accent1"/>
+          </a:fillRef>
+          <a:effectRef idx="0">
+            <a:schemeClr val="accent1"/>
+          </a:effectRef>
+          <a:fontRef idx="minor">
+            <a:schemeClr val="tx1"/>
+          </a:fontRef>
+        </p:style>
+      </p:cxnSp>
+      <p:sp>
+        <p:nvSpPr>
+          <p:cNvPr id="4" name="TextBox 3">
+            <a:extLst>
+              <a:ext uri="{FF2B5EF4-FFF2-40B4-BE49-F238E27FC236}">
+                <a16:creationId xmlns:a16="http://schemas.microsoft.com/office/drawing/2014/main" id="{98A1577E-FA45-4AC3-92EB-608AE1A5F622}"/>
+              </a:ext>
+            </a:extLst>
+          </p:cNvPr>
+          <p:cNvSpPr txBox="1"/>
+          <p:nvPr/>
+        </p:nvSpPr>
+        <p:spPr>
+          <a:xfrm>
+            <a:off x="7793037" y="5985163"/>
+            <a:ext cx="4487575" cy="544765"/>
+          </a:xfrm>
+          <a:prstGeom prst="rect">
+            <a:avLst/>
+          </a:prstGeom>
+          <a:solidFill>
+            <a:srgbClr val="FFFFCC"/>
+          </a:solidFill>
+        </p:spPr>
+        <p:txBody>
+          <a:bodyPr wrap="none" lIns="182880" tIns="146304" rIns="182880" bIns="146304" rtlCol="0">
+            <a:spAutoFit/>
+          </a:bodyPr>
+          <a:lstStyle/>
+          <a:p>
+            <a:pPr>
+              <a:lnSpc>
+                <a:spcPct val="90000"/>
+              </a:lnSpc>
+              <a:spcAft>
+                <a:spcPts val="600"/>
+              </a:spcAft>
+            </a:pPr>
+            <a:r>
+              <a:rPr lang="en-US" dirty="0">
+                <a:gradFill>
+                  <a:gsLst>
+                    <a:gs pos="2917">
+                      <a:schemeClr val="tx1"/>
+                    </a:gs>
+                    <a:gs pos="30000">
+                      <a:schemeClr val="tx1"/>
+                    </a:gs>
+                  </a:gsLst>
+                  <a:lin ang="5400000" scaled="0"/>
+                </a:gradFill>
+              </a:rPr>
+              <a:t>A </a:t>
+            </a:r>
+            <a:r>
+              <a:rPr lang="en-US" i="1" dirty="0">
+                <a:gradFill>
+                  <a:gsLst>
+                    <a:gs pos="2917">
+                      <a:schemeClr val="tx1"/>
+                    </a:gs>
+                    <a:gs pos="30000">
+                      <a:schemeClr val="tx1"/>
+                    </a:gs>
+                  </a:gsLst>
+                  <a:lin ang="5400000" scaled="0"/>
+                </a:gradFill>
+              </a:rPr>
+              <a:t>sandbox</a:t>
+            </a:r>
+            <a:r>
+              <a:rPr lang="en-US" dirty="0">
+                <a:gradFill>
+                  <a:gsLst>
+                    <a:gs pos="2917">
+                      <a:schemeClr val="tx1"/>
+                    </a:gs>
+                    <a:gs pos="30000">
+                      <a:schemeClr val="tx1"/>
+                    </a:gs>
+                  </a:gsLst>
+                  <a:lin ang="5400000" scaled="0"/>
+                </a:gradFill>
+              </a:rPr>
+              <a:t> indicates a hands-on exercise.</a:t>
+            </a:r>
+          </a:p>
+        </p:txBody>
+      </p:sp>
+    </p:spTree>
+    <p:extLst>
+      <p:ext uri="{BB962C8B-B14F-4D97-AF65-F5344CB8AC3E}">
+        <p14:creationId xmlns:p14="http://schemas.microsoft.com/office/powerpoint/2010/main" val="2453630756"/>
+      </p:ext>
+    </p:extLst>
+  </p:cSld>
+  <p:clrMapOvr>
+    <a:masterClrMapping/>
+  </p:clrMapOvr>
+  <p:transition>
+    <p:fade/>
+  </p:transition>
+</p:sld>
+</file>
+
+<file path=ppt/slides/slide23.xml><?xml version="1.0" encoding="utf-8"?>
+<p:sld xmlns:a="http://schemas.openxmlformats.org/drawingml/2006/main" xmlns:r="http://schemas.openxmlformats.org/officeDocument/2006/relationships" xmlns:p="http://schemas.openxmlformats.org/presentationml/2006/main">
+  <p:cSld>
+    <p:spTree>
+      <p:nvGrpSpPr>
+        <p:cNvPr id="1" name=""/>
+        <p:cNvGrpSpPr/>
+        <p:nvPr/>
+      </p:nvGrpSpPr>
+      <p:grpSpPr>
+        <a:xfrm>
+          <a:off x="0" y="0"/>
+          <a:ext cx="0" cy="0"/>
+          <a:chOff x="0" y="0"/>
+          <a:chExt cx="0" cy="0"/>
+        </a:xfrm>
+      </p:grpSpPr>
+      <p:sp>
+        <p:nvSpPr>
           <p:cNvPr id="4" name="Title 3">
             <a:extLst>
               <a:ext uri="{FF2B5EF4-FFF2-40B4-BE49-F238E27FC236}">
@@ -19870,7 +21051,7 @@
 </p:sld>
 </file>
 
-<file path=ppt/slides/slide21.xml><?xml version="1.0" encoding="utf-8"?>
+<file path=ppt/slides/slide24.xml><?xml version="1.0" encoding="utf-8"?>
 <p:sld xmlns:a="http://schemas.openxmlformats.org/drawingml/2006/main" xmlns:r="http://schemas.openxmlformats.org/officeDocument/2006/relationships" xmlns:p="http://schemas.openxmlformats.org/presentationml/2006/main">
   <p:cSld>
     <p:spTree>
@@ -21179,7 +22360,7 @@
 </p:sld>
 </file>
 
-<file path=ppt/slides/slide22.xml><?xml version="1.0" encoding="utf-8"?>
+<file path=ppt/slides/slide25.xml><?xml version="1.0" encoding="utf-8"?>
 <p:sld xmlns:a="http://schemas.openxmlformats.org/drawingml/2006/main" xmlns:r="http://schemas.openxmlformats.org/officeDocument/2006/relationships" xmlns:p="http://schemas.openxmlformats.org/presentationml/2006/main">
   <p:cSld>
     <p:spTree>
@@ -21564,7 +22745,7 @@
 </p:sld>
 </file>
 
-<file path=ppt/slides/slide23.xml><?xml version="1.0" encoding="utf-8"?>
+<file path=ppt/slides/slide26.xml><?xml version="1.0" encoding="utf-8"?>
 <p:sld xmlns:a="http://schemas.openxmlformats.org/drawingml/2006/main" xmlns:r="http://schemas.openxmlformats.org/officeDocument/2006/relationships" xmlns:p="http://schemas.openxmlformats.org/presentationml/2006/main">
   <p:cSld>
     <p:spTree>
@@ -21655,7 +22836,7 @@
 </p:sld>
 </file>
 
-<file path=ppt/slides/slide24.xml><?xml version="1.0" encoding="utf-8"?>
+<file path=ppt/slides/slide27.xml><?xml version="1.0" encoding="utf-8"?>
 <p:sld xmlns:a="http://schemas.openxmlformats.org/drawingml/2006/main" xmlns:r="http://schemas.openxmlformats.org/officeDocument/2006/relationships" xmlns:p="http://schemas.openxmlformats.org/presentationml/2006/main">
   <p:cSld>
     <p:spTree>
@@ -22431,7 +23612,7 @@
 </p:sld>
 </file>
 
-<file path=ppt/slides/slide25.xml><?xml version="1.0" encoding="utf-8"?>
+<file path=ppt/slides/slide28.xml><?xml version="1.0" encoding="utf-8"?>
 <p:sld xmlns:a="http://schemas.openxmlformats.org/drawingml/2006/main" xmlns:r="http://schemas.openxmlformats.org/officeDocument/2006/relationships" xmlns:p="http://schemas.openxmlformats.org/presentationml/2006/main">
   <p:cSld>
     <p:spTree>
@@ -22958,7 +24139,7 @@
 </p:sld>
 </file>
 
-<file path=ppt/slides/slide26.xml><?xml version="1.0" encoding="utf-8"?>
+<file path=ppt/slides/slide29.xml><?xml version="1.0" encoding="utf-8"?>
 <p:sld xmlns:a="http://schemas.openxmlformats.org/drawingml/2006/main" xmlns:r="http://schemas.openxmlformats.org/officeDocument/2006/relationships" xmlns:p="http://schemas.openxmlformats.org/presentationml/2006/main">
   <p:cSld>
     <p:spTree>
@@ -23368,7 +24549,110 @@
 </p:sld>
 </file>
 
-<file path=ppt/slides/slide27.xml><?xml version="1.0" encoding="utf-8"?>
+<file path=ppt/slides/slide3.xml><?xml version="1.0" encoding="utf-8"?>
+<p:sld xmlns:a="http://schemas.openxmlformats.org/drawingml/2006/main" xmlns:r="http://schemas.openxmlformats.org/officeDocument/2006/relationships" xmlns:p="http://schemas.openxmlformats.org/presentationml/2006/main">
+  <p:cSld>
+    <p:spTree>
+      <p:nvGrpSpPr>
+        <p:cNvPr id="1" name=""/>
+        <p:cNvGrpSpPr/>
+        <p:nvPr/>
+      </p:nvGrpSpPr>
+      <p:grpSpPr>
+        <a:xfrm>
+          <a:off x="0" y="0"/>
+          <a:ext cx="0" cy="0"/>
+          <a:chOff x="0" y="0"/>
+          <a:chExt cx="0" cy="0"/>
+        </a:xfrm>
+      </p:grpSpPr>
+      <p:sp>
+        <p:nvSpPr>
+          <p:cNvPr id="4" name="Title 3">
+            <a:extLst>
+              <a:ext uri="{FF2B5EF4-FFF2-40B4-BE49-F238E27FC236}">
+                <a16:creationId xmlns:a16="http://schemas.microsoft.com/office/drawing/2014/main" id="{0CD8665D-5A50-4F07-9D33-48CCD3FD74C7}"/>
+              </a:ext>
+            </a:extLst>
+          </p:cNvPr>
+          <p:cNvSpPr>
+            <a:spLocks noGrp="1"/>
+          </p:cNvSpPr>
+          <p:nvPr>
+            <p:ph type="title"/>
+          </p:nvPr>
+        </p:nvSpPr>
+        <p:spPr/>
+        <p:txBody>
+          <a:bodyPr/>
+          <a:lstStyle/>
+          <a:p>
+            <a:r>
+              <a:rPr lang="en-US" dirty="0"/>
+              <a:t>Configure Azure Active Directory</a:t>
+            </a:r>
+          </a:p>
+        </p:txBody>
+      </p:sp>
+      <p:pic>
+        <p:nvPicPr>
+          <p:cNvPr id="2" name="Graphic 1">
+            <a:extLst>
+              <a:ext uri="{FF2B5EF4-FFF2-40B4-BE49-F238E27FC236}">
+                <a16:creationId xmlns:a16="http://schemas.microsoft.com/office/drawing/2014/main" id="{CE7F482A-A2BD-47CB-A2EE-F70D96E5092E}"/>
+              </a:ext>
+              <a:ext uri="{C183D7F6-B498-43B3-948B-1728B52AA6E4}">
+                <adec:decorative xmlns:adec="http://schemas.microsoft.com/office/drawing/2017/decorative" val="1"/>
+              </a:ext>
+            </a:extLst>
+          </p:cNvPr>
+          <p:cNvPicPr>
+            <a:picLocks noChangeAspect="1"/>
+          </p:cNvPicPr>
+          <p:nvPr/>
+        </p:nvPicPr>
+        <p:blipFill>
+          <a:blip r:embed="rId2">
+            <a:extLst>
+              <a:ext uri="{28A0092B-C50C-407E-A947-70E740481C1C}">
+                <a14:useLocalDpi xmlns:a14="http://schemas.microsoft.com/office/drawing/2010/main" val="0"/>
+              </a:ext>
+              <a:ext uri="{96DAC541-7B7A-43D3-8B79-37D633B846F1}">
+                <asvg:svgBlip xmlns:asvg="http://schemas.microsoft.com/office/drawing/2016/SVG/main" r:embed="rId3"/>
+              </a:ext>
+            </a:extLst>
+          </a:blip>
+          <a:stretch>
+            <a:fillRect/>
+          </a:stretch>
+        </p:blipFill>
+        <p:spPr>
+          <a:xfrm>
+            <a:off x="10231841" y="2756827"/>
+            <a:ext cx="1315390" cy="1315390"/>
+          </a:xfrm>
+          <a:prstGeom prst="rect">
+            <a:avLst/>
+          </a:prstGeom>
+        </p:spPr>
+      </p:pic>
+    </p:spTree>
+    <p:extLst>
+      <p:ext uri="{BB962C8B-B14F-4D97-AF65-F5344CB8AC3E}">
+        <p14:creationId xmlns:p14="http://schemas.microsoft.com/office/powerpoint/2010/main" val="3332933065"/>
+      </p:ext>
+    </p:extLst>
+  </p:cSld>
+  <p:clrMapOvr>
+    <a:masterClrMapping/>
+  </p:clrMapOvr>
+  <p:transition>
+    <p:fade/>
+  </p:transition>
+</p:sld>
+</file>
+
+<file path=ppt/slides/slide30.xml><?xml version="1.0" encoding="utf-8"?>
 <p:sld xmlns:a="http://schemas.openxmlformats.org/drawingml/2006/main" xmlns:r="http://schemas.openxmlformats.org/officeDocument/2006/relationships" xmlns:p="http://schemas.openxmlformats.org/presentationml/2006/main">
   <p:cSld>
     <p:spTree>
@@ -23459,7 +24743,7 @@
 </p:sld>
 </file>
 
-<file path=ppt/slides/slide28.xml><?xml version="1.0" encoding="utf-8"?>
+<file path=ppt/slides/slide31.xml><?xml version="1.0" encoding="utf-8"?>
 <p:sld xmlns:a="http://schemas.openxmlformats.org/drawingml/2006/main" xmlns:r="http://schemas.openxmlformats.org/officeDocument/2006/relationships" xmlns:p="http://schemas.openxmlformats.org/presentationml/2006/main">
   <p:cSld>
     <p:spTree>
@@ -24330,7 +25614,7 @@
 </p:sld>
 </file>
 
-<file path=ppt/slides/slide29.xml><?xml version="1.0" encoding="utf-8"?>
+<file path=ppt/slides/slide32.xml><?xml version="1.0" encoding="utf-8"?>
 <p:sld xmlns:a="http://schemas.openxmlformats.org/drawingml/2006/main" xmlns:r="http://schemas.openxmlformats.org/officeDocument/2006/relationships" xmlns:p="http://schemas.openxmlformats.org/presentationml/2006/main">
   <p:cSld>
     <p:spTree>
@@ -24872,110 +26156,7 @@
 </p:sld>
 </file>
 
-<file path=ppt/slides/slide3.xml><?xml version="1.0" encoding="utf-8"?>
-<p:sld xmlns:a="http://schemas.openxmlformats.org/drawingml/2006/main" xmlns:r="http://schemas.openxmlformats.org/officeDocument/2006/relationships" xmlns:p="http://schemas.openxmlformats.org/presentationml/2006/main">
-  <p:cSld>
-    <p:spTree>
-      <p:nvGrpSpPr>
-        <p:cNvPr id="1" name=""/>
-        <p:cNvGrpSpPr/>
-        <p:nvPr/>
-      </p:nvGrpSpPr>
-      <p:grpSpPr>
-        <a:xfrm>
-          <a:off x="0" y="0"/>
-          <a:ext cx="0" cy="0"/>
-          <a:chOff x="0" y="0"/>
-          <a:chExt cx="0" cy="0"/>
-        </a:xfrm>
-      </p:grpSpPr>
-      <p:sp>
-        <p:nvSpPr>
-          <p:cNvPr id="4" name="Title 3">
-            <a:extLst>
-              <a:ext uri="{FF2B5EF4-FFF2-40B4-BE49-F238E27FC236}">
-                <a16:creationId xmlns:a16="http://schemas.microsoft.com/office/drawing/2014/main" id="{0CD8665D-5A50-4F07-9D33-48CCD3FD74C7}"/>
-              </a:ext>
-            </a:extLst>
-          </p:cNvPr>
-          <p:cNvSpPr>
-            <a:spLocks noGrp="1"/>
-          </p:cNvSpPr>
-          <p:nvPr>
-            <p:ph type="title"/>
-          </p:nvPr>
-        </p:nvSpPr>
-        <p:spPr/>
-        <p:txBody>
-          <a:bodyPr/>
-          <a:lstStyle/>
-          <a:p>
-            <a:r>
-              <a:rPr lang="en-US" dirty="0"/>
-              <a:t>Configure Azure Active Directory</a:t>
-            </a:r>
-          </a:p>
-        </p:txBody>
-      </p:sp>
-      <p:pic>
-        <p:nvPicPr>
-          <p:cNvPr id="2" name="Graphic 1">
-            <a:extLst>
-              <a:ext uri="{FF2B5EF4-FFF2-40B4-BE49-F238E27FC236}">
-                <a16:creationId xmlns:a16="http://schemas.microsoft.com/office/drawing/2014/main" id="{CE7F482A-A2BD-47CB-A2EE-F70D96E5092E}"/>
-              </a:ext>
-              <a:ext uri="{C183D7F6-B498-43B3-948B-1728B52AA6E4}">
-                <adec:decorative xmlns:adec="http://schemas.microsoft.com/office/drawing/2017/decorative" val="1"/>
-              </a:ext>
-            </a:extLst>
-          </p:cNvPr>
-          <p:cNvPicPr>
-            <a:picLocks noChangeAspect="1"/>
-          </p:cNvPicPr>
-          <p:nvPr/>
-        </p:nvPicPr>
-        <p:blipFill>
-          <a:blip r:embed="rId2">
-            <a:extLst>
-              <a:ext uri="{28A0092B-C50C-407E-A947-70E740481C1C}">
-                <a14:useLocalDpi xmlns:a14="http://schemas.microsoft.com/office/drawing/2010/main" val="0"/>
-              </a:ext>
-              <a:ext uri="{96DAC541-7B7A-43D3-8B79-37D633B846F1}">
-                <asvg:svgBlip xmlns:asvg="http://schemas.microsoft.com/office/drawing/2016/SVG/main" r:embed="rId3"/>
-              </a:ext>
-            </a:extLst>
-          </a:blip>
-          <a:stretch>
-            <a:fillRect/>
-          </a:stretch>
-        </p:blipFill>
-        <p:spPr>
-          <a:xfrm>
-            <a:off x="10231841" y="2756827"/>
-            <a:ext cx="1315390" cy="1315390"/>
-          </a:xfrm>
-          <a:prstGeom prst="rect">
-            <a:avLst/>
-          </a:prstGeom>
-        </p:spPr>
-      </p:pic>
-    </p:spTree>
-    <p:extLst>
-      <p:ext uri="{BB962C8B-B14F-4D97-AF65-F5344CB8AC3E}">
-        <p14:creationId xmlns:p14="http://schemas.microsoft.com/office/powerpoint/2010/main" val="3332933065"/>
-      </p:ext>
-    </p:extLst>
-  </p:cSld>
-  <p:clrMapOvr>
-    <a:masterClrMapping/>
-  </p:clrMapOvr>
-  <p:transition>
-    <p:fade/>
-  </p:transition>
-</p:sld>
-</file>
-
-<file path=ppt/slides/slide30.xml><?xml version="1.0" encoding="utf-8"?>
+<file path=ppt/slides/slide33.xml><?xml version="1.0" encoding="utf-8"?>
 <p:sld xmlns:a="http://schemas.openxmlformats.org/drawingml/2006/main" xmlns:r="http://schemas.openxmlformats.org/officeDocument/2006/relationships" xmlns:p="http://schemas.openxmlformats.org/presentationml/2006/main">
   <p:cSld>
     <p:spTree>
@@ -25581,7 +26762,7 @@
 </p:sld>
 </file>
 
-<file path=ppt/slides/slide31.xml><?xml version="1.0" encoding="utf-8"?>
+<file path=ppt/slides/slide34.xml><?xml version="1.0" encoding="utf-8"?>
 <p:sld xmlns:a="http://schemas.openxmlformats.org/drawingml/2006/main" xmlns:r="http://schemas.openxmlformats.org/officeDocument/2006/relationships" xmlns:p="http://schemas.openxmlformats.org/presentationml/2006/main">
   <p:cSld>
     <p:spTree>
@@ -25672,7 +26853,7 @@
 </p:sld>
 </file>
 
-<file path=ppt/slides/slide32.xml><?xml version="1.0" encoding="utf-8"?>
+<file path=ppt/slides/slide35.xml><?xml version="1.0" encoding="utf-8"?>
 <p:sld xmlns:a="http://schemas.openxmlformats.org/drawingml/2006/main" xmlns:r="http://schemas.openxmlformats.org/officeDocument/2006/relationships" xmlns:p="http://schemas.openxmlformats.org/presentationml/2006/main">
   <p:cSld>
     <p:spTree>
@@ -26254,7 +27435,7 @@
 </p:sld>
 </file>
 
-<file path=ppt/slides/slide33.xml><?xml version="1.0" encoding="utf-8"?>
+<file path=ppt/slides/slide36.xml><?xml version="1.0" encoding="utf-8"?>
 <p:sld xmlns:a="http://schemas.openxmlformats.org/drawingml/2006/main" xmlns:r="http://schemas.openxmlformats.org/officeDocument/2006/relationships" xmlns:p="http://schemas.openxmlformats.org/presentationml/2006/main">
   <p:cSld>
     <p:spTree>
@@ -26356,7 +27537,7 @@
 </p:sld>
 </file>
 
-<file path=ppt/slides/slide34.xml><?xml version="1.0" encoding="utf-8"?>
+<file path=ppt/slides/slide37.xml><?xml version="1.0" encoding="utf-8"?>
 <p:sld xmlns:a="http://schemas.openxmlformats.org/drawingml/2006/main" xmlns:r="http://schemas.openxmlformats.org/officeDocument/2006/relationships" xmlns:p="http://schemas.openxmlformats.org/presentationml/2006/main">
   <p:cSld>
     <p:spTree>
@@ -27634,7 +28815,7 @@
 </p:sld>
 </file>
 
-<file path=ppt/slides/slide35.xml><?xml version="1.0" encoding="utf-8"?>
+<file path=ppt/slides/slide38.xml><?xml version="1.0" encoding="utf-8"?>
 <p:sld xmlns:a="http://schemas.openxmlformats.org/drawingml/2006/main" xmlns:r="http://schemas.openxmlformats.org/officeDocument/2006/relationships" xmlns:p="http://schemas.openxmlformats.org/presentationml/2006/main">
   <p:cSld>
     <p:spTree>
@@ -30153,7 +31334,7 @@
 </p:sld>
 </file>
 
-<file path=ppt/slides/slide36.xml><?xml version="1.0" encoding="utf-8"?>
+<file path=ppt/slides/slide39.xml><?xml version="1.0" encoding="utf-8"?>
 <p:sld xmlns:a="http://schemas.openxmlformats.org/drawingml/2006/main" xmlns:r="http://schemas.openxmlformats.org/officeDocument/2006/relationships" xmlns:p="http://schemas.openxmlformats.org/presentationml/2006/main">
   <p:cSld>
     <p:spTree>

--- a/Slides/AZ-104T00A-ENU-PowerPoint_01 - done.pptx
+++ b/Slides/AZ-104T00A-ENU-PowerPoint_01 - done.pptx
@@ -18,19 +18,19 @@
     <p:sldId id="2147469675" r:id="rId6"/>
     <p:sldId id="2588" r:id="rId7"/>
     <p:sldId id="2571" r:id="rId8"/>
-    <p:sldId id="1853" r:id="rId9"/>
-    <p:sldId id="2572" r:id="rId10"/>
-    <p:sldId id="2531" r:id="rId11"/>
-    <p:sldId id="2586" r:id="rId12"/>
-    <p:sldId id="2533" r:id="rId13"/>
-    <p:sldId id="2587" r:id="rId14"/>
-    <p:sldId id="2584" r:id="rId15"/>
-    <p:sldId id="2147469682" r:id="rId16"/>
-    <p:sldId id="2147469683" r:id="rId17"/>
-    <p:sldId id="2147469684" r:id="rId18"/>
-    <p:sldId id="2567" r:id="rId19"/>
-    <p:sldId id="2147469676" r:id="rId20"/>
-    <p:sldId id="1850" r:id="rId21"/>
+    <p:sldId id="2147469685" r:id="rId9"/>
+    <p:sldId id="1853" r:id="rId10"/>
+    <p:sldId id="2572" r:id="rId11"/>
+    <p:sldId id="2531" r:id="rId12"/>
+    <p:sldId id="2586" r:id="rId13"/>
+    <p:sldId id="2533" r:id="rId14"/>
+    <p:sldId id="2587" r:id="rId15"/>
+    <p:sldId id="2584" r:id="rId16"/>
+    <p:sldId id="2147469682" r:id="rId17"/>
+    <p:sldId id="2147469683" r:id="rId18"/>
+    <p:sldId id="2147469684" r:id="rId19"/>
+    <p:sldId id="2567" r:id="rId20"/>
+    <p:sldId id="2147469676" r:id="rId21"/>
     <p:sldId id="2147469678" r:id="rId22"/>
     <p:sldId id="2241" r:id="rId23"/>
     <p:sldId id="2566" r:id="rId24"/>
@@ -164,6 +164,7 @@
             <p14:sldId id="2147469675"/>
             <p14:sldId id="2588"/>
             <p14:sldId id="2571"/>
+            <p14:sldId id="2147469685"/>
             <p14:sldId id="1853"/>
             <p14:sldId id="2572"/>
             <p14:sldId id="2531"/>
@@ -176,7 +177,6 @@
             <p14:sldId id="2147469684"/>
             <p14:sldId id="2567"/>
             <p14:sldId id="2147469676"/>
-            <p14:sldId id="1850"/>
             <p14:sldId id="2147469678"/>
             <p14:sldId id="2241"/>
           </p14:sldIdLst>
@@ -335,7 +335,7 @@
               <a:rPr lang="en-US" smtClean="0">
                 <a:latin typeface="Segoe UI" pitchFamily="34" charset="0"/>
               </a:rPr>
-              <a:t>12/11/2022 4:40 PM</a:t>
+              <a:t>12/12/2022 6:45 AM</a:t>
             </a:fld>
             <a:endParaRPr lang="en-US" dirty="0">
               <a:latin typeface="Segoe UI" pitchFamily="34" charset="0"/>
@@ -613,7 +613,7 @@
           <a:p>
             <a:fld id="{DCE60099-03E7-4FA1-8A7F-E6E6CFB0F855}" type="datetime8">
               <a:rPr lang="en-US" smtClean="0"/>
-              <a:t>12/11/2022 4:39 PM</a:t>
+              <a:t>12/12/2022 6:45 AM</a:t>
             </a:fld>
             <a:endParaRPr lang="en-US" dirty="0"/>
           </a:p>
@@ -1079,7 +1079,7 @@
                 <a:tabLst/>
                 <a:defRPr/>
               </a:pPr>
-              <a:t>12/11/2022 4:39 PM</a:t>
+              <a:t>12/12/2022 6:45 AM</a:t>
             </a:fld>
             <a:endParaRPr kumimoji="0" lang="en-US" sz="1200" b="0" i="0" u="none" strike="noStrike" kern="1200" cap="none" spc="0" normalizeH="0" baseline="0" noProof="0" dirty="0">
               <a:ln>
@@ -1282,7 +1282,7 @@
           <a:p>
             <a:fld id="{8507DC7E-BC41-4478-BA30-CBCC3A644F0A}" type="slidenum">
               <a:rPr lang="en-US" smtClean="0"/>
-              <a:t>18</a:t>
+              <a:t>19</a:t>
             </a:fld>
             <a:endParaRPr lang="en-US" dirty="0"/>
           </a:p>
@@ -1346,151 +1346,6 @@
           <a:lstStyle/>
           <a:p>
             <a:r>
-              <a:rPr lang="en-US" dirty="0"/>
-              <a:t>OpenID Connect (OIDC) – introduces the security token.</a:t>
-            </a:r>
-          </a:p>
-        </p:txBody>
-      </p:sp>
-      <p:sp>
-        <p:nvSpPr>
-          <p:cNvPr id="4" name="Header Placeholder 3"/>
-          <p:cNvSpPr>
-            <a:spLocks noGrp="1"/>
-          </p:cNvSpPr>
-          <p:nvPr>
-            <p:ph type="hdr" sz="quarter"/>
-          </p:nvPr>
-        </p:nvSpPr>
-        <p:spPr/>
-        <p:txBody>
-          <a:bodyPr/>
-          <a:lstStyle/>
-          <a:p>
-            <a:endParaRPr lang="en-US"/>
-          </a:p>
-        </p:txBody>
-      </p:sp>
-      <p:sp>
-        <p:nvSpPr>
-          <p:cNvPr id="5" name="Footer Placeholder 4"/>
-          <p:cNvSpPr>
-            <a:spLocks noGrp="1"/>
-          </p:cNvSpPr>
-          <p:nvPr>
-            <p:ph type="ftr" sz="quarter" idx="4"/>
-          </p:nvPr>
-        </p:nvSpPr>
-        <p:spPr/>
-        <p:txBody>
-          <a:bodyPr/>
-          <a:lstStyle/>
-          <a:p>
-            <a:pPr defTabSz="914099" eaLnBrk="0" hangingPunct="0"/>
-            <a:r>
-              <a:rPr lang="en-US" sz="400">
-                <a:gradFill>
-                  <a:gsLst>
-                    <a:gs pos="0">
-                      <a:prstClr val="black"/>
-                    </a:gs>
-                    <a:gs pos="100000">
-                      <a:prstClr val="black"/>
-                    </a:gs>
-                  </a:gsLst>
-                  <a:lin ang="5400000" scaled="0"/>
-                </a:gradFill>
-                <a:latin typeface="Segoe UI" pitchFamily="34" charset="0"/>
-                <a:ea typeface="Segoe UI" pitchFamily="34" charset="0"/>
-                <a:cs typeface="Segoe UI" pitchFamily="34" charset="0"/>
-              </a:rPr>
-              <a:t>© Microsoft Corporation</a:t>
-            </a:r>
-          </a:p>
-        </p:txBody>
-      </p:sp>
-      <p:sp>
-        <p:nvSpPr>
-          <p:cNvPr id="6" name="Slide Number Placeholder 5"/>
-          <p:cNvSpPr>
-            <a:spLocks noGrp="1"/>
-          </p:cNvSpPr>
-          <p:nvPr>
-            <p:ph type="sldNum" sz="quarter" idx="5"/>
-          </p:nvPr>
-        </p:nvSpPr>
-        <p:spPr/>
-        <p:txBody>
-          <a:bodyPr/>
-          <a:lstStyle/>
-          <a:p>
-            <a:fld id="{B4008EB6-D09E-4580-8CD6-DDB14511944F}" type="slidenum">
-              <a:rPr lang="en-US" smtClean="0"/>
-              <a:pPr/>
-              <a:t>20</a:t>
-            </a:fld>
-            <a:endParaRPr lang="en-US"/>
-          </a:p>
-        </p:txBody>
-      </p:sp>
-    </p:spTree>
-    <p:extLst>
-      <p:ext uri="{BB962C8B-B14F-4D97-AF65-F5344CB8AC3E}">
-        <p14:creationId xmlns:p14="http://schemas.microsoft.com/office/powerpoint/2010/main" val="2702553011"/>
-      </p:ext>
-    </p:extLst>
-  </p:cSld>
-  <p:clrMapOvr>
-    <a:masterClrMapping/>
-  </p:clrMapOvr>
-</p:notes>
-</file>
-
-<file path=ppt/notesSlides/notesSlide12.xml><?xml version="1.0" encoding="utf-8"?>
-<p:notes xmlns:a="http://schemas.openxmlformats.org/drawingml/2006/main" xmlns:r="http://schemas.openxmlformats.org/officeDocument/2006/relationships" xmlns:p="http://schemas.openxmlformats.org/presentationml/2006/main">
-  <p:cSld>
-    <p:spTree>
-      <p:nvGrpSpPr>
-        <p:cNvPr id="1" name=""/>
-        <p:cNvGrpSpPr/>
-        <p:nvPr/>
-      </p:nvGrpSpPr>
-      <p:grpSpPr>
-        <a:xfrm>
-          <a:off x="0" y="0"/>
-          <a:ext cx="0" cy="0"/>
-          <a:chOff x="0" y="0"/>
-          <a:chExt cx="0" cy="0"/>
-        </a:xfrm>
-      </p:grpSpPr>
-      <p:sp>
-        <p:nvSpPr>
-          <p:cNvPr id="2" name="Slide Image Placeholder 1"/>
-          <p:cNvSpPr>
-            <a:spLocks noGrp="1" noRot="1" noChangeAspect="1"/>
-          </p:cNvSpPr>
-          <p:nvPr>
-            <p:ph type="sldImg"/>
-          </p:nvPr>
-        </p:nvSpPr>
-        <p:spPr/>
-      </p:sp>
-      <p:sp>
-        <p:nvSpPr>
-          <p:cNvPr id="3" name="Notes Placeholder 2"/>
-          <p:cNvSpPr>
-            <a:spLocks noGrp="1"/>
-          </p:cNvSpPr>
-          <p:nvPr>
-            <p:ph type="body" idx="1"/>
-          </p:nvPr>
-        </p:nvSpPr>
-        <p:spPr/>
-        <p:txBody>
-          <a:bodyPr/>
-          <a:lstStyle/>
-          <a:p>
-            <a:r>
               <a:rPr lang="en-GB" dirty="0"/>
               <a:t>What is the difference between a tenants and AAD? </a:t>
             </a:r>
@@ -1625,7 +1480,7 @@
 </p:notes>
 </file>
 
-<file path=ppt/notesSlides/notesSlide13.xml><?xml version="1.0" encoding="utf-8"?>
+<file path=ppt/notesSlides/notesSlide12.xml><?xml version="1.0" encoding="utf-8"?>
 <p:notes xmlns:a="http://schemas.openxmlformats.org/drawingml/2006/main" xmlns:r="http://schemas.openxmlformats.org/officeDocument/2006/relationships" xmlns:p="http://schemas.openxmlformats.org/presentationml/2006/main">
   <p:cSld>
     <p:spTree>
@@ -2087,6 +1942,220 @@
 </p:notes>
 </file>
 
+<file path=ppt/notesSlides/notesSlide13.xml><?xml version="1.0" encoding="utf-8"?>
+<p:notes xmlns:a="http://schemas.openxmlformats.org/drawingml/2006/main" xmlns:r="http://schemas.openxmlformats.org/officeDocument/2006/relationships" xmlns:p="http://schemas.openxmlformats.org/presentationml/2006/main">
+  <p:cSld>
+    <p:spTree>
+      <p:nvGrpSpPr>
+        <p:cNvPr id="1" name=""/>
+        <p:cNvGrpSpPr/>
+        <p:nvPr/>
+      </p:nvGrpSpPr>
+      <p:grpSpPr>
+        <a:xfrm>
+          <a:off x="0" y="0"/>
+          <a:ext cx="0" cy="0"/>
+          <a:chOff x="0" y="0"/>
+          <a:chExt cx="0" cy="0"/>
+        </a:xfrm>
+      </p:grpSpPr>
+      <p:sp>
+        <p:nvSpPr>
+          <p:cNvPr id="2" name="Slide Image Placeholder 1"/>
+          <p:cNvSpPr>
+            <a:spLocks noGrp="1" noRot="1" noChangeAspect="1"/>
+          </p:cNvSpPr>
+          <p:nvPr>
+            <p:ph type="sldImg"/>
+          </p:nvPr>
+        </p:nvSpPr>
+        <p:spPr/>
+      </p:sp>
+      <p:sp>
+        <p:nvSpPr>
+          <p:cNvPr id="3" name="Notes Placeholder 2"/>
+          <p:cNvSpPr>
+            <a:spLocks noGrp="1"/>
+          </p:cNvSpPr>
+          <p:nvPr>
+            <p:ph type="body" idx="1"/>
+          </p:nvPr>
+        </p:nvSpPr>
+        <p:spPr/>
+        <p:txBody>
+          <a:bodyPr/>
+          <a:lstStyle/>
+          <a:p>
+            <a:r>
+              <a:rPr lang="en-US" dirty="0"/>
+              <a:t>Manage Azure identities and governance (15-20%)</a:t>
+            </a:r>
+          </a:p>
+          <a:p>
+            <a:r>
+              <a:rPr lang="en-US" dirty="0"/>
+              <a:t>Manage Azure AD objects </a:t>
+            </a:r>
+          </a:p>
+          <a:p>
+            <a:pPr marL="285750" marR="0" lvl="0" indent="-285750" algn="l" defTabSz="932742" rtl="0" eaLnBrk="1" fontAlgn="auto" latinLnBrk="0" hangingPunct="1">
+              <a:lnSpc>
+                <a:spcPct val="90000"/>
+              </a:lnSpc>
+              <a:spcBef>
+                <a:spcPts val="0"/>
+              </a:spcBef>
+              <a:spcAft>
+                <a:spcPts val="340"/>
+              </a:spcAft>
+              <a:buClrTx/>
+              <a:buSzTx/>
+              <a:buFont typeface="Arial" panose="020B0604020202020204" pitchFamily="34" charset="0"/>
+              <a:buChar char="•"/>
+              <a:tabLst/>
+              <a:defRPr/>
+            </a:pPr>
+            <a:r>
+              <a:rPr lang="en-US" sz="900" dirty="0">
+                <a:effectLst/>
+                <a:latin typeface="Calibri" panose="020F0502020204030204" pitchFamily="34" charset="0"/>
+                <a:ea typeface="Times New Roman" panose="02020603050405020304" pitchFamily="18" charset="0"/>
+                <a:cs typeface="Times New Roman" panose="02020603050405020304" pitchFamily="18" charset="0"/>
+              </a:rPr>
+              <a:t>Create users and groups</a:t>
+            </a:r>
+          </a:p>
+          <a:p>
+            <a:pPr marL="285750" marR="0" lvl="0" indent="-285750" algn="l" defTabSz="932742" rtl="0" eaLnBrk="1" fontAlgn="auto" latinLnBrk="0" hangingPunct="1">
+              <a:lnSpc>
+                <a:spcPct val="90000"/>
+              </a:lnSpc>
+              <a:spcBef>
+                <a:spcPts val="0"/>
+              </a:spcBef>
+              <a:spcAft>
+                <a:spcPts val="340"/>
+              </a:spcAft>
+              <a:buClrTx/>
+              <a:buSzTx/>
+              <a:buFont typeface="Arial" panose="020B0604020202020204" pitchFamily="34" charset="0"/>
+              <a:buChar char="•"/>
+              <a:tabLst/>
+              <a:defRPr/>
+            </a:pPr>
+            <a:r>
+              <a:rPr lang="en-US" sz="900" dirty="0">
+                <a:effectLst/>
+                <a:latin typeface="Calibri" panose="020F0502020204030204" pitchFamily="34" charset="0"/>
+                <a:ea typeface="Times New Roman" panose="02020603050405020304" pitchFamily="18" charset="0"/>
+                <a:cs typeface="Times New Roman" panose="02020603050405020304" pitchFamily="18" charset="0"/>
+              </a:rPr>
+              <a:t>Manage user and group properties</a:t>
+            </a:r>
+          </a:p>
+          <a:p>
+            <a:pPr marL="285750" marR="0" lvl="0" indent="-285750" algn="l" defTabSz="932742" rtl="0" eaLnBrk="1" fontAlgn="auto" latinLnBrk="0" hangingPunct="1">
+              <a:lnSpc>
+                <a:spcPct val="90000"/>
+              </a:lnSpc>
+              <a:spcBef>
+                <a:spcPts val="0"/>
+              </a:spcBef>
+              <a:spcAft>
+                <a:spcPts val="340"/>
+              </a:spcAft>
+              <a:buClrTx/>
+              <a:buSzTx/>
+              <a:buFont typeface="Arial" panose="020B0604020202020204" pitchFamily="34" charset="0"/>
+              <a:buChar char="•"/>
+              <a:tabLst/>
+              <a:defRPr/>
+            </a:pPr>
+            <a:r>
+              <a:rPr lang="en-US" sz="900" dirty="0">
+                <a:effectLst/>
+                <a:latin typeface="Calibri" panose="020F0502020204030204" pitchFamily="34" charset="0"/>
+                <a:ea typeface="Times New Roman" panose="02020603050405020304" pitchFamily="18" charset="0"/>
+                <a:cs typeface="Times New Roman" panose="02020603050405020304" pitchFamily="18" charset="0"/>
+              </a:rPr>
+              <a:t>Perform bulk user updates</a:t>
+            </a:r>
+          </a:p>
+          <a:p>
+            <a:pPr marL="285750" marR="0" lvl="0" indent="-285750" algn="l" defTabSz="932742" rtl="0" eaLnBrk="1" fontAlgn="auto" latinLnBrk="0" hangingPunct="1">
+              <a:lnSpc>
+                <a:spcPct val="90000"/>
+              </a:lnSpc>
+              <a:spcBef>
+                <a:spcPts val="0"/>
+              </a:spcBef>
+              <a:spcAft>
+                <a:spcPts val="340"/>
+              </a:spcAft>
+              <a:buClrTx/>
+              <a:buSzTx/>
+              <a:buFont typeface="Arial" panose="020B0604020202020204" pitchFamily="34" charset="0"/>
+              <a:buChar char="•"/>
+              <a:tabLst/>
+              <a:defRPr/>
+            </a:pPr>
+            <a:r>
+              <a:rPr lang="en-US" sz="900" dirty="0">
+                <a:solidFill>
+                  <a:srgbClr val="000000"/>
+                </a:solidFill>
+                <a:effectLst/>
+                <a:latin typeface="Calibri" panose="020F0502020204030204" pitchFamily="34" charset="0"/>
+                <a:ea typeface="Times New Roman" panose="02020603050405020304" pitchFamily="18" charset="0"/>
+                <a:cs typeface="Calibri" panose="020F0502020204030204" pitchFamily="34" charset="0"/>
+              </a:rPr>
+              <a:t>Manage guest accounts</a:t>
+            </a:r>
+            <a:endParaRPr lang="en-US" sz="900" dirty="0">
+              <a:effectLst/>
+              <a:latin typeface="Calibri" panose="020F0502020204030204" pitchFamily="34" charset="0"/>
+              <a:ea typeface="Times New Roman" panose="02020603050405020304" pitchFamily="18" charset="0"/>
+              <a:cs typeface="Calibri" panose="020F0502020204030204" pitchFamily="34" charset="0"/>
+            </a:endParaRPr>
+          </a:p>
+        </p:txBody>
+      </p:sp>
+      <p:sp>
+        <p:nvSpPr>
+          <p:cNvPr id="4" name="Slide Number Placeholder 3"/>
+          <p:cNvSpPr>
+            <a:spLocks noGrp="1"/>
+          </p:cNvSpPr>
+          <p:nvPr>
+            <p:ph type="sldNum" sz="quarter" idx="5"/>
+          </p:nvPr>
+        </p:nvSpPr>
+        <p:spPr/>
+        <p:txBody>
+          <a:bodyPr/>
+          <a:lstStyle/>
+          <a:p>
+            <a:fld id="{8507DC7E-BC41-4478-BA30-CBCC3A644F0A}" type="slidenum">
+              <a:rPr lang="en-US" smtClean="0"/>
+              <a:t>24</a:t>
+            </a:fld>
+            <a:endParaRPr lang="en-US" dirty="0"/>
+          </a:p>
+        </p:txBody>
+      </p:sp>
+    </p:spTree>
+    <p:extLst>
+      <p:ext uri="{BB962C8B-B14F-4D97-AF65-F5344CB8AC3E}">
+        <p14:creationId xmlns:p14="http://schemas.microsoft.com/office/powerpoint/2010/main" val="1529871869"/>
+      </p:ext>
+    </p:extLst>
+  </p:cSld>
+  <p:clrMapOvr>
+    <a:masterClrMapping/>
+  </p:clrMapOvr>
+</p:notes>
+</file>
+
 <file path=ppt/notesSlides/notesSlide14.xml><?xml version="1.0" encoding="utf-8"?>
 <p:notes xmlns:a="http://schemas.openxmlformats.org/drawingml/2006/main" xmlns:r="http://schemas.openxmlformats.org/officeDocument/2006/relationships" xmlns:p="http://schemas.openxmlformats.org/presentationml/2006/main">
   <p:cSld>
@@ -2132,147 +2201,30 @@
           <a:lstStyle/>
           <a:p>
             <a:r>
-              <a:rPr lang="en-US" dirty="0"/>
-              <a:t>Manage Azure identities and governance (15-20%)</a:t>
-            </a:r>
-          </a:p>
-          <a:p>
-            <a:r>
-              <a:rPr lang="en-US" dirty="0"/>
-              <a:t>Manage Azure AD objects </a:t>
-            </a:r>
-          </a:p>
-          <a:p>
-            <a:pPr marL="285750" marR="0" lvl="0" indent="-285750" algn="l" defTabSz="932742" rtl="0" eaLnBrk="1" fontAlgn="auto" latinLnBrk="0" hangingPunct="1">
-              <a:lnSpc>
-                <a:spcPct val="90000"/>
-              </a:lnSpc>
-              <a:spcBef>
-                <a:spcPts val="0"/>
-              </a:spcBef>
-              <a:spcAft>
-                <a:spcPts val="340"/>
-              </a:spcAft>
-              <a:buClrTx/>
-              <a:buSzTx/>
-              <a:buFont typeface="Arial" panose="020B0604020202020204" pitchFamily="34" charset="0"/>
-              <a:buChar char="•"/>
-              <a:tabLst/>
-              <a:defRPr/>
-            </a:pPr>
-            <a:r>
-              <a:rPr lang="en-US" sz="900" dirty="0">
-                <a:effectLst/>
-                <a:latin typeface="Calibri" panose="020F0502020204030204" pitchFamily="34" charset="0"/>
-                <a:ea typeface="Times New Roman" panose="02020603050405020304" pitchFamily="18" charset="0"/>
-                <a:cs typeface="Times New Roman" panose="02020603050405020304" pitchFamily="18" charset="0"/>
-              </a:rPr>
-              <a:t>Create users and groups</a:t>
-            </a:r>
-          </a:p>
-          <a:p>
-            <a:pPr marL="285750" marR="0" lvl="0" indent="-285750" algn="l" defTabSz="932742" rtl="0" eaLnBrk="1" fontAlgn="auto" latinLnBrk="0" hangingPunct="1">
-              <a:lnSpc>
-                <a:spcPct val="90000"/>
-              </a:lnSpc>
-              <a:spcBef>
-                <a:spcPts val="0"/>
-              </a:spcBef>
-              <a:spcAft>
-                <a:spcPts val="340"/>
-              </a:spcAft>
-              <a:buClrTx/>
-              <a:buSzTx/>
-              <a:buFont typeface="Arial" panose="020B0604020202020204" pitchFamily="34" charset="0"/>
-              <a:buChar char="•"/>
-              <a:tabLst/>
-              <a:defRPr/>
-            </a:pPr>
-            <a:r>
-              <a:rPr lang="en-US" sz="900" dirty="0">
-                <a:effectLst/>
-                <a:latin typeface="Calibri" panose="020F0502020204030204" pitchFamily="34" charset="0"/>
-                <a:ea typeface="Times New Roman" panose="02020603050405020304" pitchFamily="18" charset="0"/>
-                <a:cs typeface="Times New Roman" panose="02020603050405020304" pitchFamily="18" charset="0"/>
-              </a:rPr>
-              <a:t>Manage user and group properties</a:t>
-            </a:r>
-          </a:p>
-          <a:p>
-            <a:pPr marL="285750" marR="0" lvl="0" indent="-285750" algn="l" defTabSz="932742" rtl="0" eaLnBrk="1" fontAlgn="auto" latinLnBrk="0" hangingPunct="1">
-              <a:lnSpc>
-                <a:spcPct val="90000"/>
-              </a:lnSpc>
-              <a:spcBef>
-                <a:spcPts val="0"/>
-              </a:spcBef>
-              <a:spcAft>
-                <a:spcPts val="340"/>
-              </a:spcAft>
-              <a:buClrTx/>
-              <a:buSzTx/>
-              <a:buFont typeface="Arial" panose="020B0604020202020204" pitchFamily="34" charset="0"/>
-              <a:buChar char="•"/>
-              <a:tabLst/>
-              <a:defRPr/>
-            </a:pPr>
-            <a:r>
-              <a:rPr lang="en-US" sz="900" dirty="0">
-                <a:effectLst/>
-                <a:latin typeface="Calibri" panose="020F0502020204030204" pitchFamily="34" charset="0"/>
-                <a:ea typeface="Times New Roman" panose="02020603050405020304" pitchFamily="18" charset="0"/>
-                <a:cs typeface="Times New Roman" panose="02020603050405020304" pitchFamily="18" charset="0"/>
-              </a:rPr>
-              <a:t>Perform bulk user updates</a:t>
-            </a:r>
-          </a:p>
-          <a:p>
-            <a:pPr marL="285750" marR="0" lvl="0" indent="-285750" algn="l" defTabSz="932742" rtl="0" eaLnBrk="1" fontAlgn="auto" latinLnBrk="0" hangingPunct="1">
-              <a:lnSpc>
-                <a:spcPct val="90000"/>
-              </a:lnSpc>
-              <a:spcBef>
-                <a:spcPts val="0"/>
-              </a:spcBef>
-              <a:spcAft>
-                <a:spcPts val="340"/>
-              </a:spcAft>
-              <a:buClrTx/>
-              <a:buSzTx/>
-              <a:buFont typeface="Arial" panose="020B0604020202020204" pitchFamily="34" charset="0"/>
-              <a:buChar char="•"/>
-              <a:tabLst/>
-              <a:defRPr/>
-            </a:pPr>
-            <a:r>
-              <a:rPr lang="en-US" sz="900" dirty="0">
+              <a:rPr lang="en-US" sz="882" kern="1200" dirty="0">
                 <a:solidFill>
-                  <a:srgbClr val="000000"/>
+                  <a:schemeClr val="tx1"/>
                 </a:solidFill>
                 <a:effectLst/>
-                <a:latin typeface="Calibri" panose="020F0502020204030204" pitchFamily="34" charset="0"/>
-                <a:ea typeface="Times New Roman" panose="02020603050405020304" pitchFamily="18" charset="0"/>
-                <a:cs typeface="Calibri" panose="020F0502020204030204" pitchFamily="34" charset="0"/>
+                <a:ea typeface="+mn-ea"/>
+                <a:cs typeface="+mn-cs"/>
               </a:rPr>
-              <a:t>Manage guest accounts</a:t>
+              <a:t>✔️ Have you given any thought as to the type of users you will need?</a:t>
             </a:r>
-            <a:endParaRPr lang="en-US" sz="900" dirty="0">
-              <a:effectLst/>
-              <a:latin typeface="Calibri" panose="020F0502020204030204" pitchFamily="34" charset="0"/>
-              <a:ea typeface="Times New Roman" panose="02020603050405020304" pitchFamily="18" charset="0"/>
-              <a:cs typeface="Calibri" panose="020F0502020204030204" pitchFamily="34" charset="0"/>
-            </a:endParaRPr>
+          </a:p>
+          <a:p>
+            <a:endParaRPr lang="en-US" dirty="0"/>
           </a:p>
         </p:txBody>
       </p:sp>
       <p:sp>
         <p:nvSpPr>
-          <p:cNvPr id="4" name="Slide Number Placeholder 3"/>
+          <p:cNvPr id="4" name="Header Placeholder 3"/>
           <p:cNvSpPr>
             <a:spLocks noGrp="1"/>
           </p:cNvSpPr>
           <p:nvPr>
-            <p:ph type="sldNum" sz="quarter" idx="5"/>
+            <p:ph type="hdr" sz="quarter" idx="10"/>
           </p:nvPr>
         </p:nvSpPr>
         <p:spPr/>
@@ -2280,9 +2232,90 @@
           <a:bodyPr/>
           <a:lstStyle/>
           <a:p>
-            <a:fld id="{8507DC7E-BC41-4478-BA30-CBCC3A644F0A}" type="slidenum">
+            <a:endParaRPr lang="en-US" dirty="0"/>
+          </a:p>
+        </p:txBody>
+      </p:sp>
+      <p:sp>
+        <p:nvSpPr>
+          <p:cNvPr id="5" name="Footer Placeholder 4"/>
+          <p:cNvSpPr>
+            <a:spLocks noGrp="1"/>
+          </p:cNvSpPr>
+          <p:nvPr>
+            <p:ph type="ftr" sz="quarter" idx="11"/>
+          </p:nvPr>
+        </p:nvSpPr>
+        <p:spPr/>
+        <p:txBody>
+          <a:bodyPr/>
+          <a:lstStyle/>
+          <a:p>
+            <a:pPr defTabSz="914099" eaLnBrk="0" hangingPunct="0"/>
+            <a:r>
+              <a:rPr lang="en-US" sz="400" dirty="0">
+                <a:gradFill>
+                  <a:gsLst>
+                    <a:gs pos="0">
+                      <a:prstClr val="black"/>
+                    </a:gs>
+                    <a:gs pos="100000">
+                      <a:prstClr val="black"/>
+                    </a:gs>
+                  </a:gsLst>
+                  <a:lin ang="5400000" scaled="0"/>
+                </a:gradFill>
+                <a:latin typeface="Segoe UI" pitchFamily="34" charset="0"/>
+                <a:ea typeface="Segoe UI" pitchFamily="34" charset="0"/>
+                <a:cs typeface="Segoe UI" pitchFamily="34" charset="0"/>
+              </a:rPr>
+              <a:t>© Microsoft Corporation. All rights reserved. MICROSOFT MAKES NO WARRANTIES, EXPRESS, IMPLIED OR STATUTORY, AS TO THE INFORMATION IN THIS PRESENTATION.</a:t>
+            </a:r>
+          </a:p>
+        </p:txBody>
+      </p:sp>
+      <p:sp>
+        <p:nvSpPr>
+          <p:cNvPr id="6" name="Date Placeholder 5"/>
+          <p:cNvSpPr>
+            <a:spLocks noGrp="1"/>
+          </p:cNvSpPr>
+          <p:nvPr>
+            <p:ph type="dt" idx="12"/>
+          </p:nvPr>
+        </p:nvSpPr>
+        <p:spPr/>
+        <p:txBody>
+          <a:bodyPr/>
+          <a:lstStyle/>
+          <a:p>
+            <a:fld id="{9427A7F7-BB1E-479D-AFAA-B52F4D0C99F2}" type="datetime8">
               <a:rPr lang="en-US" smtClean="0"/>
-              <a:t>24</a:t>
+              <a:t>12/12/2022 6:45 AM</a:t>
+            </a:fld>
+            <a:endParaRPr lang="en-US" dirty="0"/>
+          </a:p>
+        </p:txBody>
+      </p:sp>
+      <p:sp>
+        <p:nvSpPr>
+          <p:cNvPr id="7" name="Slide Number Placeholder 6"/>
+          <p:cNvSpPr>
+            <a:spLocks noGrp="1"/>
+          </p:cNvSpPr>
+          <p:nvPr>
+            <p:ph type="sldNum" sz="quarter" idx="13"/>
+          </p:nvPr>
+        </p:nvSpPr>
+        <p:spPr/>
+        <p:txBody>
+          <a:bodyPr/>
+          <a:lstStyle/>
+          <a:p>
+            <a:fld id="{B4008EB6-D09E-4580-8CD6-DDB14511944F}" type="slidenum">
+              <a:rPr lang="en-US" smtClean="0"/>
+              <a:pPr/>
+              <a:t>25</a:t>
             </a:fld>
             <a:endParaRPr lang="en-US" dirty="0"/>
           </a:p>
@@ -2291,7 +2324,7 @@
     </p:spTree>
     <p:extLst>
       <p:ext uri="{BB962C8B-B14F-4D97-AF65-F5344CB8AC3E}">
-        <p14:creationId xmlns:p14="http://schemas.microsoft.com/office/powerpoint/2010/main" val="1529871869"/>
+        <p14:creationId xmlns:p14="http://schemas.microsoft.com/office/powerpoint/2010/main" val="4103861555"/>
       </p:ext>
     </p:extLst>
   </p:cSld>
@@ -2345,20 +2378,105 @@
           <a:bodyPr/>
           <a:lstStyle/>
           <a:p>
+            <a:pPr algn="l">
+              <a:buFont typeface="Arial" panose="020B0604020202020204" pitchFamily="34" charset="0"/>
+              <a:buChar char="•"/>
+            </a:pPr>
             <a:r>
-              <a:rPr lang="en-US" sz="882" kern="1200" dirty="0">
+              <a:rPr lang="en-GB" b="1" i="0" dirty="0">
                 <a:solidFill>
-                  <a:schemeClr val="tx1"/>
+                  <a:srgbClr val="171717"/>
                 </a:solidFill>
                 <a:effectLst/>
-                <a:ea typeface="+mn-ea"/>
-                <a:cs typeface="+mn-cs"/>
+                <a:latin typeface="Segoe UI" panose="020B0502040204020203" pitchFamily="34" charset="0"/>
               </a:rPr>
-              <a:t>✔️ Have you given any thought as to the type of users you will need?</a:t>
+              <a:t>Consider where users are defined</a:t>
             </a:r>
-          </a:p>
-          <a:p>
-            <a:endParaRPr lang="en-US" dirty="0"/>
+            <a:r>
+              <a:rPr lang="en-GB" b="0" i="0" dirty="0">
+                <a:solidFill>
+                  <a:srgbClr val="171717"/>
+                </a:solidFill>
+                <a:effectLst/>
+                <a:latin typeface="Segoe UI" panose="020B0502040204020203" pitchFamily="34" charset="0"/>
+              </a:rPr>
+              <a:t>. Determine where your users are defined. Are all your users defined within your Azure AD organization, or are some users defined in external Azure AD instances? Do you have users who are external to your organization? It's common for businesses to support two or more account types in their infrastructure.</a:t>
+            </a:r>
+          </a:p>
+          <a:p>
+            <a:pPr algn="l">
+              <a:buFont typeface="Arial" panose="020B0604020202020204" pitchFamily="34" charset="0"/>
+              <a:buChar char="•"/>
+            </a:pPr>
+            <a:r>
+              <a:rPr lang="en-GB" b="1" i="0" dirty="0">
+                <a:solidFill>
+                  <a:srgbClr val="171717"/>
+                </a:solidFill>
+                <a:effectLst/>
+                <a:latin typeface="Segoe UI" panose="020B0502040204020203" pitchFamily="34" charset="0"/>
+              </a:rPr>
+              <a:t>Consider support for external contributors</a:t>
+            </a:r>
+            <a:r>
+              <a:rPr lang="en-GB" b="0" i="0" dirty="0">
+                <a:solidFill>
+                  <a:srgbClr val="171717"/>
+                </a:solidFill>
+                <a:effectLst/>
+                <a:latin typeface="Segoe UI" panose="020B0502040204020203" pitchFamily="34" charset="0"/>
+              </a:rPr>
+              <a:t>. Allow external contributors to access Azure resources in your organization by supporting the </a:t>
+            </a:r>
+            <a:r>
+              <a:rPr lang="en-GB" b="1" i="0" dirty="0">
+                <a:solidFill>
+                  <a:srgbClr val="171717"/>
+                </a:solidFill>
+                <a:effectLst/>
+                <a:latin typeface="Segoe UI" panose="020B0502040204020203" pitchFamily="34" charset="0"/>
+              </a:rPr>
+              <a:t>Guest user</a:t>
+            </a:r>
+            <a:r>
+              <a:rPr lang="en-GB" b="0" i="0" dirty="0">
+                <a:solidFill>
+                  <a:srgbClr val="171717"/>
+                </a:solidFill>
+                <a:effectLst/>
+                <a:latin typeface="Segoe UI" panose="020B0502040204020203" pitchFamily="34" charset="0"/>
+              </a:rPr>
+              <a:t> account type. When the external contributor no longer requires access, you can remove the user account and their access privileges.</a:t>
+            </a:r>
+          </a:p>
+          <a:p>
+            <a:pPr algn="l">
+              <a:buFont typeface="Arial" panose="020B0604020202020204" pitchFamily="34" charset="0"/>
+              <a:buChar char="•"/>
+            </a:pPr>
+            <a:r>
+              <a:rPr lang="en-GB" b="1" i="0" dirty="0">
+                <a:solidFill>
+                  <a:srgbClr val="171717"/>
+                </a:solidFill>
+                <a:effectLst/>
+                <a:latin typeface="Segoe UI" panose="020B0502040204020203" pitchFamily="34" charset="0"/>
+              </a:rPr>
+              <a:t>Consider a combination of user accounts</a:t>
+            </a:r>
+            <a:r>
+              <a:rPr lang="en-GB" b="0" i="0" dirty="0">
+                <a:solidFill>
+                  <a:srgbClr val="171717"/>
+                </a:solidFill>
+                <a:effectLst/>
+                <a:latin typeface="Segoe UI" panose="020B0502040204020203" pitchFamily="34" charset="0"/>
+              </a:rPr>
+              <a:t>. Implement the user account types that enable your organization to satisfy their business requirements. Support directory-synchronized identity user accounts for users defined in Windows Server Active Directory. Support cloud identities for users defined in your internal Azure AD structure or for user defined in an external Azure AD instance.</a:t>
+            </a:r>
+          </a:p>
+          <a:p>
+            <a:endParaRPr lang="en-GB" dirty="0"/>
           </a:p>
         </p:txBody>
       </p:sp>
@@ -2369,7 +2487,7 @@
             <a:spLocks noGrp="1"/>
           </p:cNvSpPr>
           <p:nvPr>
-            <p:ph type="hdr" sz="quarter" idx="10"/>
+            <p:ph type="hdr" sz="quarter"/>
           </p:nvPr>
         </p:nvSpPr>
         <p:spPr/>
@@ -2388,7 +2506,7 @@
             <a:spLocks noGrp="1"/>
           </p:cNvSpPr>
           <p:nvPr>
-            <p:ph type="ftr" sz="quarter" idx="11"/>
+            <p:ph type="ftr" sz="quarter" idx="4"/>
           </p:nvPr>
         </p:nvSpPr>
         <p:spPr/>
@@ -2398,7 +2516,7 @@
           <a:p>
             <a:pPr defTabSz="914099" eaLnBrk="0" hangingPunct="0"/>
             <a:r>
-              <a:rPr lang="en-US" sz="400" dirty="0">
+              <a:rPr lang="en-US" sz="400">
                 <a:gradFill>
                   <a:gsLst>
                     <a:gs pos="0">
@@ -2414,19 +2532,35 @@
                 <a:ea typeface="Segoe UI" pitchFamily="34" charset="0"/>
                 <a:cs typeface="Segoe UI" pitchFamily="34" charset="0"/>
               </a:rPr>
-              <a:t>© Microsoft Corporation. All rights reserved. MICROSOFT MAKES NO WARRANTIES, EXPRESS, IMPLIED OR STATUTORY, AS TO THE INFORMATION IN THIS PRESENTATION.</a:t>
+              <a:t>© Microsoft Corporation</a:t>
             </a:r>
+            <a:endParaRPr lang="en-US" sz="400" dirty="0">
+              <a:gradFill>
+                <a:gsLst>
+                  <a:gs pos="0">
+                    <a:prstClr val="black"/>
+                  </a:gs>
+                  <a:gs pos="100000">
+                    <a:prstClr val="black"/>
+                  </a:gs>
+                </a:gsLst>
+                <a:lin ang="5400000" scaled="0"/>
+              </a:gradFill>
+              <a:latin typeface="Segoe UI" pitchFamily="34" charset="0"/>
+              <a:ea typeface="Segoe UI" pitchFamily="34" charset="0"/>
+              <a:cs typeface="Segoe UI" pitchFamily="34" charset="0"/>
+            </a:endParaRPr>
           </a:p>
         </p:txBody>
       </p:sp>
       <p:sp>
         <p:nvSpPr>
-          <p:cNvPr id="6" name="Date Placeholder 5"/>
+          <p:cNvPr id="6" name="Slide Number Placeholder 5"/>
           <p:cNvSpPr>
             <a:spLocks noGrp="1"/>
           </p:cNvSpPr>
           <p:nvPr>
-            <p:ph type="dt" idx="12"/>
+            <p:ph type="sldNum" sz="quarter" idx="5"/>
           </p:nvPr>
         </p:nvSpPr>
         <p:spPr/>
@@ -2434,33 +2568,10 @@
           <a:bodyPr/>
           <a:lstStyle/>
           <a:p>
-            <a:fld id="{9427A7F7-BB1E-479D-AFAA-B52F4D0C99F2}" type="datetime8">
-              <a:rPr lang="en-US" smtClean="0"/>
-              <a:t>12/11/2022 4:39 PM</a:t>
-            </a:fld>
-            <a:endParaRPr lang="en-US" dirty="0"/>
-          </a:p>
-        </p:txBody>
-      </p:sp>
-      <p:sp>
-        <p:nvSpPr>
-          <p:cNvPr id="7" name="Slide Number Placeholder 6"/>
-          <p:cNvSpPr>
-            <a:spLocks noGrp="1"/>
-          </p:cNvSpPr>
-          <p:nvPr>
-            <p:ph type="sldNum" sz="quarter" idx="13"/>
-          </p:nvPr>
-        </p:nvSpPr>
-        <p:spPr/>
-        <p:txBody>
-          <a:bodyPr/>
-          <a:lstStyle/>
-          <a:p>
             <a:fld id="{B4008EB6-D09E-4580-8CD6-DDB14511944F}" type="slidenum">
               <a:rPr lang="en-US" smtClean="0"/>
               <a:pPr/>
-              <a:t>25</a:t>
+              <a:t>26</a:t>
             </a:fld>
             <a:endParaRPr lang="en-US" dirty="0"/>
           </a:p>
@@ -2469,7 +2580,7 @@
     </p:spTree>
     <p:extLst>
       <p:ext uri="{BB962C8B-B14F-4D97-AF65-F5344CB8AC3E}">
-        <p14:creationId xmlns:p14="http://schemas.microsoft.com/office/powerpoint/2010/main" val="4103861555"/>
+        <p14:creationId xmlns:p14="http://schemas.microsoft.com/office/powerpoint/2010/main" val="3992271790"/>
       </p:ext>
     </p:extLst>
   </p:cSld>
@@ -2523,105 +2634,37 @@
           <a:bodyPr/>
           <a:lstStyle/>
           <a:p>
-            <a:pPr algn="l">
-              <a:buFont typeface="Arial" panose="020B0604020202020204" pitchFamily="34" charset="0"/>
-              <a:buChar char="•"/>
+            <a:pPr marL="0" marR="0" lvl="0" indent="0" algn="l" defTabSz="932742" rtl="0" eaLnBrk="1" fontAlgn="auto" latinLnBrk="0" hangingPunct="1">
+              <a:lnSpc>
+                <a:spcPct val="90000"/>
+              </a:lnSpc>
+              <a:spcBef>
+                <a:spcPts val="0"/>
+              </a:spcBef>
+              <a:spcAft>
+                <a:spcPts val="340"/>
+              </a:spcAft>
+              <a:buClrTx/>
+              <a:buSzTx/>
+              <a:buFontTx/>
+              <a:buNone/>
+              <a:tabLst/>
+              <a:defRPr/>
             </a:pPr>
             <a:r>
-              <a:rPr lang="en-GB" b="1" i="0" dirty="0">
+              <a:rPr lang="en-US" sz="900" kern="1200" dirty="0">
                 <a:solidFill>
-                  <a:srgbClr val="171717"/>
+                  <a:schemeClr val="tx1"/>
                 </a:solidFill>
                 <a:effectLst/>
-                <a:latin typeface="Segoe UI" panose="020B0502040204020203" pitchFamily="34" charset="0"/>
+                <a:ea typeface="+mn-ea"/>
+                <a:cs typeface="+mn-cs"/>
               </a:rPr>
-              <a:t>Consider where users are defined</a:t>
+              <a:t>Add or delete users using Azure Active Directory - https://docs.microsoft.com/azure/active-directory/fundamentals/add-users-azure-active-directory</a:t>
             </a:r>
-            <a:r>
-              <a:rPr lang="en-GB" b="0" i="0" dirty="0">
-                <a:solidFill>
-                  <a:srgbClr val="171717"/>
-                </a:solidFill>
-                <a:effectLst/>
-                <a:latin typeface="Segoe UI" panose="020B0502040204020203" pitchFamily="34" charset="0"/>
-              </a:rPr>
-              <a:t>. Determine where your users are defined. Are all your users defined within your Azure AD organization, or are some users defined in external Azure AD instances? Do you have users who are external to your organization? It's common for businesses to support two or more account types in their infrastructure.</a:t>
-            </a:r>
-          </a:p>
-          <a:p>
-            <a:pPr algn="l">
-              <a:buFont typeface="Arial" panose="020B0604020202020204" pitchFamily="34" charset="0"/>
-              <a:buChar char="•"/>
-            </a:pPr>
-            <a:r>
-              <a:rPr lang="en-GB" b="1" i="0" dirty="0">
-                <a:solidFill>
-                  <a:srgbClr val="171717"/>
-                </a:solidFill>
-                <a:effectLst/>
-                <a:latin typeface="Segoe UI" panose="020B0502040204020203" pitchFamily="34" charset="0"/>
-              </a:rPr>
-              <a:t>Consider support for external contributors</a:t>
-            </a:r>
-            <a:r>
-              <a:rPr lang="en-GB" b="0" i="0" dirty="0">
-                <a:solidFill>
-                  <a:srgbClr val="171717"/>
-                </a:solidFill>
-                <a:effectLst/>
-                <a:latin typeface="Segoe UI" panose="020B0502040204020203" pitchFamily="34" charset="0"/>
-              </a:rPr>
-              <a:t>. Allow external contributors to access Azure resources in your organization by supporting the </a:t>
-            </a:r>
-            <a:r>
-              <a:rPr lang="en-GB" b="1" i="0" dirty="0">
-                <a:solidFill>
-                  <a:srgbClr val="171717"/>
-                </a:solidFill>
-                <a:effectLst/>
-                <a:latin typeface="Segoe UI" panose="020B0502040204020203" pitchFamily="34" charset="0"/>
-              </a:rPr>
-              <a:t>Guest user</a:t>
-            </a:r>
-            <a:r>
-              <a:rPr lang="en-GB" b="0" i="0" dirty="0">
-                <a:solidFill>
-                  <a:srgbClr val="171717"/>
-                </a:solidFill>
-                <a:effectLst/>
-                <a:latin typeface="Segoe UI" panose="020B0502040204020203" pitchFamily="34" charset="0"/>
-              </a:rPr>
-              <a:t> account type. When the external contributor no longer requires access, you can remove the user account and their access privileges.</a:t>
-            </a:r>
-          </a:p>
-          <a:p>
-            <a:pPr algn="l">
-              <a:buFont typeface="Arial" panose="020B0604020202020204" pitchFamily="34" charset="0"/>
-              <a:buChar char="•"/>
-            </a:pPr>
-            <a:r>
-              <a:rPr lang="en-GB" b="1" i="0" dirty="0">
-                <a:solidFill>
-                  <a:srgbClr val="171717"/>
-                </a:solidFill>
-                <a:effectLst/>
-                <a:latin typeface="Segoe UI" panose="020B0502040204020203" pitchFamily="34" charset="0"/>
-              </a:rPr>
-              <a:t>Consider a combination of user accounts</a:t>
-            </a:r>
-            <a:r>
-              <a:rPr lang="en-GB" b="0" i="0" dirty="0">
-                <a:solidFill>
-                  <a:srgbClr val="171717"/>
-                </a:solidFill>
-                <a:effectLst/>
-                <a:latin typeface="Segoe UI" panose="020B0502040204020203" pitchFamily="34" charset="0"/>
-              </a:rPr>
-              <a:t>. Implement the user account types that enable your organization to satisfy their business requirements. Support directory-synchronized identity user accounts for users defined in Windows Server Active Directory. Support cloud identities for users defined in your internal Azure AD structure or for user defined in an external Azure AD instance.</a:t>
-            </a:r>
-          </a:p>
-          <a:p>
-            <a:endParaRPr lang="en-GB" dirty="0"/>
+          </a:p>
+          <a:p>
+            <a:endParaRPr lang="en-US" dirty="0"/>
           </a:p>
         </p:txBody>
       </p:sp>
@@ -2632,7 +2675,7 @@
             <a:spLocks noGrp="1"/>
           </p:cNvSpPr>
           <p:nvPr>
-            <p:ph type="hdr" sz="quarter"/>
+            <p:ph type="hdr" sz="quarter" idx="10"/>
           </p:nvPr>
         </p:nvSpPr>
         <p:spPr/>
@@ -2651,7 +2694,7 @@
             <a:spLocks noGrp="1"/>
           </p:cNvSpPr>
           <p:nvPr>
-            <p:ph type="ftr" sz="quarter" idx="4"/>
+            <p:ph type="ftr" sz="quarter" idx="11"/>
           </p:nvPr>
         </p:nvSpPr>
         <p:spPr/>
@@ -2661,7 +2704,7 @@
           <a:p>
             <a:pPr defTabSz="914099" eaLnBrk="0" hangingPunct="0"/>
             <a:r>
-              <a:rPr lang="en-US" sz="400">
+              <a:rPr lang="en-US" sz="400" dirty="0">
                 <a:gradFill>
                   <a:gsLst>
                     <a:gs pos="0">
@@ -2677,35 +2720,19 @@
                 <a:ea typeface="Segoe UI" pitchFamily="34" charset="0"/>
                 <a:cs typeface="Segoe UI" pitchFamily="34" charset="0"/>
               </a:rPr>
-              <a:t>© Microsoft Corporation</a:t>
+              <a:t>© Microsoft Corporation. All rights reserved. MICROSOFT MAKES NO WARRANTIES, EXPRESS, IMPLIED OR STATUTORY, AS TO THE INFORMATION IN THIS PRESENTATION.</a:t>
             </a:r>
-            <a:endParaRPr lang="en-US" sz="400" dirty="0">
-              <a:gradFill>
-                <a:gsLst>
-                  <a:gs pos="0">
-                    <a:prstClr val="black"/>
-                  </a:gs>
-                  <a:gs pos="100000">
-                    <a:prstClr val="black"/>
-                  </a:gs>
-                </a:gsLst>
-                <a:lin ang="5400000" scaled="0"/>
-              </a:gradFill>
-              <a:latin typeface="Segoe UI" pitchFamily="34" charset="0"/>
-              <a:ea typeface="Segoe UI" pitchFamily="34" charset="0"/>
-              <a:cs typeface="Segoe UI" pitchFamily="34" charset="0"/>
-            </a:endParaRPr>
           </a:p>
         </p:txBody>
       </p:sp>
       <p:sp>
         <p:nvSpPr>
-          <p:cNvPr id="6" name="Slide Number Placeholder 5"/>
+          <p:cNvPr id="6" name="Date Placeholder 5"/>
           <p:cNvSpPr>
             <a:spLocks noGrp="1"/>
           </p:cNvSpPr>
           <p:nvPr>
-            <p:ph type="sldNum" sz="quarter" idx="5"/>
+            <p:ph type="dt" idx="12"/>
           </p:nvPr>
         </p:nvSpPr>
         <p:spPr/>
@@ -2713,10 +2740,33 @@
           <a:bodyPr/>
           <a:lstStyle/>
           <a:p>
+            <a:fld id="{72E0C910-0166-48E0-B8EF-5071277A02A8}" type="datetime8">
+              <a:rPr lang="en-US" smtClean="0"/>
+              <a:t>12/12/2022 6:45 AM</a:t>
+            </a:fld>
+            <a:endParaRPr lang="en-US" dirty="0"/>
+          </a:p>
+        </p:txBody>
+      </p:sp>
+      <p:sp>
+        <p:nvSpPr>
+          <p:cNvPr id="7" name="Slide Number Placeholder 6"/>
+          <p:cNvSpPr>
+            <a:spLocks noGrp="1"/>
+          </p:cNvSpPr>
+          <p:nvPr>
+            <p:ph type="sldNum" sz="quarter" idx="13"/>
+          </p:nvPr>
+        </p:nvSpPr>
+        <p:spPr/>
+        <p:txBody>
+          <a:bodyPr/>
+          <a:lstStyle/>
+          <a:p>
             <a:fld id="{B4008EB6-D09E-4580-8CD6-DDB14511944F}" type="slidenum">
               <a:rPr lang="en-US" smtClean="0"/>
               <a:pPr/>
-              <a:t>26</a:t>
+              <a:t>27</a:t>
             </a:fld>
             <a:endParaRPr lang="en-US" dirty="0"/>
           </a:p>
@@ -2725,7 +2775,7 @@
     </p:spTree>
     <p:extLst>
       <p:ext uri="{BB962C8B-B14F-4D97-AF65-F5344CB8AC3E}">
-        <p14:creationId xmlns:p14="http://schemas.microsoft.com/office/powerpoint/2010/main" val="3992271790"/>
+        <p14:creationId xmlns:p14="http://schemas.microsoft.com/office/powerpoint/2010/main" val="2700262596"/>
       </p:ext>
     </p:extLst>
   </p:cSld>
@@ -2779,7 +2829,7 @@
           <a:bodyPr/>
           <a:lstStyle/>
           <a:p>
-            <a:pPr marL="0" marR="0" lvl="0" indent="0" algn="l" defTabSz="932742" rtl="0" eaLnBrk="1" fontAlgn="auto" latinLnBrk="0" hangingPunct="1">
+            <a:pPr marL="0" marR="0" lvl="0" indent="0" algn="l" defTabSz="914367" rtl="0" eaLnBrk="1" fontAlgn="auto" latinLnBrk="0" hangingPunct="1">
               <a:lnSpc>
                 <a:spcPct val="90000"/>
               </a:lnSpc>
@@ -2787,7 +2837,7 @@
                 <a:spcPts val="0"/>
               </a:spcBef>
               <a:spcAft>
-                <a:spcPts val="340"/>
+                <a:spcPts val="333"/>
               </a:spcAft>
               <a:buClrTx/>
               <a:buSzTx/>
@@ -2797,7 +2847,7 @@
               <a:defRPr/>
             </a:pPr>
             <a:r>
-              <a:rPr lang="en-US" sz="900" kern="1200" dirty="0">
+              <a:rPr lang="en-US" sz="800" kern="1200" dirty="0">
                 <a:solidFill>
                   <a:schemeClr val="tx1"/>
                 </a:solidFill>
@@ -2805,8 +2855,164 @@
                 <a:ea typeface="+mn-ea"/>
                 <a:cs typeface="+mn-cs"/>
               </a:rPr>
-              <a:t>Add or delete users using Azure Active Directory - https://docs.microsoft.com/azure/active-directory/fundamentals/add-users-azure-active-directory</a:t>
+              <a:t>The latest JTA (Jan 2022) now states, Perform bulk updates. Previously this was just bulk user accounts. </a:t>
             </a:r>
+          </a:p>
+          <a:p>
+            <a:pPr marL="0" marR="0" lvl="0" indent="0" algn="l" defTabSz="914367" rtl="0" eaLnBrk="1" fontAlgn="auto" latinLnBrk="0" hangingPunct="1">
+              <a:lnSpc>
+                <a:spcPct val="90000"/>
+              </a:lnSpc>
+              <a:spcBef>
+                <a:spcPts val="0"/>
+              </a:spcBef>
+              <a:spcAft>
+                <a:spcPts val="333"/>
+              </a:spcAft>
+              <a:buClrTx/>
+              <a:buSzTx/>
+              <a:buFontTx/>
+              <a:buNone/>
+              <a:tabLst/>
+              <a:defRPr/>
+            </a:pPr>
+            <a:endParaRPr lang="en-US" sz="800" kern="1200" dirty="0">
+              <a:solidFill>
+                <a:schemeClr val="tx1"/>
+              </a:solidFill>
+              <a:effectLst/>
+              <a:ea typeface="+mn-ea"/>
+              <a:cs typeface="+mn-cs"/>
+            </a:endParaRPr>
+          </a:p>
+          <a:p>
+            <a:pPr marL="0" marR="0" lvl="0" indent="0" algn="l" defTabSz="914367" rtl="0" eaLnBrk="1" fontAlgn="auto" latinLnBrk="0" hangingPunct="1">
+              <a:lnSpc>
+                <a:spcPct val="90000"/>
+              </a:lnSpc>
+              <a:spcBef>
+                <a:spcPts val="0"/>
+              </a:spcBef>
+              <a:spcAft>
+                <a:spcPts val="333"/>
+              </a:spcAft>
+              <a:buClrTx/>
+              <a:buSzTx/>
+              <a:buFontTx/>
+              <a:buNone/>
+              <a:tabLst/>
+              <a:defRPr/>
+            </a:pPr>
+            <a:r>
+              <a:rPr lang="en-US" sz="800" kern="1200" dirty="0">
+                <a:solidFill>
+                  <a:schemeClr val="tx1"/>
+                </a:solidFill>
+                <a:effectLst/>
+                <a:ea typeface="+mn-ea"/>
+                <a:cs typeface="+mn-cs"/>
+              </a:rPr>
+              <a:t>Bulk create users in Azure Active Directory - </a:t>
+            </a:r>
+            <a:r>
+              <a:rPr lang="en-US" sz="1600" dirty="0"/>
+              <a:t>https://docs.microsoft.com/azure/active-directory/users-groups-roles/users-bulk-add</a:t>
+            </a:r>
+          </a:p>
+          <a:p>
+            <a:pPr marL="0" marR="0" lvl="0" indent="0" algn="l" defTabSz="914367" rtl="0" eaLnBrk="1" fontAlgn="auto" latinLnBrk="0" hangingPunct="1">
+              <a:lnSpc>
+                <a:spcPct val="90000"/>
+              </a:lnSpc>
+              <a:spcBef>
+                <a:spcPts val="0"/>
+              </a:spcBef>
+              <a:spcAft>
+                <a:spcPts val="333"/>
+              </a:spcAft>
+              <a:buClrTx/>
+              <a:buSzTx/>
+              <a:buFontTx/>
+              <a:buNone/>
+              <a:tabLst/>
+              <a:defRPr/>
+            </a:pPr>
+            <a:r>
+              <a:rPr lang="en-US" sz="1600" dirty="0"/>
+              <a:t>Bulk add group members in Azure Active Directory - https://docs.microsoft.com/azure/active-directory/enterprise-users/groups-bulk-import-members</a:t>
+            </a:r>
+          </a:p>
+          <a:p>
+            <a:pPr marL="0" marR="0" lvl="0" indent="0" algn="l" defTabSz="914367" rtl="0" eaLnBrk="1" fontAlgn="auto" latinLnBrk="0" hangingPunct="1">
+              <a:lnSpc>
+                <a:spcPct val="90000"/>
+              </a:lnSpc>
+              <a:spcBef>
+                <a:spcPts val="0"/>
+              </a:spcBef>
+              <a:spcAft>
+                <a:spcPts val="333"/>
+              </a:spcAft>
+              <a:buClrTx/>
+              <a:buSzTx/>
+              <a:buFontTx/>
+              <a:buNone/>
+              <a:tabLst/>
+              <a:defRPr/>
+            </a:pPr>
+            <a:endParaRPr lang="en-US" sz="800" kern="1200" dirty="0">
+              <a:solidFill>
+                <a:schemeClr val="tx1"/>
+              </a:solidFill>
+              <a:effectLst/>
+              <a:ea typeface="+mn-ea"/>
+              <a:cs typeface="+mn-cs"/>
+            </a:endParaRPr>
+          </a:p>
+          <a:p>
+            <a:pPr marL="0" marR="0" lvl="0" indent="0" algn="l" defTabSz="914367" rtl="0" eaLnBrk="1" fontAlgn="auto" latinLnBrk="0" hangingPunct="1">
+              <a:lnSpc>
+                <a:spcPct val="90000"/>
+              </a:lnSpc>
+              <a:spcBef>
+                <a:spcPts val="0"/>
+              </a:spcBef>
+              <a:spcAft>
+                <a:spcPts val="333"/>
+              </a:spcAft>
+              <a:buClrTx/>
+              <a:buSzTx/>
+              <a:buFontTx/>
+              <a:buNone/>
+              <a:tabLst/>
+              <a:defRPr/>
+            </a:pPr>
+            <a:r>
+              <a:rPr lang="en-US" sz="800" kern="1200" dirty="0">
+                <a:solidFill>
+                  <a:schemeClr val="tx1"/>
+                </a:solidFill>
+                <a:effectLst/>
+                <a:ea typeface="+mn-ea"/>
+                <a:cs typeface="+mn-cs"/>
+              </a:rPr>
+              <a:t>✔️ Establish or implement a naming convention for usernames, display names and aliases. </a:t>
+            </a:r>
+            <a:r>
+              <a:rPr lang="en-US" sz="800" dirty="0"/>
+              <a:t>The password for the new users needs to conform to the password complexity rules you have set for your directory. User parameters include User Principal Name, Display Name, Given Name, Department, and Job Title.</a:t>
+            </a:r>
+          </a:p>
+          <a:p>
+            <a:endParaRPr lang="it-IT" sz="1100" b="0" i="0" u="none" strike="noStrike" kern="1200" dirty="0">
+              <a:solidFill>
+                <a:schemeClr val="tx1"/>
+              </a:solidFill>
+              <a:effectLst/>
+              <a:latin typeface="Segoe UI" panose="020B0502040204020203" pitchFamily="34" charset="0"/>
+              <a:ea typeface="+mn-ea"/>
+              <a:cs typeface="+mn-cs"/>
+            </a:endParaRPr>
           </a:p>
           <a:p>
             <a:endParaRPr lang="en-US" dirty="0"/>
@@ -2885,9 +3091,9 @@
           <a:bodyPr/>
           <a:lstStyle/>
           <a:p>
-            <a:fld id="{72E0C910-0166-48E0-B8EF-5071277A02A8}" type="datetime8">
+            <a:fld id="{9427A7F7-BB1E-479D-AFAA-B52F4D0C99F2}" type="datetime8">
               <a:rPr lang="en-US" smtClean="0"/>
-              <a:t>12/11/2022 4:39 PM</a:t>
+              <a:t>12/12/2022 6:45 AM</a:t>
             </a:fld>
             <a:endParaRPr lang="en-US" dirty="0"/>
           </a:p>
@@ -2911,7 +3117,7 @@
             <a:fld id="{B4008EB6-D09E-4580-8CD6-DDB14511944F}" type="slidenum">
               <a:rPr lang="en-US" smtClean="0"/>
               <a:pPr/>
-              <a:t>27</a:t>
+              <a:t>28</a:t>
             </a:fld>
             <a:endParaRPr lang="en-US" dirty="0"/>
           </a:p>
@@ -2920,7 +3126,7 @@
     </p:spTree>
     <p:extLst>
       <p:ext uri="{BB962C8B-B14F-4D97-AF65-F5344CB8AC3E}">
-        <p14:creationId xmlns:p14="http://schemas.microsoft.com/office/powerpoint/2010/main" val="2700262596"/>
+        <p14:creationId xmlns:p14="http://schemas.microsoft.com/office/powerpoint/2010/main" val="396863414"/>
       </p:ext>
     </p:extLst>
   </p:cSld>
@@ -2974,25 +3180,8 @@
           <a:bodyPr/>
           <a:lstStyle/>
           <a:p>
-            <a:pPr marL="0" marR="0" lvl="0" indent="0" algn="l" defTabSz="914367" rtl="0" eaLnBrk="1" fontAlgn="auto" latinLnBrk="0" hangingPunct="1">
-              <a:lnSpc>
-                <a:spcPct val="90000"/>
-              </a:lnSpc>
-              <a:spcBef>
-                <a:spcPts val="0"/>
-              </a:spcBef>
-              <a:spcAft>
-                <a:spcPts val="333"/>
-              </a:spcAft>
-              <a:buClrTx/>
-              <a:buSzTx/>
-              <a:buFontTx/>
-              <a:buNone/>
-              <a:tabLst/>
-              <a:defRPr/>
-            </a:pPr>
             <a:r>
-              <a:rPr lang="en-US" sz="800" kern="1200" dirty="0">
+              <a:rPr lang="en-US" sz="882" kern="1200" dirty="0">
                 <a:solidFill>
                   <a:schemeClr val="tx1"/>
                 </a:solidFill>
@@ -3000,28 +3189,11 @@
                 <a:ea typeface="+mn-ea"/>
                 <a:cs typeface="+mn-cs"/>
               </a:rPr>
-              <a:t>The latest JTA (Jan 2022) now states, Perform bulk updates. Previously this was just bulk user accounts. </a:t>
+              <a:t>Manage app and resource access using Azure Active Directory groups – https://docs.microsoft.com/azure/active-directory/fundamentals/active-directory-manage-groups</a:t>
             </a:r>
           </a:p>
           <a:p>
-            <a:pPr marL="0" marR="0" lvl="0" indent="0" algn="l" defTabSz="914367" rtl="0" eaLnBrk="1" fontAlgn="auto" latinLnBrk="0" hangingPunct="1">
-              <a:lnSpc>
-                <a:spcPct val="90000"/>
-              </a:lnSpc>
-              <a:spcBef>
-                <a:spcPts val="0"/>
-              </a:spcBef>
-              <a:spcAft>
-                <a:spcPts val="333"/>
-              </a:spcAft>
-              <a:buClrTx/>
-              <a:buSzTx/>
-              <a:buFontTx/>
-              <a:buNone/>
-              <a:tabLst/>
-              <a:defRPr/>
-            </a:pPr>
-            <a:endParaRPr lang="en-US" sz="800" kern="1200" dirty="0">
+            <a:endParaRPr lang="en-US" sz="882" kern="1200" dirty="0">
               <a:solidFill>
                 <a:schemeClr val="tx1"/>
               </a:solidFill>
@@ -3031,25 +3203,8 @@
             </a:endParaRPr>
           </a:p>
           <a:p>
-            <a:pPr marL="0" marR="0" lvl="0" indent="0" algn="l" defTabSz="914367" rtl="0" eaLnBrk="1" fontAlgn="auto" latinLnBrk="0" hangingPunct="1">
-              <a:lnSpc>
-                <a:spcPct val="90000"/>
-              </a:lnSpc>
-              <a:spcBef>
-                <a:spcPts val="0"/>
-              </a:spcBef>
-              <a:spcAft>
-                <a:spcPts val="333"/>
-              </a:spcAft>
-              <a:buClrTx/>
-              <a:buSzTx/>
-              <a:buFontTx/>
-              <a:buNone/>
-              <a:tabLst/>
-              <a:defRPr/>
-            </a:pPr>
             <a:r>
-              <a:rPr lang="en-US" sz="800" kern="1200" dirty="0">
+              <a:rPr lang="en-US" sz="882" kern="1200" dirty="0">
                 <a:solidFill>
                   <a:schemeClr val="tx1"/>
                 </a:solidFill>
@@ -3057,55 +3212,11 @@
                 <a:ea typeface="+mn-ea"/>
                 <a:cs typeface="+mn-cs"/>
               </a:rPr>
-              <a:t>Bulk create users in Azure Active Directory - </a:t>
+              <a:t>Quickstart: View your organization's groups and members in Azure Active Directory - https://docs.microsoft.com/azure/active-directory/fundamentals/active-directory-groups-view-azure-portal</a:t>
             </a:r>
-            <a:r>
-              <a:rPr lang="en-US" sz="1600" dirty="0"/>
-              <a:t>https://docs.microsoft.com/azure/active-directory/users-groups-roles/users-bulk-add</a:t>
-            </a:r>
-          </a:p>
-          <a:p>
-            <a:pPr marL="0" marR="0" lvl="0" indent="0" algn="l" defTabSz="914367" rtl="0" eaLnBrk="1" fontAlgn="auto" latinLnBrk="0" hangingPunct="1">
-              <a:lnSpc>
-                <a:spcPct val="90000"/>
-              </a:lnSpc>
-              <a:spcBef>
-                <a:spcPts val="0"/>
-              </a:spcBef>
-              <a:spcAft>
-                <a:spcPts val="333"/>
-              </a:spcAft>
-              <a:buClrTx/>
-              <a:buSzTx/>
-              <a:buFontTx/>
-              <a:buNone/>
-              <a:tabLst/>
-              <a:defRPr/>
-            </a:pPr>
-            <a:r>
-              <a:rPr lang="en-US" sz="1600" dirty="0"/>
-              <a:t>Bulk add group members in Azure Active Directory - https://docs.microsoft.com/azure/active-directory/enterprise-users/groups-bulk-import-members</a:t>
-            </a:r>
-          </a:p>
-          <a:p>
-            <a:pPr marL="0" marR="0" lvl="0" indent="0" algn="l" defTabSz="914367" rtl="0" eaLnBrk="1" fontAlgn="auto" latinLnBrk="0" hangingPunct="1">
-              <a:lnSpc>
-                <a:spcPct val="90000"/>
-              </a:lnSpc>
-              <a:spcBef>
-                <a:spcPts val="0"/>
-              </a:spcBef>
-              <a:spcAft>
-                <a:spcPts val="333"/>
-              </a:spcAft>
-              <a:buClrTx/>
-              <a:buSzTx/>
-              <a:buFontTx/>
-              <a:buNone/>
-              <a:tabLst/>
-              <a:defRPr/>
-            </a:pPr>
-            <a:endParaRPr lang="en-US" sz="800" kern="1200" dirty="0">
+          </a:p>
+          <a:p>
+            <a:endParaRPr lang="en-US" sz="882" kern="1200" dirty="0">
               <a:solidFill>
                 <a:schemeClr val="tx1"/>
               </a:solidFill>
@@ -3115,25 +3226,8 @@
             </a:endParaRPr>
           </a:p>
           <a:p>
-            <a:pPr marL="0" marR="0" lvl="0" indent="0" algn="l" defTabSz="914367" rtl="0" eaLnBrk="1" fontAlgn="auto" latinLnBrk="0" hangingPunct="1">
-              <a:lnSpc>
-                <a:spcPct val="90000"/>
-              </a:lnSpc>
-              <a:spcBef>
-                <a:spcPts val="0"/>
-              </a:spcBef>
-              <a:spcAft>
-                <a:spcPts val="333"/>
-              </a:spcAft>
-              <a:buClrTx/>
-              <a:buSzTx/>
-              <a:buFontTx/>
-              <a:buNone/>
-              <a:tabLst/>
-              <a:defRPr/>
-            </a:pPr>
             <a:r>
-              <a:rPr lang="en-US" sz="800" kern="1200" dirty="0">
+              <a:rPr lang="en-US" sz="882" kern="1200" dirty="0">
                 <a:solidFill>
                   <a:schemeClr val="tx1"/>
                 </a:solidFill>
@@ -3141,20 +3235,15 @@
                 <a:ea typeface="+mn-ea"/>
                 <a:cs typeface="+mn-cs"/>
               </a:rPr>
-              <a:t>✔️ Establish or implement a naming convention for usernames, display names and aliases. </a:t>
+              <a:t>✔️ Have you given any thought to which groups you need to create? How will you assign users to groups?</a:t>
             </a:r>
-            <a:r>
-              <a:rPr lang="en-US" sz="800" dirty="0"/>
-              <a:t>The password for the new users needs to conform to the password complexity rules you have set for your directory. User parameters include User Principal Name, Display Name, Given Name, Department, and Job Title.</a:t>
-            </a:r>
-          </a:p>
-          <a:p>
-            <a:endParaRPr lang="it-IT" sz="1100" b="0" i="0" u="none" strike="noStrike" kern="1200" dirty="0">
+          </a:p>
+          <a:p>
+            <a:endParaRPr lang="en-US" sz="882" kern="1200" dirty="0">
               <a:solidFill>
                 <a:schemeClr val="tx1"/>
               </a:solidFill>
               <a:effectLst/>
-              <a:latin typeface="Segoe UI" panose="020B0502040204020203" pitchFamily="34" charset="0"/>
               <a:ea typeface="+mn-ea"/>
               <a:cs typeface="+mn-cs"/>
             </a:endParaRPr>
@@ -3236,9 +3325,9 @@
           <a:bodyPr/>
           <a:lstStyle/>
           <a:p>
-            <a:fld id="{9427A7F7-BB1E-479D-AFAA-B52F4D0C99F2}" type="datetime8">
+            <a:fld id="{72E0C910-0166-48E0-B8EF-5071277A02A8}" type="datetime8">
               <a:rPr lang="en-US" smtClean="0"/>
-              <a:t>12/11/2022 4:39 PM</a:t>
+              <a:t>12/12/2022 6:45 AM</a:t>
             </a:fld>
             <a:endParaRPr lang="en-US" dirty="0"/>
           </a:p>
@@ -3262,7 +3351,7 @@
             <a:fld id="{B4008EB6-D09E-4580-8CD6-DDB14511944F}" type="slidenum">
               <a:rPr lang="en-US" smtClean="0"/>
               <a:pPr/>
-              <a:t>28</a:t>
+              <a:t>29</a:t>
             </a:fld>
             <a:endParaRPr lang="en-US" dirty="0"/>
           </a:p>
@@ -3271,7 +3360,7 @@
     </p:spTree>
     <p:extLst>
       <p:ext uri="{BB962C8B-B14F-4D97-AF65-F5344CB8AC3E}">
-        <p14:creationId xmlns:p14="http://schemas.microsoft.com/office/powerpoint/2010/main" val="396863414"/>
+        <p14:creationId xmlns:p14="http://schemas.microsoft.com/office/powerpoint/2010/main" val="2723251226"/>
       </p:ext>
     </p:extLst>
   </p:cSld>
@@ -3326,75 +3415,24 @@
           <a:lstStyle/>
           <a:p>
             <a:r>
-              <a:rPr lang="en-US" sz="882" kern="1200" dirty="0">
-                <a:solidFill>
-                  <a:schemeClr val="tx1"/>
-                </a:solidFill>
-                <a:effectLst/>
-                <a:ea typeface="+mn-ea"/>
-                <a:cs typeface="+mn-cs"/>
-              </a:rPr>
-              <a:t>Manage app and resource access using Azure Active Directory groups – https://docs.microsoft.com/azure/active-directory/fundamentals/active-directory-manage-groups</a:t>
+              <a:rPr lang="en-US" dirty="0"/>
+              <a:t>Assign or remove licenses in the Azure Active Directory portal -  https://docs.microsoft.com/azure/active-directory/fundamentals/license-users-groups</a:t>
             </a:r>
           </a:p>
           <a:p>
-            <a:endParaRPr lang="en-US" sz="882" kern="1200" dirty="0">
-              <a:solidFill>
-                <a:schemeClr val="tx1"/>
-              </a:solidFill>
-              <a:effectLst/>
-              <a:ea typeface="+mn-ea"/>
-              <a:cs typeface="+mn-cs"/>
-            </a:endParaRPr>
-          </a:p>
-          <a:p>
             <a:r>
-              <a:rPr lang="en-US" sz="882" kern="1200" dirty="0">
-                <a:solidFill>
-                  <a:schemeClr val="tx1"/>
-                </a:solidFill>
-                <a:effectLst/>
-                <a:ea typeface="+mn-ea"/>
-                <a:cs typeface="+mn-cs"/>
-              </a:rPr>
-              <a:t>Quickstart: View your organization's groups and members in Azure Active Directory - https://docs.microsoft.com/azure/active-directory/fundamentals/active-directory-groups-view-azure-portal</a:t>
+              <a:rPr lang="en-US" dirty="0"/>
+              <a:t>Choose the best license for your business -  https://www.microsoft.com/security/business/identity-access-management/azure-ad-pricing?rtc=1#office-SKUChooser-q6q98uk</a:t>
             </a:r>
           </a:p>
           <a:p>
-            <a:endParaRPr lang="en-US" sz="882" kern="1200" dirty="0">
-              <a:solidFill>
-                <a:schemeClr val="tx1"/>
-              </a:solidFill>
-              <a:effectLst/>
-              <a:ea typeface="+mn-ea"/>
-              <a:cs typeface="+mn-cs"/>
-            </a:endParaRPr>
+            <a:endParaRPr lang="en-US" dirty="0"/>
           </a:p>
           <a:p>
             <a:r>
-              <a:rPr lang="en-US" sz="882" kern="1200" dirty="0">
-                <a:solidFill>
-                  <a:schemeClr val="tx1"/>
-                </a:solidFill>
-                <a:effectLst/>
-                <a:ea typeface="+mn-ea"/>
-                <a:cs typeface="+mn-cs"/>
-              </a:rPr>
-              <a:t>✔️ Have you given any thought to which groups you need to create? How will you assign users to groups?</a:t>
+              <a:rPr lang="en-US" dirty="0"/>
+              <a:t>Take a minute to show in the Portal the basic licensing tasks. This topic is not in the student content. </a:t>
             </a:r>
-          </a:p>
-          <a:p>
-            <a:endParaRPr lang="en-US" sz="882" kern="1200" dirty="0">
-              <a:solidFill>
-                <a:schemeClr val="tx1"/>
-              </a:solidFill>
-              <a:effectLst/>
-              <a:ea typeface="+mn-ea"/>
-              <a:cs typeface="+mn-cs"/>
-            </a:endParaRPr>
-          </a:p>
-          <a:p>
-            <a:endParaRPr lang="en-US" dirty="0"/>
           </a:p>
         </p:txBody>
       </p:sp>
@@ -3405,7 +3443,7 @@
             <a:spLocks noGrp="1"/>
           </p:cNvSpPr>
           <p:nvPr>
-            <p:ph type="hdr" sz="quarter" idx="10"/>
+            <p:ph type="hdr" sz="quarter"/>
           </p:nvPr>
         </p:nvSpPr>
         <p:spPr/>
@@ -3424,7 +3462,7 @@
             <a:spLocks noGrp="1"/>
           </p:cNvSpPr>
           <p:nvPr>
-            <p:ph type="ftr" sz="quarter" idx="11"/>
+            <p:ph type="ftr" sz="quarter" idx="4"/>
           </p:nvPr>
         </p:nvSpPr>
         <p:spPr/>
@@ -3450,19 +3488,19 @@
                 <a:ea typeface="Segoe UI" pitchFamily="34" charset="0"/>
                 <a:cs typeface="Segoe UI" pitchFamily="34" charset="0"/>
               </a:rPr>
-              <a:t>© Microsoft Corporation. All rights reserved. MICROSOFT MAKES NO WARRANTIES, EXPRESS, IMPLIED OR STATUTORY, AS TO THE INFORMATION IN THIS PRESENTATION.</a:t>
+              <a:t>© Microsoft Corporation</a:t>
             </a:r>
           </a:p>
         </p:txBody>
       </p:sp>
       <p:sp>
         <p:nvSpPr>
-          <p:cNvPr id="6" name="Date Placeholder 5"/>
+          <p:cNvPr id="6" name="Slide Number Placeholder 5"/>
           <p:cNvSpPr>
             <a:spLocks noGrp="1"/>
           </p:cNvSpPr>
           <p:nvPr>
-            <p:ph type="dt" idx="12"/>
+            <p:ph type="sldNum" sz="quarter" idx="5"/>
           </p:nvPr>
         </p:nvSpPr>
         <p:spPr/>
@@ -3470,33 +3508,10 @@
           <a:bodyPr/>
           <a:lstStyle/>
           <a:p>
-            <a:fld id="{72E0C910-0166-48E0-B8EF-5071277A02A8}" type="datetime8">
-              <a:rPr lang="en-US" smtClean="0"/>
-              <a:t>12/11/2022 4:39 PM</a:t>
-            </a:fld>
-            <a:endParaRPr lang="en-US" dirty="0"/>
-          </a:p>
-        </p:txBody>
-      </p:sp>
-      <p:sp>
-        <p:nvSpPr>
-          <p:cNvPr id="7" name="Slide Number Placeholder 6"/>
-          <p:cNvSpPr>
-            <a:spLocks noGrp="1"/>
-          </p:cNvSpPr>
-          <p:nvPr>
-            <p:ph type="sldNum" sz="quarter" idx="13"/>
-          </p:nvPr>
-        </p:nvSpPr>
-        <p:spPr/>
-        <p:txBody>
-          <a:bodyPr/>
-          <a:lstStyle/>
-          <a:p>
             <a:fld id="{B4008EB6-D09E-4580-8CD6-DDB14511944F}" type="slidenum">
               <a:rPr lang="en-US" smtClean="0"/>
               <a:pPr/>
-              <a:t>29</a:t>
+              <a:t>31</a:t>
             </a:fld>
             <a:endParaRPr lang="en-US" dirty="0"/>
           </a:p>
@@ -3505,7 +3520,7 @@
     </p:spTree>
     <p:extLst>
       <p:ext uri="{BB962C8B-B14F-4D97-AF65-F5344CB8AC3E}">
-        <p14:creationId xmlns:p14="http://schemas.microsoft.com/office/powerpoint/2010/main" val="2723251226"/>
+        <p14:creationId xmlns:p14="http://schemas.microsoft.com/office/powerpoint/2010/main" val="3566862837"/>
       </p:ext>
     </p:extLst>
   </p:cSld>
@@ -3645,13 +3660,16 @@
           <a:p>
             <a:r>
               <a:rPr lang="en-US" dirty="0"/>
-              <a:t>Assign or remove licenses in the Azure Active Directory portal -  https://docs.microsoft.com/azure/active-directory/fundamentals/license-users-groups</a:t>
+              <a:t>It can be useful to restrict administrative scope by using administrative units in organizations that are made up of independent divisions of any kind. Consider the example of a large university that's made up of many autonomous schools (School of Business, School of Engineering, and so on). Each school has a team of IT admins who control access, manage users, and set policies for their school.</a:t>
             </a:r>
+          </a:p>
+          <a:p>
+            <a:endParaRPr lang="en-US" dirty="0"/>
           </a:p>
           <a:p>
             <a:r>
               <a:rPr lang="en-US" dirty="0"/>
-              <a:t>Choose the best license for your business -  https://www.microsoft.com/security/business/identity-access-management/azure-ad-pricing?rtc=1#office-SKUChooser-q6q98uk</a:t>
+              <a:t>A central administrator could:</a:t>
             </a:r>
           </a:p>
           <a:p>
@@ -3660,7 +3678,34 @@
           <a:p>
             <a:r>
               <a:rPr lang="en-US" dirty="0"/>
-              <a:t>Take a minute to show in the Portal the basic licensing tasks. This topic is not in the student content. </a:t>
+              <a:t>Administrative Units in Azure AD - https://docs.microsoft.com/azure/active-directory/roles/administrative-units</a:t>
+            </a:r>
+          </a:p>
+          <a:p>
+            <a:endParaRPr lang="en-US" dirty="0"/>
+          </a:p>
+          <a:p>
+            <a:r>
+              <a:rPr lang="en-US" dirty="0"/>
+              <a:t>Create a role with administrative permissions over only Azure AD users in the business school administrative unit.</a:t>
+            </a:r>
+          </a:p>
+          <a:p>
+            <a:r>
+              <a:rPr lang="en-US" dirty="0"/>
+              <a:t>Create an administrative unit for the School of Business.</a:t>
+            </a:r>
+          </a:p>
+          <a:p>
+            <a:r>
+              <a:rPr lang="en-US" dirty="0"/>
+              <a:t>Populate the administrative unit with only the business school students and staff.</a:t>
+            </a:r>
+          </a:p>
+          <a:p>
+            <a:r>
+              <a:rPr lang="en-US" dirty="0"/>
+              <a:t>Add the business school IT team to the role, along with its scope.</a:t>
             </a:r>
           </a:p>
         </p:txBody>
@@ -3740,7 +3785,7 @@
             <a:fld id="{B4008EB6-D09E-4580-8CD6-DDB14511944F}" type="slidenum">
               <a:rPr lang="en-US" smtClean="0"/>
               <a:pPr/>
-              <a:t>31</a:t>
+              <a:t>32</a:t>
             </a:fld>
             <a:endParaRPr lang="en-US" dirty="0"/>
           </a:p>
@@ -3749,7 +3794,7 @@
     </p:spTree>
     <p:extLst>
       <p:ext uri="{BB962C8B-B14F-4D97-AF65-F5344CB8AC3E}">
-        <p14:creationId xmlns:p14="http://schemas.microsoft.com/office/powerpoint/2010/main" val="3566862837"/>
+        <p14:creationId xmlns:p14="http://schemas.microsoft.com/office/powerpoint/2010/main" val="111885849"/>
       </p:ext>
     </p:extLst>
   </p:cSld>
@@ -3805,7 +3850,7 @@
           <a:p>
             <a:r>
               <a:rPr lang="en-US" dirty="0"/>
-              <a:t>It can be useful to restrict administrative scope by using administrative units in organizations that are made up of independent divisions of any kind. Consider the example of a large university that's made up of many autonomous schools (School of Business, School of Engineering, and so on). Each school has a team of IT admins who control access, manage users, and set policies for their school.</a:t>
+              <a:t>✔ Always consider having students walk-through the demonstrations themselves. Also, consider the overlap with the formal labs and your best use of time. </a:t>
             </a:r>
           </a:p>
           <a:p>
@@ -3814,7 +3859,7 @@
           <a:p>
             <a:r>
               <a:rPr lang="en-US" dirty="0"/>
-              <a:t>A central administrator could:</a:t>
+              <a:t>Use the Demonstration in the MCT DLC, or one of the Quickstart tutorials.</a:t>
             </a:r>
           </a:p>
           <a:p>
@@ -3823,7 +3868,7 @@
           <a:p>
             <a:r>
               <a:rPr lang="en-US" dirty="0"/>
-              <a:t>Administrative Units in Azure AD - https://docs.microsoft.com/azure/active-directory/roles/administrative-units</a:t>
+              <a:t>Add or delete users using Azure Active Directory - https://docs.microsoft.com/azure/active-directory/fundamentals/add-users-azure-active-directory</a:t>
             </a:r>
           </a:p>
           <a:p>
@@ -3832,89 +3877,14 @@
           <a:p>
             <a:r>
               <a:rPr lang="en-US" dirty="0"/>
-              <a:t>Create a role with administrative permissions over only Azure AD users in the business school administrative unit.</a:t>
-            </a:r>
-          </a:p>
-          <a:p>
-            <a:r>
-              <a:rPr lang="en-US" dirty="0"/>
-              <a:t>Create an administrative unit for the School of Business.</a:t>
-            </a:r>
-          </a:p>
-          <a:p>
-            <a:r>
-              <a:rPr lang="en-US" dirty="0"/>
-              <a:t>Populate the administrative unit with only the business school students and staff.</a:t>
-            </a:r>
-          </a:p>
-          <a:p>
-            <a:r>
-              <a:rPr lang="en-US" dirty="0"/>
-              <a:t>Add the business school IT team to the role, along with its scope.</a:t>
+              <a:t>Create a basic group and add members using Azure Active Directory - https://docs.microsoft.com/azure/active-directory/fundamentals/active-directory-groups-create-azure-portal</a:t>
             </a:r>
           </a:p>
         </p:txBody>
       </p:sp>
       <p:sp>
         <p:nvSpPr>
-          <p:cNvPr id="4" name="Header Placeholder 3"/>
-          <p:cNvSpPr>
-            <a:spLocks noGrp="1"/>
-          </p:cNvSpPr>
-          <p:nvPr>
-            <p:ph type="hdr" sz="quarter"/>
-          </p:nvPr>
-        </p:nvSpPr>
-        <p:spPr/>
-        <p:txBody>
-          <a:bodyPr/>
-          <a:lstStyle/>
-          <a:p>
-            <a:endParaRPr lang="en-US" dirty="0"/>
-          </a:p>
-        </p:txBody>
-      </p:sp>
-      <p:sp>
-        <p:nvSpPr>
-          <p:cNvPr id="5" name="Footer Placeholder 4"/>
-          <p:cNvSpPr>
-            <a:spLocks noGrp="1"/>
-          </p:cNvSpPr>
-          <p:nvPr>
-            <p:ph type="ftr" sz="quarter" idx="4"/>
-          </p:nvPr>
-        </p:nvSpPr>
-        <p:spPr/>
-        <p:txBody>
-          <a:bodyPr/>
-          <a:lstStyle/>
-          <a:p>
-            <a:pPr defTabSz="914099" eaLnBrk="0" hangingPunct="0"/>
-            <a:r>
-              <a:rPr lang="en-US" sz="400" dirty="0">
-                <a:gradFill>
-                  <a:gsLst>
-                    <a:gs pos="0">
-                      <a:prstClr val="black"/>
-                    </a:gs>
-                    <a:gs pos="100000">
-                      <a:prstClr val="black"/>
-                    </a:gs>
-                  </a:gsLst>
-                  <a:lin ang="5400000" scaled="0"/>
-                </a:gradFill>
-                <a:latin typeface="Segoe UI" pitchFamily="34" charset="0"/>
-                <a:ea typeface="Segoe UI" pitchFamily="34" charset="0"/>
-                <a:cs typeface="Segoe UI" pitchFamily="34" charset="0"/>
-              </a:rPr>
-              <a:t>© Microsoft Corporation</a:t>
-            </a:r>
-          </a:p>
-        </p:txBody>
-      </p:sp>
-      <p:sp>
-        <p:nvSpPr>
-          <p:cNvPr id="6" name="Slide Number Placeholder 5"/>
+          <p:cNvPr id="4" name="Slide Number Placeholder 3"/>
           <p:cNvSpPr>
             <a:spLocks noGrp="1"/>
           </p:cNvSpPr>
@@ -3927,10 +3897,9 @@
           <a:bodyPr/>
           <a:lstStyle/>
           <a:p>
-            <a:fld id="{B4008EB6-D09E-4580-8CD6-DDB14511944F}" type="slidenum">
+            <a:fld id="{8507DC7E-BC41-4478-BA30-CBCC3A644F0A}" type="slidenum">
               <a:rPr lang="en-US" smtClean="0"/>
-              <a:pPr/>
-              <a:t>32</a:t>
+              <a:t>33</a:t>
             </a:fld>
             <a:endParaRPr lang="en-US" dirty="0"/>
           </a:p>
@@ -3939,7 +3908,7 @@
     </p:spTree>
     <p:extLst>
       <p:ext uri="{BB962C8B-B14F-4D97-AF65-F5344CB8AC3E}">
-        <p14:creationId xmlns:p14="http://schemas.microsoft.com/office/powerpoint/2010/main" val="111885849"/>
+        <p14:creationId xmlns:p14="http://schemas.microsoft.com/office/powerpoint/2010/main" val="2564178048"/>
       </p:ext>
     </p:extLst>
   </p:cSld>
@@ -3994,42 +3963,103 @@
           <a:lstStyle/>
           <a:p>
             <a:r>
-              <a:rPr lang="en-US" dirty="0"/>
-              <a:t>✔ Always consider having students walk-through the demonstrations themselves. Also, consider the overlap with the formal labs and your best use of time. </a:t>
+              <a:rPr lang="en-GB" dirty="0"/>
+              <a:t>C</a:t>
             </a:r>
           </a:p>
           <a:p>
-            <a:endParaRPr lang="en-US" dirty="0"/>
-          </a:p>
-          <a:p>
             <a:r>
-              <a:rPr lang="en-US" dirty="0"/>
-              <a:t>Use the Demonstration in the MCT DLC, or one of the Quickstart tutorials.</a:t>
+              <a:rPr lang="en-GB" dirty="0"/>
+              <a:t>A</a:t>
             </a:r>
           </a:p>
           <a:p>
-            <a:endParaRPr lang="en-US" dirty="0"/>
-          </a:p>
-          <a:p>
             <a:r>
-              <a:rPr lang="en-US" dirty="0"/>
-              <a:t>Add or delete users using Azure Active Directory - https://docs.microsoft.com/azure/active-directory/fundamentals/add-users-azure-active-directory</a:t>
+              <a:rPr lang="en-GB" dirty="0"/>
+              <a:t>A</a:t>
             </a:r>
           </a:p>
           <a:p>
-            <a:endParaRPr lang="en-US" dirty="0"/>
-          </a:p>
-          <a:p>
-            <a:r>
-              <a:rPr lang="en-US" dirty="0"/>
-              <a:t>Create a basic group and add members using Azure Active Directory - https://docs.microsoft.com/azure/active-directory/fundamentals/active-directory-groups-create-azure-portal</a:t>
-            </a:r>
+            <a:endParaRPr lang="en-GB" dirty="0"/>
           </a:p>
         </p:txBody>
       </p:sp>
       <p:sp>
         <p:nvSpPr>
-          <p:cNvPr id="4" name="Slide Number Placeholder 3"/>
+          <p:cNvPr id="4" name="Header Placeholder 3"/>
+          <p:cNvSpPr>
+            <a:spLocks noGrp="1"/>
+          </p:cNvSpPr>
+          <p:nvPr>
+            <p:ph type="hdr" sz="quarter"/>
+          </p:nvPr>
+        </p:nvSpPr>
+        <p:spPr/>
+        <p:txBody>
+          <a:bodyPr/>
+          <a:lstStyle/>
+          <a:p>
+            <a:endParaRPr lang="en-US" dirty="0"/>
+          </a:p>
+        </p:txBody>
+      </p:sp>
+      <p:sp>
+        <p:nvSpPr>
+          <p:cNvPr id="5" name="Footer Placeholder 4"/>
+          <p:cNvSpPr>
+            <a:spLocks noGrp="1"/>
+          </p:cNvSpPr>
+          <p:nvPr>
+            <p:ph type="ftr" sz="quarter" idx="4"/>
+          </p:nvPr>
+        </p:nvSpPr>
+        <p:spPr/>
+        <p:txBody>
+          <a:bodyPr/>
+          <a:lstStyle/>
+          <a:p>
+            <a:pPr defTabSz="914099" eaLnBrk="0" hangingPunct="0"/>
+            <a:r>
+              <a:rPr lang="en-US" sz="400">
+                <a:gradFill>
+                  <a:gsLst>
+                    <a:gs pos="0">
+                      <a:prstClr val="black"/>
+                    </a:gs>
+                    <a:gs pos="100000">
+                      <a:prstClr val="black"/>
+                    </a:gs>
+                  </a:gsLst>
+                  <a:lin ang="5400000" scaled="0"/>
+                </a:gradFill>
+                <a:latin typeface="Segoe UI" pitchFamily="34" charset="0"/>
+                <a:ea typeface="Segoe UI" pitchFamily="34" charset="0"/>
+                <a:cs typeface="Segoe UI" pitchFamily="34" charset="0"/>
+              </a:rPr>
+              <a:t>© Microsoft Corporation</a:t>
+            </a:r>
+            <a:endParaRPr lang="en-US" sz="400" dirty="0">
+              <a:gradFill>
+                <a:gsLst>
+                  <a:gs pos="0">
+                    <a:prstClr val="black"/>
+                  </a:gs>
+                  <a:gs pos="100000">
+                    <a:prstClr val="black"/>
+                  </a:gs>
+                </a:gsLst>
+                <a:lin ang="5400000" scaled="0"/>
+              </a:gradFill>
+              <a:latin typeface="Segoe UI" pitchFamily="34" charset="0"/>
+              <a:ea typeface="Segoe UI" pitchFamily="34" charset="0"/>
+              <a:cs typeface="Segoe UI" pitchFamily="34" charset="0"/>
+            </a:endParaRPr>
+          </a:p>
+        </p:txBody>
+      </p:sp>
+      <p:sp>
+        <p:nvSpPr>
+          <p:cNvPr id="6" name="Slide Number Placeholder 5"/>
           <p:cNvSpPr>
             <a:spLocks noGrp="1"/>
           </p:cNvSpPr>
@@ -4042,9 +4072,10 @@
           <a:bodyPr/>
           <a:lstStyle/>
           <a:p>
-            <a:fld id="{8507DC7E-BC41-4478-BA30-CBCC3A644F0A}" type="slidenum">
+            <a:fld id="{B4008EB6-D09E-4580-8CD6-DDB14511944F}" type="slidenum">
               <a:rPr lang="en-US" smtClean="0"/>
-              <a:t>33</a:t>
+              <a:pPr/>
+              <a:t>34</a:t>
             </a:fld>
             <a:endParaRPr lang="en-US" dirty="0"/>
           </a:p>
@@ -4053,7 +4084,7 @@
     </p:spTree>
     <p:extLst>
       <p:ext uri="{BB962C8B-B14F-4D97-AF65-F5344CB8AC3E}">
-        <p14:creationId xmlns:p14="http://schemas.microsoft.com/office/powerpoint/2010/main" val="2564178048"/>
+        <p14:creationId xmlns:p14="http://schemas.microsoft.com/office/powerpoint/2010/main" val="2214172201"/>
       </p:ext>
     </p:extLst>
   </p:cSld>
@@ -4108,103 +4139,105 @@
           <a:lstStyle/>
           <a:p>
             <a:r>
-              <a:rPr lang="en-GB" dirty="0"/>
-              <a:t>C</a:t>
+              <a:rPr lang="en-US" dirty="0"/>
+              <a:t>Learn - https://docs.microsoft.com/learn/browse/</a:t>
             </a:r>
           </a:p>
           <a:p>
+            <a:endParaRPr lang="en-US" dirty="0"/>
+          </a:p>
+          <a:p>
             <a:r>
-              <a:rPr lang="en-GB" dirty="0"/>
-              <a:t>A</a:t>
+              <a:rPr lang="en-US" dirty="0"/>
+              <a:t>The Assessment Guide in the MCT DLC has open-ended questions.</a:t>
             </a:r>
           </a:p>
           <a:p>
+            <a:endParaRPr lang="en-US" dirty="0"/>
+          </a:p>
+          <a:p>
+            <a:pPr marL="0" marR="365760" lvl="0" indent="0">
+              <a:lnSpc>
+                <a:spcPct val="107000"/>
+              </a:lnSpc>
+              <a:spcBef>
+                <a:spcPts val="0"/>
+              </a:spcBef>
+              <a:spcAft>
+                <a:spcPts val="800"/>
+              </a:spcAft>
+              <a:buFont typeface="+mj-lt"/>
+              <a:buNone/>
+            </a:pPr>
             <a:r>
-              <a:rPr lang="en-GB" dirty="0"/>
-              <a:t>A</a:t>
+              <a:rPr lang="en-US" sz="1800" dirty="0">
+                <a:solidFill>
+                  <a:srgbClr val="505050"/>
+                </a:solidFill>
+                <a:effectLst/>
+                <a:latin typeface="Calibri" panose="020F0502020204030204" pitchFamily="34" charset="0"/>
+                <a:ea typeface="Segoe UI" panose="020B0502040204020203" pitchFamily="34" charset="0"/>
+                <a:cs typeface="Segoe UI (Body)"/>
+              </a:rPr>
+              <a:t>List three features of a user account and two ways a user can be assigned to group.</a:t>
             </a:r>
           </a:p>
           <a:p>
-            <a:endParaRPr lang="en-GB" dirty="0"/>
+            <a:pPr marL="0" marR="365760" lvl="0" indent="0">
+              <a:lnSpc>
+                <a:spcPct val="107000"/>
+              </a:lnSpc>
+              <a:spcBef>
+                <a:spcPts val="0"/>
+              </a:spcBef>
+              <a:spcAft>
+                <a:spcPts val="800"/>
+              </a:spcAft>
+              <a:buFont typeface="+mj-lt"/>
+              <a:buNone/>
+            </a:pPr>
+            <a:r>
+              <a:rPr lang="en-US" sz="1800" b="1" dirty="0">
+                <a:solidFill>
+                  <a:srgbClr val="505050"/>
+                </a:solidFill>
+                <a:effectLst/>
+                <a:latin typeface="Calibri" panose="020F0502020204030204" pitchFamily="34" charset="0"/>
+                <a:ea typeface="Segoe UI" panose="020B0502040204020203" pitchFamily="34" charset="0"/>
+                <a:cs typeface="Segoe UI (Body)"/>
+              </a:rPr>
+              <a:t>Answer: </a:t>
+            </a:r>
+            <a:r>
+              <a:rPr lang="en-US" sz="1800" dirty="0">
+                <a:solidFill>
+                  <a:srgbClr val="505050"/>
+                </a:solidFill>
+                <a:effectLst/>
+                <a:latin typeface="Calibri" panose="020F0502020204030204" pitchFamily="34" charset="0"/>
+                <a:ea typeface="Segoe UI" panose="020B0502040204020203" pitchFamily="34" charset="0"/>
+                <a:cs typeface="Segoe UI (Body)"/>
+              </a:rPr>
+              <a:t>All users must have a user account. The user account is used for authentication and authorization. Each user account can have additional properties (user profile), like phone number.  You must be a Global Administrator or User Administrator to manage users. Users can be assigned to groups either directly or dynamically. Dynamic assignment lets you create complex attribute-based rules.</a:t>
+            </a:r>
+            <a:endParaRPr lang="en-US" sz="1800" dirty="0">
+              <a:solidFill>
+                <a:srgbClr val="505050"/>
+              </a:solidFill>
+              <a:effectLst/>
+              <a:latin typeface="Segoe UI" panose="020B0502040204020203" pitchFamily="34" charset="0"/>
+              <a:ea typeface="Segoe UI" panose="020B0502040204020203" pitchFamily="34" charset="0"/>
+              <a:cs typeface="Segoe UI (Body)"/>
+            </a:endParaRPr>
+          </a:p>
+          <a:p>
+            <a:endParaRPr lang="en-US" dirty="0"/>
           </a:p>
         </p:txBody>
       </p:sp>
       <p:sp>
         <p:nvSpPr>
-          <p:cNvPr id="4" name="Header Placeholder 3"/>
-          <p:cNvSpPr>
-            <a:spLocks noGrp="1"/>
-          </p:cNvSpPr>
-          <p:nvPr>
-            <p:ph type="hdr" sz="quarter"/>
-          </p:nvPr>
-        </p:nvSpPr>
-        <p:spPr/>
-        <p:txBody>
-          <a:bodyPr/>
-          <a:lstStyle/>
-          <a:p>
-            <a:endParaRPr lang="en-US" dirty="0"/>
-          </a:p>
-        </p:txBody>
-      </p:sp>
-      <p:sp>
-        <p:nvSpPr>
-          <p:cNvPr id="5" name="Footer Placeholder 4"/>
-          <p:cNvSpPr>
-            <a:spLocks noGrp="1"/>
-          </p:cNvSpPr>
-          <p:nvPr>
-            <p:ph type="ftr" sz="quarter" idx="4"/>
-          </p:nvPr>
-        </p:nvSpPr>
-        <p:spPr/>
-        <p:txBody>
-          <a:bodyPr/>
-          <a:lstStyle/>
-          <a:p>
-            <a:pPr defTabSz="914099" eaLnBrk="0" hangingPunct="0"/>
-            <a:r>
-              <a:rPr lang="en-US" sz="400">
-                <a:gradFill>
-                  <a:gsLst>
-                    <a:gs pos="0">
-                      <a:prstClr val="black"/>
-                    </a:gs>
-                    <a:gs pos="100000">
-                      <a:prstClr val="black"/>
-                    </a:gs>
-                  </a:gsLst>
-                  <a:lin ang="5400000" scaled="0"/>
-                </a:gradFill>
-                <a:latin typeface="Segoe UI" pitchFamily="34" charset="0"/>
-                <a:ea typeface="Segoe UI" pitchFamily="34" charset="0"/>
-                <a:cs typeface="Segoe UI" pitchFamily="34" charset="0"/>
-              </a:rPr>
-              <a:t>© Microsoft Corporation</a:t>
-            </a:r>
-            <a:endParaRPr lang="en-US" sz="400" dirty="0">
-              <a:gradFill>
-                <a:gsLst>
-                  <a:gs pos="0">
-                    <a:prstClr val="black"/>
-                  </a:gs>
-                  <a:gs pos="100000">
-                    <a:prstClr val="black"/>
-                  </a:gs>
-                </a:gsLst>
-                <a:lin ang="5400000" scaled="0"/>
-              </a:gradFill>
-              <a:latin typeface="Segoe UI" pitchFamily="34" charset="0"/>
-              <a:ea typeface="Segoe UI" pitchFamily="34" charset="0"/>
-              <a:cs typeface="Segoe UI" pitchFamily="34" charset="0"/>
-            </a:endParaRPr>
-          </a:p>
-        </p:txBody>
-      </p:sp>
-      <p:sp>
-        <p:nvSpPr>
-          <p:cNvPr id="6" name="Slide Number Placeholder 5"/>
+          <p:cNvPr id="4" name="Slide Number Placeholder 3"/>
           <p:cNvSpPr>
             <a:spLocks noGrp="1"/>
           </p:cNvSpPr>
@@ -4217,10 +4250,9 @@
           <a:bodyPr/>
           <a:lstStyle/>
           <a:p>
-            <a:fld id="{B4008EB6-D09E-4580-8CD6-DDB14511944F}" type="slidenum">
+            <a:fld id="{8507DC7E-BC41-4478-BA30-CBCC3A644F0A}" type="slidenum">
               <a:rPr lang="en-US" smtClean="0"/>
-              <a:pPr/>
-              <a:t>34</a:t>
+              <a:t>35</a:t>
             </a:fld>
             <a:endParaRPr lang="en-US" dirty="0"/>
           </a:p>
@@ -4229,7 +4261,7 @@
     </p:spTree>
     <p:extLst>
       <p:ext uri="{BB962C8B-B14F-4D97-AF65-F5344CB8AC3E}">
-        <p14:creationId xmlns:p14="http://schemas.microsoft.com/office/powerpoint/2010/main" val="2214172201"/>
+        <p14:creationId xmlns:p14="http://schemas.microsoft.com/office/powerpoint/2010/main" val="1527703954"/>
       </p:ext>
     </p:extLst>
   </p:cSld>
@@ -4283,183 +4315,6 @@
           <a:bodyPr/>
           <a:lstStyle/>
           <a:p>
-            <a:r>
-              <a:rPr lang="en-US" dirty="0"/>
-              <a:t>Learn - https://docs.microsoft.com/learn/browse/</a:t>
-            </a:r>
-          </a:p>
-          <a:p>
-            <a:endParaRPr lang="en-US" dirty="0"/>
-          </a:p>
-          <a:p>
-            <a:r>
-              <a:rPr lang="en-US" dirty="0"/>
-              <a:t>The Assessment Guide in the MCT DLC has open-ended questions.</a:t>
-            </a:r>
-          </a:p>
-          <a:p>
-            <a:endParaRPr lang="en-US" dirty="0"/>
-          </a:p>
-          <a:p>
-            <a:pPr marL="0" marR="365760" lvl="0" indent="0">
-              <a:lnSpc>
-                <a:spcPct val="107000"/>
-              </a:lnSpc>
-              <a:spcBef>
-                <a:spcPts val="0"/>
-              </a:spcBef>
-              <a:spcAft>
-                <a:spcPts val="800"/>
-              </a:spcAft>
-              <a:buFont typeface="+mj-lt"/>
-              <a:buNone/>
-            </a:pPr>
-            <a:r>
-              <a:rPr lang="en-US" sz="1800" dirty="0">
-                <a:solidFill>
-                  <a:srgbClr val="505050"/>
-                </a:solidFill>
-                <a:effectLst/>
-                <a:latin typeface="Calibri" panose="020F0502020204030204" pitchFamily="34" charset="0"/>
-                <a:ea typeface="Segoe UI" panose="020B0502040204020203" pitchFamily="34" charset="0"/>
-                <a:cs typeface="Segoe UI (Body)"/>
-              </a:rPr>
-              <a:t>List three features of a user account and two ways a user can be assigned to group.</a:t>
-            </a:r>
-          </a:p>
-          <a:p>
-            <a:pPr marL="0" marR="365760" lvl="0" indent="0">
-              <a:lnSpc>
-                <a:spcPct val="107000"/>
-              </a:lnSpc>
-              <a:spcBef>
-                <a:spcPts val="0"/>
-              </a:spcBef>
-              <a:spcAft>
-                <a:spcPts val="800"/>
-              </a:spcAft>
-              <a:buFont typeface="+mj-lt"/>
-              <a:buNone/>
-            </a:pPr>
-            <a:r>
-              <a:rPr lang="en-US" sz="1800" b="1" dirty="0">
-                <a:solidFill>
-                  <a:srgbClr val="505050"/>
-                </a:solidFill>
-                <a:effectLst/>
-                <a:latin typeface="Calibri" panose="020F0502020204030204" pitchFamily="34" charset="0"/>
-                <a:ea typeface="Segoe UI" panose="020B0502040204020203" pitchFamily="34" charset="0"/>
-                <a:cs typeface="Segoe UI (Body)"/>
-              </a:rPr>
-              <a:t>Answer: </a:t>
-            </a:r>
-            <a:r>
-              <a:rPr lang="en-US" sz="1800" dirty="0">
-                <a:solidFill>
-                  <a:srgbClr val="505050"/>
-                </a:solidFill>
-                <a:effectLst/>
-                <a:latin typeface="Calibri" panose="020F0502020204030204" pitchFamily="34" charset="0"/>
-                <a:ea typeface="Segoe UI" panose="020B0502040204020203" pitchFamily="34" charset="0"/>
-                <a:cs typeface="Segoe UI (Body)"/>
-              </a:rPr>
-              <a:t>All users must have a user account. The user account is used for authentication and authorization. Each user account can have additional properties (user profile), like phone number.  You must be a Global Administrator or User Administrator to manage users. Users can be assigned to groups either directly or dynamically. Dynamic assignment lets you create complex attribute-based rules.</a:t>
-            </a:r>
-            <a:endParaRPr lang="en-US" sz="1800" dirty="0">
-              <a:solidFill>
-                <a:srgbClr val="505050"/>
-              </a:solidFill>
-              <a:effectLst/>
-              <a:latin typeface="Segoe UI" panose="020B0502040204020203" pitchFamily="34" charset="0"/>
-              <a:ea typeface="Segoe UI" panose="020B0502040204020203" pitchFamily="34" charset="0"/>
-              <a:cs typeface="Segoe UI (Body)"/>
-            </a:endParaRPr>
-          </a:p>
-          <a:p>
-            <a:endParaRPr lang="en-US" dirty="0"/>
-          </a:p>
-        </p:txBody>
-      </p:sp>
-      <p:sp>
-        <p:nvSpPr>
-          <p:cNvPr id="4" name="Slide Number Placeholder 3"/>
-          <p:cNvSpPr>
-            <a:spLocks noGrp="1"/>
-          </p:cNvSpPr>
-          <p:nvPr>
-            <p:ph type="sldNum" sz="quarter" idx="5"/>
-          </p:nvPr>
-        </p:nvSpPr>
-        <p:spPr/>
-        <p:txBody>
-          <a:bodyPr/>
-          <a:lstStyle/>
-          <a:p>
-            <a:fld id="{8507DC7E-BC41-4478-BA30-CBCC3A644F0A}" type="slidenum">
-              <a:rPr lang="en-US" smtClean="0"/>
-              <a:t>35</a:t>
-            </a:fld>
-            <a:endParaRPr lang="en-US" dirty="0"/>
-          </a:p>
-        </p:txBody>
-      </p:sp>
-    </p:spTree>
-    <p:extLst>
-      <p:ext uri="{BB962C8B-B14F-4D97-AF65-F5344CB8AC3E}">
-        <p14:creationId xmlns:p14="http://schemas.microsoft.com/office/powerpoint/2010/main" val="1527703954"/>
-      </p:ext>
-    </p:extLst>
-  </p:cSld>
-  <p:clrMapOvr>
-    <a:masterClrMapping/>
-  </p:clrMapOvr>
-</p:notes>
-</file>
-
-<file path=ppt/notesSlides/notesSlide25.xml><?xml version="1.0" encoding="utf-8"?>
-<p:notes xmlns:a="http://schemas.openxmlformats.org/drawingml/2006/main" xmlns:r="http://schemas.openxmlformats.org/officeDocument/2006/relationships" xmlns:p="http://schemas.openxmlformats.org/presentationml/2006/main">
-  <p:cSld>
-    <p:spTree>
-      <p:nvGrpSpPr>
-        <p:cNvPr id="1" name=""/>
-        <p:cNvGrpSpPr/>
-        <p:nvPr/>
-      </p:nvGrpSpPr>
-      <p:grpSpPr>
-        <a:xfrm>
-          <a:off x="0" y="0"/>
-          <a:ext cx="0" cy="0"/>
-          <a:chOff x="0" y="0"/>
-          <a:chExt cx="0" cy="0"/>
-        </a:xfrm>
-      </p:grpSpPr>
-      <p:sp>
-        <p:nvSpPr>
-          <p:cNvPr id="2" name="Slide Image Placeholder 1"/>
-          <p:cNvSpPr>
-            <a:spLocks noGrp="1" noRot="1" noChangeAspect="1"/>
-          </p:cNvSpPr>
-          <p:nvPr>
-            <p:ph type="sldImg"/>
-          </p:nvPr>
-        </p:nvSpPr>
-        <p:spPr/>
-      </p:sp>
-      <p:sp>
-        <p:nvSpPr>
-          <p:cNvPr id="3" name="Notes Placeholder 2"/>
-          <p:cNvSpPr>
-            <a:spLocks noGrp="1"/>
-          </p:cNvSpPr>
-          <p:nvPr>
-            <p:ph type="body" idx="1"/>
-          </p:nvPr>
-        </p:nvSpPr>
-        <p:spPr/>
-        <p:txBody>
-          <a:bodyPr/>
-          <a:lstStyle/>
-          <a:p>
             <a:pPr marL="0" marR="0" lvl="0" indent="0" algn="l" defTabSz="932742" rtl="0" eaLnBrk="1" fontAlgn="auto" latinLnBrk="0" hangingPunct="1">
               <a:lnSpc>
                 <a:spcPct val="90000"/>
@@ -4604,7 +4459,7 @@
           <a:p>
             <a:fld id="{386CE63F-9E7F-4C04-9D0D-FCA25A8E9E86}" type="datetime8">
               <a:rPr lang="en-US" smtClean="0"/>
-              <a:t>12/11/2022 4:39 PM</a:t>
+              <a:t>12/12/2022 6:45 AM</a:t>
             </a:fld>
             <a:endParaRPr lang="en-US" dirty="0"/>
           </a:p>
@@ -4647,7 +4502,7 @@
 </p:notes>
 </file>
 
-<file path=ppt/notesSlides/notesSlide26.xml><?xml version="1.0" encoding="utf-8"?>
+<file path=ppt/notesSlides/notesSlide25.xml><?xml version="1.0" encoding="utf-8"?>
 <p:notes xmlns:a="http://schemas.openxmlformats.org/drawingml/2006/main" xmlns:r="http://schemas.openxmlformats.org/officeDocument/2006/relationships" xmlns:p="http://schemas.openxmlformats.org/presentationml/2006/main">
   <p:cSld>
     <p:spTree>
@@ -5183,7 +5038,7 @@
           <a:p>
             <a:fld id="{9427A7F7-BB1E-479D-AFAA-B52F4D0C99F2}" type="datetime8">
               <a:rPr lang="en-US" smtClean="0"/>
-              <a:t>12/11/2022 4:39 PM</a:t>
+              <a:t>12/12/2022 6:45 AM</a:t>
             </a:fld>
             <a:endParaRPr lang="en-US" dirty="0"/>
           </a:p>
@@ -5485,7 +5340,7 @@
                 <a:tabLst/>
                 <a:defRPr/>
               </a:pPr>
-              <a:t>8</a:t>
+              <a:t>9</a:t>
             </a:fld>
             <a:endParaRPr kumimoji="0" lang="en-US" sz="1200" b="0" i="0" u="none" strike="noStrike" kern="1200" cap="none" spc="0" normalizeH="0" baseline="0" noProof="0">
               <a:ln>
@@ -5663,7 +5518,7 @@
             <a:fld id="{B4008EB6-D09E-4580-8CD6-DDB14511944F}" type="slidenum">
               <a:rPr lang="en-US" smtClean="0"/>
               <a:pPr/>
-              <a:t>9</a:t>
+              <a:t>10</a:t>
             </a:fld>
             <a:endParaRPr lang="en-US" dirty="0"/>
           </a:p>
@@ -5816,7 +5671,7 @@
           <a:p>
             <a:fld id="{9427A7F7-BB1E-479D-AFAA-B52F4D0C99F2}" type="datetime8">
               <a:rPr lang="en-US" smtClean="0"/>
-              <a:t>12/11/2022 4:39 PM</a:t>
+              <a:t>12/12/2022 6:45 AM</a:t>
             </a:fld>
             <a:endParaRPr lang="en-US" dirty="0"/>
           </a:p>
@@ -5840,7 +5695,7 @@
             <a:fld id="{B4008EB6-D09E-4580-8CD6-DDB14511944F}" type="slidenum">
               <a:rPr lang="en-US" smtClean="0"/>
               <a:pPr/>
-              <a:t>10</a:t>
+              <a:t>11</a:t>
             </a:fld>
             <a:endParaRPr lang="en-US" dirty="0"/>
           </a:p>
@@ -6066,7 +5921,7 @@
           <a:p>
             <a:fld id="{9427A7F7-BB1E-479D-AFAA-B52F4D0C99F2}" type="datetime8">
               <a:rPr lang="en-US" smtClean="0"/>
-              <a:t>12/11/2022 4:39 PM</a:t>
+              <a:t>12/12/2022 6:45 AM</a:t>
             </a:fld>
             <a:endParaRPr lang="en-US" dirty="0"/>
           </a:p>
@@ -6090,7 +5945,7 @@
             <a:fld id="{B4008EB6-D09E-4580-8CD6-DDB14511944F}" type="slidenum">
               <a:rPr lang="en-US" smtClean="0"/>
               <a:pPr/>
-              <a:t>12</a:t>
+              <a:t>13</a:t>
             </a:fld>
             <a:endParaRPr lang="en-US" dirty="0"/>
           </a:p>
@@ -6284,7 +6139,7 @@
           <a:p>
             <a:fld id="{386CE63F-9E7F-4C04-9D0D-FCA25A8E9E86}" type="datetime8">
               <a:rPr lang="en-US" smtClean="0"/>
-              <a:t>12/11/2022 4:39 PM</a:t>
+              <a:t>12/12/2022 6:45 AM</a:t>
             </a:fld>
             <a:endParaRPr lang="en-US" dirty="0"/>
           </a:p>
@@ -6308,7 +6163,7 @@
             <a:fld id="{B4008EB6-D09E-4580-8CD6-DDB14511944F}" type="slidenum">
               <a:rPr lang="en-US" smtClean="0"/>
               <a:pPr/>
-              <a:t>14</a:t>
+              <a:t>15</a:t>
             </a:fld>
             <a:endParaRPr lang="en-US" dirty="0"/>
           </a:p>
@@ -9779,6 +9634,1266 @@
       </p:grpSpPr>
       <p:sp>
         <p:nvSpPr>
+          <p:cNvPr id="2" name="Title 1">
+            <a:extLst>
+              <a:ext uri="{FF2B5EF4-FFF2-40B4-BE49-F238E27FC236}">
+                <a16:creationId xmlns:a16="http://schemas.microsoft.com/office/drawing/2014/main" id="{F67DCC16-9BE8-43A4-8824-D328950A1389}"/>
+              </a:ext>
+            </a:extLst>
+          </p:cNvPr>
+          <p:cNvSpPr>
+            <a:spLocks noGrp="1"/>
+          </p:cNvSpPr>
+          <p:nvPr>
+            <p:ph type="title"/>
+          </p:nvPr>
+        </p:nvSpPr>
+        <p:spPr/>
+        <p:txBody>
+          <a:bodyPr/>
+          <a:lstStyle/>
+          <a:p>
+            <a:r>
+              <a:rPr lang="en-US" dirty="0">
+                <a:cs typeface="Segoe UI"/>
+              </a:rPr>
+              <a:t>Describe Azure AD Concepts</a:t>
+            </a:r>
+            <a:endParaRPr lang="en-US" dirty="0"/>
+          </a:p>
+        </p:txBody>
+      </p:sp>
+      <p:graphicFrame>
+        <p:nvGraphicFramePr>
+          <p:cNvPr id="4" name="Table 6">
+            <a:extLst>
+              <a:ext uri="{FF2B5EF4-FFF2-40B4-BE49-F238E27FC236}">
+                <a16:creationId xmlns:a16="http://schemas.microsoft.com/office/drawing/2014/main" id="{9976D420-D02A-4EEB-8E2F-C971B403F7CC}"/>
+              </a:ext>
+            </a:extLst>
+          </p:cNvPr>
+          <p:cNvGraphicFramePr>
+            <a:graphicFrameLocks noGrp="1"/>
+          </p:cNvGraphicFramePr>
+          <p:nvPr>
+            <p:extLst>
+              <p:ext uri="{D42A27DB-BD31-4B8C-83A1-F6EECF244321}">
+                <p14:modId xmlns:p14="http://schemas.microsoft.com/office/powerpoint/2010/main" val="2517914744"/>
+              </p:ext>
+            </p:extLst>
+          </p:nvPr>
+        </p:nvGraphicFramePr>
+        <p:xfrm>
+          <a:off x="427037" y="1141527"/>
+          <a:ext cx="11582400" cy="5305498"/>
+        </p:xfrm>
+        <a:graphic>
+          <a:graphicData uri="http://schemas.openxmlformats.org/drawingml/2006/table">
+            <a:tbl>
+              <a:tblPr firstRow="1" bandRow="1">
+                <a:tableStyleId>{5C22544A-7EE6-4342-B048-85BDC9FD1C3A}</a:tableStyleId>
+              </a:tblPr>
+              <a:tblGrid>
+                <a:gridCol w="2640359">
+                  <a:extLst>
+                    <a:ext uri="{9D8B030D-6E8A-4147-A177-3AD203B41FA5}">
+                      <a16:colId xmlns:a16="http://schemas.microsoft.com/office/drawing/2014/main" val="1289156279"/>
+                    </a:ext>
+                  </a:extLst>
+                </a:gridCol>
+                <a:gridCol w="8942041">
+                  <a:extLst>
+                    <a:ext uri="{9D8B030D-6E8A-4147-A177-3AD203B41FA5}">
+                      <a16:colId xmlns:a16="http://schemas.microsoft.com/office/drawing/2014/main" val="2759990731"/>
+                    </a:ext>
+                  </a:extLst>
+                </a:gridCol>
+              </a:tblGrid>
+              <a:tr h="614530">
+                <a:tc>
+                  <a:txBody>
+                    <a:bodyPr/>
+                    <a:lstStyle/>
+                    <a:p>
+                      <a:pPr algn="l"/>
+                      <a:r>
+                        <a:rPr lang="en-US" sz="2200" b="0" dirty="0">
+                          <a:solidFill>
+                            <a:schemeClr val="bg1"/>
+                          </a:solidFill>
+                          <a:latin typeface="+mj-lt"/>
+                        </a:rPr>
+                        <a:t>Concept</a:t>
+                      </a:r>
+                    </a:p>
+                  </a:txBody>
+                  <a:tcPr marL="137160" marR="137160" marT="91440" marB="91440" anchor="ctr">
+                    <a:lnL w="6350" cap="flat" cmpd="sng" algn="ctr">
+                      <a:solidFill>
+                        <a:srgbClr val="243A5E"/>
+                      </a:solidFill>
+                      <a:prstDash val="solid"/>
+                      <a:round/>
+                      <a:headEnd type="none" w="med" len="med"/>
+                      <a:tailEnd type="none" w="med" len="med"/>
+                    </a:lnL>
+                    <a:lnR w="6350" cap="flat" cmpd="sng" algn="ctr">
+                      <a:solidFill>
+                        <a:schemeClr val="bg1"/>
+                      </a:solidFill>
+                      <a:prstDash val="solid"/>
+                      <a:round/>
+                      <a:headEnd type="none" w="med" len="med"/>
+                      <a:tailEnd type="none" w="med" len="med"/>
+                    </a:lnR>
+                    <a:lnT w="6350" cap="flat" cmpd="sng" algn="ctr">
+                      <a:solidFill>
+                        <a:srgbClr val="243A5E"/>
+                      </a:solidFill>
+                      <a:prstDash val="solid"/>
+                      <a:round/>
+                      <a:headEnd type="none" w="med" len="med"/>
+                      <a:tailEnd type="none" w="med" len="med"/>
+                    </a:lnT>
+                    <a:lnB w="6350" cap="flat" cmpd="sng" algn="ctr">
+                      <a:noFill/>
+                      <a:prstDash val="solid"/>
+                      <a:round/>
+                      <a:headEnd type="none" w="med" len="med"/>
+                      <a:tailEnd type="none" w="med" len="med"/>
+                    </a:lnB>
+                    <a:lnTlToBr w="12700" cmpd="sng">
+                      <a:noFill/>
+                      <a:prstDash val="solid"/>
+                    </a:lnTlToBr>
+                    <a:lnBlToTr w="12700" cmpd="sng">
+                      <a:noFill/>
+                      <a:prstDash val="solid"/>
+                    </a:lnBlToTr>
+                    <a:solidFill>
+                      <a:srgbClr val="243A5E"/>
+                    </a:solidFill>
+                  </a:tcPr>
+                </a:tc>
+                <a:tc>
+                  <a:txBody>
+                    <a:bodyPr/>
+                    <a:lstStyle/>
+                    <a:p>
+                      <a:pPr algn="l"/>
+                      <a:r>
+                        <a:rPr lang="en-US" sz="2200" b="0" dirty="0">
+                          <a:solidFill>
+                            <a:schemeClr val="bg1"/>
+                          </a:solidFill>
+                          <a:latin typeface="+mj-lt"/>
+                        </a:rPr>
+                        <a:t>Description</a:t>
+                      </a:r>
+                    </a:p>
+                  </a:txBody>
+                  <a:tcPr marL="137160" marR="137160" marT="91440" marB="91440" anchor="ctr">
+                    <a:lnL w="6350" cap="flat" cmpd="sng" algn="ctr">
+                      <a:solidFill>
+                        <a:schemeClr val="bg1"/>
+                      </a:solidFill>
+                      <a:prstDash val="solid"/>
+                      <a:round/>
+                      <a:headEnd type="none" w="med" len="med"/>
+                      <a:tailEnd type="none" w="med" len="med"/>
+                    </a:lnL>
+                    <a:lnR w="6350" cap="flat" cmpd="sng" algn="ctr">
+                      <a:solidFill>
+                        <a:srgbClr val="243A5E"/>
+                      </a:solidFill>
+                      <a:prstDash val="solid"/>
+                      <a:round/>
+                      <a:headEnd type="none" w="med" len="med"/>
+                      <a:tailEnd type="none" w="med" len="med"/>
+                    </a:lnR>
+                    <a:lnT w="6350" cap="flat" cmpd="sng" algn="ctr">
+                      <a:solidFill>
+                        <a:srgbClr val="243A5E"/>
+                      </a:solidFill>
+                      <a:prstDash val="solid"/>
+                      <a:round/>
+                      <a:headEnd type="none" w="med" len="med"/>
+                      <a:tailEnd type="none" w="med" len="med"/>
+                    </a:lnT>
+                    <a:lnB w="6350" cap="flat" cmpd="sng" algn="ctr">
+                      <a:noFill/>
+                      <a:prstDash val="solid"/>
+                      <a:round/>
+                      <a:headEnd type="none" w="med" len="med"/>
+                      <a:tailEnd type="none" w="med" len="med"/>
+                    </a:lnB>
+                    <a:lnTlToBr w="12700" cmpd="sng">
+                      <a:noFill/>
+                      <a:prstDash val="solid"/>
+                    </a:lnTlToBr>
+                    <a:lnBlToTr w="12700" cmpd="sng">
+                      <a:noFill/>
+                      <a:prstDash val="solid"/>
+                    </a:lnBlToTr>
+                    <a:solidFill>
+                      <a:srgbClr val="243A5E"/>
+                    </a:solidFill>
+                  </a:tcPr>
+                </a:tc>
+                <a:extLst>
+                  <a:ext uri="{0D108BD9-81ED-4DB2-BD59-A6C34878D82A}">
+                    <a16:rowId xmlns:a16="http://schemas.microsoft.com/office/drawing/2014/main" val="2897835809"/>
+                  </a:ext>
+                </a:extLst>
+              </a:tr>
+              <a:tr h="578382">
+                <a:tc>
+                  <a:txBody>
+                    <a:bodyPr/>
+                    <a:lstStyle/>
+                    <a:p>
+                      <a:pPr algn="l"/>
+                      <a:r>
+                        <a:rPr lang="en-US" sz="2000" dirty="0">
+                          <a:solidFill>
+                            <a:schemeClr val="tx1"/>
+                          </a:solidFill>
+                          <a:latin typeface="+mj-lt"/>
+                        </a:rPr>
+                        <a:t>Identity</a:t>
+                      </a:r>
+                    </a:p>
+                  </a:txBody>
+                  <a:tcPr marL="137160" marR="137160" marT="91440" marB="91440" anchor="ctr">
+                    <a:lnL w="6350" cap="flat" cmpd="sng" algn="ctr">
+                      <a:solidFill>
+                        <a:schemeClr val="bg1">
+                          <a:lumMod val="75000"/>
+                        </a:schemeClr>
+                      </a:solidFill>
+                      <a:prstDash val="solid"/>
+                      <a:round/>
+                      <a:headEnd type="none" w="med" len="med"/>
+                      <a:tailEnd type="none" w="med" len="med"/>
+                    </a:lnL>
+                    <a:lnR w="6350" cap="flat" cmpd="sng" algn="ctr">
+                      <a:noFill/>
+                      <a:prstDash val="solid"/>
+                      <a:round/>
+                      <a:headEnd type="none" w="med" len="med"/>
+                      <a:tailEnd type="none" w="med" len="med"/>
+                    </a:lnR>
+                    <a:lnT w="6350" cap="flat" cmpd="sng" algn="ctr">
+                      <a:noFill/>
+                      <a:prstDash val="solid"/>
+                      <a:round/>
+                      <a:headEnd type="none" w="med" len="med"/>
+                      <a:tailEnd type="none" w="med" len="med"/>
+                    </a:lnT>
+                    <a:lnB w="6350" cap="flat" cmpd="sng" algn="ctr">
+                      <a:solidFill>
+                        <a:schemeClr val="bg1">
+                          <a:lumMod val="75000"/>
+                        </a:schemeClr>
+                      </a:solidFill>
+                      <a:prstDash val="solid"/>
+                      <a:round/>
+                      <a:headEnd type="none" w="med" len="med"/>
+                      <a:tailEnd type="none" w="med" len="med"/>
+                    </a:lnB>
+                    <a:lnTlToBr w="12700" cmpd="sng">
+                      <a:noFill/>
+                      <a:prstDash val="solid"/>
+                    </a:lnTlToBr>
+                    <a:lnBlToTr w="12700" cmpd="sng">
+                      <a:noFill/>
+                      <a:prstDash val="solid"/>
+                    </a:lnBlToTr>
+                    <a:solidFill>
+                      <a:schemeClr val="bg1">
+                        <a:lumMod val="95000"/>
+                      </a:schemeClr>
+                    </a:solidFill>
+                  </a:tcPr>
+                </a:tc>
+                <a:tc>
+                  <a:txBody>
+                    <a:bodyPr/>
+                    <a:lstStyle/>
+                    <a:p>
+                      <a:pPr lvl="0" algn="l">
+                        <a:buNone/>
+                      </a:pPr>
+                      <a:r>
+                        <a:rPr lang="en-US" sz="2000" b="0" i="0" u="none" strike="noStrike" noProof="0" dirty="0">
+                          <a:solidFill>
+                            <a:schemeClr val="tx1"/>
+                          </a:solidFill>
+                          <a:latin typeface="Segoe UI"/>
+                        </a:rPr>
+                        <a:t>An object that can be authenticated</a:t>
+                      </a:r>
+                      <a:endParaRPr lang="en-US" sz="2000" dirty="0">
+                        <a:solidFill>
+                          <a:schemeClr val="tx1"/>
+                        </a:solidFill>
+                      </a:endParaRPr>
+                    </a:p>
+                  </a:txBody>
+                  <a:tcPr marL="137160" marR="137160" marT="91440" marB="91440" anchor="ctr">
+                    <a:lnL w="6350" cap="flat" cmpd="sng" algn="ctr">
+                      <a:noFill/>
+                      <a:prstDash val="solid"/>
+                      <a:round/>
+                      <a:headEnd type="none" w="med" len="med"/>
+                      <a:tailEnd type="none" w="med" len="med"/>
+                    </a:lnL>
+                    <a:lnR w="6350" cap="flat" cmpd="sng" algn="ctr">
+                      <a:solidFill>
+                        <a:schemeClr val="bg1">
+                          <a:lumMod val="75000"/>
+                        </a:schemeClr>
+                      </a:solidFill>
+                      <a:prstDash val="solid"/>
+                      <a:round/>
+                      <a:headEnd type="none" w="med" len="med"/>
+                      <a:tailEnd type="none" w="med" len="med"/>
+                    </a:lnR>
+                    <a:lnT w="6350" cap="flat" cmpd="sng" algn="ctr">
+                      <a:noFill/>
+                      <a:prstDash val="solid"/>
+                      <a:round/>
+                      <a:headEnd type="none" w="med" len="med"/>
+                      <a:tailEnd type="none" w="med" len="med"/>
+                    </a:lnT>
+                    <a:lnB w="6350" cap="flat" cmpd="sng" algn="ctr">
+                      <a:solidFill>
+                        <a:schemeClr val="bg1">
+                          <a:lumMod val="75000"/>
+                        </a:schemeClr>
+                      </a:solidFill>
+                      <a:prstDash val="solid"/>
+                      <a:round/>
+                      <a:headEnd type="none" w="med" len="med"/>
+                      <a:tailEnd type="none" w="med" len="med"/>
+                    </a:lnB>
+                    <a:lnTlToBr w="12700" cmpd="sng">
+                      <a:noFill/>
+                      <a:prstDash val="solid"/>
+                    </a:lnTlToBr>
+                    <a:lnBlToTr w="12700" cmpd="sng">
+                      <a:noFill/>
+                      <a:prstDash val="solid"/>
+                    </a:lnBlToTr>
+                    <a:noFill/>
+                  </a:tcPr>
+                </a:tc>
+                <a:extLst>
+                  <a:ext uri="{0D108BD9-81ED-4DB2-BD59-A6C34878D82A}">
+                    <a16:rowId xmlns:a16="http://schemas.microsoft.com/office/drawing/2014/main" val="788139117"/>
+                  </a:ext>
+                </a:extLst>
+              </a:tr>
+              <a:tr h="578382">
+                <a:tc>
+                  <a:txBody>
+                    <a:bodyPr/>
+                    <a:lstStyle/>
+                    <a:p>
+                      <a:pPr algn="l"/>
+                      <a:r>
+                        <a:rPr lang="en-US" sz="2000" dirty="0">
+                          <a:solidFill>
+                            <a:schemeClr val="tx1"/>
+                          </a:solidFill>
+                          <a:latin typeface="+mj-lt"/>
+                        </a:rPr>
+                        <a:t>Account</a:t>
+                      </a:r>
+                    </a:p>
+                  </a:txBody>
+                  <a:tcPr marL="137160" marR="137160" marT="91440" marB="91440" anchor="ctr">
+                    <a:lnL w="6350" cap="flat" cmpd="sng" algn="ctr">
+                      <a:solidFill>
+                        <a:schemeClr val="bg1">
+                          <a:lumMod val="75000"/>
+                        </a:schemeClr>
+                      </a:solidFill>
+                      <a:prstDash val="solid"/>
+                      <a:round/>
+                      <a:headEnd type="none" w="med" len="med"/>
+                      <a:tailEnd type="none" w="med" len="med"/>
+                    </a:lnL>
+                    <a:lnR w="6350" cap="flat" cmpd="sng" algn="ctr">
+                      <a:noFill/>
+                      <a:prstDash val="solid"/>
+                      <a:round/>
+                      <a:headEnd type="none" w="med" len="med"/>
+                      <a:tailEnd type="none" w="med" len="med"/>
+                    </a:lnR>
+                    <a:lnT w="6350" cap="flat" cmpd="sng" algn="ctr">
+                      <a:solidFill>
+                        <a:schemeClr val="bg1">
+                          <a:lumMod val="75000"/>
+                        </a:schemeClr>
+                      </a:solidFill>
+                      <a:prstDash val="solid"/>
+                      <a:round/>
+                      <a:headEnd type="none" w="med" len="med"/>
+                      <a:tailEnd type="none" w="med" len="med"/>
+                    </a:lnT>
+                    <a:lnB w="6350" cap="flat" cmpd="sng" algn="ctr">
+                      <a:solidFill>
+                        <a:schemeClr val="bg1">
+                          <a:lumMod val="75000"/>
+                        </a:schemeClr>
+                      </a:solidFill>
+                      <a:prstDash val="solid"/>
+                      <a:round/>
+                      <a:headEnd type="none" w="med" len="med"/>
+                      <a:tailEnd type="none" w="med" len="med"/>
+                    </a:lnB>
+                    <a:lnTlToBr w="12700" cmpd="sng">
+                      <a:noFill/>
+                      <a:prstDash val="solid"/>
+                    </a:lnTlToBr>
+                    <a:lnBlToTr w="12700" cmpd="sng">
+                      <a:noFill/>
+                      <a:prstDash val="solid"/>
+                    </a:lnBlToTr>
+                    <a:solidFill>
+                      <a:schemeClr val="bg1">
+                        <a:lumMod val="95000"/>
+                      </a:schemeClr>
+                    </a:solidFill>
+                  </a:tcPr>
+                </a:tc>
+                <a:tc>
+                  <a:txBody>
+                    <a:bodyPr/>
+                    <a:lstStyle/>
+                    <a:p>
+                      <a:pPr lvl="0" algn="l">
+                        <a:buNone/>
+                      </a:pPr>
+                      <a:r>
+                        <a:rPr lang="en-US" sz="2000" b="0" i="0" u="none" strike="noStrike" noProof="0" dirty="0">
+                          <a:solidFill>
+                            <a:schemeClr val="tx1"/>
+                          </a:solidFill>
+                          <a:latin typeface="Segoe UI"/>
+                        </a:rPr>
+                        <a:t>An identity that has data associated with it</a:t>
+                      </a:r>
+                      <a:endParaRPr lang="en-US" sz="2000" dirty="0">
+                        <a:solidFill>
+                          <a:schemeClr val="tx1"/>
+                        </a:solidFill>
+                      </a:endParaRPr>
+                    </a:p>
+                  </a:txBody>
+                  <a:tcPr marL="137160" marR="137160" marT="91440" marB="91440" anchor="ctr">
+                    <a:lnL w="6350" cap="flat" cmpd="sng" algn="ctr">
+                      <a:noFill/>
+                      <a:prstDash val="solid"/>
+                      <a:round/>
+                      <a:headEnd type="none" w="med" len="med"/>
+                      <a:tailEnd type="none" w="med" len="med"/>
+                    </a:lnL>
+                    <a:lnR w="6350" cap="flat" cmpd="sng" algn="ctr">
+                      <a:solidFill>
+                        <a:schemeClr val="bg1">
+                          <a:lumMod val="75000"/>
+                        </a:schemeClr>
+                      </a:solidFill>
+                      <a:prstDash val="solid"/>
+                      <a:round/>
+                      <a:headEnd type="none" w="med" len="med"/>
+                      <a:tailEnd type="none" w="med" len="med"/>
+                    </a:lnR>
+                    <a:lnT w="6350" cap="flat" cmpd="sng" algn="ctr">
+                      <a:solidFill>
+                        <a:schemeClr val="bg1">
+                          <a:lumMod val="75000"/>
+                        </a:schemeClr>
+                      </a:solidFill>
+                      <a:prstDash val="solid"/>
+                      <a:round/>
+                      <a:headEnd type="none" w="med" len="med"/>
+                      <a:tailEnd type="none" w="med" len="med"/>
+                    </a:lnT>
+                    <a:lnB w="6350" cap="flat" cmpd="sng" algn="ctr">
+                      <a:solidFill>
+                        <a:schemeClr val="bg1">
+                          <a:lumMod val="75000"/>
+                        </a:schemeClr>
+                      </a:solidFill>
+                      <a:prstDash val="solid"/>
+                      <a:round/>
+                      <a:headEnd type="none" w="med" len="med"/>
+                      <a:tailEnd type="none" w="med" len="med"/>
+                    </a:lnB>
+                    <a:lnTlToBr w="12700" cmpd="sng">
+                      <a:noFill/>
+                      <a:prstDash val="solid"/>
+                    </a:lnTlToBr>
+                    <a:lnBlToTr w="12700" cmpd="sng">
+                      <a:noFill/>
+                      <a:prstDash val="solid"/>
+                    </a:lnBlToTr>
+                    <a:noFill/>
+                  </a:tcPr>
+                </a:tc>
+                <a:extLst>
+                  <a:ext uri="{0D108BD9-81ED-4DB2-BD59-A6C34878D82A}">
+                    <a16:rowId xmlns:a16="http://schemas.microsoft.com/office/drawing/2014/main" val="3758439219"/>
+                  </a:ext>
+                </a:extLst>
+              </a:tr>
+              <a:tr h="578382">
+                <a:tc>
+                  <a:txBody>
+                    <a:bodyPr/>
+                    <a:lstStyle/>
+                    <a:p>
+                      <a:pPr algn="l"/>
+                      <a:r>
+                        <a:rPr lang="en-US" sz="2000" dirty="0">
+                          <a:solidFill>
+                            <a:schemeClr val="tx1"/>
+                          </a:solidFill>
+                          <a:latin typeface="+mj-lt"/>
+                        </a:rPr>
+                        <a:t>Azure AD account</a:t>
+                      </a:r>
+                    </a:p>
+                  </a:txBody>
+                  <a:tcPr marL="137160" marR="137160" marT="91440" marB="91440" anchor="ctr">
+                    <a:lnL w="6350" cap="flat" cmpd="sng" algn="ctr">
+                      <a:solidFill>
+                        <a:schemeClr val="bg1">
+                          <a:lumMod val="75000"/>
+                        </a:schemeClr>
+                      </a:solidFill>
+                      <a:prstDash val="solid"/>
+                      <a:round/>
+                      <a:headEnd type="none" w="med" len="med"/>
+                      <a:tailEnd type="none" w="med" len="med"/>
+                    </a:lnL>
+                    <a:lnR w="6350" cap="flat" cmpd="sng" algn="ctr">
+                      <a:noFill/>
+                      <a:prstDash val="solid"/>
+                      <a:round/>
+                      <a:headEnd type="none" w="med" len="med"/>
+                      <a:tailEnd type="none" w="med" len="med"/>
+                    </a:lnR>
+                    <a:lnT w="6350" cap="flat" cmpd="sng" algn="ctr">
+                      <a:solidFill>
+                        <a:schemeClr val="bg1">
+                          <a:lumMod val="75000"/>
+                        </a:schemeClr>
+                      </a:solidFill>
+                      <a:prstDash val="solid"/>
+                      <a:round/>
+                      <a:headEnd type="none" w="med" len="med"/>
+                      <a:tailEnd type="none" w="med" len="med"/>
+                    </a:lnT>
+                    <a:lnB w="6350" cap="flat" cmpd="sng" algn="ctr">
+                      <a:solidFill>
+                        <a:schemeClr val="bg1">
+                          <a:lumMod val="75000"/>
+                        </a:schemeClr>
+                      </a:solidFill>
+                      <a:prstDash val="solid"/>
+                      <a:round/>
+                      <a:headEnd type="none" w="med" len="med"/>
+                      <a:tailEnd type="none" w="med" len="med"/>
+                    </a:lnB>
+                    <a:lnTlToBr w="12700" cmpd="sng">
+                      <a:noFill/>
+                      <a:prstDash val="solid"/>
+                    </a:lnTlToBr>
+                    <a:lnBlToTr w="12700" cmpd="sng">
+                      <a:noFill/>
+                      <a:prstDash val="solid"/>
+                    </a:lnBlToTr>
+                    <a:solidFill>
+                      <a:schemeClr val="bg1">
+                        <a:lumMod val="95000"/>
+                      </a:schemeClr>
+                    </a:solidFill>
+                  </a:tcPr>
+                </a:tc>
+                <a:tc>
+                  <a:txBody>
+                    <a:bodyPr/>
+                    <a:lstStyle/>
+                    <a:p>
+                      <a:pPr lvl="0" algn="l">
+                        <a:buNone/>
+                      </a:pPr>
+                      <a:r>
+                        <a:rPr lang="en-US" sz="2000" b="0" i="0" u="none" strike="noStrike" noProof="0" dirty="0">
+                          <a:solidFill>
+                            <a:schemeClr val="tx1"/>
+                          </a:solidFill>
+                          <a:latin typeface="Segoe UI"/>
+                        </a:rPr>
+                        <a:t>An identity created through Azure AD or another Microsoft cloud service</a:t>
+                      </a:r>
+                      <a:endParaRPr lang="en-US" sz="2000" dirty="0">
+                        <a:solidFill>
+                          <a:schemeClr val="tx1"/>
+                        </a:solidFill>
+                      </a:endParaRPr>
+                    </a:p>
+                  </a:txBody>
+                  <a:tcPr marL="137160" marR="137160" marT="91440" marB="91440" anchor="ctr">
+                    <a:lnL w="6350" cap="flat" cmpd="sng" algn="ctr">
+                      <a:noFill/>
+                      <a:prstDash val="solid"/>
+                      <a:round/>
+                      <a:headEnd type="none" w="med" len="med"/>
+                      <a:tailEnd type="none" w="med" len="med"/>
+                    </a:lnL>
+                    <a:lnR w="6350" cap="flat" cmpd="sng" algn="ctr">
+                      <a:solidFill>
+                        <a:schemeClr val="bg1">
+                          <a:lumMod val="75000"/>
+                        </a:schemeClr>
+                      </a:solidFill>
+                      <a:prstDash val="solid"/>
+                      <a:round/>
+                      <a:headEnd type="none" w="med" len="med"/>
+                      <a:tailEnd type="none" w="med" len="med"/>
+                    </a:lnR>
+                    <a:lnT w="6350" cap="flat" cmpd="sng" algn="ctr">
+                      <a:solidFill>
+                        <a:schemeClr val="bg1">
+                          <a:lumMod val="75000"/>
+                        </a:schemeClr>
+                      </a:solidFill>
+                      <a:prstDash val="solid"/>
+                      <a:round/>
+                      <a:headEnd type="none" w="med" len="med"/>
+                      <a:tailEnd type="none" w="med" len="med"/>
+                    </a:lnT>
+                    <a:lnB w="6350" cap="flat" cmpd="sng" algn="ctr">
+                      <a:solidFill>
+                        <a:schemeClr val="bg1">
+                          <a:lumMod val="75000"/>
+                        </a:schemeClr>
+                      </a:solidFill>
+                      <a:prstDash val="solid"/>
+                      <a:round/>
+                      <a:headEnd type="none" w="med" len="med"/>
+                      <a:tailEnd type="none" w="med" len="med"/>
+                    </a:lnB>
+                    <a:lnTlToBr w="12700" cmpd="sng">
+                      <a:noFill/>
+                      <a:prstDash val="solid"/>
+                    </a:lnTlToBr>
+                    <a:lnBlToTr w="12700" cmpd="sng">
+                      <a:noFill/>
+                      <a:prstDash val="solid"/>
+                    </a:lnBlToTr>
+                    <a:noFill/>
+                  </a:tcPr>
+                </a:tc>
+                <a:extLst>
+                  <a:ext uri="{0D108BD9-81ED-4DB2-BD59-A6C34878D82A}">
+                    <a16:rowId xmlns:a16="http://schemas.microsoft.com/office/drawing/2014/main" val="1198512727"/>
+                  </a:ext>
+                </a:extLst>
+              </a:tr>
+              <a:tr h="2292162">
+                <a:tc>
+                  <a:txBody>
+                    <a:bodyPr/>
+                    <a:lstStyle/>
+                    <a:p>
+                      <a:pPr algn="l"/>
+                      <a:r>
+                        <a:rPr lang="en-US" sz="2000" dirty="0">
+                          <a:solidFill>
+                            <a:schemeClr val="tx1"/>
+                          </a:solidFill>
+                          <a:latin typeface="+mj-lt"/>
+                        </a:rPr>
+                        <a:t>Azure AD tenant/directory</a:t>
+                      </a:r>
+                    </a:p>
+                  </a:txBody>
+                  <a:tcPr marL="137160" marR="137160" marT="91440" marB="91440" anchor="ctr">
+                    <a:lnL w="6350" cap="flat" cmpd="sng" algn="ctr">
+                      <a:solidFill>
+                        <a:schemeClr val="bg1">
+                          <a:lumMod val="75000"/>
+                        </a:schemeClr>
+                      </a:solidFill>
+                      <a:prstDash val="solid"/>
+                      <a:round/>
+                      <a:headEnd type="none" w="med" len="med"/>
+                      <a:tailEnd type="none" w="med" len="med"/>
+                    </a:lnL>
+                    <a:lnR w="6350" cap="flat" cmpd="sng" algn="ctr">
+                      <a:noFill/>
+                      <a:prstDash val="solid"/>
+                      <a:round/>
+                      <a:headEnd type="none" w="med" len="med"/>
+                      <a:tailEnd type="none" w="med" len="med"/>
+                    </a:lnR>
+                    <a:lnT w="6350" cap="flat" cmpd="sng" algn="ctr">
+                      <a:solidFill>
+                        <a:schemeClr val="bg1">
+                          <a:lumMod val="75000"/>
+                        </a:schemeClr>
+                      </a:solidFill>
+                      <a:prstDash val="solid"/>
+                      <a:round/>
+                      <a:headEnd type="none" w="med" len="med"/>
+                      <a:tailEnd type="none" w="med" len="med"/>
+                    </a:lnT>
+                    <a:lnB w="6350" cap="flat" cmpd="sng" algn="ctr">
+                      <a:solidFill>
+                        <a:schemeClr val="bg1">
+                          <a:lumMod val="75000"/>
+                        </a:schemeClr>
+                      </a:solidFill>
+                      <a:prstDash val="solid"/>
+                      <a:round/>
+                      <a:headEnd type="none" w="med" len="med"/>
+                      <a:tailEnd type="none" w="med" len="med"/>
+                    </a:lnB>
+                    <a:lnTlToBr w="12700" cmpd="sng">
+                      <a:noFill/>
+                      <a:prstDash val="solid"/>
+                    </a:lnTlToBr>
+                    <a:lnBlToTr w="12700" cmpd="sng">
+                      <a:noFill/>
+                      <a:prstDash val="solid"/>
+                    </a:lnBlToTr>
+                    <a:solidFill>
+                      <a:schemeClr val="bg1">
+                        <a:lumMod val="95000"/>
+                      </a:schemeClr>
+                    </a:solidFill>
+                  </a:tcPr>
+                </a:tc>
+                <a:tc>
+                  <a:txBody>
+                    <a:bodyPr/>
+                    <a:lstStyle/>
+                    <a:p>
+                      <a:pPr rtl="0" fontAlgn="base"/>
+                      <a:r>
+                        <a:rPr lang="en-US" sz="1800" b="0" i="0" u="none" strike="noStrike" kern="1200" dirty="0">
+                          <a:solidFill>
+                            <a:schemeClr val="dk1"/>
+                          </a:solidFill>
+                          <a:effectLst/>
+                          <a:latin typeface="+mn-lt"/>
+                          <a:ea typeface="+mn-ea"/>
+                          <a:cs typeface="+mn-cs"/>
+                        </a:rPr>
+                        <a:t>A dedicated and trusted instance of Azure AD, a Tenant is automatically created when your organization signs up for a Microsoft cloud service subscription</a:t>
+                      </a:r>
+                      <a:r>
+                        <a:rPr lang="en-US" sz="1800" b="0" i="0" kern="1200" dirty="0">
+                          <a:solidFill>
+                            <a:schemeClr val="dk1"/>
+                          </a:solidFill>
+                          <a:effectLst/>
+                          <a:latin typeface="+mn-lt"/>
+                          <a:ea typeface="+mn-ea"/>
+                          <a:cs typeface="+mn-cs"/>
+                        </a:rPr>
+                        <a:t>​</a:t>
+                      </a:r>
+                      <a:br>
+                        <a:rPr lang="en-US" sz="1800" b="0" i="0" kern="1200" dirty="0">
+                          <a:solidFill>
+                            <a:schemeClr val="dk1"/>
+                          </a:solidFill>
+                          <a:effectLst/>
+                          <a:latin typeface="+mn-lt"/>
+                          <a:ea typeface="+mn-ea"/>
+                          <a:cs typeface="+mn-cs"/>
+                        </a:rPr>
+                      </a:br>
+                      <a:r>
+                        <a:rPr lang="en-US" sz="1800" b="0" i="0" u="none" strike="noStrike" kern="1200" dirty="0">
+                          <a:solidFill>
+                            <a:schemeClr val="dk1"/>
+                          </a:solidFill>
+                          <a:effectLst/>
+                          <a:latin typeface="+mn-lt"/>
+                          <a:ea typeface="+mn-ea"/>
+                          <a:cs typeface="+mn-cs"/>
+                        </a:rPr>
+                        <a:t> </a:t>
+                      </a:r>
+                      <a:r>
+                        <a:rPr lang="en-US" sz="1800" b="0" i="0" kern="1200" dirty="0">
+                          <a:solidFill>
+                            <a:schemeClr val="dk1"/>
+                          </a:solidFill>
+                          <a:effectLst/>
+                          <a:latin typeface="+mn-lt"/>
+                          <a:ea typeface="+mn-ea"/>
+                          <a:cs typeface="+mn-cs"/>
+                        </a:rPr>
+                        <a:t>​</a:t>
+                      </a:r>
+                    </a:p>
+                    <a:p>
+                      <a:pPr marL="285750" indent="-285750" rtl="0" fontAlgn="base">
+                        <a:buFont typeface="Arial" panose="020B0604020202020204" pitchFamily="34" charset="0"/>
+                        <a:buChar char="•"/>
+                      </a:pPr>
+                      <a:r>
+                        <a:rPr lang="en-US" sz="1800" b="0" i="0" u="none" strike="noStrike" kern="1200" dirty="0">
+                          <a:solidFill>
+                            <a:schemeClr val="dk1"/>
+                          </a:solidFill>
+                          <a:effectLst/>
+                          <a:latin typeface="+mn-lt"/>
+                          <a:ea typeface="+mn-ea"/>
+                          <a:cs typeface="+mn-cs"/>
+                        </a:rPr>
+                        <a:t>Additional instances of Azure AD can be created</a:t>
+                      </a:r>
+                      <a:r>
+                        <a:rPr lang="en-US" sz="1800" b="0" i="0" kern="1200" dirty="0">
+                          <a:solidFill>
+                            <a:schemeClr val="dk1"/>
+                          </a:solidFill>
+                          <a:effectLst/>
+                          <a:latin typeface="+mn-lt"/>
+                          <a:ea typeface="+mn-ea"/>
+                          <a:cs typeface="+mn-cs"/>
+                        </a:rPr>
+                        <a:t>​</a:t>
+                      </a:r>
+                    </a:p>
+                    <a:p>
+                      <a:pPr marL="285750" indent="-285750" rtl="0" fontAlgn="base">
+                        <a:buFont typeface="Arial" panose="020B0604020202020204" pitchFamily="34" charset="0"/>
+                        <a:buChar char="•"/>
+                      </a:pPr>
+                      <a:r>
+                        <a:rPr lang="en-US" sz="1800" b="0" i="0" u="none" strike="noStrike" kern="1200" dirty="0">
+                          <a:solidFill>
+                            <a:schemeClr val="dk1"/>
+                          </a:solidFill>
+                          <a:effectLst/>
+                          <a:latin typeface="+mn-lt"/>
+                          <a:ea typeface="+mn-ea"/>
+                          <a:cs typeface="+mn-cs"/>
+                        </a:rPr>
+                        <a:t>Azure AD is the underlying product providing the identity service</a:t>
+                      </a:r>
+                      <a:r>
+                        <a:rPr lang="en-US" sz="1800" b="0" i="0" kern="1200" dirty="0">
+                          <a:solidFill>
+                            <a:schemeClr val="dk1"/>
+                          </a:solidFill>
+                          <a:effectLst/>
+                          <a:latin typeface="+mn-lt"/>
+                          <a:ea typeface="+mn-ea"/>
+                          <a:cs typeface="+mn-cs"/>
+                        </a:rPr>
+                        <a:t>​</a:t>
+                      </a:r>
+                    </a:p>
+                    <a:p>
+                      <a:pPr marL="285750" indent="-285750" rtl="0" fontAlgn="base">
+                        <a:buFont typeface="Arial" panose="020B0604020202020204" pitchFamily="34" charset="0"/>
+                        <a:buChar char="•"/>
+                      </a:pPr>
+                      <a:r>
+                        <a:rPr lang="en-US" sz="1800" b="0" i="0" u="none" strike="noStrike" kern="1200" dirty="0">
+                          <a:solidFill>
+                            <a:schemeClr val="dk1"/>
+                          </a:solidFill>
+                          <a:effectLst/>
+                          <a:latin typeface="+mn-lt"/>
+                          <a:ea typeface="+mn-ea"/>
+                          <a:cs typeface="+mn-cs"/>
+                        </a:rPr>
+                        <a:t>The term </a:t>
+                      </a:r>
+                      <a:r>
+                        <a:rPr lang="en-US" sz="1800" b="0" i="1" u="none" strike="noStrike" kern="1200" dirty="0">
+                          <a:solidFill>
+                            <a:schemeClr val="dk1"/>
+                          </a:solidFill>
+                          <a:effectLst/>
+                          <a:latin typeface="+mn-lt"/>
+                          <a:ea typeface="+mn-ea"/>
+                          <a:cs typeface="+mn-cs"/>
+                        </a:rPr>
+                        <a:t>Tenant</a:t>
+                      </a:r>
+                      <a:r>
+                        <a:rPr lang="en-US" sz="1800" b="0" i="0" u="none" strike="noStrike" kern="1200" dirty="0">
+                          <a:solidFill>
+                            <a:schemeClr val="dk1"/>
+                          </a:solidFill>
+                          <a:effectLst/>
+                          <a:latin typeface="+mn-lt"/>
+                          <a:ea typeface="+mn-ea"/>
+                          <a:cs typeface="+mn-cs"/>
+                        </a:rPr>
+                        <a:t> means a single instance of Azure AD representing a single organization</a:t>
+                      </a:r>
+                      <a:r>
+                        <a:rPr lang="en-US" sz="1800" b="0" i="0" kern="1200" dirty="0">
+                          <a:solidFill>
+                            <a:schemeClr val="dk1"/>
+                          </a:solidFill>
+                          <a:effectLst/>
+                          <a:latin typeface="+mn-lt"/>
+                          <a:ea typeface="+mn-ea"/>
+                          <a:cs typeface="+mn-cs"/>
+                        </a:rPr>
+                        <a:t>​</a:t>
+                      </a:r>
+                    </a:p>
+                    <a:p>
+                      <a:pPr marL="285750" indent="-285750" rtl="0" fontAlgn="base">
+                        <a:buFont typeface="Arial" panose="020B0604020202020204" pitchFamily="34" charset="0"/>
+                        <a:buChar char="•"/>
+                      </a:pPr>
+                      <a:r>
+                        <a:rPr lang="en-US" sz="1800" b="0" i="0" u="none" strike="noStrike" kern="1200" dirty="0">
+                          <a:solidFill>
+                            <a:schemeClr val="dk1"/>
+                          </a:solidFill>
+                          <a:effectLst/>
+                          <a:latin typeface="+mn-lt"/>
+                          <a:ea typeface="+mn-ea"/>
+                          <a:cs typeface="+mn-cs"/>
+                        </a:rPr>
+                        <a:t>The terms </a:t>
+                      </a:r>
+                      <a:r>
+                        <a:rPr lang="en-US" sz="1800" b="0" i="1" u="none" strike="noStrike" kern="1200" dirty="0">
+                          <a:solidFill>
+                            <a:schemeClr val="dk1"/>
+                          </a:solidFill>
+                          <a:effectLst/>
+                          <a:latin typeface="+mn-lt"/>
+                          <a:ea typeface="+mn-ea"/>
+                          <a:cs typeface="+mn-cs"/>
+                        </a:rPr>
+                        <a:t>Tenant </a:t>
+                      </a:r>
+                      <a:r>
+                        <a:rPr lang="en-US" sz="1800" b="0" i="0" u="none" strike="noStrike" kern="1200" dirty="0">
+                          <a:solidFill>
+                            <a:schemeClr val="dk1"/>
+                          </a:solidFill>
+                          <a:effectLst/>
+                          <a:latin typeface="+mn-lt"/>
+                          <a:ea typeface="+mn-ea"/>
+                          <a:cs typeface="+mn-cs"/>
+                        </a:rPr>
+                        <a:t>and </a:t>
+                      </a:r>
+                      <a:r>
+                        <a:rPr lang="en-US" sz="1800" b="0" i="1" u="none" strike="noStrike" kern="1200" dirty="0">
+                          <a:solidFill>
+                            <a:schemeClr val="dk1"/>
+                          </a:solidFill>
+                          <a:effectLst/>
+                          <a:latin typeface="+mn-lt"/>
+                          <a:ea typeface="+mn-ea"/>
+                          <a:cs typeface="+mn-cs"/>
+                        </a:rPr>
+                        <a:t>Directory</a:t>
+                      </a:r>
+                      <a:r>
+                        <a:rPr lang="en-US" sz="1800" b="0" i="0" u="none" strike="noStrike" kern="1200" dirty="0">
+                          <a:solidFill>
+                            <a:schemeClr val="dk1"/>
+                          </a:solidFill>
+                          <a:effectLst/>
+                          <a:latin typeface="+mn-lt"/>
+                          <a:ea typeface="+mn-ea"/>
+                          <a:cs typeface="+mn-cs"/>
+                        </a:rPr>
+                        <a:t> are often used interchangeably</a:t>
+                      </a:r>
+                      <a:r>
+                        <a:rPr lang="en-US" sz="1800" b="0" i="0" kern="1200" dirty="0">
+                          <a:solidFill>
+                            <a:schemeClr val="dk1"/>
+                          </a:solidFill>
+                          <a:effectLst/>
+                          <a:latin typeface="+mn-lt"/>
+                          <a:ea typeface="+mn-ea"/>
+                          <a:cs typeface="+mn-cs"/>
+                        </a:rPr>
+                        <a:t>​</a:t>
+                      </a:r>
+                    </a:p>
+                  </a:txBody>
+                  <a:tcPr marL="137160" marR="137160" marT="91440" marB="91440" anchor="ctr">
+                    <a:lnL w="6350" cap="flat" cmpd="sng" algn="ctr">
+                      <a:noFill/>
+                      <a:prstDash val="solid"/>
+                      <a:round/>
+                      <a:headEnd type="none" w="med" len="med"/>
+                      <a:tailEnd type="none" w="med" len="med"/>
+                    </a:lnL>
+                    <a:lnR w="6350" cap="flat" cmpd="sng" algn="ctr">
+                      <a:solidFill>
+                        <a:schemeClr val="bg1">
+                          <a:lumMod val="75000"/>
+                        </a:schemeClr>
+                      </a:solidFill>
+                      <a:prstDash val="solid"/>
+                      <a:round/>
+                      <a:headEnd type="none" w="med" len="med"/>
+                      <a:tailEnd type="none" w="med" len="med"/>
+                    </a:lnR>
+                    <a:lnT w="6350" cap="flat" cmpd="sng" algn="ctr">
+                      <a:solidFill>
+                        <a:schemeClr val="bg1">
+                          <a:lumMod val="75000"/>
+                        </a:schemeClr>
+                      </a:solidFill>
+                      <a:prstDash val="solid"/>
+                      <a:round/>
+                      <a:headEnd type="none" w="med" len="med"/>
+                      <a:tailEnd type="none" w="med" len="med"/>
+                    </a:lnT>
+                    <a:lnB w="6350" cap="flat" cmpd="sng" algn="ctr">
+                      <a:solidFill>
+                        <a:schemeClr val="bg1">
+                          <a:lumMod val="75000"/>
+                        </a:schemeClr>
+                      </a:solidFill>
+                      <a:prstDash val="solid"/>
+                      <a:round/>
+                      <a:headEnd type="none" w="med" len="med"/>
+                      <a:tailEnd type="none" w="med" len="med"/>
+                    </a:lnB>
+                    <a:lnTlToBr w="12700" cmpd="sng">
+                      <a:noFill/>
+                      <a:prstDash val="solid"/>
+                    </a:lnTlToBr>
+                    <a:lnBlToTr w="12700" cmpd="sng">
+                      <a:noFill/>
+                      <a:prstDash val="solid"/>
+                    </a:lnBlToTr>
+                    <a:noFill/>
+                  </a:tcPr>
+                </a:tc>
+                <a:extLst>
+                  <a:ext uri="{0D108BD9-81ED-4DB2-BD59-A6C34878D82A}">
+                    <a16:rowId xmlns:a16="http://schemas.microsoft.com/office/drawing/2014/main" val="362684497"/>
+                  </a:ext>
+                </a:extLst>
+              </a:tr>
+              <a:tr h="578382">
+                <a:tc>
+                  <a:txBody>
+                    <a:bodyPr/>
+                    <a:lstStyle/>
+                    <a:p>
+                      <a:pPr lvl="0" algn="l">
+                        <a:buNone/>
+                      </a:pPr>
+                      <a:r>
+                        <a:rPr lang="en-US" sz="2000" dirty="0">
+                          <a:solidFill>
+                            <a:schemeClr val="tx1"/>
+                          </a:solidFill>
+                          <a:latin typeface="+mj-lt"/>
+                        </a:rPr>
+                        <a:t>Azure subscription</a:t>
+                      </a:r>
+                    </a:p>
+                  </a:txBody>
+                  <a:tcPr marL="137160" marR="137160" marT="91440" marB="91440" anchor="ctr">
+                    <a:lnL w="6350" cap="flat" cmpd="sng" algn="ctr">
+                      <a:solidFill>
+                        <a:schemeClr val="bg1">
+                          <a:lumMod val="75000"/>
+                        </a:schemeClr>
+                      </a:solidFill>
+                      <a:prstDash val="solid"/>
+                      <a:round/>
+                      <a:headEnd type="none" w="med" len="med"/>
+                      <a:tailEnd type="none" w="med" len="med"/>
+                    </a:lnL>
+                    <a:lnR w="6350" cap="flat" cmpd="sng" algn="ctr">
+                      <a:noFill/>
+                      <a:prstDash val="solid"/>
+                      <a:round/>
+                      <a:headEnd type="none" w="med" len="med"/>
+                      <a:tailEnd type="none" w="med" len="med"/>
+                    </a:lnR>
+                    <a:lnT w="6350" cap="flat" cmpd="sng" algn="ctr">
+                      <a:solidFill>
+                        <a:schemeClr val="bg1">
+                          <a:lumMod val="75000"/>
+                        </a:schemeClr>
+                      </a:solidFill>
+                      <a:prstDash val="solid"/>
+                      <a:round/>
+                      <a:headEnd type="none" w="med" len="med"/>
+                      <a:tailEnd type="none" w="med" len="med"/>
+                    </a:lnT>
+                    <a:lnB w="6350" cap="flat" cmpd="sng" algn="ctr">
+                      <a:solidFill>
+                        <a:schemeClr val="bg1">
+                          <a:lumMod val="75000"/>
+                        </a:schemeClr>
+                      </a:solidFill>
+                      <a:prstDash val="solid"/>
+                      <a:round/>
+                      <a:headEnd type="none" w="med" len="med"/>
+                      <a:tailEnd type="none" w="med" len="med"/>
+                    </a:lnB>
+                    <a:lnTlToBr w="12700" cmpd="sng">
+                      <a:noFill/>
+                      <a:prstDash val="solid"/>
+                    </a:lnTlToBr>
+                    <a:lnBlToTr w="12700" cmpd="sng">
+                      <a:noFill/>
+                      <a:prstDash val="solid"/>
+                    </a:lnBlToTr>
+                    <a:solidFill>
+                      <a:schemeClr val="bg1">
+                        <a:lumMod val="95000"/>
+                      </a:schemeClr>
+                    </a:solidFill>
+                  </a:tcPr>
+                </a:tc>
+                <a:tc>
+                  <a:txBody>
+                    <a:bodyPr/>
+                    <a:lstStyle/>
+                    <a:p>
+                      <a:pPr lvl="0" algn="l">
+                        <a:buNone/>
+                      </a:pPr>
+                      <a:r>
+                        <a:rPr lang="en-US" sz="2000" b="0" i="0" u="none" strike="noStrike" noProof="0" dirty="0">
+                          <a:solidFill>
+                            <a:schemeClr val="tx1"/>
+                          </a:solidFill>
+                          <a:latin typeface="Segoe UI"/>
+                        </a:rPr>
+                        <a:t>Used to pay for Azure cloud services</a:t>
+                      </a:r>
+                      <a:endParaRPr lang="en-US" sz="2000" dirty="0">
+                        <a:solidFill>
+                          <a:schemeClr val="tx1"/>
+                        </a:solidFill>
+                      </a:endParaRPr>
+                    </a:p>
+                  </a:txBody>
+                  <a:tcPr marL="137160" marR="137160" marT="91440" marB="91440" anchor="ctr">
+                    <a:lnL w="6350" cap="flat" cmpd="sng" algn="ctr">
+                      <a:noFill/>
+                      <a:prstDash val="solid"/>
+                      <a:round/>
+                      <a:headEnd type="none" w="med" len="med"/>
+                      <a:tailEnd type="none" w="med" len="med"/>
+                    </a:lnL>
+                    <a:lnR w="6350" cap="flat" cmpd="sng" algn="ctr">
+                      <a:solidFill>
+                        <a:schemeClr val="bg1">
+                          <a:lumMod val="75000"/>
+                        </a:schemeClr>
+                      </a:solidFill>
+                      <a:prstDash val="solid"/>
+                      <a:round/>
+                      <a:headEnd type="none" w="med" len="med"/>
+                      <a:tailEnd type="none" w="med" len="med"/>
+                    </a:lnR>
+                    <a:lnT w="6350" cap="flat" cmpd="sng" algn="ctr">
+                      <a:solidFill>
+                        <a:schemeClr val="bg1">
+                          <a:lumMod val="75000"/>
+                        </a:schemeClr>
+                      </a:solidFill>
+                      <a:prstDash val="solid"/>
+                      <a:round/>
+                      <a:headEnd type="none" w="med" len="med"/>
+                      <a:tailEnd type="none" w="med" len="med"/>
+                    </a:lnT>
+                    <a:lnB w="6350" cap="flat" cmpd="sng" algn="ctr">
+                      <a:solidFill>
+                        <a:schemeClr val="bg1">
+                          <a:lumMod val="75000"/>
+                        </a:schemeClr>
+                      </a:solidFill>
+                      <a:prstDash val="solid"/>
+                      <a:round/>
+                      <a:headEnd type="none" w="med" len="med"/>
+                      <a:tailEnd type="none" w="med" len="med"/>
+                    </a:lnB>
+                    <a:lnTlToBr w="12700" cmpd="sng">
+                      <a:noFill/>
+                      <a:prstDash val="solid"/>
+                    </a:lnTlToBr>
+                    <a:lnBlToTr w="12700" cmpd="sng">
+                      <a:noFill/>
+                      <a:prstDash val="solid"/>
+                    </a:lnBlToTr>
+                    <a:noFill/>
+                  </a:tcPr>
+                </a:tc>
+                <a:extLst>
+                  <a:ext uri="{0D108BD9-81ED-4DB2-BD59-A6C34878D82A}">
+                    <a16:rowId xmlns:a16="http://schemas.microsoft.com/office/drawing/2014/main" val="3362493009"/>
+                  </a:ext>
+                </a:extLst>
+              </a:tr>
+            </a:tbl>
+          </a:graphicData>
+        </a:graphic>
+      </p:graphicFrame>
+    </p:spTree>
+    <p:extLst>
+      <p:ext uri="{BB962C8B-B14F-4D97-AF65-F5344CB8AC3E}">
+        <p14:creationId xmlns:p14="http://schemas.microsoft.com/office/powerpoint/2010/main" val="2137074036"/>
+      </p:ext>
+    </p:extLst>
+  </p:cSld>
+  <p:clrMapOvr>
+    <a:masterClrMapping/>
+  </p:clrMapOvr>
+  <p:transition>
+    <p:fade/>
+  </p:transition>
+</p:sld>
+</file>
+
+<file path=ppt/slides/slide11.xml><?xml version="1.0" encoding="utf-8"?>
+<p:sld xmlns:a="http://schemas.openxmlformats.org/drawingml/2006/main" xmlns:r="http://schemas.openxmlformats.org/officeDocument/2006/relationships" xmlns:p="http://schemas.openxmlformats.org/presentationml/2006/main">
+  <p:cSld>
+    <p:spTree>
+      <p:nvGrpSpPr>
+        <p:cNvPr id="1" name=""/>
+        <p:cNvGrpSpPr/>
+        <p:nvPr/>
+      </p:nvGrpSpPr>
+      <p:grpSpPr>
+        <a:xfrm>
+          <a:off x="0" y="0"/>
+          <a:ext cx="0" cy="0"/>
+          <a:chOff x="0" y="0"/>
+          <a:chExt cx="0" cy="0"/>
+        </a:xfrm>
+      </p:grpSpPr>
+      <p:sp>
+        <p:nvSpPr>
           <p:cNvPr id="17" name="Title 16"/>
           <p:cNvSpPr>
             <a:spLocks noGrp="1"/>
@@ -10537,7 +11652,7 @@
 </p:sld>
 </file>
 
-<file path=ppt/slides/slide11.xml><?xml version="1.0" encoding="utf-8"?>
+<file path=ppt/slides/slide12.xml><?xml version="1.0" encoding="utf-8"?>
 <p:sld xmlns:a="http://schemas.openxmlformats.org/drawingml/2006/main" xmlns:r="http://schemas.openxmlformats.org/officeDocument/2006/relationships" xmlns:p="http://schemas.openxmlformats.org/presentationml/2006/main">
   <p:cSld>
     <p:spTree>
@@ -10801,7 +11916,7 @@
 </p:sld>
 </file>
 
-<file path=ppt/slides/slide12.xml><?xml version="1.0" encoding="utf-8"?>
+<file path=ppt/slides/slide13.xml><?xml version="1.0" encoding="utf-8"?>
 <p:sld xmlns:a="http://schemas.openxmlformats.org/drawingml/2006/main" xmlns:r="http://schemas.openxmlformats.org/officeDocument/2006/relationships" xmlns:p="http://schemas.openxmlformats.org/presentationml/2006/main">
   <p:cSld>
     <p:spTree>
@@ -15443,7 +16558,7 @@
 </p:sld>
 </file>
 
-<file path=ppt/slides/slide13.xml><?xml version="1.0" encoding="utf-8"?>
+<file path=ppt/slides/slide14.xml><?xml version="1.0" encoding="utf-8"?>
 <p:sld xmlns:a="http://schemas.openxmlformats.org/drawingml/2006/main" xmlns:r="http://schemas.openxmlformats.org/officeDocument/2006/relationships" xmlns:p="http://schemas.openxmlformats.org/presentationml/2006/main">
   <p:cSld>
     <p:spTree>
@@ -15628,7 +16743,7 @@
 </p:sld>
 </file>
 
-<file path=ppt/slides/slide14.xml><?xml version="1.0" encoding="utf-8"?>
+<file path=ppt/slides/slide15.xml><?xml version="1.0" encoding="utf-8"?>
 <p:sld xmlns:a="http://schemas.openxmlformats.org/drawingml/2006/main" xmlns:r="http://schemas.openxmlformats.org/officeDocument/2006/relationships" xmlns:p="http://schemas.openxmlformats.org/presentationml/2006/main">
   <p:cSld>
     <p:spTree>
@@ -17417,7 +18532,7 @@
 </p:sld>
 </file>
 
-<file path=ppt/slides/slide15.xml><?xml version="1.0" encoding="utf-8"?>
+<file path=ppt/slides/slide16.xml><?xml version="1.0" encoding="utf-8"?>
 <p:sld xmlns:a="http://schemas.openxmlformats.org/drawingml/2006/main" xmlns:r="http://schemas.openxmlformats.org/officeDocument/2006/relationships" xmlns:p="http://schemas.openxmlformats.org/presentationml/2006/main">
   <p:cSld>
     <p:spTree>
@@ -17825,7 +18940,7 @@
 </p:sld>
 </file>
 
-<file path=ppt/slides/slide16.xml><?xml version="1.0" encoding="utf-8"?>
+<file path=ppt/slides/slide17.xml><?xml version="1.0" encoding="utf-8"?>
 <p:sld xmlns:a="http://schemas.openxmlformats.org/drawingml/2006/main" xmlns:r="http://schemas.openxmlformats.org/officeDocument/2006/relationships" xmlns:p="http://schemas.openxmlformats.org/presentationml/2006/main">
   <p:cSld>
     <p:spTree>
@@ -18216,7 +19331,7 @@
 </p:sld>
 </file>
 
-<file path=ppt/slides/slide17.xml><?xml version="1.0" encoding="utf-8"?>
+<file path=ppt/slides/slide18.xml><?xml version="1.0" encoding="utf-8"?>
 <p:sld xmlns:a="http://schemas.openxmlformats.org/drawingml/2006/main" xmlns:r="http://schemas.openxmlformats.org/officeDocument/2006/relationships" xmlns:p="http://schemas.openxmlformats.org/presentationml/2006/main">
   <p:cSld>
     <p:spTree>
@@ -18575,7 +19690,7 @@
 </p:sld>
 </file>
 
-<file path=ppt/slides/slide18.xml><?xml version="1.0" encoding="utf-8"?>
+<file path=ppt/slides/slide19.xml><?xml version="1.0" encoding="utf-8"?>
 <p:sld xmlns:a="http://schemas.openxmlformats.org/drawingml/2006/main" xmlns:r="http://schemas.openxmlformats.org/officeDocument/2006/relationships" xmlns:p="http://schemas.openxmlformats.org/presentationml/2006/main">
   <p:cSld>
     <p:spTree>
@@ -19159,114 +20274,6 @@
     <p:extLst>
       <p:ext uri="{BB962C8B-B14F-4D97-AF65-F5344CB8AC3E}">
         <p14:creationId xmlns:p14="http://schemas.microsoft.com/office/powerpoint/2010/main" val="985121570"/>
-      </p:ext>
-    </p:extLst>
-  </p:cSld>
-  <p:clrMapOvr>
-    <a:masterClrMapping/>
-  </p:clrMapOvr>
-  <p:transition>
-    <p:fade/>
-  </p:transition>
-</p:sld>
-</file>
-
-<file path=ppt/slides/slide19.xml><?xml version="1.0" encoding="utf-8"?>
-<p:sld xmlns:a="http://schemas.openxmlformats.org/drawingml/2006/main" xmlns:r="http://schemas.openxmlformats.org/officeDocument/2006/relationships" xmlns:p="http://schemas.openxmlformats.org/presentationml/2006/main">
-  <p:cSld>
-    <p:spTree>
-      <p:nvGrpSpPr>
-        <p:cNvPr id="1" name=""/>
-        <p:cNvGrpSpPr/>
-        <p:nvPr/>
-      </p:nvGrpSpPr>
-      <p:grpSpPr>
-        <a:xfrm>
-          <a:off x="0" y="0"/>
-          <a:ext cx="0" cy="0"/>
-          <a:chOff x="0" y="0"/>
-          <a:chExt cx="0" cy="0"/>
-        </a:xfrm>
-      </p:grpSpPr>
-      <p:sp>
-        <p:nvSpPr>
-          <p:cNvPr id="2" name="Title 1">
-            <a:extLst>
-              <a:ext uri="{FF2B5EF4-FFF2-40B4-BE49-F238E27FC236}">
-                <a16:creationId xmlns:a16="http://schemas.microsoft.com/office/drawing/2014/main" id="{DD8FA1D8-007C-F9C0-A247-739D8EDDD0EB}"/>
-              </a:ext>
-            </a:extLst>
-          </p:cNvPr>
-          <p:cNvSpPr>
-            <a:spLocks noGrp="1"/>
-          </p:cNvSpPr>
-          <p:nvPr>
-            <p:ph type="title"/>
-          </p:nvPr>
-        </p:nvSpPr>
-        <p:spPr/>
-        <p:txBody>
-          <a:bodyPr/>
-          <a:lstStyle/>
-          <a:p>
-            <a:r>
-              <a:rPr lang="en-GB" dirty="0"/>
-              <a:t>What is Federation?</a:t>
-            </a:r>
-          </a:p>
-        </p:txBody>
-      </p:sp>
-      <p:pic>
-        <p:nvPicPr>
-          <p:cNvPr id="2050" name="Picture 2" descr="ADFS - Active Directory Federation Service – STEP by STEP for Office 365 -  Nuno Árias Silva Website">
-            <a:extLst>
-              <a:ext uri="{FF2B5EF4-FFF2-40B4-BE49-F238E27FC236}">
-                <a16:creationId xmlns:a16="http://schemas.microsoft.com/office/drawing/2014/main" id="{CAF3ACF7-56A8-0D8D-9A3A-C902C43603A2}"/>
-              </a:ext>
-            </a:extLst>
-          </p:cNvPr>
-          <p:cNvPicPr>
-            <a:picLocks noChangeAspect="1" noChangeArrowheads="1"/>
-          </p:cNvPicPr>
-          <p:nvPr/>
-        </p:nvPicPr>
-        <p:blipFill>
-          <a:blip r:embed="rId2">
-            <a:extLst>
-              <a:ext uri="{28A0092B-C50C-407E-A947-70E740481C1C}">
-                <a14:useLocalDpi xmlns:a14="http://schemas.microsoft.com/office/drawing/2010/main" val="0"/>
-              </a:ext>
-            </a:extLst>
-          </a:blip>
-          <a:srcRect/>
-          <a:stretch>
-            <a:fillRect/>
-          </a:stretch>
-        </p:blipFill>
-        <p:spPr bwMode="auto">
-          <a:xfrm>
-            <a:off x="2074862" y="1281745"/>
-            <a:ext cx="8286749" cy="4844321"/>
-          </a:xfrm>
-          <a:prstGeom prst="rect">
-            <a:avLst/>
-          </a:prstGeom>
-          <a:noFill/>
-          <a:extLst>
-            <a:ext uri="{909E8E84-426E-40DD-AFC4-6F175D3DCCD1}">
-              <a14:hiddenFill xmlns:a14="http://schemas.microsoft.com/office/drawing/2010/main">
-                <a:solidFill>
-                  <a:srgbClr val="FFFFFF"/>
-                </a:solidFill>
-              </a14:hiddenFill>
-            </a:ext>
-          </a:extLst>
-        </p:spPr>
-      </p:pic>
-    </p:spTree>
-    <p:extLst>
-      <p:ext uri="{BB962C8B-B14F-4D97-AF65-F5344CB8AC3E}">
-        <p14:creationId xmlns:p14="http://schemas.microsoft.com/office/powerpoint/2010/main" val="209061593"/>
       </p:ext>
     </p:extLst>
   </p:cSld>
@@ -19780,7 +20787,7 @@
           <p:cNvPr id="2" name="Title 1">
             <a:extLst>
               <a:ext uri="{FF2B5EF4-FFF2-40B4-BE49-F238E27FC236}">
-                <a16:creationId xmlns:a16="http://schemas.microsoft.com/office/drawing/2014/main" id="{EE7DDD1D-2561-5025-062B-C30D4E223DDF}"/>
+                <a16:creationId xmlns:a16="http://schemas.microsoft.com/office/drawing/2014/main" id="{DD8FA1D8-007C-F9C0-A247-739D8EDDD0EB}"/>
               </a:ext>
             </a:extLst>
           </p:cNvPr>
@@ -19797,431 +20804,63 @@
           <a:lstStyle/>
           <a:p>
             <a:r>
-              <a:rPr lang="en-US"/>
-              <a:t>Federated identity concepts</a:t>
+              <a:rPr lang="en-GB" dirty="0"/>
+              <a:t>What is Federation?</a:t>
             </a:r>
           </a:p>
         </p:txBody>
       </p:sp>
-      <p:sp>
-        <p:nvSpPr>
-          <p:cNvPr id="3" name="Text Placeholder 2">
+      <p:pic>
+        <p:nvPicPr>
+          <p:cNvPr id="2050" name="Picture 2" descr="ADFS - Active Directory Federation Service – STEP by STEP for Office 365 -  Nuno Árias Silva Website">
             <a:extLst>
               <a:ext uri="{FF2B5EF4-FFF2-40B4-BE49-F238E27FC236}">
-                <a16:creationId xmlns:a16="http://schemas.microsoft.com/office/drawing/2014/main" id="{473029C6-A39A-0DF9-C693-7D42A8E0EE0F}"/>
+                <a16:creationId xmlns:a16="http://schemas.microsoft.com/office/drawing/2014/main" id="{CAF3ACF7-56A8-0D8D-9A3A-C902C43603A2}"/>
               </a:ext>
             </a:extLst>
           </p:cNvPr>
-          <p:cNvSpPr>
-            <a:spLocks noGrp="1"/>
-          </p:cNvSpPr>
-          <p:nvPr>
-            <p:ph type="body" sz="quarter" idx="12"/>
-          </p:nvPr>
-        </p:nvSpPr>
-        <p:spPr>
-          <a:xfrm>
-            <a:off x="427859" y="2350777"/>
-            <a:ext cx="5689994" cy="2653662"/>
-          </a:xfrm>
-        </p:spPr>
-        <p:txBody>
-          <a:bodyPr/>
-          <a:lstStyle/>
-          <a:p>
-            <a:r>
-              <a:rPr lang="en-US" dirty="0"/>
-              <a:t>SAML – Security Assertion Markup Language</a:t>
-            </a:r>
-          </a:p>
-          <a:p>
-            <a:r>
-              <a:rPr lang="en-US" sz="1836" dirty="0">
-                <a:latin typeface="Calibri" panose="020F0502020204030204" pitchFamily="34" charset="0"/>
-                <a:ea typeface="Calibri" panose="020F0502020204030204" pitchFamily="34" charset="0"/>
-                <a:cs typeface="Times New Roman" panose="02020603050405020304" pitchFamily="18" charset="0"/>
-              </a:rPr>
-              <a:t>Open standard for exchanging authentication and authorization data between an identity provider and a service provider.</a:t>
-            </a:r>
-          </a:p>
-          <a:p>
-            <a:pPr marL="349724" indent="-349724">
-              <a:buFont typeface="Arial" panose="020B0604020202020204" pitchFamily="34" charset="0"/>
-              <a:buChar char="•"/>
-            </a:pPr>
-            <a:r>
-              <a:rPr lang="en-US" dirty="0"/>
-              <a:t>The principal, generally a user</a:t>
-            </a:r>
-          </a:p>
-          <a:p>
-            <a:pPr marL="349724" indent="-349724">
-              <a:buFont typeface="Arial" panose="020B0604020202020204" pitchFamily="34" charset="0"/>
-              <a:buChar char="•"/>
-            </a:pPr>
-            <a:r>
-              <a:rPr lang="en-US" dirty="0"/>
-              <a:t>The identity provider (IdP)</a:t>
-            </a:r>
-          </a:p>
-          <a:p>
-            <a:pPr marL="349724" indent="-349724">
-              <a:buFont typeface="Arial" panose="020B0604020202020204" pitchFamily="34" charset="0"/>
-              <a:buChar char="•"/>
-            </a:pPr>
-            <a:r>
-              <a:rPr lang="en-US" dirty="0"/>
-              <a:t>The service provider (SP)</a:t>
-            </a:r>
-          </a:p>
-          <a:p>
-            <a:endParaRPr lang="en-US" dirty="0"/>
-          </a:p>
-        </p:txBody>
-      </p:sp>
-      <p:sp>
-        <p:nvSpPr>
-          <p:cNvPr id="4" name="Text Placeholder 3">
+          <p:cNvPicPr>
+            <a:picLocks noChangeAspect="1" noChangeArrowheads="1"/>
+          </p:cNvPicPr>
+          <p:nvPr/>
+        </p:nvPicPr>
+        <p:blipFill>
+          <a:blip r:embed="rId2">
             <a:extLst>
-              <a:ext uri="{FF2B5EF4-FFF2-40B4-BE49-F238E27FC236}">
-                <a16:creationId xmlns:a16="http://schemas.microsoft.com/office/drawing/2014/main" id="{CB206FCC-3DA7-6491-2D5A-2B725D49ECE9}"/>
+              <a:ext uri="{28A0092B-C50C-407E-A947-70E740481C1C}">
+                <a14:useLocalDpi xmlns:a14="http://schemas.microsoft.com/office/drawing/2010/main" val="0"/>
               </a:ext>
             </a:extLst>
-          </p:cNvPr>
-          <p:cNvSpPr>
-            <a:spLocks noGrp="1"/>
-          </p:cNvSpPr>
-          <p:nvPr>
-            <p:ph type="body" sz="quarter" idx="13"/>
-          </p:nvPr>
-        </p:nvSpPr>
-        <p:spPr>
+          </a:blip>
+          <a:srcRect/>
+          <a:stretch>
+            <a:fillRect/>
+          </a:stretch>
+        </p:blipFill>
+        <p:spPr bwMode="auto">
           <a:xfrm>
-            <a:off x="6354242" y="2350778"/>
-            <a:ext cx="5653908" cy="1693118"/>
-          </a:xfrm>
-        </p:spPr>
-        <p:txBody>
-          <a:bodyPr/>
-          <a:lstStyle/>
-          <a:p>
-            <a:r>
-              <a:rPr lang="en-US" dirty="0"/>
-              <a:t>WS-Fed – Web Services Federation</a:t>
-            </a:r>
-          </a:p>
-          <a:p>
-            <a:r>
-              <a:rPr lang="en-US" sz="1836" dirty="0">
-                <a:latin typeface="Calibri" panose="020F0502020204030204" pitchFamily="34" charset="0"/>
-                <a:ea typeface="Calibri" panose="020F0502020204030204" pitchFamily="34" charset="0"/>
-                <a:cs typeface="Times New Roman" panose="02020603050405020304" pitchFamily="18" charset="0"/>
-              </a:rPr>
-              <a:t>An identity specification from Web Services Security framework to provide single-sign-on via external identity exchange and authentication.</a:t>
-            </a:r>
-          </a:p>
-          <a:p>
-            <a:endParaRPr lang="en-US" dirty="0"/>
-          </a:p>
-        </p:txBody>
-      </p:sp>
-      <p:sp>
-        <p:nvSpPr>
-          <p:cNvPr id="5" name="TextBox 4">
-            <a:extLst>
-              <a:ext uri="{FF2B5EF4-FFF2-40B4-BE49-F238E27FC236}">
-                <a16:creationId xmlns:a16="http://schemas.microsoft.com/office/drawing/2014/main" id="{61BD1FB2-6B2C-9B59-1B6A-DA993E06211B}"/>
-              </a:ext>
-            </a:extLst>
-          </p:cNvPr>
-          <p:cNvSpPr txBox="1"/>
-          <p:nvPr/>
-        </p:nvSpPr>
-        <p:spPr>
-          <a:xfrm>
-            <a:off x="441572" y="1073276"/>
-            <a:ext cx="11566578" cy="1338799"/>
+            <a:off x="2074862" y="1281745"/>
+            <a:ext cx="8286749" cy="4844321"/>
           </a:xfrm>
           <a:prstGeom prst="rect">
             <a:avLst/>
           </a:prstGeom>
           <a:noFill/>
+          <a:extLst>
+            <a:ext uri="{909E8E84-426E-40DD-AFC4-6F175D3DCCD1}">
+              <a14:hiddenFill xmlns:a14="http://schemas.microsoft.com/office/drawing/2010/main">
+                <a:solidFill>
+                  <a:srgbClr val="FFFFFF"/>
+                </a:solidFill>
+              </a14:hiddenFill>
+            </a:ext>
+          </a:extLst>
         </p:spPr>
-        <p:txBody>
-          <a:bodyPr wrap="square" lIns="186521" tIns="149217" rIns="186521" bIns="149217" rtlCol="0">
-            <a:spAutoFit/>
-          </a:bodyPr>
-          <a:lstStyle/>
-          <a:p>
-            <a:pPr>
-              <a:lnSpc>
-                <a:spcPct val="90000"/>
-              </a:lnSpc>
-              <a:spcAft>
-                <a:spcPts val="612"/>
-              </a:spcAft>
-            </a:pPr>
-            <a:r>
-              <a:rPr lang="en-US" sz="2448" dirty="0">
-                <a:gradFill>
-                  <a:gsLst>
-                    <a:gs pos="2917">
-                      <a:schemeClr val="tx1"/>
-                    </a:gs>
-                    <a:gs pos="30000">
-                      <a:schemeClr val="tx1"/>
-                    </a:gs>
-                  </a:gsLst>
-                  <a:lin ang="5400000" scaled="0"/>
-                </a:gradFill>
-              </a:rPr>
-              <a:t>Federation is a collection of domains that have established trust. The level of trust may vary, but typically includes authentication and almost always includes authorization.</a:t>
-            </a:r>
-          </a:p>
-        </p:txBody>
-      </p:sp>
-      <p:sp>
-        <p:nvSpPr>
-          <p:cNvPr id="6" name="Text Placeholder 3">
-            <a:extLst>
-              <a:ext uri="{FF2B5EF4-FFF2-40B4-BE49-F238E27FC236}">
-                <a16:creationId xmlns:a16="http://schemas.microsoft.com/office/drawing/2014/main" id="{754BFA95-56CF-5960-DC5D-1068DDD4AFC6}"/>
-              </a:ext>
-            </a:extLst>
-          </p:cNvPr>
-          <p:cNvSpPr txBox="1">
-            <a:spLocks/>
-          </p:cNvSpPr>
-          <p:nvPr/>
-        </p:nvSpPr>
-        <p:spPr>
-          <a:xfrm>
-            <a:off x="6340994" y="4242441"/>
-            <a:ext cx="5653908" cy="1451412"/>
-          </a:xfrm>
-          <a:prstGeom prst="rect">
-            <a:avLst/>
-          </a:prstGeom>
-          <a:solidFill>
-            <a:schemeClr val="bg1">
-              <a:lumMod val="95000"/>
-            </a:schemeClr>
-          </a:solidFill>
-        </p:spPr>
-        <p:txBody>
-          <a:bodyPr vert="horz" wrap="square" lIns="139891" tIns="93260" rIns="139891" bIns="93260" rtlCol="0">
-            <a:spAutoFit/>
-          </a:bodyPr>
-          <a:lstStyle>
-            <a:lvl1pPr marL="0" marR="0" indent="0" algn="l" defTabSz="914367" rtl="0" eaLnBrk="1" fontAlgn="auto" latinLnBrk="0" hangingPunct="1">
-              <a:lnSpc>
-                <a:spcPct val="100000"/>
-              </a:lnSpc>
-              <a:spcBef>
-                <a:spcPts val="200"/>
-              </a:spcBef>
-              <a:spcAft>
-                <a:spcPts val="400"/>
-              </a:spcAft>
-              <a:buClrTx/>
-              <a:buSzPct val="90000"/>
-              <a:buFont typeface="Wingdings" panose="05000000000000000000" pitchFamily="2" charset="2"/>
-              <a:buNone/>
-              <a:tabLst/>
-              <a:defRPr sz="2000" kern="1200" spc="-49" baseline="0">
-                <a:solidFill>
-                  <a:srgbClr val="000000"/>
-                </a:solidFill>
-                <a:latin typeface="+mj-lt"/>
-                <a:ea typeface="+mn-ea"/>
-                <a:cs typeface="+mn-cs"/>
-              </a:defRPr>
-            </a:lvl1pPr>
-            <a:lvl2pPr marL="0" marR="0" indent="0" algn="l" defTabSz="914367" rtl="0" eaLnBrk="1" fontAlgn="auto" latinLnBrk="0" hangingPunct="1">
-              <a:lnSpc>
-                <a:spcPct val="100000"/>
-              </a:lnSpc>
-              <a:spcBef>
-                <a:spcPts val="200"/>
-              </a:spcBef>
-              <a:spcAft>
-                <a:spcPts val="400"/>
-              </a:spcAft>
-              <a:buClrTx/>
-              <a:buSzPct val="90000"/>
-              <a:buFontTx/>
-              <a:buNone/>
-              <a:tabLst/>
-              <a:defRPr sz="1800" kern="1200" spc="0" baseline="0">
-                <a:solidFill>
-                  <a:schemeClr val="tx1"/>
-                </a:solidFill>
-                <a:latin typeface="+mn-lt"/>
-                <a:ea typeface="+mn-ea"/>
-                <a:cs typeface="+mn-cs"/>
-              </a:defRPr>
-            </a:lvl2pPr>
-            <a:lvl3pPr marL="342900" marR="0" indent="-228600" algn="l" defTabSz="914367" rtl="0" eaLnBrk="1" fontAlgn="auto" latinLnBrk="0" hangingPunct="1">
-              <a:lnSpc>
-                <a:spcPct val="100000"/>
-              </a:lnSpc>
-              <a:spcBef>
-                <a:spcPts val="200"/>
-              </a:spcBef>
-              <a:spcAft>
-                <a:spcPts val="400"/>
-              </a:spcAft>
-              <a:buClrTx/>
-              <a:buSzPct val="100000"/>
-              <a:buFont typeface="Arial" panose="020B0604020202020204" pitchFamily="34" charset="0"/>
-              <a:buChar char="•"/>
-              <a:tabLst/>
-              <a:defRPr sz="1400" kern="1200" spc="0" baseline="0">
-                <a:solidFill>
-                  <a:schemeClr val="tx1"/>
-                </a:solidFill>
-                <a:latin typeface="+mn-lt"/>
-                <a:ea typeface="+mn-ea"/>
-                <a:cs typeface="+mn-cs"/>
-              </a:defRPr>
-            </a:lvl3pPr>
-            <a:lvl4pPr marL="685800" marR="0" indent="-228600" algn="l" defTabSz="914367" rtl="0" eaLnBrk="1" fontAlgn="auto" latinLnBrk="0" hangingPunct="1">
-              <a:lnSpc>
-                <a:spcPct val="100000"/>
-              </a:lnSpc>
-              <a:spcBef>
-                <a:spcPts val="200"/>
-              </a:spcBef>
-              <a:spcAft>
-                <a:spcPts val="400"/>
-              </a:spcAft>
-              <a:buClrTx/>
-              <a:buSzPct val="100000"/>
-              <a:buFont typeface="Arial" panose="020B0604020202020204" pitchFamily="34" charset="0"/>
-              <a:buChar char="‒"/>
-              <a:tabLst/>
-              <a:defRPr sz="1400" kern="1200" spc="0" baseline="0">
-                <a:solidFill>
-                  <a:schemeClr val="tx1"/>
-                </a:solidFill>
-                <a:latin typeface="+mn-lt"/>
-                <a:ea typeface="+mn-ea"/>
-                <a:cs typeface="+mn-cs"/>
-              </a:defRPr>
-            </a:lvl4pPr>
-            <a:lvl5pPr marL="685800" marR="0" indent="0" algn="l" defTabSz="914367" rtl="0" eaLnBrk="1" fontAlgn="auto" latinLnBrk="0" hangingPunct="1">
-              <a:lnSpc>
-                <a:spcPct val="100000"/>
-              </a:lnSpc>
-              <a:spcBef>
-                <a:spcPts val="200"/>
-              </a:spcBef>
-              <a:spcAft>
-                <a:spcPts val="400"/>
-              </a:spcAft>
-              <a:buClrTx/>
-              <a:buSzPct val="100000"/>
-              <a:buFont typeface="Arial" panose="020B0604020202020204" pitchFamily="34" charset="0"/>
-              <a:buNone/>
-              <a:tabLst/>
-              <a:defRPr sz="1100" b="1" kern="1200" spc="0" baseline="0">
-                <a:solidFill>
-                  <a:schemeClr val="tx1"/>
-                </a:solidFill>
-                <a:latin typeface="+mn-lt"/>
-                <a:ea typeface="+mn-ea"/>
-                <a:cs typeface="+mn-cs"/>
-              </a:defRPr>
-            </a:lvl5pPr>
-            <a:lvl6pPr marL="2285916" indent="0" algn="l" defTabSz="914367" rtl="0" eaLnBrk="1" latinLnBrk="0" hangingPunct="1">
-              <a:spcBef>
-                <a:spcPct val="20000"/>
-              </a:spcBef>
-              <a:buFont typeface="Arial" pitchFamily="34" charset="0"/>
-              <a:buNone/>
-              <a:defRPr sz="1961" kern="1200">
-                <a:solidFill>
-                  <a:schemeClr val="tx1"/>
-                </a:solidFill>
-                <a:latin typeface="+mn-lt"/>
-                <a:ea typeface="+mn-ea"/>
-                <a:cs typeface="+mn-cs"/>
-              </a:defRPr>
-            </a:lvl6pPr>
-            <a:lvl7pPr marL="0" indent="0" algn="l" defTabSz="914367" rtl="0" eaLnBrk="1" latinLnBrk="0" hangingPunct="1">
-              <a:lnSpc>
-                <a:spcPct val="100000"/>
-              </a:lnSpc>
-              <a:spcBef>
-                <a:spcPts val="392"/>
-              </a:spcBef>
-              <a:spcAft>
-                <a:spcPts val="588"/>
-              </a:spcAft>
-              <a:buFont typeface="Arial" pitchFamily="34" charset="0"/>
-              <a:buNone/>
-              <a:defRPr sz="1200" kern="1200">
-                <a:solidFill>
-                  <a:schemeClr val="tx1"/>
-                </a:solidFill>
-                <a:latin typeface="+mn-lt"/>
-                <a:ea typeface="+mn-ea"/>
-                <a:cs typeface="+mn-cs"/>
-              </a:defRPr>
-            </a:lvl7pPr>
-            <a:lvl8pPr marL="3428877" indent="-228592" algn="l" defTabSz="914367" rtl="0" eaLnBrk="1" latinLnBrk="0" hangingPunct="1">
-              <a:spcBef>
-                <a:spcPct val="20000"/>
-              </a:spcBef>
-              <a:buFont typeface="Arial" pitchFamily="34" charset="0"/>
-              <a:buChar char="•"/>
-              <a:defRPr sz="1961" kern="1200">
-                <a:solidFill>
-                  <a:schemeClr val="tx1"/>
-                </a:solidFill>
-                <a:latin typeface="+mn-lt"/>
-                <a:ea typeface="+mn-ea"/>
-                <a:cs typeface="+mn-cs"/>
-              </a:defRPr>
-            </a:lvl8pPr>
-            <a:lvl9pPr marL="3886061" indent="-228592" algn="l" defTabSz="914367" rtl="0" eaLnBrk="1" latinLnBrk="0" hangingPunct="1">
-              <a:spcBef>
-                <a:spcPct val="20000"/>
-              </a:spcBef>
-              <a:buFont typeface="Arial" pitchFamily="34" charset="0"/>
-              <a:buChar char="•"/>
-              <a:defRPr sz="1961" kern="1200">
-                <a:solidFill>
-                  <a:schemeClr val="tx1"/>
-                </a:solidFill>
-                <a:latin typeface="+mn-lt"/>
-                <a:ea typeface="+mn-ea"/>
-                <a:cs typeface="+mn-cs"/>
-              </a:defRPr>
-            </a:lvl9pPr>
-          </a:lstStyle>
-          <a:p>
-            <a:r>
-              <a:rPr lang="en-US" sz="2040" dirty="0"/>
-              <a:t>OpenID Connect (OIDC)</a:t>
-            </a:r>
-          </a:p>
-          <a:p>
-            <a:r>
-              <a:rPr lang="en-US" sz="1836" dirty="0">
-                <a:latin typeface="Calibri" panose="020F0502020204030204" pitchFamily="34" charset="0"/>
-                <a:cs typeface="Times New Roman" panose="02020603050405020304" pitchFamily="18" charset="0"/>
-              </a:rPr>
-              <a:t>OIDC extends the OAuth 2.0 authorization protocol for use as an authentication protocol, so that you can do single sign-on using OAuth.</a:t>
-            </a:r>
-            <a:endParaRPr lang="en-US" sz="2040" dirty="0"/>
-          </a:p>
-        </p:txBody>
-      </p:sp>
+      </p:pic>
     </p:spTree>
     <p:extLst>
       <p:ext uri="{BB962C8B-B14F-4D97-AF65-F5344CB8AC3E}">
-        <p14:creationId xmlns:p14="http://schemas.microsoft.com/office/powerpoint/2010/main" val="2210486111"/>
+        <p14:creationId xmlns:p14="http://schemas.microsoft.com/office/powerpoint/2010/main" val="209061593"/>
       </p:ext>
     </p:extLst>
   </p:cSld>
@@ -37146,6 +37785,390 @@
           <p:cNvPr id="2" name="Title 1">
             <a:extLst>
               <a:ext uri="{FF2B5EF4-FFF2-40B4-BE49-F238E27FC236}">
+                <a16:creationId xmlns:a16="http://schemas.microsoft.com/office/drawing/2014/main" id="{7CEF12F5-0C56-5C42-B7B0-0E1F759E8A0A}"/>
+              </a:ext>
+            </a:extLst>
+          </p:cNvPr>
+          <p:cNvSpPr>
+            <a:spLocks noGrp="1"/>
+          </p:cNvSpPr>
+          <p:nvPr>
+            <p:ph type="title"/>
+          </p:nvPr>
+        </p:nvSpPr>
+        <p:spPr/>
+        <p:txBody>
+          <a:bodyPr/>
+          <a:lstStyle/>
+          <a:p>
+            <a:r>
+              <a:rPr lang="en-GB" dirty="0"/>
+              <a:t>What is an Azure Tenant? </a:t>
+            </a:r>
+          </a:p>
+        </p:txBody>
+      </p:sp>
+      <p:sp>
+        <p:nvSpPr>
+          <p:cNvPr id="3" name="TextBox 2">
+            <a:extLst>
+              <a:ext uri="{FF2B5EF4-FFF2-40B4-BE49-F238E27FC236}">
+                <a16:creationId xmlns:a16="http://schemas.microsoft.com/office/drawing/2014/main" id="{A0138BC8-3D5D-5EFA-0C13-A171526F7308}"/>
+              </a:ext>
+            </a:extLst>
+          </p:cNvPr>
+          <p:cNvSpPr txBox="1"/>
+          <p:nvPr/>
+        </p:nvSpPr>
+        <p:spPr>
+          <a:xfrm>
+            <a:off x="465138" y="1334278"/>
+            <a:ext cx="11533187" cy="5130635"/>
+          </a:xfrm>
+          <a:prstGeom prst="rect">
+            <a:avLst/>
+          </a:prstGeom>
+          <a:noFill/>
+        </p:spPr>
+        <p:txBody>
+          <a:bodyPr wrap="square" lIns="182880" tIns="146304" rIns="182880" bIns="146304" rtlCol="0">
+            <a:spAutoFit/>
+          </a:bodyPr>
+          <a:lstStyle/>
+          <a:p>
+            <a:pPr>
+              <a:lnSpc>
+                <a:spcPct val="90000"/>
+              </a:lnSpc>
+              <a:spcAft>
+                <a:spcPts val="600"/>
+              </a:spcAft>
+            </a:pPr>
+            <a:r>
+              <a:rPr lang="en-GB" sz="2400" dirty="0">
+                <a:gradFill>
+                  <a:gsLst>
+                    <a:gs pos="2917">
+                      <a:schemeClr val="tx1"/>
+                    </a:gs>
+                    <a:gs pos="30000">
+                      <a:schemeClr val="tx1"/>
+                    </a:gs>
+                  </a:gsLst>
+                  <a:lin ang="5400000" scaled="0"/>
+                </a:gradFill>
+              </a:rPr>
+              <a:t>A tenant is simply an instance of Azure Active Directory.</a:t>
+            </a:r>
+          </a:p>
+          <a:p>
+            <a:pPr>
+              <a:lnSpc>
+                <a:spcPct val="90000"/>
+              </a:lnSpc>
+              <a:spcAft>
+                <a:spcPts val="600"/>
+              </a:spcAft>
+            </a:pPr>
+            <a:endParaRPr lang="en-GB" sz="2400" dirty="0">
+              <a:gradFill>
+                <a:gsLst>
+                  <a:gs pos="2917">
+                    <a:schemeClr val="tx1"/>
+                  </a:gs>
+                  <a:gs pos="30000">
+                    <a:schemeClr val="tx1"/>
+                  </a:gs>
+                </a:gsLst>
+                <a:lin ang="5400000" scaled="0"/>
+              </a:gradFill>
+            </a:endParaRPr>
+          </a:p>
+          <a:p>
+            <a:pPr>
+              <a:lnSpc>
+                <a:spcPct val="90000"/>
+              </a:lnSpc>
+              <a:spcAft>
+                <a:spcPts val="600"/>
+              </a:spcAft>
+            </a:pPr>
+            <a:r>
+              <a:rPr lang="en-GB" sz="2400" dirty="0">
+                <a:gradFill>
+                  <a:gsLst>
+                    <a:gs pos="2917">
+                      <a:schemeClr val="tx1"/>
+                    </a:gs>
+                    <a:gs pos="30000">
+                      <a:schemeClr val="tx1"/>
+                    </a:gs>
+                  </a:gsLst>
+                  <a:lin ang="5400000" scaled="0"/>
+                </a:gradFill>
+              </a:rPr>
+              <a:t>An organisation that uses Office 365 have an Azure AD tenant. </a:t>
+            </a:r>
+          </a:p>
+          <a:p>
+            <a:pPr>
+              <a:lnSpc>
+                <a:spcPct val="90000"/>
+              </a:lnSpc>
+              <a:spcAft>
+                <a:spcPts val="600"/>
+              </a:spcAft>
+            </a:pPr>
+            <a:endParaRPr lang="en-GB" sz="2400" dirty="0">
+              <a:gradFill>
+                <a:gsLst>
+                  <a:gs pos="2917">
+                    <a:schemeClr val="tx1"/>
+                  </a:gs>
+                  <a:gs pos="30000">
+                    <a:schemeClr val="tx1"/>
+                  </a:gs>
+                </a:gsLst>
+                <a:lin ang="5400000" scaled="0"/>
+              </a:gradFill>
+            </a:endParaRPr>
+          </a:p>
+          <a:p>
+            <a:pPr>
+              <a:lnSpc>
+                <a:spcPct val="90000"/>
+              </a:lnSpc>
+              <a:spcAft>
+                <a:spcPts val="600"/>
+              </a:spcAft>
+            </a:pPr>
+            <a:r>
+              <a:rPr lang="en-GB" sz="2400" dirty="0">
+                <a:gradFill>
+                  <a:gsLst>
+                    <a:gs pos="2917">
+                      <a:schemeClr val="tx1"/>
+                    </a:gs>
+                    <a:gs pos="30000">
+                      <a:schemeClr val="tx1"/>
+                    </a:gs>
+                  </a:gsLst>
+                  <a:lin ang="5400000" scaled="0"/>
+                </a:gradFill>
+              </a:rPr>
+              <a:t>A single tenant is considered best practice where possible.</a:t>
+            </a:r>
+          </a:p>
+          <a:p>
+            <a:pPr>
+              <a:lnSpc>
+                <a:spcPct val="90000"/>
+              </a:lnSpc>
+              <a:spcAft>
+                <a:spcPts val="600"/>
+              </a:spcAft>
+            </a:pPr>
+            <a:endParaRPr lang="en-GB" sz="2400" dirty="0">
+              <a:gradFill>
+                <a:gsLst>
+                  <a:gs pos="2917">
+                    <a:schemeClr val="tx1"/>
+                  </a:gs>
+                  <a:gs pos="30000">
+                    <a:schemeClr val="tx1"/>
+                  </a:gs>
+                </a:gsLst>
+                <a:lin ang="5400000" scaled="0"/>
+              </a:gradFill>
+            </a:endParaRPr>
+          </a:p>
+          <a:p>
+            <a:pPr>
+              <a:lnSpc>
+                <a:spcPct val="90000"/>
+              </a:lnSpc>
+              <a:spcAft>
+                <a:spcPts val="600"/>
+              </a:spcAft>
+            </a:pPr>
+            <a:r>
+              <a:rPr lang="en-GB" sz="2400" dirty="0">
+                <a:gradFill>
+                  <a:gsLst>
+                    <a:gs pos="2917">
+                      <a:schemeClr val="tx1"/>
+                    </a:gs>
+                    <a:gs pos="30000">
+                      <a:schemeClr val="tx1"/>
+                    </a:gs>
+                  </a:gsLst>
+                  <a:lin ang="5400000" scaled="0"/>
+                </a:gradFill>
+              </a:rPr>
+              <a:t>A tenant is sometimes confused with a subscription, this is incorrect.</a:t>
+            </a:r>
+          </a:p>
+          <a:p>
+            <a:pPr>
+              <a:lnSpc>
+                <a:spcPct val="90000"/>
+              </a:lnSpc>
+              <a:spcAft>
+                <a:spcPts val="600"/>
+              </a:spcAft>
+            </a:pPr>
+            <a:endParaRPr lang="en-GB" sz="2400" dirty="0">
+              <a:gradFill>
+                <a:gsLst>
+                  <a:gs pos="2917">
+                    <a:schemeClr val="tx1"/>
+                  </a:gs>
+                  <a:gs pos="30000">
+                    <a:schemeClr val="tx1"/>
+                  </a:gs>
+                </a:gsLst>
+                <a:lin ang="5400000" scaled="0"/>
+              </a:gradFill>
+            </a:endParaRPr>
+          </a:p>
+          <a:p>
+            <a:pPr>
+              <a:lnSpc>
+                <a:spcPct val="90000"/>
+              </a:lnSpc>
+              <a:spcAft>
+                <a:spcPts val="600"/>
+              </a:spcAft>
+            </a:pPr>
+            <a:r>
+              <a:rPr lang="en-GB" sz="2400" dirty="0">
+                <a:gradFill>
+                  <a:gsLst>
+                    <a:gs pos="2917">
+                      <a:schemeClr val="tx1"/>
+                    </a:gs>
+                    <a:gs pos="30000">
+                      <a:schemeClr val="tx1"/>
+                    </a:gs>
+                  </a:gsLst>
+                  <a:lin ang="5400000" scaled="0"/>
+                </a:gradFill>
+              </a:rPr>
+              <a:t>A tenant is identified with a DNS name with domain suffix .onmicrosoft.com.</a:t>
+            </a:r>
+          </a:p>
+          <a:p>
+            <a:pPr>
+              <a:lnSpc>
+                <a:spcPct val="90000"/>
+              </a:lnSpc>
+              <a:spcAft>
+                <a:spcPts val="600"/>
+              </a:spcAft>
+            </a:pPr>
+            <a:endParaRPr lang="en-GB" sz="2400" dirty="0">
+              <a:gradFill>
+                <a:gsLst>
+                  <a:gs pos="2917">
+                    <a:schemeClr val="tx1"/>
+                  </a:gs>
+                  <a:gs pos="30000">
+                    <a:schemeClr val="tx1"/>
+                  </a:gs>
+                </a:gsLst>
+                <a:lin ang="5400000" scaled="0"/>
+              </a:gradFill>
+            </a:endParaRPr>
+          </a:p>
+          <a:p>
+            <a:pPr>
+              <a:lnSpc>
+                <a:spcPct val="90000"/>
+              </a:lnSpc>
+              <a:spcAft>
+                <a:spcPts val="600"/>
+              </a:spcAft>
+            </a:pPr>
+            <a:r>
+              <a:rPr lang="en-GB" sz="2400" dirty="0">
+                <a:gradFill>
+                  <a:gsLst>
+                    <a:gs pos="2917">
+                      <a:schemeClr val="tx1"/>
+                    </a:gs>
+                    <a:gs pos="30000">
+                      <a:schemeClr val="tx1"/>
+                    </a:gs>
+                  </a:gsLst>
+                  <a:lin ang="5400000" scaled="0"/>
+                </a:gradFill>
+              </a:rPr>
+              <a:t>Users, groups and devices are created and/or synced to Azure AD.</a:t>
+            </a:r>
+          </a:p>
+          <a:p>
+            <a:pPr>
+              <a:lnSpc>
+                <a:spcPct val="90000"/>
+              </a:lnSpc>
+              <a:spcAft>
+                <a:spcPts val="600"/>
+              </a:spcAft>
+            </a:pPr>
+            <a:endParaRPr lang="en-GB" sz="2400" dirty="0" err="1">
+              <a:gradFill>
+                <a:gsLst>
+                  <a:gs pos="2917">
+                    <a:schemeClr val="tx1"/>
+                  </a:gs>
+                  <a:gs pos="30000">
+                    <a:schemeClr val="tx1"/>
+                  </a:gs>
+                </a:gsLst>
+                <a:lin ang="5400000" scaled="0"/>
+              </a:gradFill>
+            </a:endParaRPr>
+          </a:p>
+        </p:txBody>
+      </p:sp>
+    </p:spTree>
+    <p:extLst>
+      <p:ext uri="{BB962C8B-B14F-4D97-AF65-F5344CB8AC3E}">
+        <p14:creationId xmlns:p14="http://schemas.microsoft.com/office/powerpoint/2010/main" val="1293060689"/>
+      </p:ext>
+    </p:extLst>
+  </p:cSld>
+  <p:clrMapOvr>
+    <a:masterClrMapping/>
+  </p:clrMapOvr>
+  <p:transition>
+    <p:fade/>
+  </p:transition>
+</p:sld>
+</file>
+
+<file path=ppt/slides/slide9.xml><?xml version="1.0" encoding="utf-8"?>
+<p:sld xmlns:a="http://schemas.openxmlformats.org/drawingml/2006/main" xmlns:r="http://schemas.openxmlformats.org/officeDocument/2006/relationships" xmlns:p="http://schemas.openxmlformats.org/presentationml/2006/main">
+  <p:cSld>
+    <p:spTree>
+      <p:nvGrpSpPr>
+        <p:cNvPr id="1" name=""/>
+        <p:cNvGrpSpPr/>
+        <p:nvPr/>
+      </p:nvGrpSpPr>
+      <p:grpSpPr>
+        <a:xfrm>
+          <a:off x="0" y="0"/>
+          <a:ext cx="0" cy="0"/>
+          <a:chOff x="0" y="0"/>
+          <a:chExt cx="0" cy="0"/>
+        </a:xfrm>
+      </p:grpSpPr>
+      <p:sp>
+        <p:nvSpPr>
+          <p:cNvPr id="2" name="Title 1">
+            <a:extLst>
+              <a:ext uri="{FF2B5EF4-FFF2-40B4-BE49-F238E27FC236}">
                 <a16:creationId xmlns:a16="http://schemas.microsoft.com/office/drawing/2014/main" id="{C0880DDC-625A-9F2E-4749-56DE0A5B9EFD}"/>
               </a:ext>
             </a:extLst>
@@ -37267,1266 +38290,6 @@
     <p:extLst>
       <p:ext uri="{BB962C8B-B14F-4D97-AF65-F5344CB8AC3E}">
         <p14:creationId xmlns:p14="http://schemas.microsoft.com/office/powerpoint/2010/main" val="1468772390"/>
-      </p:ext>
-    </p:extLst>
-  </p:cSld>
-  <p:clrMapOvr>
-    <a:masterClrMapping/>
-  </p:clrMapOvr>
-  <p:transition>
-    <p:fade/>
-  </p:transition>
-</p:sld>
-</file>
-
-<file path=ppt/slides/slide9.xml><?xml version="1.0" encoding="utf-8"?>
-<p:sld xmlns:a="http://schemas.openxmlformats.org/drawingml/2006/main" xmlns:r="http://schemas.openxmlformats.org/officeDocument/2006/relationships" xmlns:p="http://schemas.openxmlformats.org/presentationml/2006/main">
-  <p:cSld>
-    <p:spTree>
-      <p:nvGrpSpPr>
-        <p:cNvPr id="1" name=""/>
-        <p:cNvGrpSpPr/>
-        <p:nvPr/>
-      </p:nvGrpSpPr>
-      <p:grpSpPr>
-        <a:xfrm>
-          <a:off x="0" y="0"/>
-          <a:ext cx="0" cy="0"/>
-          <a:chOff x="0" y="0"/>
-          <a:chExt cx="0" cy="0"/>
-        </a:xfrm>
-      </p:grpSpPr>
-      <p:sp>
-        <p:nvSpPr>
-          <p:cNvPr id="2" name="Title 1">
-            <a:extLst>
-              <a:ext uri="{FF2B5EF4-FFF2-40B4-BE49-F238E27FC236}">
-                <a16:creationId xmlns:a16="http://schemas.microsoft.com/office/drawing/2014/main" id="{F67DCC16-9BE8-43A4-8824-D328950A1389}"/>
-              </a:ext>
-            </a:extLst>
-          </p:cNvPr>
-          <p:cNvSpPr>
-            <a:spLocks noGrp="1"/>
-          </p:cNvSpPr>
-          <p:nvPr>
-            <p:ph type="title"/>
-          </p:nvPr>
-        </p:nvSpPr>
-        <p:spPr/>
-        <p:txBody>
-          <a:bodyPr/>
-          <a:lstStyle/>
-          <a:p>
-            <a:r>
-              <a:rPr lang="en-US" dirty="0">
-                <a:cs typeface="Segoe UI"/>
-              </a:rPr>
-              <a:t>Describe Azure AD Concepts</a:t>
-            </a:r>
-            <a:endParaRPr lang="en-US" dirty="0"/>
-          </a:p>
-        </p:txBody>
-      </p:sp>
-      <p:graphicFrame>
-        <p:nvGraphicFramePr>
-          <p:cNvPr id="4" name="Table 6">
-            <a:extLst>
-              <a:ext uri="{FF2B5EF4-FFF2-40B4-BE49-F238E27FC236}">
-                <a16:creationId xmlns:a16="http://schemas.microsoft.com/office/drawing/2014/main" id="{9976D420-D02A-4EEB-8E2F-C971B403F7CC}"/>
-              </a:ext>
-            </a:extLst>
-          </p:cNvPr>
-          <p:cNvGraphicFramePr>
-            <a:graphicFrameLocks noGrp="1"/>
-          </p:cNvGraphicFramePr>
-          <p:nvPr>
-            <p:extLst>
-              <p:ext uri="{D42A27DB-BD31-4B8C-83A1-F6EECF244321}">
-                <p14:modId xmlns:p14="http://schemas.microsoft.com/office/powerpoint/2010/main" val="2517914744"/>
-              </p:ext>
-            </p:extLst>
-          </p:nvPr>
-        </p:nvGraphicFramePr>
-        <p:xfrm>
-          <a:off x="427037" y="1141527"/>
-          <a:ext cx="11582400" cy="5305498"/>
-        </p:xfrm>
-        <a:graphic>
-          <a:graphicData uri="http://schemas.openxmlformats.org/drawingml/2006/table">
-            <a:tbl>
-              <a:tblPr firstRow="1" bandRow="1">
-                <a:tableStyleId>{5C22544A-7EE6-4342-B048-85BDC9FD1C3A}</a:tableStyleId>
-              </a:tblPr>
-              <a:tblGrid>
-                <a:gridCol w="2640359">
-                  <a:extLst>
-                    <a:ext uri="{9D8B030D-6E8A-4147-A177-3AD203B41FA5}">
-                      <a16:colId xmlns:a16="http://schemas.microsoft.com/office/drawing/2014/main" val="1289156279"/>
-                    </a:ext>
-                  </a:extLst>
-                </a:gridCol>
-                <a:gridCol w="8942041">
-                  <a:extLst>
-                    <a:ext uri="{9D8B030D-6E8A-4147-A177-3AD203B41FA5}">
-                      <a16:colId xmlns:a16="http://schemas.microsoft.com/office/drawing/2014/main" val="2759990731"/>
-                    </a:ext>
-                  </a:extLst>
-                </a:gridCol>
-              </a:tblGrid>
-              <a:tr h="614530">
-                <a:tc>
-                  <a:txBody>
-                    <a:bodyPr/>
-                    <a:lstStyle/>
-                    <a:p>
-                      <a:pPr algn="l"/>
-                      <a:r>
-                        <a:rPr lang="en-US" sz="2200" b="0" dirty="0">
-                          <a:solidFill>
-                            <a:schemeClr val="bg1"/>
-                          </a:solidFill>
-                          <a:latin typeface="+mj-lt"/>
-                        </a:rPr>
-                        <a:t>Concept</a:t>
-                      </a:r>
-                    </a:p>
-                  </a:txBody>
-                  <a:tcPr marL="137160" marR="137160" marT="91440" marB="91440" anchor="ctr">
-                    <a:lnL w="6350" cap="flat" cmpd="sng" algn="ctr">
-                      <a:solidFill>
-                        <a:srgbClr val="243A5E"/>
-                      </a:solidFill>
-                      <a:prstDash val="solid"/>
-                      <a:round/>
-                      <a:headEnd type="none" w="med" len="med"/>
-                      <a:tailEnd type="none" w="med" len="med"/>
-                    </a:lnL>
-                    <a:lnR w="6350" cap="flat" cmpd="sng" algn="ctr">
-                      <a:solidFill>
-                        <a:schemeClr val="bg1"/>
-                      </a:solidFill>
-                      <a:prstDash val="solid"/>
-                      <a:round/>
-                      <a:headEnd type="none" w="med" len="med"/>
-                      <a:tailEnd type="none" w="med" len="med"/>
-                    </a:lnR>
-                    <a:lnT w="6350" cap="flat" cmpd="sng" algn="ctr">
-                      <a:solidFill>
-                        <a:srgbClr val="243A5E"/>
-                      </a:solidFill>
-                      <a:prstDash val="solid"/>
-                      <a:round/>
-                      <a:headEnd type="none" w="med" len="med"/>
-                      <a:tailEnd type="none" w="med" len="med"/>
-                    </a:lnT>
-                    <a:lnB w="6350" cap="flat" cmpd="sng" algn="ctr">
-                      <a:noFill/>
-                      <a:prstDash val="solid"/>
-                      <a:round/>
-                      <a:headEnd type="none" w="med" len="med"/>
-                      <a:tailEnd type="none" w="med" len="med"/>
-                    </a:lnB>
-                    <a:lnTlToBr w="12700" cmpd="sng">
-                      <a:noFill/>
-                      <a:prstDash val="solid"/>
-                    </a:lnTlToBr>
-                    <a:lnBlToTr w="12700" cmpd="sng">
-                      <a:noFill/>
-                      <a:prstDash val="solid"/>
-                    </a:lnBlToTr>
-                    <a:solidFill>
-                      <a:srgbClr val="243A5E"/>
-                    </a:solidFill>
-                  </a:tcPr>
-                </a:tc>
-                <a:tc>
-                  <a:txBody>
-                    <a:bodyPr/>
-                    <a:lstStyle/>
-                    <a:p>
-                      <a:pPr algn="l"/>
-                      <a:r>
-                        <a:rPr lang="en-US" sz="2200" b="0" dirty="0">
-                          <a:solidFill>
-                            <a:schemeClr val="bg1"/>
-                          </a:solidFill>
-                          <a:latin typeface="+mj-lt"/>
-                        </a:rPr>
-                        <a:t>Description</a:t>
-                      </a:r>
-                    </a:p>
-                  </a:txBody>
-                  <a:tcPr marL="137160" marR="137160" marT="91440" marB="91440" anchor="ctr">
-                    <a:lnL w="6350" cap="flat" cmpd="sng" algn="ctr">
-                      <a:solidFill>
-                        <a:schemeClr val="bg1"/>
-                      </a:solidFill>
-                      <a:prstDash val="solid"/>
-                      <a:round/>
-                      <a:headEnd type="none" w="med" len="med"/>
-                      <a:tailEnd type="none" w="med" len="med"/>
-                    </a:lnL>
-                    <a:lnR w="6350" cap="flat" cmpd="sng" algn="ctr">
-                      <a:solidFill>
-                        <a:srgbClr val="243A5E"/>
-                      </a:solidFill>
-                      <a:prstDash val="solid"/>
-                      <a:round/>
-                      <a:headEnd type="none" w="med" len="med"/>
-                      <a:tailEnd type="none" w="med" len="med"/>
-                    </a:lnR>
-                    <a:lnT w="6350" cap="flat" cmpd="sng" algn="ctr">
-                      <a:solidFill>
-                        <a:srgbClr val="243A5E"/>
-                      </a:solidFill>
-                      <a:prstDash val="solid"/>
-                      <a:round/>
-                      <a:headEnd type="none" w="med" len="med"/>
-                      <a:tailEnd type="none" w="med" len="med"/>
-                    </a:lnT>
-                    <a:lnB w="6350" cap="flat" cmpd="sng" algn="ctr">
-                      <a:noFill/>
-                      <a:prstDash val="solid"/>
-                      <a:round/>
-                      <a:headEnd type="none" w="med" len="med"/>
-                      <a:tailEnd type="none" w="med" len="med"/>
-                    </a:lnB>
-                    <a:lnTlToBr w="12700" cmpd="sng">
-                      <a:noFill/>
-                      <a:prstDash val="solid"/>
-                    </a:lnTlToBr>
-                    <a:lnBlToTr w="12700" cmpd="sng">
-                      <a:noFill/>
-                      <a:prstDash val="solid"/>
-                    </a:lnBlToTr>
-                    <a:solidFill>
-                      <a:srgbClr val="243A5E"/>
-                    </a:solidFill>
-                  </a:tcPr>
-                </a:tc>
-                <a:extLst>
-                  <a:ext uri="{0D108BD9-81ED-4DB2-BD59-A6C34878D82A}">
-                    <a16:rowId xmlns:a16="http://schemas.microsoft.com/office/drawing/2014/main" val="2897835809"/>
-                  </a:ext>
-                </a:extLst>
-              </a:tr>
-              <a:tr h="578382">
-                <a:tc>
-                  <a:txBody>
-                    <a:bodyPr/>
-                    <a:lstStyle/>
-                    <a:p>
-                      <a:pPr algn="l"/>
-                      <a:r>
-                        <a:rPr lang="en-US" sz="2000" dirty="0">
-                          <a:solidFill>
-                            <a:schemeClr val="tx1"/>
-                          </a:solidFill>
-                          <a:latin typeface="+mj-lt"/>
-                        </a:rPr>
-                        <a:t>Identity</a:t>
-                      </a:r>
-                    </a:p>
-                  </a:txBody>
-                  <a:tcPr marL="137160" marR="137160" marT="91440" marB="91440" anchor="ctr">
-                    <a:lnL w="6350" cap="flat" cmpd="sng" algn="ctr">
-                      <a:solidFill>
-                        <a:schemeClr val="bg1">
-                          <a:lumMod val="75000"/>
-                        </a:schemeClr>
-                      </a:solidFill>
-                      <a:prstDash val="solid"/>
-                      <a:round/>
-                      <a:headEnd type="none" w="med" len="med"/>
-                      <a:tailEnd type="none" w="med" len="med"/>
-                    </a:lnL>
-                    <a:lnR w="6350" cap="flat" cmpd="sng" algn="ctr">
-                      <a:noFill/>
-                      <a:prstDash val="solid"/>
-                      <a:round/>
-                      <a:headEnd type="none" w="med" len="med"/>
-                      <a:tailEnd type="none" w="med" len="med"/>
-                    </a:lnR>
-                    <a:lnT w="6350" cap="flat" cmpd="sng" algn="ctr">
-                      <a:noFill/>
-                      <a:prstDash val="solid"/>
-                      <a:round/>
-                      <a:headEnd type="none" w="med" len="med"/>
-                      <a:tailEnd type="none" w="med" len="med"/>
-                    </a:lnT>
-                    <a:lnB w="6350" cap="flat" cmpd="sng" algn="ctr">
-                      <a:solidFill>
-                        <a:schemeClr val="bg1">
-                          <a:lumMod val="75000"/>
-                        </a:schemeClr>
-                      </a:solidFill>
-                      <a:prstDash val="solid"/>
-                      <a:round/>
-                      <a:headEnd type="none" w="med" len="med"/>
-                      <a:tailEnd type="none" w="med" len="med"/>
-                    </a:lnB>
-                    <a:lnTlToBr w="12700" cmpd="sng">
-                      <a:noFill/>
-                      <a:prstDash val="solid"/>
-                    </a:lnTlToBr>
-                    <a:lnBlToTr w="12700" cmpd="sng">
-                      <a:noFill/>
-                      <a:prstDash val="solid"/>
-                    </a:lnBlToTr>
-                    <a:solidFill>
-                      <a:schemeClr val="bg1">
-                        <a:lumMod val="95000"/>
-                      </a:schemeClr>
-                    </a:solidFill>
-                  </a:tcPr>
-                </a:tc>
-                <a:tc>
-                  <a:txBody>
-                    <a:bodyPr/>
-                    <a:lstStyle/>
-                    <a:p>
-                      <a:pPr lvl="0" algn="l">
-                        <a:buNone/>
-                      </a:pPr>
-                      <a:r>
-                        <a:rPr lang="en-US" sz="2000" b="0" i="0" u="none" strike="noStrike" noProof="0" dirty="0">
-                          <a:solidFill>
-                            <a:schemeClr val="tx1"/>
-                          </a:solidFill>
-                          <a:latin typeface="Segoe UI"/>
-                        </a:rPr>
-                        <a:t>An object that can be authenticated</a:t>
-                      </a:r>
-                      <a:endParaRPr lang="en-US" sz="2000" dirty="0">
-                        <a:solidFill>
-                          <a:schemeClr val="tx1"/>
-                        </a:solidFill>
-                      </a:endParaRPr>
-                    </a:p>
-                  </a:txBody>
-                  <a:tcPr marL="137160" marR="137160" marT="91440" marB="91440" anchor="ctr">
-                    <a:lnL w="6350" cap="flat" cmpd="sng" algn="ctr">
-                      <a:noFill/>
-                      <a:prstDash val="solid"/>
-                      <a:round/>
-                      <a:headEnd type="none" w="med" len="med"/>
-                      <a:tailEnd type="none" w="med" len="med"/>
-                    </a:lnL>
-                    <a:lnR w="6350" cap="flat" cmpd="sng" algn="ctr">
-                      <a:solidFill>
-                        <a:schemeClr val="bg1">
-                          <a:lumMod val="75000"/>
-                        </a:schemeClr>
-                      </a:solidFill>
-                      <a:prstDash val="solid"/>
-                      <a:round/>
-                      <a:headEnd type="none" w="med" len="med"/>
-                      <a:tailEnd type="none" w="med" len="med"/>
-                    </a:lnR>
-                    <a:lnT w="6350" cap="flat" cmpd="sng" algn="ctr">
-                      <a:noFill/>
-                      <a:prstDash val="solid"/>
-                      <a:round/>
-                      <a:headEnd type="none" w="med" len="med"/>
-                      <a:tailEnd type="none" w="med" len="med"/>
-                    </a:lnT>
-                    <a:lnB w="6350" cap="flat" cmpd="sng" algn="ctr">
-                      <a:solidFill>
-                        <a:schemeClr val="bg1">
-                          <a:lumMod val="75000"/>
-                        </a:schemeClr>
-                      </a:solidFill>
-                      <a:prstDash val="solid"/>
-                      <a:round/>
-                      <a:headEnd type="none" w="med" len="med"/>
-                      <a:tailEnd type="none" w="med" len="med"/>
-                    </a:lnB>
-                    <a:lnTlToBr w="12700" cmpd="sng">
-                      <a:noFill/>
-                      <a:prstDash val="solid"/>
-                    </a:lnTlToBr>
-                    <a:lnBlToTr w="12700" cmpd="sng">
-                      <a:noFill/>
-                      <a:prstDash val="solid"/>
-                    </a:lnBlToTr>
-                    <a:noFill/>
-                  </a:tcPr>
-                </a:tc>
-                <a:extLst>
-                  <a:ext uri="{0D108BD9-81ED-4DB2-BD59-A6C34878D82A}">
-                    <a16:rowId xmlns:a16="http://schemas.microsoft.com/office/drawing/2014/main" val="788139117"/>
-                  </a:ext>
-                </a:extLst>
-              </a:tr>
-              <a:tr h="578382">
-                <a:tc>
-                  <a:txBody>
-                    <a:bodyPr/>
-                    <a:lstStyle/>
-                    <a:p>
-                      <a:pPr algn="l"/>
-                      <a:r>
-                        <a:rPr lang="en-US" sz="2000" dirty="0">
-                          <a:solidFill>
-                            <a:schemeClr val="tx1"/>
-                          </a:solidFill>
-                          <a:latin typeface="+mj-lt"/>
-                        </a:rPr>
-                        <a:t>Account</a:t>
-                      </a:r>
-                    </a:p>
-                  </a:txBody>
-                  <a:tcPr marL="137160" marR="137160" marT="91440" marB="91440" anchor="ctr">
-                    <a:lnL w="6350" cap="flat" cmpd="sng" algn="ctr">
-                      <a:solidFill>
-                        <a:schemeClr val="bg1">
-                          <a:lumMod val="75000"/>
-                        </a:schemeClr>
-                      </a:solidFill>
-                      <a:prstDash val="solid"/>
-                      <a:round/>
-                      <a:headEnd type="none" w="med" len="med"/>
-                      <a:tailEnd type="none" w="med" len="med"/>
-                    </a:lnL>
-                    <a:lnR w="6350" cap="flat" cmpd="sng" algn="ctr">
-                      <a:noFill/>
-                      <a:prstDash val="solid"/>
-                      <a:round/>
-                      <a:headEnd type="none" w="med" len="med"/>
-                      <a:tailEnd type="none" w="med" len="med"/>
-                    </a:lnR>
-                    <a:lnT w="6350" cap="flat" cmpd="sng" algn="ctr">
-                      <a:solidFill>
-                        <a:schemeClr val="bg1">
-                          <a:lumMod val="75000"/>
-                        </a:schemeClr>
-                      </a:solidFill>
-                      <a:prstDash val="solid"/>
-                      <a:round/>
-                      <a:headEnd type="none" w="med" len="med"/>
-                      <a:tailEnd type="none" w="med" len="med"/>
-                    </a:lnT>
-                    <a:lnB w="6350" cap="flat" cmpd="sng" algn="ctr">
-                      <a:solidFill>
-                        <a:schemeClr val="bg1">
-                          <a:lumMod val="75000"/>
-                        </a:schemeClr>
-                      </a:solidFill>
-                      <a:prstDash val="solid"/>
-                      <a:round/>
-                      <a:headEnd type="none" w="med" len="med"/>
-                      <a:tailEnd type="none" w="med" len="med"/>
-                    </a:lnB>
-                    <a:lnTlToBr w="12700" cmpd="sng">
-                      <a:noFill/>
-                      <a:prstDash val="solid"/>
-                    </a:lnTlToBr>
-                    <a:lnBlToTr w="12700" cmpd="sng">
-                      <a:noFill/>
-                      <a:prstDash val="solid"/>
-                    </a:lnBlToTr>
-                    <a:solidFill>
-                      <a:schemeClr val="bg1">
-                        <a:lumMod val="95000"/>
-                      </a:schemeClr>
-                    </a:solidFill>
-                  </a:tcPr>
-                </a:tc>
-                <a:tc>
-                  <a:txBody>
-                    <a:bodyPr/>
-                    <a:lstStyle/>
-                    <a:p>
-                      <a:pPr lvl="0" algn="l">
-                        <a:buNone/>
-                      </a:pPr>
-                      <a:r>
-                        <a:rPr lang="en-US" sz="2000" b="0" i="0" u="none" strike="noStrike" noProof="0" dirty="0">
-                          <a:solidFill>
-                            <a:schemeClr val="tx1"/>
-                          </a:solidFill>
-                          <a:latin typeface="Segoe UI"/>
-                        </a:rPr>
-                        <a:t>An identity that has data associated with it</a:t>
-                      </a:r>
-                      <a:endParaRPr lang="en-US" sz="2000" dirty="0">
-                        <a:solidFill>
-                          <a:schemeClr val="tx1"/>
-                        </a:solidFill>
-                      </a:endParaRPr>
-                    </a:p>
-                  </a:txBody>
-                  <a:tcPr marL="137160" marR="137160" marT="91440" marB="91440" anchor="ctr">
-                    <a:lnL w="6350" cap="flat" cmpd="sng" algn="ctr">
-                      <a:noFill/>
-                      <a:prstDash val="solid"/>
-                      <a:round/>
-                      <a:headEnd type="none" w="med" len="med"/>
-                      <a:tailEnd type="none" w="med" len="med"/>
-                    </a:lnL>
-                    <a:lnR w="6350" cap="flat" cmpd="sng" algn="ctr">
-                      <a:solidFill>
-                        <a:schemeClr val="bg1">
-                          <a:lumMod val="75000"/>
-                        </a:schemeClr>
-                      </a:solidFill>
-                      <a:prstDash val="solid"/>
-                      <a:round/>
-                      <a:headEnd type="none" w="med" len="med"/>
-                      <a:tailEnd type="none" w="med" len="med"/>
-                    </a:lnR>
-                    <a:lnT w="6350" cap="flat" cmpd="sng" algn="ctr">
-                      <a:solidFill>
-                        <a:schemeClr val="bg1">
-                          <a:lumMod val="75000"/>
-                        </a:schemeClr>
-                      </a:solidFill>
-                      <a:prstDash val="solid"/>
-                      <a:round/>
-                      <a:headEnd type="none" w="med" len="med"/>
-                      <a:tailEnd type="none" w="med" len="med"/>
-                    </a:lnT>
-                    <a:lnB w="6350" cap="flat" cmpd="sng" algn="ctr">
-                      <a:solidFill>
-                        <a:schemeClr val="bg1">
-                          <a:lumMod val="75000"/>
-                        </a:schemeClr>
-                      </a:solidFill>
-                      <a:prstDash val="solid"/>
-                      <a:round/>
-                      <a:headEnd type="none" w="med" len="med"/>
-                      <a:tailEnd type="none" w="med" len="med"/>
-                    </a:lnB>
-                    <a:lnTlToBr w="12700" cmpd="sng">
-                      <a:noFill/>
-                      <a:prstDash val="solid"/>
-                    </a:lnTlToBr>
-                    <a:lnBlToTr w="12700" cmpd="sng">
-                      <a:noFill/>
-                      <a:prstDash val="solid"/>
-                    </a:lnBlToTr>
-                    <a:noFill/>
-                  </a:tcPr>
-                </a:tc>
-                <a:extLst>
-                  <a:ext uri="{0D108BD9-81ED-4DB2-BD59-A6C34878D82A}">
-                    <a16:rowId xmlns:a16="http://schemas.microsoft.com/office/drawing/2014/main" val="3758439219"/>
-                  </a:ext>
-                </a:extLst>
-              </a:tr>
-              <a:tr h="578382">
-                <a:tc>
-                  <a:txBody>
-                    <a:bodyPr/>
-                    <a:lstStyle/>
-                    <a:p>
-                      <a:pPr algn="l"/>
-                      <a:r>
-                        <a:rPr lang="en-US" sz="2000" dirty="0">
-                          <a:solidFill>
-                            <a:schemeClr val="tx1"/>
-                          </a:solidFill>
-                          <a:latin typeface="+mj-lt"/>
-                        </a:rPr>
-                        <a:t>Azure AD account</a:t>
-                      </a:r>
-                    </a:p>
-                  </a:txBody>
-                  <a:tcPr marL="137160" marR="137160" marT="91440" marB="91440" anchor="ctr">
-                    <a:lnL w="6350" cap="flat" cmpd="sng" algn="ctr">
-                      <a:solidFill>
-                        <a:schemeClr val="bg1">
-                          <a:lumMod val="75000"/>
-                        </a:schemeClr>
-                      </a:solidFill>
-                      <a:prstDash val="solid"/>
-                      <a:round/>
-                      <a:headEnd type="none" w="med" len="med"/>
-                      <a:tailEnd type="none" w="med" len="med"/>
-                    </a:lnL>
-                    <a:lnR w="6350" cap="flat" cmpd="sng" algn="ctr">
-                      <a:noFill/>
-                      <a:prstDash val="solid"/>
-                      <a:round/>
-                      <a:headEnd type="none" w="med" len="med"/>
-                      <a:tailEnd type="none" w="med" len="med"/>
-                    </a:lnR>
-                    <a:lnT w="6350" cap="flat" cmpd="sng" algn="ctr">
-                      <a:solidFill>
-                        <a:schemeClr val="bg1">
-                          <a:lumMod val="75000"/>
-                        </a:schemeClr>
-                      </a:solidFill>
-                      <a:prstDash val="solid"/>
-                      <a:round/>
-                      <a:headEnd type="none" w="med" len="med"/>
-                      <a:tailEnd type="none" w="med" len="med"/>
-                    </a:lnT>
-                    <a:lnB w="6350" cap="flat" cmpd="sng" algn="ctr">
-                      <a:solidFill>
-                        <a:schemeClr val="bg1">
-                          <a:lumMod val="75000"/>
-                        </a:schemeClr>
-                      </a:solidFill>
-                      <a:prstDash val="solid"/>
-                      <a:round/>
-                      <a:headEnd type="none" w="med" len="med"/>
-                      <a:tailEnd type="none" w="med" len="med"/>
-                    </a:lnB>
-                    <a:lnTlToBr w="12700" cmpd="sng">
-                      <a:noFill/>
-                      <a:prstDash val="solid"/>
-                    </a:lnTlToBr>
-                    <a:lnBlToTr w="12700" cmpd="sng">
-                      <a:noFill/>
-                      <a:prstDash val="solid"/>
-                    </a:lnBlToTr>
-                    <a:solidFill>
-                      <a:schemeClr val="bg1">
-                        <a:lumMod val="95000"/>
-                      </a:schemeClr>
-                    </a:solidFill>
-                  </a:tcPr>
-                </a:tc>
-                <a:tc>
-                  <a:txBody>
-                    <a:bodyPr/>
-                    <a:lstStyle/>
-                    <a:p>
-                      <a:pPr lvl="0" algn="l">
-                        <a:buNone/>
-                      </a:pPr>
-                      <a:r>
-                        <a:rPr lang="en-US" sz="2000" b="0" i="0" u="none" strike="noStrike" noProof="0" dirty="0">
-                          <a:solidFill>
-                            <a:schemeClr val="tx1"/>
-                          </a:solidFill>
-                          <a:latin typeface="Segoe UI"/>
-                        </a:rPr>
-                        <a:t>An identity created through Azure AD or another Microsoft cloud service</a:t>
-                      </a:r>
-                      <a:endParaRPr lang="en-US" sz="2000" dirty="0">
-                        <a:solidFill>
-                          <a:schemeClr val="tx1"/>
-                        </a:solidFill>
-                      </a:endParaRPr>
-                    </a:p>
-                  </a:txBody>
-                  <a:tcPr marL="137160" marR="137160" marT="91440" marB="91440" anchor="ctr">
-                    <a:lnL w="6350" cap="flat" cmpd="sng" algn="ctr">
-                      <a:noFill/>
-                      <a:prstDash val="solid"/>
-                      <a:round/>
-                      <a:headEnd type="none" w="med" len="med"/>
-                      <a:tailEnd type="none" w="med" len="med"/>
-                    </a:lnL>
-                    <a:lnR w="6350" cap="flat" cmpd="sng" algn="ctr">
-                      <a:solidFill>
-                        <a:schemeClr val="bg1">
-                          <a:lumMod val="75000"/>
-                        </a:schemeClr>
-                      </a:solidFill>
-                      <a:prstDash val="solid"/>
-                      <a:round/>
-                      <a:headEnd type="none" w="med" len="med"/>
-                      <a:tailEnd type="none" w="med" len="med"/>
-                    </a:lnR>
-                    <a:lnT w="6350" cap="flat" cmpd="sng" algn="ctr">
-                      <a:solidFill>
-                        <a:schemeClr val="bg1">
-                          <a:lumMod val="75000"/>
-                        </a:schemeClr>
-                      </a:solidFill>
-                      <a:prstDash val="solid"/>
-                      <a:round/>
-                      <a:headEnd type="none" w="med" len="med"/>
-                      <a:tailEnd type="none" w="med" len="med"/>
-                    </a:lnT>
-                    <a:lnB w="6350" cap="flat" cmpd="sng" algn="ctr">
-                      <a:solidFill>
-                        <a:schemeClr val="bg1">
-                          <a:lumMod val="75000"/>
-                        </a:schemeClr>
-                      </a:solidFill>
-                      <a:prstDash val="solid"/>
-                      <a:round/>
-                      <a:headEnd type="none" w="med" len="med"/>
-                      <a:tailEnd type="none" w="med" len="med"/>
-                    </a:lnB>
-                    <a:lnTlToBr w="12700" cmpd="sng">
-                      <a:noFill/>
-                      <a:prstDash val="solid"/>
-                    </a:lnTlToBr>
-                    <a:lnBlToTr w="12700" cmpd="sng">
-                      <a:noFill/>
-                      <a:prstDash val="solid"/>
-                    </a:lnBlToTr>
-                    <a:noFill/>
-                  </a:tcPr>
-                </a:tc>
-                <a:extLst>
-                  <a:ext uri="{0D108BD9-81ED-4DB2-BD59-A6C34878D82A}">
-                    <a16:rowId xmlns:a16="http://schemas.microsoft.com/office/drawing/2014/main" val="1198512727"/>
-                  </a:ext>
-                </a:extLst>
-              </a:tr>
-              <a:tr h="2292162">
-                <a:tc>
-                  <a:txBody>
-                    <a:bodyPr/>
-                    <a:lstStyle/>
-                    <a:p>
-                      <a:pPr algn="l"/>
-                      <a:r>
-                        <a:rPr lang="en-US" sz="2000" dirty="0">
-                          <a:solidFill>
-                            <a:schemeClr val="tx1"/>
-                          </a:solidFill>
-                          <a:latin typeface="+mj-lt"/>
-                        </a:rPr>
-                        <a:t>Azure AD tenant/directory</a:t>
-                      </a:r>
-                    </a:p>
-                  </a:txBody>
-                  <a:tcPr marL="137160" marR="137160" marT="91440" marB="91440" anchor="ctr">
-                    <a:lnL w="6350" cap="flat" cmpd="sng" algn="ctr">
-                      <a:solidFill>
-                        <a:schemeClr val="bg1">
-                          <a:lumMod val="75000"/>
-                        </a:schemeClr>
-                      </a:solidFill>
-                      <a:prstDash val="solid"/>
-                      <a:round/>
-                      <a:headEnd type="none" w="med" len="med"/>
-                      <a:tailEnd type="none" w="med" len="med"/>
-                    </a:lnL>
-                    <a:lnR w="6350" cap="flat" cmpd="sng" algn="ctr">
-                      <a:noFill/>
-                      <a:prstDash val="solid"/>
-                      <a:round/>
-                      <a:headEnd type="none" w="med" len="med"/>
-                      <a:tailEnd type="none" w="med" len="med"/>
-                    </a:lnR>
-                    <a:lnT w="6350" cap="flat" cmpd="sng" algn="ctr">
-                      <a:solidFill>
-                        <a:schemeClr val="bg1">
-                          <a:lumMod val="75000"/>
-                        </a:schemeClr>
-                      </a:solidFill>
-                      <a:prstDash val="solid"/>
-                      <a:round/>
-                      <a:headEnd type="none" w="med" len="med"/>
-                      <a:tailEnd type="none" w="med" len="med"/>
-                    </a:lnT>
-                    <a:lnB w="6350" cap="flat" cmpd="sng" algn="ctr">
-                      <a:solidFill>
-                        <a:schemeClr val="bg1">
-                          <a:lumMod val="75000"/>
-                        </a:schemeClr>
-                      </a:solidFill>
-                      <a:prstDash val="solid"/>
-                      <a:round/>
-                      <a:headEnd type="none" w="med" len="med"/>
-                      <a:tailEnd type="none" w="med" len="med"/>
-                    </a:lnB>
-                    <a:lnTlToBr w="12700" cmpd="sng">
-                      <a:noFill/>
-                      <a:prstDash val="solid"/>
-                    </a:lnTlToBr>
-                    <a:lnBlToTr w="12700" cmpd="sng">
-                      <a:noFill/>
-                      <a:prstDash val="solid"/>
-                    </a:lnBlToTr>
-                    <a:solidFill>
-                      <a:schemeClr val="bg1">
-                        <a:lumMod val="95000"/>
-                      </a:schemeClr>
-                    </a:solidFill>
-                  </a:tcPr>
-                </a:tc>
-                <a:tc>
-                  <a:txBody>
-                    <a:bodyPr/>
-                    <a:lstStyle/>
-                    <a:p>
-                      <a:pPr rtl="0" fontAlgn="base"/>
-                      <a:r>
-                        <a:rPr lang="en-US" sz="1800" b="0" i="0" u="none" strike="noStrike" kern="1200" dirty="0">
-                          <a:solidFill>
-                            <a:schemeClr val="dk1"/>
-                          </a:solidFill>
-                          <a:effectLst/>
-                          <a:latin typeface="+mn-lt"/>
-                          <a:ea typeface="+mn-ea"/>
-                          <a:cs typeface="+mn-cs"/>
-                        </a:rPr>
-                        <a:t>A dedicated and trusted instance of Azure AD, a Tenant is automatically created when your organization signs up for a Microsoft cloud service subscription</a:t>
-                      </a:r>
-                      <a:r>
-                        <a:rPr lang="en-US" sz="1800" b="0" i="0" kern="1200" dirty="0">
-                          <a:solidFill>
-                            <a:schemeClr val="dk1"/>
-                          </a:solidFill>
-                          <a:effectLst/>
-                          <a:latin typeface="+mn-lt"/>
-                          <a:ea typeface="+mn-ea"/>
-                          <a:cs typeface="+mn-cs"/>
-                        </a:rPr>
-                        <a:t>​</a:t>
-                      </a:r>
-                      <a:br>
-                        <a:rPr lang="en-US" sz="1800" b="0" i="0" kern="1200" dirty="0">
-                          <a:solidFill>
-                            <a:schemeClr val="dk1"/>
-                          </a:solidFill>
-                          <a:effectLst/>
-                          <a:latin typeface="+mn-lt"/>
-                          <a:ea typeface="+mn-ea"/>
-                          <a:cs typeface="+mn-cs"/>
-                        </a:rPr>
-                      </a:br>
-                      <a:r>
-                        <a:rPr lang="en-US" sz="1800" b="0" i="0" u="none" strike="noStrike" kern="1200" dirty="0">
-                          <a:solidFill>
-                            <a:schemeClr val="dk1"/>
-                          </a:solidFill>
-                          <a:effectLst/>
-                          <a:latin typeface="+mn-lt"/>
-                          <a:ea typeface="+mn-ea"/>
-                          <a:cs typeface="+mn-cs"/>
-                        </a:rPr>
-                        <a:t> </a:t>
-                      </a:r>
-                      <a:r>
-                        <a:rPr lang="en-US" sz="1800" b="0" i="0" kern="1200" dirty="0">
-                          <a:solidFill>
-                            <a:schemeClr val="dk1"/>
-                          </a:solidFill>
-                          <a:effectLst/>
-                          <a:latin typeface="+mn-lt"/>
-                          <a:ea typeface="+mn-ea"/>
-                          <a:cs typeface="+mn-cs"/>
-                        </a:rPr>
-                        <a:t>​</a:t>
-                      </a:r>
-                    </a:p>
-                    <a:p>
-                      <a:pPr marL="285750" indent="-285750" rtl="0" fontAlgn="base">
-                        <a:buFont typeface="Arial" panose="020B0604020202020204" pitchFamily="34" charset="0"/>
-                        <a:buChar char="•"/>
-                      </a:pPr>
-                      <a:r>
-                        <a:rPr lang="en-US" sz="1800" b="0" i="0" u="none" strike="noStrike" kern="1200" dirty="0">
-                          <a:solidFill>
-                            <a:schemeClr val="dk1"/>
-                          </a:solidFill>
-                          <a:effectLst/>
-                          <a:latin typeface="+mn-lt"/>
-                          <a:ea typeface="+mn-ea"/>
-                          <a:cs typeface="+mn-cs"/>
-                        </a:rPr>
-                        <a:t>Additional instances of Azure AD can be created</a:t>
-                      </a:r>
-                      <a:r>
-                        <a:rPr lang="en-US" sz="1800" b="0" i="0" kern="1200" dirty="0">
-                          <a:solidFill>
-                            <a:schemeClr val="dk1"/>
-                          </a:solidFill>
-                          <a:effectLst/>
-                          <a:latin typeface="+mn-lt"/>
-                          <a:ea typeface="+mn-ea"/>
-                          <a:cs typeface="+mn-cs"/>
-                        </a:rPr>
-                        <a:t>​</a:t>
-                      </a:r>
-                    </a:p>
-                    <a:p>
-                      <a:pPr marL="285750" indent="-285750" rtl="0" fontAlgn="base">
-                        <a:buFont typeface="Arial" panose="020B0604020202020204" pitchFamily="34" charset="0"/>
-                        <a:buChar char="•"/>
-                      </a:pPr>
-                      <a:r>
-                        <a:rPr lang="en-US" sz="1800" b="0" i="0" u="none" strike="noStrike" kern="1200" dirty="0">
-                          <a:solidFill>
-                            <a:schemeClr val="dk1"/>
-                          </a:solidFill>
-                          <a:effectLst/>
-                          <a:latin typeface="+mn-lt"/>
-                          <a:ea typeface="+mn-ea"/>
-                          <a:cs typeface="+mn-cs"/>
-                        </a:rPr>
-                        <a:t>Azure AD is the underlying product providing the identity service</a:t>
-                      </a:r>
-                      <a:r>
-                        <a:rPr lang="en-US" sz="1800" b="0" i="0" kern="1200" dirty="0">
-                          <a:solidFill>
-                            <a:schemeClr val="dk1"/>
-                          </a:solidFill>
-                          <a:effectLst/>
-                          <a:latin typeface="+mn-lt"/>
-                          <a:ea typeface="+mn-ea"/>
-                          <a:cs typeface="+mn-cs"/>
-                        </a:rPr>
-                        <a:t>​</a:t>
-                      </a:r>
-                    </a:p>
-                    <a:p>
-                      <a:pPr marL="285750" indent="-285750" rtl="0" fontAlgn="base">
-                        <a:buFont typeface="Arial" panose="020B0604020202020204" pitchFamily="34" charset="0"/>
-                        <a:buChar char="•"/>
-                      </a:pPr>
-                      <a:r>
-                        <a:rPr lang="en-US" sz="1800" b="0" i="0" u="none" strike="noStrike" kern="1200" dirty="0">
-                          <a:solidFill>
-                            <a:schemeClr val="dk1"/>
-                          </a:solidFill>
-                          <a:effectLst/>
-                          <a:latin typeface="+mn-lt"/>
-                          <a:ea typeface="+mn-ea"/>
-                          <a:cs typeface="+mn-cs"/>
-                        </a:rPr>
-                        <a:t>The term </a:t>
-                      </a:r>
-                      <a:r>
-                        <a:rPr lang="en-US" sz="1800" b="0" i="1" u="none" strike="noStrike" kern="1200" dirty="0">
-                          <a:solidFill>
-                            <a:schemeClr val="dk1"/>
-                          </a:solidFill>
-                          <a:effectLst/>
-                          <a:latin typeface="+mn-lt"/>
-                          <a:ea typeface="+mn-ea"/>
-                          <a:cs typeface="+mn-cs"/>
-                        </a:rPr>
-                        <a:t>Tenant</a:t>
-                      </a:r>
-                      <a:r>
-                        <a:rPr lang="en-US" sz="1800" b="0" i="0" u="none" strike="noStrike" kern="1200" dirty="0">
-                          <a:solidFill>
-                            <a:schemeClr val="dk1"/>
-                          </a:solidFill>
-                          <a:effectLst/>
-                          <a:latin typeface="+mn-lt"/>
-                          <a:ea typeface="+mn-ea"/>
-                          <a:cs typeface="+mn-cs"/>
-                        </a:rPr>
-                        <a:t> means a single instance of Azure AD representing a single organization</a:t>
-                      </a:r>
-                      <a:r>
-                        <a:rPr lang="en-US" sz="1800" b="0" i="0" kern="1200" dirty="0">
-                          <a:solidFill>
-                            <a:schemeClr val="dk1"/>
-                          </a:solidFill>
-                          <a:effectLst/>
-                          <a:latin typeface="+mn-lt"/>
-                          <a:ea typeface="+mn-ea"/>
-                          <a:cs typeface="+mn-cs"/>
-                        </a:rPr>
-                        <a:t>​</a:t>
-                      </a:r>
-                    </a:p>
-                    <a:p>
-                      <a:pPr marL="285750" indent="-285750" rtl="0" fontAlgn="base">
-                        <a:buFont typeface="Arial" panose="020B0604020202020204" pitchFamily="34" charset="0"/>
-                        <a:buChar char="•"/>
-                      </a:pPr>
-                      <a:r>
-                        <a:rPr lang="en-US" sz="1800" b="0" i="0" u="none" strike="noStrike" kern="1200" dirty="0">
-                          <a:solidFill>
-                            <a:schemeClr val="dk1"/>
-                          </a:solidFill>
-                          <a:effectLst/>
-                          <a:latin typeface="+mn-lt"/>
-                          <a:ea typeface="+mn-ea"/>
-                          <a:cs typeface="+mn-cs"/>
-                        </a:rPr>
-                        <a:t>The terms </a:t>
-                      </a:r>
-                      <a:r>
-                        <a:rPr lang="en-US" sz="1800" b="0" i="1" u="none" strike="noStrike" kern="1200" dirty="0">
-                          <a:solidFill>
-                            <a:schemeClr val="dk1"/>
-                          </a:solidFill>
-                          <a:effectLst/>
-                          <a:latin typeface="+mn-lt"/>
-                          <a:ea typeface="+mn-ea"/>
-                          <a:cs typeface="+mn-cs"/>
-                        </a:rPr>
-                        <a:t>Tenant </a:t>
-                      </a:r>
-                      <a:r>
-                        <a:rPr lang="en-US" sz="1800" b="0" i="0" u="none" strike="noStrike" kern="1200" dirty="0">
-                          <a:solidFill>
-                            <a:schemeClr val="dk1"/>
-                          </a:solidFill>
-                          <a:effectLst/>
-                          <a:latin typeface="+mn-lt"/>
-                          <a:ea typeface="+mn-ea"/>
-                          <a:cs typeface="+mn-cs"/>
-                        </a:rPr>
-                        <a:t>and </a:t>
-                      </a:r>
-                      <a:r>
-                        <a:rPr lang="en-US" sz="1800" b="0" i="1" u="none" strike="noStrike" kern="1200" dirty="0">
-                          <a:solidFill>
-                            <a:schemeClr val="dk1"/>
-                          </a:solidFill>
-                          <a:effectLst/>
-                          <a:latin typeface="+mn-lt"/>
-                          <a:ea typeface="+mn-ea"/>
-                          <a:cs typeface="+mn-cs"/>
-                        </a:rPr>
-                        <a:t>Directory</a:t>
-                      </a:r>
-                      <a:r>
-                        <a:rPr lang="en-US" sz="1800" b="0" i="0" u="none" strike="noStrike" kern="1200" dirty="0">
-                          <a:solidFill>
-                            <a:schemeClr val="dk1"/>
-                          </a:solidFill>
-                          <a:effectLst/>
-                          <a:latin typeface="+mn-lt"/>
-                          <a:ea typeface="+mn-ea"/>
-                          <a:cs typeface="+mn-cs"/>
-                        </a:rPr>
-                        <a:t> are often used interchangeably</a:t>
-                      </a:r>
-                      <a:r>
-                        <a:rPr lang="en-US" sz="1800" b="0" i="0" kern="1200" dirty="0">
-                          <a:solidFill>
-                            <a:schemeClr val="dk1"/>
-                          </a:solidFill>
-                          <a:effectLst/>
-                          <a:latin typeface="+mn-lt"/>
-                          <a:ea typeface="+mn-ea"/>
-                          <a:cs typeface="+mn-cs"/>
-                        </a:rPr>
-                        <a:t>​</a:t>
-                      </a:r>
-                    </a:p>
-                  </a:txBody>
-                  <a:tcPr marL="137160" marR="137160" marT="91440" marB="91440" anchor="ctr">
-                    <a:lnL w="6350" cap="flat" cmpd="sng" algn="ctr">
-                      <a:noFill/>
-                      <a:prstDash val="solid"/>
-                      <a:round/>
-                      <a:headEnd type="none" w="med" len="med"/>
-                      <a:tailEnd type="none" w="med" len="med"/>
-                    </a:lnL>
-                    <a:lnR w="6350" cap="flat" cmpd="sng" algn="ctr">
-                      <a:solidFill>
-                        <a:schemeClr val="bg1">
-                          <a:lumMod val="75000"/>
-                        </a:schemeClr>
-                      </a:solidFill>
-                      <a:prstDash val="solid"/>
-                      <a:round/>
-                      <a:headEnd type="none" w="med" len="med"/>
-                      <a:tailEnd type="none" w="med" len="med"/>
-                    </a:lnR>
-                    <a:lnT w="6350" cap="flat" cmpd="sng" algn="ctr">
-                      <a:solidFill>
-                        <a:schemeClr val="bg1">
-                          <a:lumMod val="75000"/>
-                        </a:schemeClr>
-                      </a:solidFill>
-                      <a:prstDash val="solid"/>
-                      <a:round/>
-                      <a:headEnd type="none" w="med" len="med"/>
-                      <a:tailEnd type="none" w="med" len="med"/>
-                    </a:lnT>
-                    <a:lnB w="6350" cap="flat" cmpd="sng" algn="ctr">
-                      <a:solidFill>
-                        <a:schemeClr val="bg1">
-                          <a:lumMod val="75000"/>
-                        </a:schemeClr>
-                      </a:solidFill>
-                      <a:prstDash val="solid"/>
-                      <a:round/>
-                      <a:headEnd type="none" w="med" len="med"/>
-                      <a:tailEnd type="none" w="med" len="med"/>
-                    </a:lnB>
-                    <a:lnTlToBr w="12700" cmpd="sng">
-                      <a:noFill/>
-                      <a:prstDash val="solid"/>
-                    </a:lnTlToBr>
-                    <a:lnBlToTr w="12700" cmpd="sng">
-                      <a:noFill/>
-                      <a:prstDash val="solid"/>
-                    </a:lnBlToTr>
-                    <a:noFill/>
-                  </a:tcPr>
-                </a:tc>
-                <a:extLst>
-                  <a:ext uri="{0D108BD9-81ED-4DB2-BD59-A6C34878D82A}">
-                    <a16:rowId xmlns:a16="http://schemas.microsoft.com/office/drawing/2014/main" val="362684497"/>
-                  </a:ext>
-                </a:extLst>
-              </a:tr>
-              <a:tr h="578382">
-                <a:tc>
-                  <a:txBody>
-                    <a:bodyPr/>
-                    <a:lstStyle/>
-                    <a:p>
-                      <a:pPr lvl="0" algn="l">
-                        <a:buNone/>
-                      </a:pPr>
-                      <a:r>
-                        <a:rPr lang="en-US" sz="2000" dirty="0">
-                          <a:solidFill>
-                            <a:schemeClr val="tx1"/>
-                          </a:solidFill>
-                          <a:latin typeface="+mj-lt"/>
-                        </a:rPr>
-                        <a:t>Azure subscription</a:t>
-                      </a:r>
-                    </a:p>
-                  </a:txBody>
-                  <a:tcPr marL="137160" marR="137160" marT="91440" marB="91440" anchor="ctr">
-                    <a:lnL w="6350" cap="flat" cmpd="sng" algn="ctr">
-                      <a:solidFill>
-                        <a:schemeClr val="bg1">
-                          <a:lumMod val="75000"/>
-                        </a:schemeClr>
-                      </a:solidFill>
-                      <a:prstDash val="solid"/>
-                      <a:round/>
-                      <a:headEnd type="none" w="med" len="med"/>
-                      <a:tailEnd type="none" w="med" len="med"/>
-                    </a:lnL>
-                    <a:lnR w="6350" cap="flat" cmpd="sng" algn="ctr">
-                      <a:noFill/>
-                      <a:prstDash val="solid"/>
-                      <a:round/>
-                      <a:headEnd type="none" w="med" len="med"/>
-                      <a:tailEnd type="none" w="med" len="med"/>
-                    </a:lnR>
-                    <a:lnT w="6350" cap="flat" cmpd="sng" algn="ctr">
-                      <a:solidFill>
-                        <a:schemeClr val="bg1">
-                          <a:lumMod val="75000"/>
-                        </a:schemeClr>
-                      </a:solidFill>
-                      <a:prstDash val="solid"/>
-                      <a:round/>
-                      <a:headEnd type="none" w="med" len="med"/>
-                      <a:tailEnd type="none" w="med" len="med"/>
-                    </a:lnT>
-                    <a:lnB w="6350" cap="flat" cmpd="sng" algn="ctr">
-                      <a:solidFill>
-                        <a:schemeClr val="bg1">
-                          <a:lumMod val="75000"/>
-                        </a:schemeClr>
-                      </a:solidFill>
-                      <a:prstDash val="solid"/>
-                      <a:round/>
-                      <a:headEnd type="none" w="med" len="med"/>
-                      <a:tailEnd type="none" w="med" len="med"/>
-                    </a:lnB>
-                    <a:lnTlToBr w="12700" cmpd="sng">
-                      <a:noFill/>
-                      <a:prstDash val="solid"/>
-                    </a:lnTlToBr>
-                    <a:lnBlToTr w="12700" cmpd="sng">
-                      <a:noFill/>
-                      <a:prstDash val="solid"/>
-                    </a:lnBlToTr>
-                    <a:solidFill>
-                      <a:schemeClr val="bg1">
-                        <a:lumMod val="95000"/>
-                      </a:schemeClr>
-                    </a:solidFill>
-                  </a:tcPr>
-                </a:tc>
-                <a:tc>
-                  <a:txBody>
-                    <a:bodyPr/>
-                    <a:lstStyle/>
-                    <a:p>
-                      <a:pPr lvl="0" algn="l">
-                        <a:buNone/>
-                      </a:pPr>
-                      <a:r>
-                        <a:rPr lang="en-US" sz="2000" b="0" i="0" u="none" strike="noStrike" noProof="0" dirty="0">
-                          <a:solidFill>
-                            <a:schemeClr val="tx1"/>
-                          </a:solidFill>
-                          <a:latin typeface="Segoe UI"/>
-                        </a:rPr>
-                        <a:t>Used to pay for Azure cloud services</a:t>
-                      </a:r>
-                      <a:endParaRPr lang="en-US" sz="2000" dirty="0">
-                        <a:solidFill>
-                          <a:schemeClr val="tx1"/>
-                        </a:solidFill>
-                      </a:endParaRPr>
-                    </a:p>
-                  </a:txBody>
-                  <a:tcPr marL="137160" marR="137160" marT="91440" marB="91440" anchor="ctr">
-                    <a:lnL w="6350" cap="flat" cmpd="sng" algn="ctr">
-                      <a:noFill/>
-                      <a:prstDash val="solid"/>
-                      <a:round/>
-                      <a:headEnd type="none" w="med" len="med"/>
-                      <a:tailEnd type="none" w="med" len="med"/>
-                    </a:lnL>
-                    <a:lnR w="6350" cap="flat" cmpd="sng" algn="ctr">
-                      <a:solidFill>
-                        <a:schemeClr val="bg1">
-                          <a:lumMod val="75000"/>
-                        </a:schemeClr>
-                      </a:solidFill>
-                      <a:prstDash val="solid"/>
-                      <a:round/>
-                      <a:headEnd type="none" w="med" len="med"/>
-                      <a:tailEnd type="none" w="med" len="med"/>
-                    </a:lnR>
-                    <a:lnT w="6350" cap="flat" cmpd="sng" algn="ctr">
-                      <a:solidFill>
-                        <a:schemeClr val="bg1">
-                          <a:lumMod val="75000"/>
-                        </a:schemeClr>
-                      </a:solidFill>
-                      <a:prstDash val="solid"/>
-                      <a:round/>
-                      <a:headEnd type="none" w="med" len="med"/>
-                      <a:tailEnd type="none" w="med" len="med"/>
-                    </a:lnT>
-                    <a:lnB w="6350" cap="flat" cmpd="sng" algn="ctr">
-                      <a:solidFill>
-                        <a:schemeClr val="bg1">
-                          <a:lumMod val="75000"/>
-                        </a:schemeClr>
-                      </a:solidFill>
-                      <a:prstDash val="solid"/>
-                      <a:round/>
-                      <a:headEnd type="none" w="med" len="med"/>
-                      <a:tailEnd type="none" w="med" len="med"/>
-                    </a:lnB>
-                    <a:lnTlToBr w="12700" cmpd="sng">
-                      <a:noFill/>
-                      <a:prstDash val="solid"/>
-                    </a:lnTlToBr>
-                    <a:lnBlToTr w="12700" cmpd="sng">
-                      <a:noFill/>
-                      <a:prstDash val="solid"/>
-                    </a:lnBlToTr>
-                    <a:noFill/>
-                  </a:tcPr>
-                </a:tc>
-                <a:extLst>
-                  <a:ext uri="{0D108BD9-81ED-4DB2-BD59-A6C34878D82A}">
-                    <a16:rowId xmlns:a16="http://schemas.microsoft.com/office/drawing/2014/main" val="3362493009"/>
-                  </a:ext>
-                </a:extLst>
-              </a:tr>
-            </a:tbl>
-          </a:graphicData>
-        </a:graphic>
-      </p:graphicFrame>
-    </p:spTree>
-    <p:extLst>
-      <p:ext uri="{BB962C8B-B14F-4D97-AF65-F5344CB8AC3E}">
-        <p14:creationId xmlns:p14="http://schemas.microsoft.com/office/powerpoint/2010/main" val="2137074036"/>
       </p:ext>
     </p:extLst>
   </p:cSld>
